--- a/Midterm-Exam/report/Presentation1.pptx
+++ b/Midterm-Exam/report/Presentation1.pptx
@@ -9,10 +9,12 @@
     <p:sldId id="257" r:id="rId4"/>
     <p:sldId id="265" r:id="rId5"/>
     <p:sldId id="258" r:id="rId6"/>
-    <p:sldId id="260" r:id="rId7"/>
-    <p:sldId id="263" r:id="rId8"/>
-    <p:sldId id="264" r:id="rId9"/>
-    <p:sldId id="270" r:id="rId10"/>
+    <p:sldId id="272" r:id="rId7"/>
+    <p:sldId id="260" r:id="rId8"/>
+    <p:sldId id="271" r:id="rId9"/>
+    <p:sldId id="263" r:id="rId10"/>
+    <p:sldId id="264" r:id="rId11"/>
+    <p:sldId id="270" r:id="rId12"/>
   </p:sldIdLst>
   <p:sldSz cx="12192000" cy="6858000"/>
   <p:notesSz cx="6858000" cy="9144000"/>
@@ -6038,6 +6040,1656 @@
 </p:sld>
 </file>
 
+<file path=ppt/slides/slide10.xml><?xml version="1.0" encoding="utf-8"?>
+<p:sld xmlns:a="http://schemas.openxmlformats.org/drawingml/2006/main" xmlns:r="http://schemas.openxmlformats.org/officeDocument/2006/relationships" xmlns:p="http://schemas.openxmlformats.org/presentationml/2006/main">
+  <p:cSld>
+    <p:spTree>
+      <p:nvGrpSpPr>
+        <p:cNvPr id="1" name=""/>
+        <p:cNvGrpSpPr/>
+        <p:nvPr/>
+      </p:nvGrpSpPr>
+      <p:grpSpPr/>
+      <p:graphicFrame>
+        <p:nvGraphicFramePr>
+          <p:cNvPr id="4" name="Table 3"/>
+          <p:cNvGraphicFramePr/>
+          <p:nvPr/>
+        </p:nvGraphicFramePr>
+        <p:xfrm>
+          <a:off x="1802130" y="772160"/>
+          <a:ext cx="506095" cy="3219450"/>
+        </p:xfrm>
+        <a:graphic>
+          <a:graphicData uri="http://schemas.openxmlformats.org/drawingml/2006/table">
+            <a:tbl>
+              <a:tblPr firstRow="1" bandRow="1">
+                <a:tableStyleId>{FABFCF23-3B69-468F-B69F-88F6DE6A72F2}</a:tableStyleId>
+              </a:tblPr>
+              <a:tblGrid>
+                <a:gridCol w="506095"/>
+              </a:tblGrid>
+              <a:tr h="381000">
+                <a:tc>
+                  <a:txBody>
+                    <a:bodyPr/>
+                    <a:p>
+                      <a:pPr algn="ctr">
+                        <a:buNone/>
+                      </a:pPr>
+                      <a:r>
+                        <a:rPr lang="x-none">
+                          <a:solidFill>
+                            <a:schemeClr val="tx1"/>
+                          </a:solidFill>
+                        </a:rPr>
+                        <a:t>7</a:t>
+                      </a:r>
+                      <a:endParaRPr lang="x-none">
+                        <a:solidFill>
+                          <a:schemeClr val="tx1"/>
+                        </a:solidFill>
+                      </a:endParaRPr>
+                    </a:p>
+                  </a:txBody>
+                  <a:tcPr>
+                    <a:lnL w="12700">
+                      <a:solidFill>
+                        <a:schemeClr val="tx1"/>
+                      </a:solidFill>
+                      <a:prstDash val="solid"/>
+                    </a:lnL>
+                    <a:lnR w="12700">
+                      <a:solidFill>
+                        <a:schemeClr val="tx1"/>
+                      </a:solidFill>
+                      <a:prstDash val="solid"/>
+                    </a:lnR>
+                    <a:lnT w="12700">
+                      <a:solidFill>
+                        <a:schemeClr val="tx1"/>
+                      </a:solidFill>
+                      <a:prstDash val="solid"/>
+                    </a:lnT>
+                    <a:lnB w="12700">
+                      <a:solidFill>
+                        <a:schemeClr val="tx1"/>
+                      </a:solidFill>
+                      <a:prstDash val="solid"/>
+                    </a:lnB>
+                    <a:noFill/>
+                  </a:tcPr>
+                </a:tc>
+              </a:tr>
+              <a:tr h="381000">
+                <a:tc>
+                  <a:txBody>
+                    <a:bodyPr/>
+                    <a:p>
+                      <a:pPr algn="ctr">
+                        <a:buNone/>
+                      </a:pPr>
+                      <a:r>
+                        <a:rPr lang="x-none">
+                          <a:solidFill>
+                            <a:schemeClr val="tx1"/>
+                          </a:solidFill>
+                        </a:rPr>
+                        <a:t>6</a:t>
+                      </a:r>
+                      <a:endParaRPr lang="x-none">
+                        <a:solidFill>
+                          <a:schemeClr val="tx1"/>
+                        </a:solidFill>
+                      </a:endParaRPr>
+                    </a:p>
+                  </a:txBody>
+                  <a:tcPr>
+                    <a:lnL w="12700">
+                      <a:solidFill>
+                        <a:schemeClr val="tx1"/>
+                      </a:solidFill>
+                      <a:prstDash val="solid"/>
+                    </a:lnL>
+                    <a:lnR w="12700">
+                      <a:solidFill>
+                        <a:schemeClr val="tx1"/>
+                      </a:solidFill>
+                      <a:prstDash val="solid"/>
+                    </a:lnR>
+                    <a:lnT w="12700">
+                      <a:solidFill>
+                        <a:schemeClr val="tx1"/>
+                      </a:solidFill>
+                      <a:prstDash val="solid"/>
+                    </a:lnT>
+                    <a:lnB w="12700">
+                      <a:solidFill>
+                        <a:schemeClr val="tx1"/>
+                      </a:solidFill>
+                      <a:prstDash val="solid"/>
+                    </a:lnB>
+                    <a:noFill/>
+                  </a:tcPr>
+                </a:tc>
+              </a:tr>
+              <a:tr h="381000">
+                <a:tc>
+                  <a:txBody>
+                    <a:bodyPr/>
+                    <a:p>
+                      <a:pPr algn="ctr">
+                        <a:buNone/>
+                      </a:pPr>
+                      <a:r>
+                        <a:rPr lang="x-none">
+                          <a:solidFill>
+                            <a:schemeClr val="tx1"/>
+                          </a:solidFill>
+                        </a:rPr>
+                        <a:t>5</a:t>
+                      </a:r>
+                      <a:endParaRPr lang="x-none">
+                        <a:solidFill>
+                          <a:schemeClr val="tx1"/>
+                        </a:solidFill>
+                      </a:endParaRPr>
+                    </a:p>
+                  </a:txBody>
+                  <a:tcPr>
+                    <a:lnL w="12700">
+                      <a:solidFill>
+                        <a:schemeClr val="tx1"/>
+                      </a:solidFill>
+                      <a:prstDash val="solid"/>
+                    </a:lnL>
+                    <a:lnR w="12700">
+                      <a:solidFill>
+                        <a:schemeClr val="tx1"/>
+                      </a:solidFill>
+                      <a:prstDash val="solid"/>
+                    </a:lnR>
+                    <a:lnT w="12700">
+                      <a:solidFill>
+                        <a:schemeClr val="tx1"/>
+                      </a:solidFill>
+                      <a:prstDash val="solid"/>
+                    </a:lnT>
+                    <a:lnB w="12700">
+                      <a:solidFill>
+                        <a:schemeClr val="tx1"/>
+                      </a:solidFill>
+                      <a:prstDash val="solid"/>
+                    </a:lnB>
+                    <a:noFill/>
+                  </a:tcPr>
+                </a:tc>
+              </a:tr>
+              <a:tr h="381000">
+                <a:tc>
+                  <a:txBody>
+                    <a:bodyPr/>
+                    <a:p>
+                      <a:pPr algn="ctr">
+                        <a:buNone/>
+                      </a:pPr>
+                      <a:r>
+                        <a:rPr lang="x-none">
+                          <a:solidFill>
+                            <a:schemeClr val="tx1"/>
+                          </a:solidFill>
+                        </a:rPr>
+                        <a:t>3</a:t>
+                      </a:r>
+                      <a:endParaRPr lang="x-none">
+                        <a:solidFill>
+                          <a:schemeClr val="tx1"/>
+                        </a:solidFill>
+                      </a:endParaRPr>
+                    </a:p>
+                  </a:txBody>
+                  <a:tcPr>
+                    <a:lnL w="12700">
+                      <a:solidFill>
+                        <a:schemeClr val="tx1"/>
+                      </a:solidFill>
+                      <a:prstDash val="solid"/>
+                    </a:lnL>
+                    <a:lnR w="12700">
+                      <a:solidFill>
+                        <a:schemeClr val="tx1"/>
+                      </a:solidFill>
+                      <a:prstDash val="solid"/>
+                    </a:lnR>
+                    <a:lnT w="12700">
+                      <a:solidFill>
+                        <a:schemeClr val="tx1"/>
+                      </a:solidFill>
+                      <a:prstDash val="solid"/>
+                    </a:lnT>
+                    <a:lnB w="12700">
+                      <a:solidFill>
+                        <a:schemeClr val="tx1"/>
+                      </a:solidFill>
+                      <a:prstDash val="solid"/>
+                    </a:lnB>
+                    <a:noFill/>
+                  </a:tcPr>
+                </a:tc>
+              </a:tr>
+              <a:tr h="381000">
+                <a:tc>
+                  <a:txBody>
+                    <a:bodyPr/>
+                    <a:p>
+                      <a:pPr algn="ctr">
+                        <a:buNone/>
+                      </a:pPr>
+                      <a:r>
+                        <a:rPr lang="x-none" b="0" i="1">
+                          <a:solidFill>
+                            <a:schemeClr val="tx1"/>
+                          </a:solidFill>
+                          <a:latin typeface="+mj-lt"/>
+                        </a:rPr>
+                        <a:t>4</a:t>
+                      </a:r>
+                      <a:endParaRPr lang="x-none" b="0" i="1">
+                        <a:solidFill>
+                          <a:schemeClr val="tx1"/>
+                        </a:solidFill>
+                        <a:latin typeface="+mj-lt"/>
+                      </a:endParaRPr>
+                    </a:p>
+                  </a:txBody>
+                  <a:tcPr>
+                    <a:lnL w="12700">
+                      <a:solidFill>
+                        <a:schemeClr val="tx1"/>
+                      </a:solidFill>
+                      <a:prstDash val="solid"/>
+                    </a:lnL>
+                    <a:lnR w="12700">
+                      <a:solidFill>
+                        <a:schemeClr val="tx1"/>
+                      </a:solidFill>
+                      <a:prstDash val="solid"/>
+                    </a:lnR>
+                    <a:lnT w="12700">
+                      <a:solidFill>
+                        <a:schemeClr val="tx1"/>
+                      </a:solidFill>
+                      <a:prstDash val="solid"/>
+                    </a:lnT>
+                    <a:lnB w="12700">
+                      <a:solidFill>
+                        <a:schemeClr val="tx1"/>
+                      </a:solidFill>
+                      <a:prstDash val="solid"/>
+                    </a:lnB>
+                    <a:solidFill>
+                      <a:schemeClr val="bg1">
+                        <a:lumMod val="75000"/>
+                      </a:schemeClr>
+                    </a:solidFill>
+                  </a:tcPr>
+                </a:tc>
+              </a:tr>
+              <a:tr h="381000">
+                <a:tc>
+                  <a:txBody>
+                    <a:bodyPr/>
+                    <a:p>
+                      <a:pPr algn="ctr">
+                        <a:buNone/>
+                      </a:pPr>
+                      <a:r>
+                        <a:rPr lang="x-none" b="0" i="1">
+                          <a:solidFill>
+                            <a:schemeClr val="tx1"/>
+                          </a:solidFill>
+                          <a:latin typeface="+mj-lt"/>
+                        </a:rPr>
+                        <a:t>2</a:t>
+                      </a:r>
+                      <a:endParaRPr lang="x-none" b="0" i="1">
+                        <a:solidFill>
+                          <a:schemeClr val="tx1"/>
+                        </a:solidFill>
+                        <a:latin typeface="+mj-lt"/>
+                      </a:endParaRPr>
+                    </a:p>
+                  </a:txBody>
+                  <a:tcPr>
+                    <a:lnL w="12700">
+                      <a:solidFill>
+                        <a:schemeClr val="tx1"/>
+                      </a:solidFill>
+                      <a:prstDash val="solid"/>
+                    </a:lnL>
+                    <a:lnR w="12700">
+                      <a:solidFill>
+                        <a:schemeClr val="tx1"/>
+                      </a:solidFill>
+                      <a:prstDash val="solid"/>
+                    </a:lnR>
+                    <a:lnT w="12700">
+                      <a:solidFill>
+                        <a:schemeClr val="tx1"/>
+                      </a:solidFill>
+                      <a:prstDash val="solid"/>
+                    </a:lnT>
+                    <a:lnB w="12700">
+                      <a:solidFill>
+                        <a:schemeClr val="tx1"/>
+                      </a:solidFill>
+                      <a:prstDash val="solid"/>
+                    </a:lnB>
+                    <a:solidFill>
+                      <a:schemeClr val="bg1">
+                        <a:lumMod val="75000"/>
+                      </a:schemeClr>
+                    </a:solidFill>
+                  </a:tcPr>
+                </a:tc>
+              </a:tr>
+              <a:tr h="381000">
+                <a:tc>
+                  <a:txBody>
+                    <a:bodyPr/>
+                    <a:p>
+                      <a:pPr algn="ctr">
+                        <a:buNone/>
+                      </a:pPr>
+                      <a:r>
+                        <a:rPr lang="x-none" b="0" i="1">
+                          <a:solidFill>
+                            <a:schemeClr val="tx1"/>
+                          </a:solidFill>
+                          <a:latin typeface="+mj-lt"/>
+                        </a:rPr>
+                        <a:t>1</a:t>
+                      </a:r>
+                      <a:endParaRPr lang="x-none" b="0" i="1">
+                        <a:solidFill>
+                          <a:schemeClr val="tx1"/>
+                        </a:solidFill>
+                        <a:latin typeface="+mj-lt"/>
+                      </a:endParaRPr>
+                    </a:p>
+                  </a:txBody>
+                  <a:tcPr>
+                    <a:lnL w="12700">
+                      <a:solidFill>
+                        <a:schemeClr val="tx1"/>
+                      </a:solidFill>
+                      <a:prstDash val="solid"/>
+                    </a:lnL>
+                    <a:lnR w="12700">
+                      <a:solidFill>
+                        <a:schemeClr val="tx1"/>
+                      </a:solidFill>
+                      <a:prstDash val="solid"/>
+                    </a:lnR>
+                    <a:lnT w="12700">
+                      <a:solidFill>
+                        <a:schemeClr val="tx1"/>
+                      </a:solidFill>
+                      <a:prstDash val="solid"/>
+                    </a:lnT>
+                    <a:lnB w="12700">
+                      <a:solidFill>
+                        <a:schemeClr val="tx1"/>
+                      </a:solidFill>
+                      <a:prstDash val="solid"/>
+                    </a:lnB>
+                    <a:solidFill>
+                      <a:schemeClr val="bg1">
+                        <a:lumMod val="75000"/>
+                      </a:schemeClr>
+                    </a:solidFill>
+                  </a:tcPr>
+                </a:tc>
+              </a:tr>
+              <a:tr h="381000">
+                <a:tc>
+                  <a:txBody>
+                    <a:bodyPr/>
+                    <a:p>
+                      <a:pPr algn="ctr">
+                        <a:buNone/>
+                      </a:pPr>
+                      <a:r>
+                        <a:rPr lang="x-none" b="0" i="1">
+                          <a:solidFill>
+                            <a:schemeClr val="tx1"/>
+                          </a:solidFill>
+                          <a:latin typeface="+mj-lt"/>
+                        </a:rPr>
+                        <a:t>0</a:t>
+                      </a:r>
+                      <a:endParaRPr lang="x-none" b="0" i="1">
+                        <a:solidFill>
+                          <a:schemeClr val="tx1"/>
+                        </a:solidFill>
+                        <a:latin typeface="+mj-lt"/>
+                      </a:endParaRPr>
+                    </a:p>
+                  </a:txBody>
+                  <a:tcPr>
+                    <a:lnL w="12700">
+                      <a:solidFill>
+                        <a:schemeClr val="tx1"/>
+                      </a:solidFill>
+                      <a:prstDash val="solid"/>
+                    </a:lnL>
+                    <a:lnR w="12700">
+                      <a:solidFill>
+                        <a:schemeClr val="tx1"/>
+                      </a:solidFill>
+                      <a:prstDash val="solid"/>
+                    </a:lnR>
+                    <a:lnT w="12700">
+                      <a:solidFill>
+                        <a:schemeClr val="tx1"/>
+                      </a:solidFill>
+                      <a:prstDash val="solid"/>
+                    </a:lnT>
+                    <a:lnB w="12700">
+                      <a:solidFill>
+                        <a:schemeClr val="tx1"/>
+                      </a:solidFill>
+                      <a:prstDash val="solid"/>
+                    </a:lnB>
+                    <a:solidFill>
+                      <a:schemeClr val="bg1">
+                        <a:lumMod val="75000"/>
+                      </a:schemeClr>
+                    </a:solidFill>
+                  </a:tcPr>
+                </a:tc>
+              </a:tr>
+            </a:tbl>
+          </a:graphicData>
+        </a:graphic>
+      </p:graphicFrame>
+      <p:graphicFrame>
+        <p:nvGraphicFramePr>
+          <p:cNvPr id="2" name="Table 1"/>
+          <p:cNvGraphicFramePr/>
+          <p:nvPr/>
+        </p:nvGraphicFramePr>
+        <p:xfrm>
+          <a:off x="3134360" y="774700"/>
+          <a:ext cx="506095" cy="3219450"/>
+        </p:xfrm>
+        <a:graphic>
+          <a:graphicData uri="http://schemas.openxmlformats.org/drawingml/2006/table">
+            <a:tbl>
+              <a:tblPr firstRow="1" bandRow="1">
+                <a:tableStyleId>{FABFCF23-3B69-468F-B69F-88F6DE6A72F2}</a:tableStyleId>
+              </a:tblPr>
+              <a:tblGrid>
+                <a:gridCol w="506095"/>
+              </a:tblGrid>
+              <a:tr h="552450">
+                <a:tc>
+                  <a:txBody>
+                    <a:bodyPr/>
+                    <a:p>
+                      <a:pPr algn="ctr">
+                        <a:buNone/>
+                      </a:pPr>
+                      <a:r>
+                        <a:rPr lang="x-none">
+                          <a:solidFill>
+                            <a:schemeClr val="tx1"/>
+                          </a:solidFill>
+                        </a:rPr>
+                        <a:t>7</a:t>
+                      </a:r>
+                      <a:endParaRPr lang="x-none">
+                        <a:solidFill>
+                          <a:schemeClr val="tx1"/>
+                        </a:solidFill>
+                      </a:endParaRPr>
+                    </a:p>
+                  </a:txBody>
+                  <a:tcPr>
+                    <a:lnL w="12700">
+                      <a:solidFill>
+                        <a:schemeClr val="tx1"/>
+                      </a:solidFill>
+                      <a:prstDash val="solid"/>
+                    </a:lnL>
+                    <a:lnR w="12700">
+                      <a:solidFill>
+                        <a:schemeClr val="tx1"/>
+                      </a:solidFill>
+                      <a:prstDash val="solid"/>
+                    </a:lnR>
+                    <a:lnT w="12700">
+                      <a:solidFill>
+                        <a:schemeClr val="tx1"/>
+                      </a:solidFill>
+                      <a:prstDash val="solid"/>
+                    </a:lnT>
+                    <a:lnB w="12700">
+                      <a:solidFill>
+                        <a:schemeClr val="tx1"/>
+                      </a:solidFill>
+                      <a:prstDash val="solid"/>
+                    </a:lnB>
+                    <a:noFill/>
+                  </a:tcPr>
+                </a:tc>
+              </a:tr>
+              <a:tr h="381000">
+                <a:tc>
+                  <a:txBody>
+                    <a:bodyPr/>
+                    <a:p>
+                      <a:pPr algn="ctr">
+                        <a:buNone/>
+                      </a:pPr>
+                      <a:r>
+                        <a:rPr lang="x-none">
+                          <a:solidFill>
+                            <a:schemeClr val="tx1"/>
+                          </a:solidFill>
+                        </a:rPr>
+                        <a:t>6</a:t>
+                      </a:r>
+                      <a:endParaRPr lang="x-none">
+                        <a:solidFill>
+                          <a:schemeClr val="tx1"/>
+                        </a:solidFill>
+                      </a:endParaRPr>
+                    </a:p>
+                  </a:txBody>
+                  <a:tcPr>
+                    <a:lnL w="12700">
+                      <a:solidFill>
+                        <a:schemeClr val="tx1"/>
+                      </a:solidFill>
+                      <a:prstDash val="solid"/>
+                    </a:lnL>
+                    <a:lnR w="12700">
+                      <a:solidFill>
+                        <a:schemeClr val="tx1"/>
+                      </a:solidFill>
+                      <a:prstDash val="solid"/>
+                    </a:lnR>
+                    <a:lnT w="12700">
+                      <a:solidFill>
+                        <a:schemeClr val="tx1"/>
+                      </a:solidFill>
+                      <a:prstDash val="solid"/>
+                    </a:lnT>
+                    <a:lnB w="12700">
+                      <a:solidFill>
+                        <a:schemeClr val="tx1"/>
+                      </a:solidFill>
+                      <a:prstDash val="solid"/>
+                    </a:lnB>
+                    <a:noFill/>
+                  </a:tcPr>
+                </a:tc>
+              </a:tr>
+              <a:tr h="381000">
+                <a:tc>
+                  <a:txBody>
+                    <a:bodyPr/>
+                    <a:p>
+                      <a:pPr algn="ctr">
+                        <a:buNone/>
+                      </a:pPr>
+                      <a:r>
+                        <a:rPr lang="x-none">
+                          <a:solidFill>
+                            <a:schemeClr val="tx1"/>
+                          </a:solidFill>
+                        </a:rPr>
+                        <a:t>5</a:t>
+                      </a:r>
+                      <a:endParaRPr lang="x-none">
+                        <a:solidFill>
+                          <a:schemeClr val="tx1"/>
+                        </a:solidFill>
+                      </a:endParaRPr>
+                    </a:p>
+                  </a:txBody>
+                  <a:tcPr>
+                    <a:lnL w="12700">
+                      <a:solidFill>
+                        <a:schemeClr val="tx1"/>
+                      </a:solidFill>
+                      <a:prstDash val="solid"/>
+                    </a:lnL>
+                    <a:lnR w="12700">
+                      <a:solidFill>
+                        <a:schemeClr val="tx1"/>
+                      </a:solidFill>
+                      <a:prstDash val="solid"/>
+                    </a:lnR>
+                    <a:lnT w="12700">
+                      <a:solidFill>
+                        <a:schemeClr val="tx1"/>
+                      </a:solidFill>
+                      <a:prstDash val="solid"/>
+                    </a:lnT>
+                    <a:lnB w="12700">
+                      <a:solidFill>
+                        <a:schemeClr val="tx1"/>
+                      </a:solidFill>
+                      <a:prstDash val="solid"/>
+                    </a:lnB>
+                    <a:noFill/>
+                  </a:tcPr>
+                </a:tc>
+              </a:tr>
+              <a:tr h="381000">
+                <a:tc>
+                  <a:txBody>
+                    <a:bodyPr/>
+                    <a:p>
+                      <a:pPr algn="ctr">
+                        <a:buNone/>
+                      </a:pPr>
+                      <a:r>
+                        <a:rPr lang="x-none">
+                          <a:solidFill>
+                            <a:schemeClr val="tx1"/>
+                          </a:solidFill>
+                        </a:rPr>
+                        <a:t>3</a:t>
+                      </a:r>
+                      <a:endParaRPr lang="x-none">
+                        <a:solidFill>
+                          <a:schemeClr val="tx1"/>
+                        </a:solidFill>
+                      </a:endParaRPr>
+                    </a:p>
+                  </a:txBody>
+                  <a:tcPr>
+                    <a:lnL w="12700">
+                      <a:solidFill>
+                        <a:schemeClr val="tx1"/>
+                      </a:solidFill>
+                      <a:prstDash val="solid"/>
+                    </a:lnL>
+                    <a:lnR w="12700">
+                      <a:solidFill>
+                        <a:schemeClr val="tx1"/>
+                      </a:solidFill>
+                      <a:prstDash val="solid"/>
+                    </a:lnR>
+                    <a:lnT w="12700">
+                      <a:solidFill>
+                        <a:schemeClr val="tx1"/>
+                      </a:solidFill>
+                      <a:prstDash val="solid"/>
+                    </a:lnT>
+                    <a:lnB w="12700">
+                      <a:solidFill>
+                        <a:schemeClr val="tx1"/>
+                      </a:solidFill>
+                      <a:prstDash val="solid"/>
+                    </a:lnB>
+                    <a:solidFill>
+                      <a:schemeClr val="bg1">
+                        <a:lumMod val="75000"/>
+                      </a:schemeClr>
+                    </a:solidFill>
+                  </a:tcPr>
+                </a:tc>
+              </a:tr>
+              <a:tr h="381000">
+                <a:tc>
+                  <a:txBody>
+                    <a:bodyPr/>
+                    <a:p>
+                      <a:pPr algn="ctr">
+                        <a:buNone/>
+                      </a:pPr>
+                      <a:r>
+                        <a:rPr lang="x-none">
+                          <a:solidFill>
+                            <a:schemeClr val="tx1"/>
+                          </a:solidFill>
+                        </a:rPr>
+                        <a:t>4</a:t>
+                      </a:r>
+                      <a:endParaRPr lang="x-none">
+                        <a:solidFill>
+                          <a:schemeClr val="tx1"/>
+                        </a:solidFill>
+                      </a:endParaRPr>
+                    </a:p>
+                  </a:txBody>
+                  <a:tcPr>
+                    <a:lnL w="12700">
+                      <a:solidFill>
+                        <a:schemeClr val="tx1"/>
+                      </a:solidFill>
+                      <a:prstDash val="solid"/>
+                    </a:lnL>
+                    <a:lnR w="12700">
+                      <a:solidFill>
+                        <a:schemeClr val="tx1"/>
+                      </a:solidFill>
+                      <a:prstDash val="solid"/>
+                    </a:lnR>
+                    <a:lnT w="12700">
+                      <a:solidFill>
+                        <a:schemeClr val="tx1"/>
+                      </a:solidFill>
+                      <a:prstDash val="solid"/>
+                    </a:lnT>
+                    <a:lnB w="12700">
+                      <a:solidFill>
+                        <a:schemeClr val="tx1"/>
+                      </a:solidFill>
+                      <a:prstDash val="solid"/>
+                    </a:lnB>
+                    <a:solidFill>
+                      <a:schemeClr val="bg1">
+                        <a:lumMod val="75000"/>
+                      </a:schemeClr>
+                    </a:solidFill>
+                  </a:tcPr>
+                </a:tc>
+              </a:tr>
+              <a:tr h="381000">
+                <a:tc>
+                  <a:txBody>
+                    <a:bodyPr/>
+                    <a:p>
+                      <a:pPr algn="ctr">
+                        <a:buNone/>
+                      </a:pPr>
+                      <a:r>
+                        <a:rPr lang="x-none">
+                          <a:solidFill>
+                            <a:schemeClr val="tx1"/>
+                          </a:solidFill>
+                        </a:rPr>
+                        <a:t>2</a:t>
+                      </a:r>
+                      <a:endParaRPr lang="x-none">
+                        <a:solidFill>
+                          <a:schemeClr val="tx1"/>
+                        </a:solidFill>
+                      </a:endParaRPr>
+                    </a:p>
+                  </a:txBody>
+                  <a:tcPr>
+                    <a:lnL w="12700">
+                      <a:solidFill>
+                        <a:schemeClr val="tx1"/>
+                      </a:solidFill>
+                      <a:prstDash val="solid"/>
+                    </a:lnL>
+                    <a:lnR w="12700">
+                      <a:solidFill>
+                        <a:schemeClr val="tx1"/>
+                      </a:solidFill>
+                      <a:prstDash val="solid"/>
+                    </a:lnR>
+                    <a:lnT w="12700">
+                      <a:solidFill>
+                        <a:schemeClr val="tx1"/>
+                      </a:solidFill>
+                      <a:prstDash val="solid"/>
+                    </a:lnT>
+                    <a:lnB w="12700">
+                      <a:solidFill>
+                        <a:schemeClr val="tx1"/>
+                      </a:solidFill>
+                      <a:prstDash val="solid"/>
+                    </a:lnB>
+                    <a:solidFill>
+                      <a:schemeClr val="bg1">
+                        <a:lumMod val="75000"/>
+                      </a:schemeClr>
+                    </a:solidFill>
+                  </a:tcPr>
+                </a:tc>
+              </a:tr>
+              <a:tr h="381000">
+                <a:tc>
+                  <a:txBody>
+                    <a:bodyPr/>
+                    <a:p>
+                      <a:pPr algn="ctr">
+                        <a:buNone/>
+                      </a:pPr>
+                      <a:r>
+                        <a:rPr lang="x-none">
+                          <a:solidFill>
+                            <a:schemeClr val="tx1"/>
+                          </a:solidFill>
+                        </a:rPr>
+                        <a:t>1</a:t>
+                      </a:r>
+                      <a:endParaRPr lang="x-none">
+                        <a:solidFill>
+                          <a:schemeClr val="tx1"/>
+                        </a:solidFill>
+                      </a:endParaRPr>
+                    </a:p>
+                  </a:txBody>
+                  <a:tcPr>
+                    <a:lnL w="12700">
+                      <a:solidFill>
+                        <a:schemeClr val="tx1"/>
+                      </a:solidFill>
+                      <a:prstDash val="solid"/>
+                    </a:lnL>
+                    <a:lnR w="12700">
+                      <a:solidFill>
+                        <a:schemeClr val="tx1"/>
+                      </a:solidFill>
+                      <a:prstDash val="solid"/>
+                    </a:lnR>
+                    <a:lnT w="12700">
+                      <a:solidFill>
+                        <a:schemeClr val="tx1"/>
+                      </a:solidFill>
+                      <a:prstDash val="solid"/>
+                    </a:lnT>
+                    <a:lnB w="12700">
+                      <a:solidFill>
+                        <a:schemeClr val="tx1"/>
+                      </a:solidFill>
+                      <a:prstDash val="solid"/>
+                    </a:lnB>
+                    <a:solidFill>
+                      <a:schemeClr val="bg1">
+                        <a:lumMod val="75000"/>
+                      </a:schemeClr>
+                    </a:solidFill>
+                  </a:tcPr>
+                </a:tc>
+              </a:tr>
+              <a:tr h="381000">
+                <a:tc>
+                  <a:txBody>
+                    <a:bodyPr/>
+                    <a:p>
+                      <a:pPr algn="ctr">
+                        <a:buNone/>
+                      </a:pPr>
+                      <a:r>
+                        <a:rPr lang="x-none">
+                          <a:solidFill>
+                            <a:schemeClr val="tx1"/>
+                          </a:solidFill>
+                        </a:rPr>
+                        <a:t>0</a:t>
+                      </a:r>
+                      <a:endParaRPr lang="x-none">
+                        <a:solidFill>
+                          <a:schemeClr val="tx1"/>
+                        </a:solidFill>
+                      </a:endParaRPr>
+                    </a:p>
+                  </a:txBody>
+                  <a:tcPr>
+                    <a:lnL w="12700">
+                      <a:solidFill>
+                        <a:schemeClr val="tx1"/>
+                      </a:solidFill>
+                      <a:prstDash val="solid"/>
+                    </a:lnL>
+                    <a:lnR w="12700">
+                      <a:solidFill>
+                        <a:schemeClr val="tx1"/>
+                      </a:solidFill>
+                      <a:prstDash val="solid"/>
+                    </a:lnR>
+                    <a:lnT w="12700">
+                      <a:solidFill>
+                        <a:schemeClr val="tx1"/>
+                      </a:solidFill>
+                      <a:prstDash val="solid"/>
+                    </a:lnT>
+                    <a:lnB w="12700">
+                      <a:solidFill>
+                        <a:schemeClr val="tx1"/>
+                      </a:solidFill>
+                      <a:prstDash val="solid"/>
+                    </a:lnB>
+                    <a:solidFill>
+                      <a:schemeClr val="bg1">
+                        <a:lumMod val="75000"/>
+                      </a:schemeClr>
+                    </a:solidFill>
+                  </a:tcPr>
+                </a:tc>
+              </a:tr>
+            </a:tbl>
+          </a:graphicData>
+        </a:graphic>
+      </p:graphicFrame>
+      <p:graphicFrame>
+        <p:nvGraphicFramePr>
+          <p:cNvPr id="3" name="Table 2"/>
+          <p:cNvGraphicFramePr/>
+          <p:nvPr/>
+        </p:nvGraphicFramePr>
+        <p:xfrm>
+          <a:off x="4308475" y="760730"/>
+          <a:ext cx="506095" cy="4406265"/>
+        </p:xfrm>
+        <a:graphic>
+          <a:graphicData uri="http://schemas.openxmlformats.org/drawingml/2006/table">
+            <a:tbl>
+              <a:tblPr firstRow="1" bandRow="1">
+                <a:tableStyleId>{FABFCF23-3B69-468F-B69F-88F6DE6A72F2}</a:tableStyleId>
+              </a:tblPr>
+              <a:tblGrid>
+                <a:gridCol w="506095"/>
+              </a:tblGrid>
+              <a:tr h="552450">
+                <a:tc>
+                  <a:txBody>
+                    <a:bodyPr/>
+                    <a:p>
+                      <a:pPr algn="ctr">
+                        <a:buNone/>
+                      </a:pPr>
+                      <a:r>
+                        <a:rPr lang="x-none">
+                          <a:solidFill>
+                            <a:schemeClr val="tx1"/>
+                          </a:solidFill>
+                        </a:rPr>
+                        <a:t>7</a:t>
+                      </a:r>
+                      <a:endParaRPr lang="x-none">
+                        <a:solidFill>
+                          <a:schemeClr val="tx1"/>
+                        </a:solidFill>
+                      </a:endParaRPr>
+                    </a:p>
+                  </a:txBody>
+                  <a:tcPr>
+                    <a:lnL w="12700">
+                      <a:solidFill>
+                        <a:schemeClr val="tx1"/>
+                      </a:solidFill>
+                      <a:prstDash val="solid"/>
+                    </a:lnL>
+                    <a:lnR w="12700">
+                      <a:solidFill>
+                        <a:schemeClr val="tx1"/>
+                      </a:solidFill>
+                      <a:prstDash val="solid"/>
+                    </a:lnR>
+                    <a:lnT w="12700">
+                      <a:solidFill>
+                        <a:schemeClr val="tx1"/>
+                      </a:solidFill>
+                      <a:prstDash val="solid"/>
+                    </a:lnT>
+                    <a:lnB w="12700">
+                      <a:solidFill>
+                        <a:schemeClr val="tx1"/>
+                      </a:solidFill>
+                      <a:prstDash val="solid"/>
+                    </a:lnB>
+                    <a:noFill/>
+                  </a:tcPr>
+                </a:tc>
+              </a:tr>
+              <a:tr h="381000">
+                <a:tc>
+                  <a:txBody>
+                    <a:bodyPr/>
+                    <a:p>
+                      <a:pPr algn="ctr">
+                        <a:buNone/>
+                      </a:pPr>
+                      <a:r>
+                        <a:rPr lang="x-none">
+                          <a:solidFill>
+                            <a:schemeClr val="tx1"/>
+                          </a:solidFill>
+                        </a:rPr>
+                        <a:t>6</a:t>
+                      </a:r>
+                      <a:endParaRPr lang="x-none">
+                        <a:solidFill>
+                          <a:schemeClr val="tx1"/>
+                        </a:solidFill>
+                      </a:endParaRPr>
+                    </a:p>
+                  </a:txBody>
+                  <a:tcPr>
+                    <a:lnL w="12700">
+                      <a:solidFill>
+                        <a:schemeClr val="tx1"/>
+                      </a:solidFill>
+                      <a:prstDash val="solid"/>
+                    </a:lnL>
+                    <a:lnR w="12700">
+                      <a:solidFill>
+                        <a:schemeClr val="tx1"/>
+                      </a:solidFill>
+                      <a:prstDash val="solid"/>
+                    </a:lnR>
+                    <a:lnT w="12700">
+                      <a:solidFill>
+                        <a:schemeClr val="tx1"/>
+                      </a:solidFill>
+                      <a:prstDash val="solid"/>
+                    </a:lnT>
+                    <a:lnB w="12700">
+                      <a:solidFill>
+                        <a:schemeClr val="tx1"/>
+                      </a:solidFill>
+                      <a:prstDash val="solid"/>
+                    </a:lnB>
+                    <a:noFill/>
+                  </a:tcPr>
+                </a:tc>
+              </a:tr>
+              <a:tr h="381000">
+                <a:tc>
+                  <a:txBody>
+                    <a:bodyPr/>
+                    <a:p>
+                      <a:pPr algn="ctr">
+                        <a:buNone/>
+                      </a:pPr>
+                      <a:r>
+                        <a:rPr lang="x-none">
+                          <a:solidFill>
+                            <a:schemeClr val="tx1"/>
+                          </a:solidFill>
+                        </a:rPr>
+                        <a:t>5</a:t>
+                      </a:r>
+                      <a:endParaRPr lang="x-none">
+                        <a:solidFill>
+                          <a:schemeClr val="tx1"/>
+                        </a:solidFill>
+                      </a:endParaRPr>
+                    </a:p>
+                  </a:txBody>
+                  <a:tcPr>
+                    <a:lnL w="12700">
+                      <a:solidFill>
+                        <a:schemeClr val="tx1"/>
+                      </a:solidFill>
+                      <a:prstDash val="solid"/>
+                    </a:lnL>
+                    <a:lnR w="12700">
+                      <a:solidFill>
+                        <a:schemeClr val="tx1"/>
+                      </a:solidFill>
+                      <a:prstDash val="solid"/>
+                    </a:lnR>
+                    <a:lnT w="12700">
+                      <a:solidFill>
+                        <a:schemeClr val="tx1"/>
+                      </a:solidFill>
+                      <a:prstDash val="solid"/>
+                    </a:lnT>
+                    <a:lnB w="12700">
+                      <a:solidFill>
+                        <a:schemeClr val="tx1"/>
+                      </a:solidFill>
+                      <a:prstDash val="solid"/>
+                    </a:lnB>
+                    <a:solidFill>
+                      <a:schemeClr val="bg1">
+                        <a:lumMod val="75000"/>
+                      </a:schemeClr>
+                    </a:solidFill>
+                  </a:tcPr>
+                </a:tc>
+              </a:tr>
+              <a:tr h="381000">
+                <a:tc>
+                  <a:txBody>
+                    <a:bodyPr/>
+                    <a:p>
+                      <a:pPr algn="ctr">
+                        <a:buNone/>
+                      </a:pPr>
+                      <a:r>
+                        <a:rPr lang="x-none">
+                          <a:solidFill>
+                            <a:schemeClr val="tx1"/>
+                          </a:solidFill>
+                        </a:rPr>
+                        <a:t>3</a:t>
+                      </a:r>
+                      <a:endParaRPr lang="x-none">
+                        <a:solidFill>
+                          <a:schemeClr val="tx1"/>
+                        </a:solidFill>
+                      </a:endParaRPr>
+                    </a:p>
+                  </a:txBody>
+                  <a:tcPr>
+                    <a:lnL w="12700">
+                      <a:solidFill>
+                        <a:schemeClr val="tx1"/>
+                      </a:solidFill>
+                      <a:prstDash val="solid"/>
+                    </a:lnL>
+                    <a:lnR w="12700">
+                      <a:solidFill>
+                        <a:schemeClr val="tx1"/>
+                      </a:solidFill>
+                      <a:prstDash val="solid"/>
+                    </a:lnR>
+                    <a:lnT w="12700">
+                      <a:solidFill>
+                        <a:schemeClr val="tx1"/>
+                      </a:solidFill>
+                      <a:prstDash val="solid"/>
+                    </a:lnT>
+                    <a:lnB w="12700">
+                      <a:solidFill>
+                        <a:schemeClr val="tx1"/>
+                      </a:solidFill>
+                      <a:prstDash val="solid"/>
+                    </a:lnB>
+                    <a:solidFill>
+                      <a:schemeClr val="bg1">
+                        <a:lumMod val="75000"/>
+                      </a:schemeClr>
+                    </a:solidFill>
+                  </a:tcPr>
+                </a:tc>
+              </a:tr>
+              <a:tr h="381000">
+                <a:tc>
+                  <a:txBody>
+                    <a:bodyPr/>
+                    <a:p>
+                      <a:pPr algn="ctr">
+                        <a:buNone/>
+                      </a:pPr>
+                      <a:r>
+                        <a:rPr lang="x-none">
+                          <a:solidFill>
+                            <a:schemeClr val="tx1"/>
+                          </a:solidFill>
+                        </a:rPr>
+                        <a:t>4</a:t>
+                      </a:r>
+                      <a:endParaRPr lang="x-none">
+                        <a:solidFill>
+                          <a:schemeClr val="tx1"/>
+                        </a:solidFill>
+                      </a:endParaRPr>
+                    </a:p>
+                  </a:txBody>
+                  <a:tcPr>
+                    <a:lnL w="12700">
+                      <a:solidFill>
+                        <a:schemeClr val="tx1"/>
+                      </a:solidFill>
+                      <a:prstDash val="solid"/>
+                    </a:lnL>
+                    <a:lnR w="12700">
+                      <a:solidFill>
+                        <a:schemeClr val="tx1"/>
+                      </a:solidFill>
+                      <a:prstDash val="solid"/>
+                    </a:lnR>
+                    <a:lnT w="12700">
+                      <a:solidFill>
+                        <a:schemeClr val="tx1"/>
+                      </a:solidFill>
+                      <a:prstDash val="solid"/>
+                    </a:lnT>
+                    <a:lnB w="12700">
+                      <a:solidFill>
+                        <a:schemeClr val="tx1"/>
+                      </a:solidFill>
+                      <a:prstDash val="solid"/>
+                    </a:lnB>
+                    <a:solidFill>
+                      <a:schemeClr val="bg1">
+                        <a:lumMod val="75000"/>
+                      </a:schemeClr>
+                    </a:solidFill>
+                  </a:tcPr>
+                </a:tc>
+              </a:tr>
+              <a:tr h="381000">
+                <a:tc>
+                  <a:txBody>
+                    <a:bodyPr/>
+                    <a:p>
+                      <a:pPr algn="ctr">
+                        <a:buNone/>
+                      </a:pPr>
+                      <a:r>
+                        <a:rPr lang="x-none">
+                          <a:solidFill>
+                            <a:schemeClr val="tx1"/>
+                          </a:solidFill>
+                        </a:rPr>
+                        <a:t>2</a:t>
+                      </a:r>
+                      <a:endParaRPr lang="x-none">
+                        <a:solidFill>
+                          <a:schemeClr val="tx1"/>
+                        </a:solidFill>
+                      </a:endParaRPr>
+                    </a:p>
+                  </a:txBody>
+                  <a:tcPr>
+                    <a:lnL w="12700">
+                      <a:solidFill>
+                        <a:schemeClr val="tx1"/>
+                      </a:solidFill>
+                      <a:prstDash val="solid"/>
+                    </a:lnL>
+                    <a:lnR w="12700">
+                      <a:solidFill>
+                        <a:schemeClr val="tx1"/>
+                      </a:solidFill>
+                      <a:prstDash val="solid"/>
+                    </a:lnR>
+                    <a:lnT w="12700">
+                      <a:solidFill>
+                        <a:schemeClr val="tx1"/>
+                      </a:solidFill>
+                      <a:prstDash val="solid"/>
+                    </a:lnT>
+                    <a:lnB w="12700">
+                      <a:solidFill>
+                        <a:schemeClr val="tx1"/>
+                      </a:solidFill>
+                      <a:prstDash val="solid"/>
+                    </a:lnB>
+                    <a:solidFill>
+                      <a:schemeClr val="bg1">
+                        <a:lumMod val="75000"/>
+                      </a:schemeClr>
+                    </a:solidFill>
+                  </a:tcPr>
+                </a:tc>
+              </a:tr>
+              <a:tr h="381000">
+                <a:tc>
+                  <a:txBody>
+                    <a:bodyPr/>
+                    <a:p>
+                      <a:pPr algn="ctr">
+                        <a:buNone/>
+                      </a:pPr>
+                      <a:r>
+                        <a:rPr lang="x-none">
+                          <a:solidFill>
+                            <a:schemeClr val="tx1"/>
+                          </a:solidFill>
+                        </a:rPr>
+                        <a:t>1</a:t>
+                      </a:r>
+                      <a:endParaRPr lang="x-none">
+                        <a:solidFill>
+                          <a:schemeClr val="tx1"/>
+                        </a:solidFill>
+                      </a:endParaRPr>
+                    </a:p>
+                  </a:txBody>
+                  <a:tcPr>
+                    <a:lnL w="12700">
+                      <a:solidFill>
+                        <a:schemeClr val="tx1"/>
+                      </a:solidFill>
+                      <a:prstDash val="solid"/>
+                    </a:lnL>
+                    <a:lnR w="12700">
+                      <a:solidFill>
+                        <a:schemeClr val="tx1"/>
+                      </a:solidFill>
+                      <a:prstDash val="solid"/>
+                    </a:lnR>
+                    <a:lnT w="12700">
+                      <a:solidFill>
+                        <a:schemeClr val="tx1"/>
+                      </a:solidFill>
+                      <a:prstDash val="solid"/>
+                    </a:lnT>
+                    <a:lnB w="12700">
+                      <a:solidFill>
+                        <a:schemeClr val="tx1"/>
+                      </a:solidFill>
+                      <a:prstDash val="solid"/>
+                    </a:lnB>
+                    <a:solidFill>
+                      <a:schemeClr val="bg1">
+                        <a:lumMod val="75000"/>
+                      </a:schemeClr>
+                    </a:solidFill>
+                  </a:tcPr>
+                </a:tc>
+              </a:tr>
+              <a:tr h="381000">
+                <a:tc>
+                  <a:txBody>
+                    <a:bodyPr/>
+                    <a:p>
+                      <a:pPr algn="ctr">
+                        <a:buNone/>
+                      </a:pPr>
+                      <a:r>
+                        <a:rPr lang="x-none">
+                          <a:solidFill>
+                            <a:schemeClr val="tx1"/>
+                          </a:solidFill>
+                        </a:rPr>
+                        <a:t>0</a:t>
+                      </a:r>
+                      <a:endParaRPr lang="x-none">
+                        <a:solidFill>
+                          <a:schemeClr val="tx1"/>
+                        </a:solidFill>
+                      </a:endParaRPr>
+                    </a:p>
+                  </a:txBody>
+                  <a:tcPr>
+                    <a:lnL w="12700">
+                      <a:solidFill>
+                        <a:schemeClr val="tx1"/>
+                      </a:solidFill>
+                      <a:prstDash val="solid"/>
+                    </a:lnL>
+                    <a:lnR w="12700">
+                      <a:solidFill>
+                        <a:schemeClr val="tx1"/>
+                      </a:solidFill>
+                      <a:prstDash val="solid"/>
+                    </a:lnR>
+                    <a:lnT w="12700">
+                      <a:solidFill>
+                        <a:schemeClr val="tx1"/>
+                      </a:solidFill>
+                      <a:prstDash val="solid"/>
+                    </a:lnT>
+                    <a:lnB w="12700">
+                      <a:solidFill>
+                        <a:schemeClr val="tx1"/>
+                      </a:solidFill>
+                      <a:prstDash val="solid"/>
+                    </a:lnB>
+                    <a:solidFill>
+                      <a:schemeClr val="bg1">
+                        <a:lumMod val="75000"/>
+                      </a:schemeClr>
+                    </a:solidFill>
+                  </a:tcPr>
+                </a:tc>
+              </a:tr>
+            </a:tbl>
+          </a:graphicData>
+        </a:graphic>
+      </p:graphicFrame>
+      <p:sp>
+        <p:nvSpPr>
+          <p:cNvPr id="6" name="Left Brace 5"/>
+          <p:cNvSpPr/>
+          <p:nvPr/>
+        </p:nvSpPr>
+        <p:spPr>
+          <a:xfrm>
+            <a:off x="1517650" y="949325"/>
+            <a:ext cx="166370" cy="1944370"/>
+          </a:xfrm>
+          <a:prstGeom prst="leftBrace">
+            <a:avLst/>
+          </a:prstGeom>
+        </p:spPr>
+        <p:style>
+          <a:lnRef idx="1">
+            <a:schemeClr val="accent1"/>
+          </a:lnRef>
+          <a:fillRef idx="0">
+            <a:schemeClr val="accent1"/>
+          </a:fillRef>
+          <a:effectRef idx="0">
+            <a:schemeClr val="accent1"/>
+          </a:effectRef>
+          <a:fontRef idx="minor">
+            <a:schemeClr val="tx1"/>
+          </a:fontRef>
+        </p:style>
+        <p:txBody>
+          <a:bodyPr rtlCol="0" anchor="ctr"/>
+          <a:p>
+            <a:pPr algn="ctr"/>
+            <a:endParaRPr lang="en-IN" altLang="en-US"/>
+          </a:p>
+        </p:txBody>
+      </p:sp>
+      <p:sp>
+        <p:nvSpPr>
+          <p:cNvPr id="7" name="Left Brace 6"/>
+          <p:cNvSpPr/>
+          <p:nvPr/>
+        </p:nvSpPr>
+        <p:spPr>
+          <a:xfrm>
+            <a:off x="2780665" y="833120"/>
+            <a:ext cx="166370" cy="1421130"/>
+          </a:xfrm>
+          <a:prstGeom prst="leftBrace">
+            <a:avLst/>
+          </a:prstGeom>
+        </p:spPr>
+        <p:style>
+          <a:lnRef idx="1">
+            <a:schemeClr val="accent1"/>
+          </a:lnRef>
+          <a:fillRef idx="0">
+            <a:schemeClr val="accent1"/>
+          </a:fillRef>
+          <a:effectRef idx="0">
+            <a:schemeClr val="accent1"/>
+          </a:effectRef>
+          <a:fontRef idx="minor">
+            <a:schemeClr val="tx1"/>
+          </a:fontRef>
+        </p:style>
+        <p:txBody>
+          <a:bodyPr rtlCol="0" anchor="ctr"/>
+          <a:p>
+            <a:pPr algn="ctr"/>
+            <a:endParaRPr lang="en-IN" altLang="en-US"/>
+          </a:p>
+        </p:txBody>
+      </p:sp>
+      <p:sp>
+        <p:nvSpPr>
+          <p:cNvPr id="8" name="Left Brace 7"/>
+          <p:cNvSpPr/>
+          <p:nvPr/>
+        </p:nvSpPr>
+        <p:spPr>
+          <a:xfrm>
+            <a:off x="4027805" y="807720"/>
+            <a:ext cx="166370" cy="998220"/>
+          </a:xfrm>
+          <a:prstGeom prst="leftBrace">
+            <a:avLst/>
+          </a:prstGeom>
+        </p:spPr>
+        <p:style>
+          <a:lnRef idx="1">
+            <a:schemeClr val="accent1"/>
+          </a:lnRef>
+          <a:fillRef idx="0">
+            <a:schemeClr val="accent1"/>
+          </a:fillRef>
+          <a:effectRef idx="0">
+            <a:schemeClr val="accent1"/>
+          </a:effectRef>
+          <a:fontRef idx="minor">
+            <a:schemeClr val="tx1"/>
+          </a:fontRef>
+        </p:style>
+        <p:txBody>
+          <a:bodyPr rtlCol="0" anchor="ctr"/>
+          <a:p>
+            <a:pPr algn="ctr"/>
+            <a:endParaRPr lang="en-IN" altLang="en-US"/>
+          </a:p>
+        </p:txBody>
+      </p:sp>
+      <p:sp>
+        <p:nvSpPr>
+          <p:cNvPr id="9" name="TextBox 8"/>
+          <p:cNvSpPr txBox="1"/>
+          <p:nvPr/>
+        </p:nvSpPr>
+        <p:spPr>
+          <a:xfrm>
+            <a:off x="958215" y="1040765"/>
+            <a:ext cx="641985" cy="1647825"/>
+          </a:xfrm>
+          <a:prstGeom prst="rect">
+            <a:avLst/>
+          </a:prstGeom>
+          <a:noFill/>
+        </p:spPr>
+        <p:txBody>
+          <a:bodyPr vert="vert270" wrap="square" rtlCol="0">
+            <a:spAutoFit/>
+          </a:bodyPr>
+          <a:p>
+            <a:r>
+              <a:rPr lang="x-none" altLang="en-IN"/>
+              <a:t>good channels</a:t>
+            </a:r>
+            <a:endParaRPr lang="x-none" altLang="en-IN"/>
+          </a:p>
+        </p:txBody>
+      </p:sp>
+      <p:sp>
+        <p:nvSpPr>
+          <p:cNvPr id="10" name="TextBox 9"/>
+          <p:cNvSpPr txBox="1"/>
+          <p:nvPr/>
+        </p:nvSpPr>
+        <p:spPr>
+          <a:xfrm>
+            <a:off x="2262505" y="666750"/>
+            <a:ext cx="641985" cy="1647825"/>
+          </a:xfrm>
+          <a:prstGeom prst="rect">
+            <a:avLst/>
+          </a:prstGeom>
+          <a:noFill/>
+        </p:spPr>
+        <p:txBody>
+          <a:bodyPr vert="vert270" wrap="square" rtlCol="0">
+            <a:spAutoFit/>
+          </a:bodyPr>
+          <a:p>
+            <a:r>
+              <a:rPr lang="x-none" altLang="en-IN"/>
+              <a:t>good channels</a:t>
+            </a:r>
+            <a:endParaRPr lang="x-none" altLang="en-IN"/>
+          </a:p>
+        </p:txBody>
+      </p:sp>
+      <p:sp>
+        <p:nvSpPr>
+          <p:cNvPr id="11" name="TextBox 10"/>
+          <p:cNvSpPr txBox="1"/>
+          <p:nvPr/>
+        </p:nvSpPr>
+        <p:spPr>
+          <a:xfrm>
+            <a:off x="3617595" y="466725"/>
+            <a:ext cx="641985" cy="1647825"/>
+          </a:xfrm>
+          <a:prstGeom prst="rect">
+            <a:avLst/>
+          </a:prstGeom>
+          <a:noFill/>
+        </p:spPr>
+        <p:txBody>
+          <a:bodyPr vert="vert270" wrap="square" rtlCol="0">
+            <a:spAutoFit/>
+          </a:bodyPr>
+          <a:p>
+            <a:r>
+              <a:rPr lang="x-none" altLang="en-IN"/>
+              <a:t>good channels</a:t>
+            </a:r>
+            <a:endParaRPr lang="x-none" altLang="en-IN"/>
+          </a:p>
+        </p:txBody>
+      </p:sp>
+      <p:sp>
+        <p:nvSpPr>
+          <p:cNvPr id="12" name="TextBox 11"/>
+          <p:cNvSpPr txBox="1"/>
+          <p:nvPr/>
+        </p:nvSpPr>
+        <p:spPr>
+          <a:xfrm>
+            <a:off x="1883410" y="5137785"/>
+            <a:ext cx="4795520" cy="550545"/>
+          </a:xfrm>
+          <a:prstGeom prst="rect">
+            <a:avLst/>
+          </a:prstGeom>
+          <a:noFill/>
+        </p:spPr>
+        <p:txBody>
+          <a:bodyPr wrap="square" rtlCol="0">
+            <a:spAutoFit/>
+          </a:bodyPr>
+          <a:p>
+            <a:r>
+              <a:rPr lang="x-none" altLang="en-IN"/>
+              <a:t>p</a:t>
+            </a:r>
+            <a:r>
+              <a:rPr lang="x-none" altLang="en-IN" baseline="-25000"/>
+              <a:t>1            </a:t>
+            </a:r>
+            <a:r>
+              <a:rPr lang="x-none" altLang="en-IN"/>
+              <a:t> &lt;      p</a:t>
+            </a:r>
+            <a:r>
+              <a:rPr lang="x-none" altLang="en-IN" baseline="-25000"/>
+              <a:t>2</a:t>
+            </a:r>
+            <a:r>
+              <a:rPr lang="x-none" altLang="en-IN"/>
+              <a:t>      &lt;         p</a:t>
+            </a:r>
+            <a:r>
+              <a:rPr lang="x-none" altLang="en-IN" baseline="-25000"/>
+              <a:t>3</a:t>
+            </a:r>
+            <a:endParaRPr lang="x-none" altLang="en-IN" baseline="-25000"/>
+          </a:p>
+        </p:txBody>
+      </p:sp>
+    </p:spTree>
+  </p:cSld>
+  <p:clrMapOvr>
+    <a:masterClrMapping/>
+  </p:clrMapOvr>
+</p:sld>
+</file>
+
 <file path=ppt/slides/slide2.xml><?xml version="1.0" encoding="utf-8"?>
 <p:sld xmlns:a="http://schemas.openxmlformats.org/drawingml/2006/main" xmlns:r="http://schemas.openxmlformats.org/officeDocument/2006/relationships" xmlns:p="http://schemas.openxmlformats.org/presentationml/2006/main">
   <p:cSld>
@@ -8450,6 +10102,1263 @@
 <file path=ppt/slides/slide5.xml><?xml version="1.0" encoding="utf-8"?>
 <p:sld xmlns:a="http://schemas.openxmlformats.org/drawingml/2006/main" xmlns:r="http://schemas.openxmlformats.org/officeDocument/2006/relationships" xmlns:p="http://schemas.openxmlformats.org/presentationml/2006/main">
   <p:cSld>
+    <p:spTree>
+      <p:nvGrpSpPr>
+        <p:cNvPr id="1" name=""/>
+        <p:cNvGrpSpPr/>
+        <p:nvPr/>
+      </p:nvGrpSpPr>
+      <p:grpSpPr/>
+      <p:grpSp>
+        <p:nvGrpSpPr>
+          <p:cNvPr id="25" name="Group 24"/>
+          <p:cNvGrpSpPr/>
+          <p:nvPr/>
+        </p:nvGrpSpPr>
+        <p:grpSpPr>
+          <a:xfrm>
+            <a:off x="2488688" y="1708121"/>
+            <a:ext cx="5213862" cy="2200792"/>
+            <a:chOff x="3811" y="2845"/>
+            <a:chExt cx="12714" cy="5345"/>
+          </a:xfrm>
+        </p:grpSpPr>
+        <p:sp>
+          <p:nvSpPr>
+            <p:cNvPr id="4" name="Rectangle 3"/>
+            <p:cNvSpPr/>
+            <p:nvPr/>
+          </p:nvSpPr>
+          <p:spPr>
+            <a:xfrm>
+              <a:off x="6619" y="2947"/>
+              <a:ext cx="2094" cy="5243"/>
+            </a:xfrm>
+            <a:prstGeom prst="rect">
+              <a:avLst/>
+            </a:prstGeom>
+            <a:noFill/>
+            <a:ln w="28575">
+              <a:solidFill>
+                <a:schemeClr val="tx1"/>
+              </a:solidFill>
+            </a:ln>
+            <a:extLst>
+              <a:ext uri="{909E8E84-426E-40DD-AFC4-6F175D3DCCD1}">
+                <a14:hiddenFill xmlns:a14="http://schemas.microsoft.com/office/drawing/2010/main">
+                  <a:solidFill>
+                    <a:schemeClr val="accent1"/>
+                  </a:solidFill>
+                </a14:hiddenFill>
+              </a:ext>
+            </a:extLst>
+          </p:spPr>
+          <p:style>
+            <a:lnRef idx="2">
+              <a:schemeClr val="accent1">
+                <a:shade val="50000"/>
+              </a:schemeClr>
+            </a:lnRef>
+            <a:fillRef idx="1">
+              <a:schemeClr val="accent1"/>
+            </a:fillRef>
+            <a:effectRef idx="0">
+              <a:schemeClr val="accent1"/>
+            </a:effectRef>
+            <a:fontRef idx="minor">
+              <a:schemeClr val="lt1"/>
+            </a:fontRef>
+          </p:style>
+          <p:txBody>
+            <a:bodyPr rtlCol="0" anchor="ctr"/>
+            <a:p>
+              <a:pPr algn="ctr"/>
+              <a:r>
+                <a:rPr lang="x-none" altLang="en-IN" sz="1600" b="1">
+                  <a:solidFill>
+                    <a:schemeClr val="tx1"/>
+                  </a:solidFill>
+                </a:rPr>
+                <a:t>T</a:t>
+              </a:r>
+              <a:endParaRPr lang="x-none" altLang="en-IN" sz="1600" b="1">
+                <a:solidFill>
+                  <a:schemeClr val="tx1"/>
+                </a:solidFill>
+              </a:endParaRPr>
+            </a:p>
+          </p:txBody>
+        </p:sp>
+        <p:sp>
+          <p:nvSpPr>
+            <p:cNvPr id="5" name="Rectangle 4"/>
+            <p:cNvSpPr/>
+            <p:nvPr/>
+          </p:nvSpPr>
+          <p:spPr>
+            <a:xfrm>
+              <a:off x="11284" y="2845"/>
+              <a:ext cx="2094" cy="5243"/>
+            </a:xfrm>
+            <a:prstGeom prst="rect">
+              <a:avLst/>
+            </a:prstGeom>
+            <a:noFill/>
+            <a:ln w="28575">
+              <a:solidFill>
+                <a:schemeClr val="tx1"/>
+              </a:solidFill>
+            </a:ln>
+            <a:extLst>
+              <a:ext uri="{909E8E84-426E-40DD-AFC4-6F175D3DCCD1}">
+                <a14:hiddenFill xmlns:a14="http://schemas.microsoft.com/office/drawing/2010/main">
+                  <a:solidFill>
+                    <a:schemeClr val="accent1"/>
+                  </a:solidFill>
+                </a14:hiddenFill>
+              </a:ext>
+            </a:extLst>
+          </p:spPr>
+          <p:style>
+            <a:lnRef idx="2">
+              <a:schemeClr val="accent1">
+                <a:shade val="50000"/>
+              </a:schemeClr>
+            </a:lnRef>
+            <a:fillRef idx="1">
+              <a:schemeClr val="accent1"/>
+            </a:fillRef>
+            <a:effectRef idx="0">
+              <a:schemeClr val="accent1"/>
+            </a:effectRef>
+            <a:fontRef idx="minor">
+              <a:schemeClr val="lt1"/>
+            </a:fontRef>
+          </p:style>
+          <p:txBody>
+            <a:bodyPr vert="vert" rtlCol="0" anchor="ctr"/>
+            <a:p>
+              <a:pPr algn="ctr"/>
+              <a:r>
+                <a:rPr lang="x-none" altLang="en-IN" sz="1400" b="1">
+                  <a:solidFill>
+                    <a:schemeClr val="tx1"/>
+                  </a:solidFill>
+                </a:rPr>
+                <a:t>DECODER</a:t>
+              </a:r>
+              <a:endParaRPr lang="x-none" altLang="en-IN" sz="1400" b="1" baseline="30000">
+                <a:solidFill>
+                  <a:schemeClr val="tx1"/>
+                </a:solidFill>
+              </a:endParaRPr>
+            </a:p>
+          </p:txBody>
+        </p:sp>
+        <p:sp>
+          <p:nvSpPr>
+            <p:cNvPr id="7" name="Rectangle 6"/>
+            <p:cNvSpPr/>
+            <p:nvPr/>
+          </p:nvSpPr>
+          <p:spPr>
+            <a:xfrm>
+              <a:off x="9514" y="4584"/>
+              <a:ext cx="1074" cy="2009"/>
+            </a:xfrm>
+            <a:prstGeom prst="rect">
+              <a:avLst/>
+            </a:prstGeom>
+            <a:noFill/>
+            <a:ln w="28575">
+              <a:solidFill>
+                <a:schemeClr val="tx1"/>
+              </a:solidFill>
+            </a:ln>
+            <a:extLst>
+              <a:ext uri="{909E8E84-426E-40DD-AFC4-6F175D3DCCD1}">
+                <a14:hiddenFill xmlns:a14="http://schemas.microsoft.com/office/drawing/2010/main">
+                  <a:solidFill>
+                    <a:schemeClr val="accent1"/>
+                  </a:solidFill>
+                </a14:hiddenFill>
+              </a:ext>
+            </a:extLst>
+          </p:spPr>
+          <p:style>
+            <a:lnRef idx="2">
+              <a:schemeClr val="accent1">
+                <a:shade val="50000"/>
+              </a:schemeClr>
+            </a:lnRef>
+            <a:fillRef idx="1">
+              <a:schemeClr val="accent1"/>
+            </a:fillRef>
+            <a:effectRef idx="0">
+              <a:schemeClr val="accent1"/>
+            </a:effectRef>
+            <a:fontRef idx="minor">
+              <a:schemeClr val="lt1"/>
+            </a:fontRef>
+          </p:style>
+          <p:txBody>
+            <a:bodyPr rtlCol="0" anchor="ctr"/>
+            <a:p>
+              <a:pPr algn="ctr"/>
+              <a:r>
+                <a:rPr lang="x-none" altLang="en-IN" sz="1200" b="1">
+                  <a:solidFill>
+                    <a:schemeClr val="tx1"/>
+                  </a:solidFill>
+                </a:rPr>
+                <a:t>W</a:t>
+              </a:r>
+              <a:r>
+                <a:rPr lang="x-none" altLang="en-IN" sz="1200" b="1" baseline="-25000">
+                  <a:solidFill>
+                    <a:schemeClr val="tx1"/>
+                  </a:solidFill>
+                </a:rPr>
+                <a:t>N</a:t>
+              </a:r>
+              <a:endParaRPr lang="x-none" altLang="en-IN" sz="1200" b="1" baseline="-25000">
+                <a:solidFill>
+                  <a:schemeClr val="tx1"/>
+                </a:solidFill>
+              </a:endParaRPr>
+            </a:p>
+          </p:txBody>
+        </p:sp>
+        <p:grpSp>
+          <p:nvGrpSpPr>
+            <p:cNvPr id="28" name="Group 27"/>
+            <p:cNvGrpSpPr/>
+            <p:nvPr/>
+          </p:nvGrpSpPr>
+          <p:grpSpPr>
+            <a:xfrm rot="0">
+              <a:off x="4747" y="3070"/>
+              <a:ext cx="1875" cy="4897"/>
+              <a:chOff x="4080" y="3305"/>
+              <a:chExt cx="2539" cy="4149"/>
+            </a:xfrm>
+          </p:grpSpPr>
+          <p:cxnSp>
+            <p:nvCxnSpPr>
+              <p:cNvPr id="8" name="Straight Arrow Connector 7"/>
+              <p:cNvCxnSpPr/>
+              <p:nvPr/>
+            </p:nvCxnSpPr>
+            <p:spPr>
+              <a:xfrm>
+                <a:off x="4118" y="3305"/>
+                <a:ext cx="2485" cy="0"/>
+              </a:xfrm>
+              <a:prstGeom prst="straightConnector1">
+                <a:avLst/>
+              </a:prstGeom>
+              <a:ln w="28575">
+                <a:solidFill>
+                  <a:schemeClr val="tx1"/>
+                </a:solidFill>
+                <a:headEnd type="none"/>
+                <a:tailEnd type="triangle" w="med" len="med"/>
+              </a:ln>
+            </p:spPr>
+            <p:style>
+              <a:lnRef idx="1">
+                <a:schemeClr val="accent1"/>
+              </a:lnRef>
+              <a:fillRef idx="0">
+                <a:schemeClr val="accent1"/>
+              </a:fillRef>
+              <a:effectRef idx="0">
+                <a:schemeClr val="accent1"/>
+              </a:effectRef>
+              <a:fontRef idx="minor">
+                <a:schemeClr val="tx1"/>
+              </a:fontRef>
+            </p:style>
+          </p:cxnSp>
+          <p:cxnSp>
+            <p:nvCxnSpPr>
+              <p:cNvPr id="9" name="Straight Arrow Connector 8"/>
+              <p:cNvCxnSpPr/>
+              <p:nvPr/>
+            </p:nvCxnSpPr>
+            <p:spPr>
+              <a:xfrm>
+                <a:off x="4135" y="3799"/>
+                <a:ext cx="2485" cy="0"/>
+              </a:xfrm>
+              <a:prstGeom prst="straightConnector1">
+                <a:avLst/>
+              </a:prstGeom>
+              <a:ln w="28575">
+                <a:solidFill>
+                  <a:schemeClr val="tx1"/>
+                </a:solidFill>
+                <a:headEnd type="none"/>
+                <a:tailEnd type="triangle" w="med" len="med"/>
+              </a:ln>
+            </p:spPr>
+            <p:style>
+              <a:lnRef idx="1">
+                <a:schemeClr val="accent1"/>
+              </a:lnRef>
+              <a:fillRef idx="0">
+                <a:schemeClr val="accent1"/>
+              </a:fillRef>
+              <a:effectRef idx="0">
+                <a:schemeClr val="accent1"/>
+              </a:effectRef>
+              <a:fontRef idx="minor">
+                <a:schemeClr val="tx1"/>
+              </a:fontRef>
+            </p:style>
+          </p:cxnSp>
+          <p:cxnSp>
+            <p:nvCxnSpPr>
+              <p:cNvPr id="10" name="Straight Arrow Connector 9"/>
+              <p:cNvCxnSpPr/>
+              <p:nvPr/>
+            </p:nvCxnSpPr>
+            <p:spPr>
+              <a:xfrm>
+                <a:off x="4118" y="4378"/>
+                <a:ext cx="2485" cy="0"/>
+              </a:xfrm>
+              <a:prstGeom prst="straightConnector1">
+                <a:avLst/>
+              </a:prstGeom>
+              <a:ln w="28575">
+                <a:solidFill>
+                  <a:schemeClr val="tx1"/>
+                </a:solidFill>
+                <a:headEnd type="none"/>
+                <a:tailEnd type="triangle" w="med" len="med"/>
+              </a:ln>
+            </p:spPr>
+            <p:style>
+              <a:lnRef idx="1">
+                <a:schemeClr val="accent1"/>
+              </a:lnRef>
+              <a:fillRef idx="0">
+                <a:schemeClr val="accent1"/>
+              </a:fillRef>
+              <a:effectRef idx="0">
+                <a:schemeClr val="accent1"/>
+              </a:effectRef>
+              <a:fontRef idx="minor">
+                <a:schemeClr val="tx1"/>
+              </a:fontRef>
+            </p:style>
+          </p:cxnSp>
+          <p:cxnSp>
+            <p:nvCxnSpPr>
+              <p:cNvPr id="11" name="Straight Arrow Connector 10"/>
+              <p:cNvCxnSpPr/>
+              <p:nvPr/>
+            </p:nvCxnSpPr>
+            <p:spPr>
+              <a:xfrm>
+                <a:off x="4135" y="4939"/>
+                <a:ext cx="2485" cy="0"/>
+              </a:xfrm>
+              <a:prstGeom prst="straightConnector1">
+                <a:avLst/>
+              </a:prstGeom>
+              <a:ln w="28575">
+                <a:solidFill>
+                  <a:schemeClr val="tx1"/>
+                </a:solidFill>
+                <a:headEnd type="none"/>
+                <a:tailEnd type="triangle" w="med" len="med"/>
+              </a:ln>
+            </p:spPr>
+            <p:style>
+              <a:lnRef idx="1">
+                <a:schemeClr val="accent1"/>
+              </a:lnRef>
+              <a:fillRef idx="0">
+                <a:schemeClr val="accent1"/>
+              </a:fillRef>
+              <a:effectRef idx="0">
+                <a:schemeClr val="accent1"/>
+              </a:effectRef>
+              <a:fontRef idx="minor">
+                <a:schemeClr val="tx1"/>
+              </a:fontRef>
+            </p:style>
+          </p:cxnSp>
+          <p:cxnSp>
+            <p:nvCxnSpPr>
+              <p:cNvPr id="16" name="Straight Arrow Connector 15"/>
+              <p:cNvCxnSpPr/>
+              <p:nvPr/>
+            </p:nvCxnSpPr>
+            <p:spPr>
+              <a:xfrm>
+                <a:off x="4080" y="5820"/>
+                <a:ext cx="2485" cy="0"/>
+              </a:xfrm>
+              <a:prstGeom prst="straightConnector1">
+                <a:avLst/>
+              </a:prstGeom>
+              <a:ln w="28575">
+                <a:solidFill>
+                  <a:schemeClr val="tx1"/>
+                </a:solidFill>
+                <a:prstDash val="sysDot"/>
+                <a:headEnd type="none"/>
+                <a:tailEnd type="triangle" w="med" len="med"/>
+              </a:ln>
+            </p:spPr>
+            <p:style>
+              <a:lnRef idx="1">
+                <a:schemeClr val="accent1"/>
+              </a:lnRef>
+              <a:fillRef idx="0">
+                <a:schemeClr val="accent1"/>
+              </a:fillRef>
+              <a:effectRef idx="0">
+                <a:schemeClr val="accent1"/>
+              </a:effectRef>
+              <a:fontRef idx="minor">
+                <a:schemeClr val="tx1"/>
+              </a:fontRef>
+            </p:style>
+          </p:cxnSp>
+          <p:cxnSp>
+            <p:nvCxnSpPr>
+              <p:cNvPr id="17" name="Straight Arrow Connector 16"/>
+              <p:cNvCxnSpPr/>
+              <p:nvPr/>
+            </p:nvCxnSpPr>
+            <p:spPr>
+              <a:xfrm>
+                <a:off x="4097" y="6314"/>
+                <a:ext cx="2485" cy="0"/>
+              </a:xfrm>
+              <a:prstGeom prst="straightConnector1">
+                <a:avLst/>
+              </a:prstGeom>
+              <a:ln w="28575">
+                <a:solidFill>
+                  <a:schemeClr val="tx1"/>
+                </a:solidFill>
+                <a:prstDash val="sysDot"/>
+                <a:headEnd type="none"/>
+                <a:tailEnd type="triangle" w="med" len="med"/>
+              </a:ln>
+            </p:spPr>
+            <p:style>
+              <a:lnRef idx="1">
+                <a:schemeClr val="accent1"/>
+              </a:lnRef>
+              <a:fillRef idx="0">
+                <a:schemeClr val="accent1"/>
+              </a:fillRef>
+              <a:effectRef idx="0">
+                <a:schemeClr val="accent1"/>
+              </a:effectRef>
+              <a:fontRef idx="minor">
+                <a:schemeClr val="tx1"/>
+              </a:fontRef>
+            </p:style>
+          </p:cxnSp>
+          <p:cxnSp>
+            <p:nvCxnSpPr>
+              <p:cNvPr id="18" name="Straight Arrow Connector 17"/>
+              <p:cNvCxnSpPr/>
+              <p:nvPr/>
+            </p:nvCxnSpPr>
+            <p:spPr>
+              <a:xfrm>
+                <a:off x="4080" y="6893"/>
+                <a:ext cx="2485" cy="0"/>
+              </a:xfrm>
+              <a:prstGeom prst="straightConnector1">
+                <a:avLst/>
+              </a:prstGeom>
+              <a:ln w="28575">
+                <a:solidFill>
+                  <a:schemeClr val="tx1"/>
+                </a:solidFill>
+                <a:prstDash val="sysDot"/>
+                <a:headEnd type="none"/>
+                <a:tailEnd type="triangle" w="med" len="med"/>
+              </a:ln>
+            </p:spPr>
+            <p:style>
+              <a:lnRef idx="1">
+                <a:schemeClr val="accent1"/>
+              </a:lnRef>
+              <a:fillRef idx="0">
+                <a:schemeClr val="accent1"/>
+              </a:fillRef>
+              <a:effectRef idx="0">
+                <a:schemeClr val="accent1"/>
+              </a:effectRef>
+              <a:fontRef idx="minor">
+                <a:schemeClr val="tx1"/>
+              </a:fontRef>
+            </p:style>
+          </p:cxnSp>
+          <p:cxnSp>
+            <p:nvCxnSpPr>
+              <p:cNvPr id="19" name="Straight Arrow Connector 18"/>
+              <p:cNvCxnSpPr/>
+              <p:nvPr/>
+            </p:nvCxnSpPr>
+            <p:spPr>
+              <a:xfrm>
+                <a:off x="4097" y="7454"/>
+                <a:ext cx="2485" cy="0"/>
+              </a:xfrm>
+              <a:prstGeom prst="straightConnector1">
+                <a:avLst/>
+              </a:prstGeom>
+              <a:ln w="28575">
+                <a:solidFill>
+                  <a:schemeClr val="tx1"/>
+                </a:solidFill>
+                <a:prstDash val="sysDot"/>
+                <a:headEnd type="none"/>
+                <a:tailEnd type="triangle" w="med" len="med"/>
+              </a:ln>
+            </p:spPr>
+            <p:style>
+              <a:lnRef idx="1">
+                <a:schemeClr val="accent1"/>
+              </a:lnRef>
+              <a:fillRef idx="0">
+                <a:schemeClr val="accent1"/>
+              </a:fillRef>
+              <a:effectRef idx="0">
+                <a:schemeClr val="accent1"/>
+              </a:effectRef>
+              <a:fontRef idx="minor">
+                <a:schemeClr val="tx1"/>
+              </a:fontRef>
+            </p:style>
+          </p:cxnSp>
+        </p:grpSp>
+        <p:grpSp>
+          <p:nvGrpSpPr>
+            <p:cNvPr id="31" name="Group 30"/>
+            <p:cNvGrpSpPr/>
+            <p:nvPr/>
+          </p:nvGrpSpPr>
+          <p:grpSpPr>
+            <a:xfrm rot="0">
+              <a:off x="13389" y="2946"/>
+              <a:ext cx="1875" cy="4998"/>
+              <a:chOff x="4080" y="3305"/>
+              <a:chExt cx="2539" cy="4149"/>
+            </a:xfrm>
+          </p:grpSpPr>
+          <p:cxnSp>
+            <p:nvCxnSpPr>
+              <p:cNvPr id="32" name="Straight Arrow Connector 31"/>
+              <p:cNvCxnSpPr/>
+              <p:nvPr/>
+            </p:nvCxnSpPr>
+            <p:spPr>
+              <a:xfrm>
+                <a:off x="4118" y="3305"/>
+                <a:ext cx="2485" cy="0"/>
+              </a:xfrm>
+              <a:prstGeom prst="straightConnector1">
+                <a:avLst/>
+              </a:prstGeom>
+              <a:ln w="28575">
+                <a:solidFill>
+                  <a:schemeClr val="tx1"/>
+                </a:solidFill>
+                <a:headEnd type="none"/>
+                <a:tailEnd type="triangle" w="med" len="med"/>
+              </a:ln>
+            </p:spPr>
+            <p:style>
+              <a:lnRef idx="1">
+                <a:schemeClr val="accent1"/>
+              </a:lnRef>
+              <a:fillRef idx="0">
+                <a:schemeClr val="accent1"/>
+              </a:fillRef>
+              <a:effectRef idx="0">
+                <a:schemeClr val="accent1"/>
+              </a:effectRef>
+              <a:fontRef idx="minor">
+                <a:schemeClr val="tx1"/>
+              </a:fontRef>
+            </p:style>
+          </p:cxnSp>
+          <p:cxnSp>
+            <p:nvCxnSpPr>
+              <p:cNvPr id="33" name="Straight Arrow Connector 32"/>
+              <p:cNvCxnSpPr/>
+              <p:nvPr/>
+            </p:nvCxnSpPr>
+            <p:spPr>
+              <a:xfrm>
+                <a:off x="4135" y="3799"/>
+                <a:ext cx="2485" cy="0"/>
+              </a:xfrm>
+              <a:prstGeom prst="straightConnector1">
+                <a:avLst/>
+              </a:prstGeom>
+              <a:ln w="28575">
+                <a:solidFill>
+                  <a:schemeClr val="tx1"/>
+                </a:solidFill>
+                <a:headEnd type="none"/>
+                <a:tailEnd type="triangle" w="med" len="med"/>
+              </a:ln>
+            </p:spPr>
+            <p:style>
+              <a:lnRef idx="1">
+                <a:schemeClr val="accent1"/>
+              </a:lnRef>
+              <a:fillRef idx="0">
+                <a:schemeClr val="accent1"/>
+              </a:fillRef>
+              <a:effectRef idx="0">
+                <a:schemeClr val="accent1"/>
+              </a:effectRef>
+              <a:fontRef idx="minor">
+                <a:schemeClr val="tx1"/>
+              </a:fontRef>
+            </p:style>
+          </p:cxnSp>
+          <p:cxnSp>
+            <p:nvCxnSpPr>
+              <p:cNvPr id="34" name="Straight Arrow Connector 33"/>
+              <p:cNvCxnSpPr/>
+              <p:nvPr/>
+            </p:nvCxnSpPr>
+            <p:spPr>
+              <a:xfrm>
+                <a:off x="4118" y="4378"/>
+                <a:ext cx="2485" cy="0"/>
+              </a:xfrm>
+              <a:prstGeom prst="straightConnector1">
+                <a:avLst/>
+              </a:prstGeom>
+              <a:ln w="28575">
+                <a:solidFill>
+                  <a:schemeClr val="tx1"/>
+                </a:solidFill>
+                <a:headEnd type="none"/>
+                <a:tailEnd type="triangle" w="med" len="med"/>
+              </a:ln>
+            </p:spPr>
+            <p:style>
+              <a:lnRef idx="1">
+                <a:schemeClr val="accent1"/>
+              </a:lnRef>
+              <a:fillRef idx="0">
+                <a:schemeClr val="accent1"/>
+              </a:fillRef>
+              <a:effectRef idx="0">
+                <a:schemeClr val="accent1"/>
+              </a:effectRef>
+              <a:fontRef idx="minor">
+                <a:schemeClr val="tx1"/>
+              </a:fontRef>
+            </p:style>
+          </p:cxnSp>
+          <p:cxnSp>
+            <p:nvCxnSpPr>
+              <p:cNvPr id="35" name="Straight Arrow Connector 34"/>
+              <p:cNvCxnSpPr/>
+              <p:nvPr/>
+            </p:nvCxnSpPr>
+            <p:spPr>
+              <a:xfrm>
+                <a:off x="4135" y="4939"/>
+                <a:ext cx="2485" cy="0"/>
+              </a:xfrm>
+              <a:prstGeom prst="straightConnector1">
+                <a:avLst/>
+              </a:prstGeom>
+              <a:ln w="28575">
+                <a:solidFill>
+                  <a:schemeClr val="tx1"/>
+                </a:solidFill>
+                <a:headEnd type="none"/>
+                <a:tailEnd type="triangle" w="med" len="med"/>
+              </a:ln>
+            </p:spPr>
+            <p:style>
+              <a:lnRef idx="1">
+                <a:schemeClr val="accent1"/>
+              </a:lnRef>
+              <a:fillRef idx="0">
+                <a:schemeClr val="accent1"/>
+              </a:fillRef>
+              <a:effectRef idx="0">
+                <a:schemeClr val="accent1"/>
+              </a:effectRef>
+              <a:fontRef idx="minor">
+                <a:schemeClr val="tx1"/>
+              </a:fontRef>
+            </p:style>
+          </p:cxnSp>
+          <p:cxnSp>
+            <p:nvCxnSpPr>
+              <p:cNvPr id="36" name="Straight Arrow Connector 35"/>
+              <p:cNvCxnSpPr/>
+              <p:nvPr/>
+            </p:nvCxnSpPr>
+            <p:spPr>
+              <a:xfrm>
+                <a:off x="4080" y="5820"/>
+                <a:ext cx="2485" cy="0"/>
+              </a:xfrm>
+              <a:prstGeom prst="straightConnector1">
+                <a:avLst/>
+              </a:prstGeom>
+              <a:ln w="28575">
+                <a:solidFill>
+                  <a:schemeClr val="tx1"/>
+                </a:solidFill>
+                <a:prstDash val="sysDot"/>
+                <a:headEnd type="none"/>
+                <a:tailEnd type="triangle" w="med" len="med"/>
+              </a:ln>
+            </p:spPr>
+            <p:style>
+              <a:lnRef idx="1">
+                <a:schemeClr val="accent1"/>
+              </a:lnRef>
+              <a:fillRef idx="0">
+                <a:schemeClr val="accent1"/>
+              </a:fillRef>
+              <a:effectRef idx="0">
+                <a:schemeClr val="accent1"/>
+              </a:effectRef>
+              <a:fontRef idx="minor">
+                <a:schemeClr val="tx1"/>
+              </a:fontRef>
+            </p:style>
+          </p:cxnSp>
+          <p:cxnSp>
+            <p:nvCxnSpPr>
+              <p:cNvPr id="37" name="Straight Arrow Connector 36"/>
+              <p:cNvCxnSpPr/>
+              <p:nvPr/>
+            </p:nvCxnSpPr>
+            <p:spPr>
+              <a:xfrm>
+                <a:off x="4097" y="6314"/>
+                <a:ext cx="2485" cy="0"/>
+              </a:xfrm>
+              <a:prstGeom prst="straightConnector1">
+                <a:avLst/>
+              </a:prstGeom>
+              <a:ln w="28575">
+                <a:solidFill>
+                  <a:schemeClr val="tx1"/>
+                </a:solidFill>
+                <a:prstDash val="sysDot"/>
+                <a:headEnd type="none"/>
+                <a:tailEnd type="triangle" w="med" len="med"/>
+              </a:ln>
+            </p:spPr>
+            <p:style>
+              <a:lnRef idx="1">
+                <a:schemeClr val="accent1"/>
+              </a:lnRef>
+              <a:fillRef idx="0">
+                <a:schemeClr val="accent1"/>
+              </a:fillRef>
+              <a:effectRef idx="0">
+                <a:schemeClr val="accent1"/>
+              </a:effectRef>
+              <a:fontRef idx="minor">
+                <a:schemeClr val="tx1"/>
+              </a:fontRef>
+            </p:style>
+          </p:cxnSp>
+          <p:cxnSp>
+            <p:nvCxnSpPr>
+              <p:cNvPr id="38" name="Straight Arrow Connector 37"/>
+              <p:cNvCxnSpPr/>
+              <p:nvPr/>
+            </p:nvCxnSpPr>
+            <p:spPr>
+              <a:xfrm>
+                <a:off x="4080" y="6893"/>
+                <a:ext cx="2485" cy="0"/>
+              </a:xfrm>
+              <a:prstGeom prst="straightConnector1">
+                <a:avLst/>
+              </a:prstGeom>
+              <a:ln w="28575">
+                <a:solidFill>
+                  <a:schemeClr val="tx1"/>
+                </a:solidFill>
+                <a:prstDash val="sysDot"/>
+                <a:headEnd type="none"/>
+                <a:tailEnd type="triangle" w="med" len="med"/>
+              </a:ln>
+            </p:spPr>
+            <p:style>
+              <a:lnRef idx="1">
+                <a:schemeClr val="accent1"/>
+              </a:lnRef>
+              <a:fillRef idx="0">
+                <a:schemeClr val="accent1"/>
+              </a:fillRef>
+              <a:effectRef idx="0">
+                <a:schemeClr val="accent1"/>
+              </a:effectRef>
+              <a:fontRef idx="minor">
+                <a:schemeClr val="tx1"/>
+              </a:fontRef>
+            </p:style>
+          </p:cxnSp>
+          <p:cxnSp>
+            <p:nvCxnSpPr>
+              <p:cNvPr id="39" name="Straight Arrow Connector 38"/>
+              <p:cNvCxnSpPr/>
+              <p:nvPr/>
+            </p:nvCxnSpPr>
+            <p:spPr>
+              <a:xfrm>
+                <a:off x="4097" y="7454"/>
+                <a:ext cx="2485" cy="0"/>
+              </a:xfrm>
+              <a:prstGeom prst="straightConnector1">
+                <a:avLst/>
+              </a:prstGeom>
+              <a:ln w="28575">
+                <a:solidFill>
+                  <a:schemeClr val="tx1"/>
+                </a:solidFill>
+                <a:prstDash val="sysDot"/>
+                <a:headEnd type="none"/>
+                <a:tailEnd type="triangle" w="med" len="med"/>
+              </a:ln>
+            </p:spPr>
+            <p:style>
+              <a:lnRef idx="1">
+                <a:schemeClr val="accent1"/>
+              </a:lnRef>
+              <a:fillRef idx="0">
+                <a:schemeClr val="accent1"/>
+              </a:fillRef>
+              <a:effectRef idx="0">
+                <a:schemeClr val="accent1"/>
+              </a:effectRef>
+              <a:fontRef idx="minor">
+                <a:schemeClr val="tx1"/>
+              </a:fontRef>
+            </p:style>
+          </p:cxnSp>
+        </p:grpSp>
+        <p:sp>
+          <p:nvSpPr>
+            <p:cNvPr id="40" name="Right Arrow 39"/>
+            <p:cNvSpPr/>
+            <p:nvPr/>
+          </p:nvSpPr>
+          <p:spPr>
+            <a:xfrm>
+              <a:off x="8782" y="5161"/>
+              <a:ext cx="664" cy="646"/>
+            </a:xfrm>
+            <a:prstGeom prst="rightArrow">
+              <a:avLst/>
+            </a:prstGeom>
+            <a:noFill/>
+            <a:ln w="28575">
+              <a:solidFill>
+                <a:schemeClr val="tx1"/>
+              </a:solidFill>
+            </a:ln>
+            <a:extLst>
+              <a:ext uri="{909E8E84-426E-40DD-AFC4-6F175D3DCCD1}">
+                <a14:hiddenFill xmlns:a14="http://schemas.microsoft.com/office/drawing/2010/main">
+                  <a:solidFill>
+                    <a:schemeClr val="accent1"/>
+                  </a:solidFill>
+                </a14:hiddenFill>
+              </a:ext>
+            </a:extLst>
+          </p:spPr>
+          <p:style>
+            <a:lnRef idx="2">
+              <a:schemeClr val="accent1">
+                <a:shade val="50000"/>
+              </a:schemeClr>
+            </a:lnRef>
+            <a:fillRef idx="1">
+              <a:schemeClr val="accent1"/>
+            </a:fillRef>
+            <a:effectRef idx="0">
+              <a:schemeClr val="accent1"/>
+            </a:effectRef>
+            <a:fontRef idx="minor">
+              <a:schemeClr val="lt1"/>
+            </a:fontRef>
+          </p:style>
+          <p:txBody>
+            <a:bodyPr rtlCol="0" anchor="ctr"/>
+            <a:p>
+              <a:pPr algn="ctr"/>
+              <a:endParaRPr lang="en-IN" altLang="en-US" sz="1200">
+                <a:solidFill>
+                  <a:schemeClr val="tx1"/>
+                </a:solidFill>
+              </a:endParaRPr>
+            </a:p>
+          </p:txBody>
+        </p:sp>
+        <p:sp>
+          <p:nvSpPr>
+            <p:cNvPr id="41" name="Right Arrow 40"/>
+            <p:cNvSpPr/>
+            <p:nvPr/>
+          </p:nvSpPr>
+          <p:spPr>
+            <a:xfrm>
+              <a:off x="10656" y="5178"/>
+              <a:ext cx="629" cy="646"/>
+            </a:xfrm>
+            <a:prstGeom prst="rightArrow">
+              <a:avLst/>
+            </a:prstGeom>
+            <a:noFill/>
+            <a:ln w="28575">
+              <a:solidFill>
+                <a:schemeClr val="tx1"/>
+              </a:solidFill>
+            </a:ln>
+            <a:extLst>
+              <a:ext uri="{909E8E84-426E-40DD-AFC4-6F175D3DCCD1}">
+                <a14:hiddenFill xmlns:a14="http://schemas.microsoft.com/office/drawing/2010/main">
+                  <a:solidFill>
+                    <a:schemeClr val="accent1"/>
+                  </a:solidFill>
+                </a14:hiddenFill>
+              </a:ext>
+            </a:extLst>
+          </p:spPr>
+          <p:style>
+            <a:lnRef idx="2">
+              <a:schemeClr val="accent1">
+                <a:shade val="50000"/>
+              </a:schemeClr>
+            </a:lnRef>
+            <a:fillRef idx="1">
+              <a:schemeClr val="accent1"/>
+            </a:fillRef>
+            <a:effectRef idx="0">
+              <a:schemeClr val="accent1"/>
+            </a:effectRef>
+            <a:fontRef idx="minor">
+              <a:schemeClr val="lt1"/>
+            </a:fontRef>
+          </p:style>
+          <p:txBody>
+            <a:bodyPr rtlCol="0" anchor="ctr"/>
+            <a:p>
+              <a:pPr algn="ctr"/>
+              <a:endParaRPr lang="en-IN" altLang="en-US" sz="1200">
+                <a:solidFill>
+                  <a:schemeClr val="tx1"/>
+                </a:solidFill>
+              </a:endParaRPr>
+            </a:p>
+          </p:txBody>
+        </p:sp>
+        <p:sp>
+          <p:nvSpPr>
+            <p:cNvPr id="49" name="TextBox 48"/>
+            <p:cNvSpPr txBox="1"/>
+            <p:nvPr/>
+          </p:nvSpPr>
+          <p:spPr>
+            <a:xfrm>
+              <a:off x="8696" y="3902"/>
+              <a:ext cx="1378" cy="1212"/>
+            </a:xfrm>
+            <a:prstGeom prst="rect">
+              <a:avLst/>
+            </a:prstGeom>
+            <a:noFill/>
+            <a:ln w="28575">
+              <a:noFill/>
+            </a:ln>
+          </p:spPr>
+          <p:txBody>
+            <a:bodyPr wrap="square" rtlCol="0">
+              <a:spAutoFit/>
+            </a:bodyPr>
+            <a:p>
+              <a:r>
+                <a:rPr lang="x-none" altLang="en-IN" sz="1600" i="1">
+                  <a:solidFill>
+                    <a:schemeClr val="tx1"/>
+                  </a:solidFill>
+                </a:rPr>
+                <a:t>X</a:t>
+              </a:r>
+              <a:r>
+                <a:rPr lang="x-none" altLang="en-IN" sz="1600" i="1" baseline="-25000">
+                  <a:solidFill>
+                    <a:schemeClr val="tx1"/>
+                  </a:solidFill>
+                </a:rPr>
+                <a:t>N</a:t>
+              </a:r>
+              <a:endParaRPr lang="x-none" altLang="en-IN" sz="1600" i="1" baseline="-25000">
+                <a:solidFill>
+                  <a:schemeClr val="tx1"/>
+                </a:solidFill>
+              </a:endParaRPr>
+            </a:p>
+          </p:txBody>
+        </p:sp>
+        <p:sp>
+          <p:nvSpPr>
+            <p:cNvPr id="50" name="TextBox 49"/>
+            <p:cNvSpPr txBox="1"/>
+            <p:nvPr/>
+          </p:nvSpPr>
+          <p:spPr>
+            <a:xfrm>
+              <a:off x="4099" y="4804"/>
+              <a:ext cx="1378" cy="1089"/>
+            </a:xfrm>
+            <a:prstGeom prst="rect">
+              <a:avLst/>
+            </a:prstGeom>
+            <a:noFill/>
+            <a:ln w="28575">
+              <a:noFill/>
+            </a:ln>
+          </p:spPr>
+          <p:txBody>
+            <a:bodyPr wrap="square" rtlCol="0">
+              <a:spAutoFit/>
+            </a:bodyPr>
+            <a:p>
+              <a:r>
+                <a:rPr lang="x-none" altLang="en-IN" sz="1400" i="1">
+                  <a:solidFill>
+                    <a:schemeClr val="tx1"/>
+                  </a:solidFill>
+                </a:rPr>
+                <a:t>U</a:t>
+              </a:r>
+              <a:r>
+                <a:rPr lang="x-none" altLang="en-IN" sz="1400" i="1" baseline="-25000">
+                  <a:solidFill>
+                    <a:schemeClr val="tx1"/>
+                  </a:solidFill>
+                </a:rPr>
+                <a:t>N</a:t>
+              </a:r>
+              <a:endParaRPr lang="x-none" altLang="en-IN" sz="1400" i="1" baseline="-25000">
+                <a:solidFill>
+                  <a:schemeClr val="tx1"/>
+                </a:solidFill>
+              </a:endParaRPr>
+            </a:p>
+          </p:txBody>
+        </p:sp>
+        <p:sp>
+          <p:nvSpPr>
+            <p:cNvPr id="51" name="TextBox 50"/>
+            <p:cNvSpPr txBox="1"/>
+            <p:nvPr/>
+          </p:nvSpPr>
+          <p:spPr>
+            <a:xfrm>
+              <a:off x="15147" y="4889"/>
+              <a:ext cx="1378" cy="1089"/>
+            </a:xfrm>
+            <a:prstGeom prst="rect">
+              <a:avLst/>
+            </a:prstGeom>
+            <a:noFill/>
+            <a:ln w="28575">
+              <a:noFill/>
+            </a:ln>
+          </p:spPr>
+          <p:txBody>
+            <a:bodyPr wrap="square" rtlCol="0">
+              <a:spAutoFit/>
+            </a:bodyPr>
+            <a:p>
+              <a:r>
+                <a:rPr lang="x-none" altLang="en-IN" sz="1400" i="1">
+                  <a:solidFill>
+                    <a:schemeClr val="tx1"/>
+                  </a:solidFill>
+                </a:rPr>
+                <a:t>U</a:t>
+              </a:r>
+              <a:r>
+                <a:rPr lang="x-none" altLang="en-IN" sz="1400" i="1" baseline="-25000">
+                  <a:solidFill>
+                    <a:schemeClr val="tx1"/>
+                  </a:solidFill>
+                </a:rPr>
+                <a:t>N</a:t>
+              </a:r>
+              <a:endParaRPr lang="x-none" altLang="en-IN" sz="1400" i="1" baseline="-25000">
+                <a:solidFill>
+                  <a:schemeClr val="tx1"/>
+                </a:solidFill>
+              </a:endParaRPr>
+            </a:p>
+          </p:txBody>
+        </p:sp>
+        <p:sp>
+          <p:nvSpPr>
+            <p:cNvPr id="52" name="TextBox 51"/>
+            <p:cNvSpPr txBox="1"/>
+            <p:nvPr/>
+          </p:nvSpPr>
+          <p:spPr>
+            <a:xfrm>
+              <a:off x="10517" y="3885"/>
+              <a:ext cx="1378" cy="1212"/>
+            </a:xfrm>
+            <a:prstGeom prst="rect">
+              <a:avLst/>
+            </a:prstGeom>
+            <a:noFill/>
+            <a:ln w="28575">
+              <a:noFill/>
+            </a:ln>
+          </p:spPr>
+          <p:txBody>
+            <a:bodyPr wrap="square" rtlCol="0">
+              <a:spAutoFit/>
+            </a:bodyPr>
+            <a:p>
+              <a:r>
+                <a:rPr lang="x-none" altLang="en-IN" sz="1600" i="1">
+                  <a:solidFill>
+                    <a:schemeClr val="tx1"/>
+                  </a:solidFill>
+                </a:rPr>
+                <a:t>Y</a:t>
+              </a:r>
+              <a:r>
+                <a:rPr lang="x-none" altLang="en-IN" sz="1600" i="1" baseline="-25000">
+                  <a:solidFill>
+                    <a:schemeClr val="tx1"/>
+                  </a:solidFill>
+                </a:rPr>
+                <a:t>N</a:t>
+              </a:r>
+              <a:endParaRPr lang="x-none" altLang="en-IN" sz="1600" i="1" baseline="-25000">
+                <a:solidFill>
+                  <a:schemeClr val="tx1"/>
+                </a:solidFill>
+              </a:endParaRPr>
+            </a:p>
+          </p:txBody>
+        </p:sp>
+        <p:sp>
+          <p:nvSpPr>
+            <p:cNvPr id="54" name="TextBox 53"/>
+            <p:cNvSpPr txBox="1"/>
+            <p:nvPr/>
+          </p:nvSpPr>
+          <p:spPr>
+            <a:xfrm>
+              <a:off x="15250" y="4345"/>
+              <a:ext cx="596" cy="1963"/>
+            </a:xfrm>
+            <a:prstGeom prst="rect">
+              <a:avLst/>
+            </a:prstGeom>
+            <a:noFill/>
+            <a:ln w="28575">
+              <a:noFill/>
+            </a:ln>
+          </p:spPr>
+          <p:txBody>
+            <a:bodyPr wrap="square" rtlCol="0">
+              <a:spAutoFit/>
+            </a:bodyPr>
+            <a:p>
+              <a:r>
+                <a:rPr lang="x-none" altLang="en-IN" sz="2800" b="1">
+                  <a:solidFill>
+                    <a:schemeClr val="tx1"/>
+                  </a:solidFill>
+                </a:rPr>
+                <a:t>^</a:t>
+              </a:r>
+              <a:endParaRPr lang="x-none" altLang="en-IN" sz="2800" b="1">
+                <a:solidFill>
+                  <a:schemeClr val="tx1"/>
+                </a:solidFill>
+              </a:endParaRPr>
+            </a:p>
+          </p:txBody>
+        </p:sp>
+        <p:sp>
+          <p:nvSpPr>
+            <p:cNvPr id="56" name="TextBox 55"/>
+            <p:cNvSpPr txBox="1"/>
+            <p:nvPr/>
+          </p:nvSpPr>
+          <p:spPr>
+            <a:xfrm rot="10800000">
+              <a:off x="3811" y="5962"/>
+              <a:ext cx="1192" cy="1818"/>
+            </a:xfrm>
+            <a:prstGeom prst="rect">
+              <a:avLst/>
+            </a:prstGeom>
+            <a:noFill/>
+            <a:ln w="28575">
+              <a:noFill/>
+            </a:ln>
+          </p:spPr>
+          <p:txBody>
+            <a:bodyPr vert="vert" wrap="square" rtlCol="0">
+              <a:spAutoFit/>
+            </a:bodyPr>
+            <a:p>
+              <a:r>
+                <a:rPr lang="x-none" altLang="en-IN" sz="1200">
+                  <a:solidFill>
+                    <a:schemeClr val="tx1"/>
+                  </a:solidFill>
+                </a:rPr>
+                <a:t>FROZEN</a:t>
+              </a:r>
+              <a:endParaRPr lang="x-none" altLang="en-IN" sz="1200">
+                <a:solidFill>
+                  <a:schemeClr val="tx1"/>
+                </a:solidFill>
+              </a:endParaRPr>
+            </a:p>
+          </p:txBody>
+        </p:sp>
+      </p:grpSp>
+    </p:spTree>
+  </p:cSld>
+  <p:clrMapOvr>
+    <a:masterClrMapping/>
+  </p:clrMapOvr>
+</p:sld>
+</file>
+
+<file path=ppt/slides/slide6.xml><?xml version="1.0" encoding="utf-8"?>
+<p:sld xmlns:a="http://schemas.openxmlformats.org/drawingml/2006/main" xmlns:r="http://schemas.openxmlformats.org/officeDocument/2006/relationships" xmlns:p="http://schemas.openxmlformats.org/presentationml/2006/main">
+  <p:cSld>
     <p:bg>
       <p:bgPr>
         <a:solidFill>
@@ -9853,7 +12762,4829 @@
 </p:sld>
 </file>
 
-<file path=ppt/slides/slide6.xml><?xml version="1.0" encoding="utf-8"?>
+<file path=ppt/slides/slide7.xml><?xml version="1.0" encoding="utf-8"?>
+<p:sld xmlns:a="http://schemas.openxmlformats.org/drawingml/2006/main" xmlns:r="http://schemas.openxmlformats.org/officeDocument/2006/relationships" xmlns:p="http://schemas.openxmlformats.org/presentationml/2006/main">
+  <p:cSld>
+    <p:spTree>
+      <p:nvGrpSpPr>
+        <p:cNvPr id="1" name=""/>
+        <p:cNvGrpSpPr/>
+        <p:nvPr/>
+      </p:nvGrpSpPr>
+      <p:grpSpPr/>
+      <p:sp>
+        <p:nvSpPr>
+          <p:cNvPr id="4" name="Rectangle 3"/>
+          <p:cNvSpPr/>
+          <p:nvPr/>
+        </p:nvSpPr>
+        <p:spPr>
+          <a:xfrm>
+            <a:off x="5862955" y="254635"/>
+            <a:ext cx="749935" cy="1629410"/>
+          </a:xfrm>
+          <a:prstGeom prst="rect">
+            <a:avLst/>
+          </a:prstGeom>
+          <a:noFill/>
+          <a:ln w="28575">
+            <a:solidFill>
+              <a:schemeClr val="tx1"/>
+            </a:solidFill>
+          </a:ln>
+          <a:extLst>
+            <a:ext uri="{909E8E84-426E-40DD-AFC4-6F175D3DCCD1}">
+              <a14:hiddenFill xmlns:a14="http://schemas.microsoft.com/office/drawing/2010/main">
+                <a:solidFill>
+                  <a:schemeClr val="accent1"/>
+                </a:solidFill>
+              </a14:hiddenFill>
+            </a:ext>
+          </a:extLst>
+        </p:spPr>
+        <p:style>
+          <a:lnRef idx="2">
+            <a:schemeClr val="accent1">
+              <a:shade val="50000"/>
+            </a:schemeClr>
+          </a:lnRef>
+          <a:fillRef idx="1">
+            <a:schemeClr val="accent1"/>
+          </a:fillRef>
+          <a:effectRef idx="0">
+            <a:schemeClr val="accent1"/>
+          </a:effectRef>
+          <a:fontRef idx="minor">
+            <a:schemeClr val="lt1"/>
+          </a:fontRef>
+        </p:style>
+        <p:txBody>
+          <a:bodyPr rtlCol="0" anchor="ctr"/>
+          <a:p>
+            <a:pPr algn="ctr"/>
+            <a:r>
+              <a:rPr lang="x-none" altLang="en-IN" sz="1600" b="1">
+                <a:solidFill>
+                  <a:schemeClr val="tx1"/>
+                </a:solidFill>
+              </a:rPr>
+              <a:t>T</a:t>
+            </a:r>
+            <a:r>
+              <a:rPr lang="x-none" altLang="en-IN" sz="1600" b="1" baseline="30000">
+                <a:solidFill>
+                  <a:schemeClr val="tx1"/>
+                </a:solidFill>
+              </a:rPr>
+              <a:t>-1</a:t>
+            </a:r>
+            <a:endParaRPr lang="x-none" altLang="en-IN" sz="1600" b="1" baseline="30000">
+              <a:solidFill>
+                <a:schemeClr val="tx1"/>
+              </a:solidFill>
+            </a:endParaRPr>
+          </a:p>
+        </p:txBody>
+      </p:sp>
+      <p:sp>
+        <p:nvSpPr>
+          <p:cNvPr id="5" name="Rectangle 4"/>
+          <p:cNvSpPr/>
+          <p:nvPr/>
+        </p:nvSpPr>
+        <p:spPr>
+          <a:xfrm>
+            <a:off x="7837805" y="222885"/>
+            <a:ext cx="749935" cy="1629410"/>
+          </a:xfrm>
+          <a:prstGeom prst="rect">
+            <a:avLst/>
+          </a:prstGeom>
+          <a:noFill/>
+          <a:ln w="28575">
+            <a:solidFill>
+              <a:schemeClr val="tx1"/>
+            </a:solidFill>
+          </a:ln>
+          <a:extLst>
+            <a:ext uri="{909E8E84-426E-40DD-AFC4-6F175D3DCCD1}">
+              <a14:hiddenFill xmlns:a14="http://schemas.microsoft.com/office/drawing/2010/main">
+                <a:solidFill>
+                  <a:schemeClr val="accent1"/>
+                </a:solidFill>
+              </a14:hiddenFill>
+            </a:ext>
+          </a:extLst>
+        </p:spPr>
+        <p:style>
+          <a:lnRef idx="2">
+            <a:schemeClr val="accent1">
+              <a:shade val="50000"/>
+            </a:schemeClr>
+          </a:lnRef>
+          <a:fillRef idx="1">
+            <a:schemeClr val="accent1"/>
+          </a:fillRef>
+          <a:effectRef idx="0">
+            <a:schemeClr val="accent1"/>
+          </a:effectRef>
+          <a:fontRef idx="minor">
+            <a:schemeClr val="lt1"/>
+          </a:fontRef>
+        </p:style>
+        <p:txBody>
+          <a:bodyPr vert="vert" rtlCol="0" anchor="ctr"/>
+          <a:p>
+            <a:pPr algn="ctr"/>
+            <a:r>
+              <a:rPr lang="x-none" altLang="en-IN" b="1">
+                <a:solidFill>
+                  <a:schemeClr val="tx1"/>
+                </a:solidFill>
+              </a:rPr>
+              <a:t>Decoder with p1</a:t>
+            </a:r>
+            <a:endParaRPr lang="x-none" altLang="en-IN" b="1" baseline="30000">
+              <a:solidFill>
+                <a:schemeClr val="tx1"/>
+              </a:solidFill>
+            </a:endParaRPr>
+          </a:p>
+        </p:txBody>
+      </p:sp>
+      <p:sp>
+        <p:nvSpPr>
+          <p:cNvPr id="7" name="Rectangle 6"/>
+          <p:cNvSpPr/>
+          <p:nvPr/>
+        </p:nvSpPr>
+        <p:spPr>
+          <a:xfrm>
+            <a:off x="7064375" y="554990"/>
+            <a:ext cx="384810" cy="964565"/>
+          </a:xfrm>
+          <a:prstGeom prst="rect">
+            <a:avLst/>
+          </a:prstGeom>
+          <a:noFill/>
+          <a:ln w="28575">
+            <a:solidFill>
+              <a:schemeClr val="tx1"/>
+            </a:solidFill>
+          </a:ln>
+          <a:extLst>
+            <a:ext uri="{909E8E84-426E-40DD-AFC4-6F175D3DCCD1}">
+              <a14:hiddenFill xmlns:a14="http://schemas.microsoft.com/office/drawing/2010/main">
+                <a:solidFill>
+                  <a:schemeClr val="accent1"/>
+                </a:solidFill>
+              </a14:hiddenFill>
+            </a:ext>
+          </a:extLst>
+        </p:spPr>
+        <p:style>
+          <a:lnRef idx="2">
+            <a:schemeClr val="accent1">
+              <a:shade val="50000"/>
+            </a:schemeClr>
+          </a:lnRef>
+          <a:fillRef idx="1">
+            <a:schemeClr val="accent1"/>
+          </a:fillRef>
+          <a:effectRef idx="0">
+            <a:schemeClr val="accent1"/>
+          </a:effectRef>
+          <a:fontRef idx="minor">
+            <a:schemeClr val="lt1"/>
+          </a:fontRef>
+        </p:style>
+        <p:txBody>
+          <a:bodyPr vert="eaVert" rtlCol="0" anchor="ctr"/>
+          <a:p>
+            <a:pPr algn="ctr"/>
+            <a:r>
+              <a:rPr lang="x-none" altLang="en-IN" sz="1200" b="1">
+                <a:solidFill>
+                  <a:schemeClr val="tx1"/>
+                </a:solidFill>
+              </a:rPr>
+              <a:t>BSC(p</a:t>
+            </a:r>
+            <a:r>
+              <a:rPr lang="x-none" altLang="en-IN" sz="1200" b="1" baseline="-25000">
+                <a:solidFill>
+                  <a:schemeClr val="tx1"/>
+                </a:solidFill>
+              </a:rPr>
+              <a:t>3</a:t>
+            </a:r>
+            <a:r>
+              <a:rPr lang="x-none" altLang="en-IN" sz="1200" b="1">
+                <a:solidFill>
+                  <a:schemeClr val="tx1"/>
+                </a:solidFill>
+              </a:rPr>
+              <a:t>)</a:t>
+            </a:r>
+            <a:endParaRPr lang="x-none" altLang="en-IN" sz="1200" b="1" baseline="-25000">
+              <a:solidFill>
+                <a:schemeClr val="tx1"/>
+              </a:solidFill>
+            </a:endParaRPr>
+          </a:p>
+        </p:txBody>
+      </p:sp>
+      <p:cxnSp>
+        <p:nvCxnSpPr>
+          <p:cNvPr id="8" name="Straight Arrow Connector 7"/>
+          <p:cNvCxnSpPr/>
+          <p:nvPr/>
+        </p:nvCxnSpPr>
+        <p:spPr>
+          <a:xfrm flipH="1">
+            <a:off x="5409565" y="314325"/>
+            <a:ext cx="434975" cy="0"/>
+          </a:xfrm>
+          <a:prstGeom prst="straightConnector1">
+            <a:avLst/>
+          </a:prstGeom>
+          <a:ln w="28575">
+            <a:solidFill>
+              <a:schemeClr val="tx1"/>
+            </a:solidFill>
+            <a:headEnd type="none"/>
+            <a:tailEnd type="triangle" w="med" len="med"/>
+          </a:ln>
+        </p:spPr>
+        <p:style>
+          <a:lnRef idx="1">
+            <a:schemeClr val="accent1"/>
+          </a:lnRef>
+          <a:fillRef idx="0">
+            <a:schemeClr val="accent1"/>
+          </a:fillRef>
+          <a:effectRef idx="0">
+            <a:schemeClr val="accent1"/>
+          </a:effectRef>
+          <a:fontRef idx="minor">
+            <a:schemeClr val="tx1"/>
+          </a:fontRef>
+        </p:style>
+      </p:cxnSp>
+      <p:cxnSp>
+        <p:nvCxnSpPr>
+          <p:cNvPr id="9" name="Straight Arrow Connector 8"/>
+          <p:cNvCxnSpPr/>
+          <p:nvPr/>
+        </p:nvCxnSpPr>
+        <p:spPr>
+          <a:xfrm flipH="1">
+            <a:off x="5407025" y="495300"/>
+            <a:ext cx="434975" cy="0"/>
+          </a:xfrm>
+          <a:prstGeom prst="straightConnector1">
+            <a:avLst/>
+          </a:prstGeom>
+          <a:ln w="28575">
+            <a:solidFill>
+              <a:schemeClr val="tx1"/>
+            </a:solidFill>
+            <a:headEnd type="none"/>
+            <a:tailEnd type="triangle" w="med" len="med"/>
+          </a:ln>
+        </p:spPr>
+        <p:style>
+          <a:lnRef idx="1">
+            <a:schemeClr val="accent1"/>
+          </a:lnRef>
+          <a:fillRef idx="0">
+            <a:schemeClr val="accent1"/>
+          </a:fillRef>
+          <a:effectRef idx="0">
+            <a:schemeClr val="accent1"/>
+          </a:effectRef>
+          <a:fontRef idx="minor">
+            <a:schemeClr val="tx1"/>
+          </a:fontRef>
+        </p:style>
+      </p:cxnSp>
+      <p:cxnSp>
+        <p:nvCxnSpPr>
+          <p:cNvPr id="10" name="Straight Arrow Connector 9"/>
+          <p:cNvCxnSpPr/>
+          <p:nvPr/>
+        </p:nvCxnSpPr>
+        <p:spPr>
+          <a:xfrm flipH="1">
+            <a:off x="5409565" y="708025"/>
+            <a:ext cx="434975" cy="0"/>
+          </a:xfrm>
+          <a:prstGeom prst="straightConnector1">
+            <a:avLst/>
+          </a:prstGeom>
+          <a:ln w="28575">
+            <a:solidFill>
+              <a:schemeClr val="tx1"/>
+            </a:solidFill>
+            <a:headEnd type="none"/>
+            <a:tailEnd type="triangle" w="med" len="med"/>
+          </a:ln>
+        </p:spPr>
+        <p:style>
+          <a:lnRef idx="1">
+            <a:schemeClr val="accent1"/>
+          </a:lnRef>
+          <a:fillRef idx="0">
+            <a:schemeClr val="accent1"/>
+          </a:fillRef>
+          <a:effectRef idx="0">
+            <a:schemeClr val="accent1"/>
+          </a:effectRef>
+          <a:fontRef idx="minor">
+            <a:schemeClr val="tx1"/>
+          </a:fontRef>
+        </p:style>
+      </p:cxnSp>
+      <p:cxnSp>
+        <p:nvCxnSpPr>
+          <p:cNvPr id="11" name="Straight Arrow Connector 10"/>
+          <p:cNvCxnSpPr/>
+          <p:nvPr/>
+        </p:nvCxnSpPr>
+        <p:spPr>
+          <a:xfrm flipH="1">
+            <a:off x="5407025" y="913765"/>
+            <a:ext cx="434975" cy="0"/>
+          </a:xfrm>
+          <a:prstGeom prst="straightConnector1">
+            <a:avLst/>
+          </a:prstGeom>
+          <a:ln w="28575">
+            <a:solidFill>
+              <a:schemeClr val="tx1"/>
+            </a:solidFill>
+            <a:headEnd type="none"/>
+            <a:tailEnd type="triangle" w="med" len="med"/>
+          </a:ln>
+        </p:spPr>
+        <p:style>
+          <a:lnRef idx="1">
+            <a:schemeClr val="accent1"/>
+          </a:lnRef>
+          <a:fillRef idx="0">
+            <a:schemeClr val="accent1"/>
+          </a:fillRef>
+          <a:effectRef idx="0">
+            <a:schemeClr val="accent1"/>
+          </a:effectRef>
+          <a:fontRef idx="minor">
+            <a:schemeClr val="tx1"/>
+          </a:fontRef>
+        </p:style>
+      </p:cxnSp>
+      <p:cxnSp>
+        <p:nvCxnSpPr>
+          <p:cNvPr id="16" name="Straight Arrow Connector 15"/>
+          <p:cNvCxnSpPr/>
+          <p:nvPr/>
+        </p:nvCxnSpPr>
+        <p:spPr>
+          <a:xfrm flipH="1">
+            <a:off x="5416550" y="1236345"/>
+            <a:ext cx="434975" cy="0"/>
+          </a:xfrm>
+          <a:prstGeom prst="straightConnector1">
+            <a:avLst/>
+          </a:prstGeom>
+          <a:ln w="28575">
+            <a:solidFill>
+              <a:schemeClr val="tx1"/>
+            </a:solidFill>
+            <a:prstDash val="solid"/>
+            <a:headEnd type="none"/>
+            <a:tailEnd type="triangle" w="med" len="med"/>
+          </a:ln>
+        </p:spPr>
+        <p:style>
+          <a:lnRef idx="1">
+            <a:schemeClr val="accent1"/>
+          </a:lnRef>
+          <a:fillRef idx="0">
+            <a:schemeClr val="accent1"/>
+          </a:fillRef>
+          <a:effectRef idx="0">
+            <a:schemeClr val="accent1"/>
+          </a:effectRef>
+          <a:fontRef idx="minor">
+            <a:schemeClr val="tx1"/>
+          </a:fontRef>
+        </p:style>
+      </p:cxnSp>
+      <p:cxnSp>
+        <p:nvCxnSpPr>
+          <p:cNvPr id="17" name="Straight Arrow Connector 16"/>
+          <p:cNvCxnSpPr/>
+          <p:nvPr/>
+        </p:nvCxnSpPr>
+        <p:spPr>
+          <a:xfrm flipH="1">
+            <a:off x="5413375" y="1417955"/>
+            <a:ext cx="434975" cy="0"/>
+          </a:xfrm>
+          <a:prstGeom prst="straightConnector1">
+            <a:avLst/>
+          </a:prstGeom>
+          <a:ln w="28575">
+            <a:solidFill>
+              <a:schemeClr val="tx1"/>
+            </a:solidFill>
+            <a:prstDash val="solid"/>
+            <a:headEnd type="none"/>
+            <a:tailEnd type="triangle" w="med" len="med"/>
+          </a:ln>
+        </p:spPr>
+        <p:style>
+          <a:lnRef idx="1">
+            <a:schemeClr val="accent1"/>
+          </a:lnRef>
+          <a:fillRef idx="0">
+            <a:schemeClr val="accent1"/>
+          </a:fillRef>
+          <a:effectRef idx="0">
+            <a:schemeClr val="accent1"/>
+          </a:effectRef>
+          <a:fontRef idx="minor">
+            <a:schemeClr val="tx1"/>
+          </a:fontRef>
+        </p:style>
+      </p:cxnSp>
+      <p:cxnSp>
+        <p:nvCxnSpPr>
+          <p:cNvPr id="18" name="Straight Arrow Connector 17"/>
+          <p:cNvCxnSpPr/>
+          <p:nvPr/>
+        </p:nvCxnSpPr>
+        <p:spPr>
+          <a:xfrm flipH="1">
+            <a:off x="5416550" y="1630045"/>
+            <a:ext cx="434975" cy="0"/>
+          </a:xfrm>
+          <a:prstGeom prst="straightConnector1">
+            <a:avLst/>
+          </a:prstGeom>
+          <a:ln w="28575">
+            <a:solidFill>
+              <a:schemeClr val="tx1"/>
+            </a:solidFill>
+            <a:prstDash val="sysDot"/>
+            <a:headEnd type="none"/>
+            <a:tailEnd type="triangle" w="med" len="med"/>
+          </a:ln>
+        </p:spPr>
+        <p:style>
+          <a:lnRef idx="1">
+            <a:schemeClr val="accent1"/>
+          </a:lnRef>
+          <a:fillRef idx="0">
+            <a:schemeClr val="accent1"/>
+          </a:fillRef>
+          <a:effectRef idx="0">
+            <a:schemeClr val="accent1"/>
+          </a:effectRef>
+          <a:fontRef idx="minor">
+            <a:schemeClr val="tx1"/>
+          </a:fontRef>
+        </p:style>
+      </p:cxnSp>
+      <p:cxnSp>
+        <p:nvCxnSpPr>
+          <p:cNvPr id="19" name="Straight Arrow Connector 18"/>
+          <p:cNvCxnSpPr/>
+          <p:nvPr/>
+        </p:nvCxnSpPr>
+        <p:spPr>
+          <a:xfrm flipH="1">
+            <a:off x="5413375" y="1835785"/>
+            <a:ext cx="434975" cy="0"/>
+          </a:xfrm>
+          <a:prstGeom prst="straightConnector1">
+            <a:avLst/>
+          </a:prstGeom>
+          <a:ln w="28575">
+            <a:solidFill>
+              <a:schemeClr val="tx1"/>
+            </a:solidFill>
+            <a:prstDash val="sysDot"/>
+            <a:headEnd type="none"/>
+            <a:tailEnd type="triangle" w="med" len="med"/>
+          </a:ln>
+        </p:spPr>
+        <p:style>
+          <a:lnRef idx="1">
+            <a:schemeClr val="accent1"/>
+          </a:lnRef>
+          <a:fillRef idx="0">
+            <a:schemeClr val="accent1"/>
+          </a:fillRef>
+          <a:effectRef idx="0">
+            <a:schemeClr val="accent1"/>
+          </a:effectRef>
+          <a:fontRef idx="minor">
+            <a:schemeClr val="tx1"/>
+          </a:fontRef>
+        </p:style>
+      </p:cxnSp>
+      <p:sp>
+        <p:nvSpPr>
+          <p:cNvPr id="40" name="Right Arrow 39"/>
+          <p:cNvSpPr/>
+          <p:nvPr/>
+        </p:nvSpPr>
+        <p:spPr>
+          <a:xfrm>
+            <a:off x="6662420" y="942340"/>
+            <a:ext cx="372110" cy="200660"/>
+          </a:xfrm>
+          <a:prstGeom prst="rightArrow">
+            <a:avLst/>
+          </a:prstGeom>
+          <a:noFill/>
+          <a:ln w="28575">
+            <a:solidFill>
+              <a:schemeClr val="tx1"/>
+            </a:solidFill>
+          </a:ln>
+          <a:extLst>
+            <a:ext uri="{909E8E84-426E-40DD-AFC4-6F175D3DCCD1}">
+              <a14:hiddenFill xmlns:a14="http://schemas.microsoft.com/office/drawing/2010/main">
+                <a:solidFill>
+                  <a:schemeClr val="accent1"/>
+                </a:solidFill>
+              </a14:hiddenFill>
+            </a:ext>
+          </a:extLst>
+        </p:spPr>
+        <p:style>
+          <a:lnRef idx="2">
+            <a:schemeClr val="accent1">
+              <a:shade val="50000"/>
+            </a:schemeClr>
+          </a:lnRef>
+          <a:fillRef idx="1">
+            <a:schemeClr val="accent1"/>
+          </a:fillRef>
+          <a:effectRef idx="0">
+            <a:schemeClr val="accent1"/>
+          </a:effectRef>
+          <a:fontRef idx="minor">
+            <a:schemeClr val="lt1"/>
+          </a:fontRef>
+        </p:style>
+        <p:txBody>
+          <a:bodyPr rtlCol="0" anchor="ctr"/>
+          <a:p>
+            <a:pPr algn="ctr"/>
+            <a:endParaRPr lang="en-IN" altLang="en-US" sz="1200">
+              <a:solidFill>
+                <a:schemeClr val="tx1"/>
+              </a:solidFill>
+            </a:endParaRPr>
+          </a:p>
+        </p:txBody>
+      </p:sp>
+      <p:sp>
+        <p:nvSpPr>
+          <p:cNvPr id="41" name="Right Arrow 40"/>
+          <p:cNvSpPr/>
+          <p:nvPr/>
+        </p:nvSpPr>
+        <p:spPr>
+          <a:xfrm>
+            <a:off x="7492365" y="958215"/>
+            <a:ext cx="327660" cy="200660"/>
+          </a:xfrm>
+          <a:prstGeom prst="rightArrow">
+            <a:avLst/>
+          </a:prstGeom>
+          <a:noFill/>
+          <a:ln w="28575">
+            <a:solidFill>
+              <a:schemeClr val="tx1"/>
+            </a:solidFill>
+          </a:ln>
+          <a:extLst>
+            <a:ext uri="{909E8E84-426E-40DD-AFC4-6F175D3DCCD1}">
+              <a14:hiddenFill xmlns:a14="http://schemas.microsoft.com/office/drawing/2010/main">
+                <a:solidFill>
+                  <a:schemeClr val="accent1"/>
+                </a:solidFill>
+              </a14:hiddenFill>
+            </a:ext>
+          </a:extLst>
+        </p:spPr>
+        <p:style>
+          <a:lnRef idx="2">
+            <a:schemeClr val="accent1">
+              <a:shade val="50000"/>
+            </a:schemeClr>
+          </a:lnRef>
+          <a:fillRef idx="1">
+            <a:schemeClr val="accent1"/>
+          </a:fillRef>
+          <a:effectRef idx="0">
+            <a:schemeClr val="accent1"/>
+          </a:effectRef>
+          <a:fontRef idx="minor">
+            <a:schemeClr val="lt1"/>
+          </a:fontRef>
+        </p:style>
+        <p:txBody>
+          <a:bodyPr rtlCol="0" anchor="ctr"/>
+          <a:p>
+            <a:pPr algn="ctr"/>
+            <a:endParaRPr lang="en-IN" altLang="en-US" sz="1200">
+              <a:solidFill>
+                <a:schemeClr val="tx1"/>
+              </a:solidFill>
+            </a:endParaRPr>
+          </a:p>
+        </p:txBody>
+      </p:sp>
+      <p:sp>
+        <p:nvSpPr>
+          <p:cNvPr id="49" name="TextBox 48"/>
+          <p:cNvSpPr txBox="1"/>
+          <p:nvPr/>
+        </p:nvSpPr>
+        <p:spPr>
+          <a:xfrm>
+            <a:off x="6618605" y="524510"/>
+            <a:ext cx="493395" cy="501015"/>
+          </a:xfrm>
+          <a:prstGeom prst="rect">
+            <a:avLst/>
+          </a:prstGeom>
+          <a:noFill/>
+          <a:ln w="28575">
+            <a:noFill/>
+          </a:ln>
+        </p:spPr>
+        <p:txBody>
+          <a:bodyPr wrap="square" rtlCol="0">
+            <a:spAutoFit/>
+          </a:bodyPr>
+          <a:p>
+            <a:r>
+              <a:rPr lang="x-none" altLang="en-IN" sz="1600" b="1" i="1">
+                <a:solidFill>
+                  <a:schemeClr val="tx1"/>
+                </a:solidFill>
+              </a:rPr>
+              <a:t>X</a:t>
+            </a:r>
+            <a:endParaRPr lang="x-none" altLang="en-IN" sz="1600" b="1" i="1" baseline="30000">
+              <a:solidFill>
+                <a:schemeClr val="tx1"/>
+              </a:solidFill>
+            </a:endParaRPr>
+          </a:p>
+        </p:txBody>
+      </p:sp>
+      <p:sp>
+        <p:nvSpPr>
+          <p:cNvPr id="50" name="TextBox 49"/>
+          <p:cNvSpPr txBox="1"/>
+          <p:nvPr/>
+        </p:nvSpPr>
+        <p:spPr>
+          <a:xfrm>
+            <a:off x="4968875" y="808990"/>
+            <a:ext cx="493395" cy="550545"/>
+          </a:xfrm>
+          <a:prstGeom prst="rect">
+            <a:avLst/>
+          </a:prstGeom>
+          <a:noFill/>
+          <a:ln w="28575">
+            <a:noFill/>
+          </a:ln>
+        </p:spPr>
+        <p:txBody>
+          <a:bodyPr wrap="square" rtlCol="0">
+            <a:spAutoFit/>
+          </a:bodyPr>
+          <a:p>
+            <a:r>
+              <a:rPr lang="x-none" altLang="en-IN" i="1">
+                <a:solidFill>
+                  <a:schemeClr val="tx1"/>
+                </a:solidFill>
+              </a:rPr>
+              <a:t>U</a:t>
+            </a:r>
+            <a:r>
+              <a:rPr lang="x-none" altLang="en-IN" i="1" baseline="30000">
+                <a:solidFill>
+                  <a:schemeClr val="tx1"/>
+                </a:solidFill>
+              </a:rPr>
+              <a:t>0</a:t>
+            </a:r>
+            <a:endParaRPr lang="x-none" altLang="en-IN" i="1" baseline="30000">
+              <a:solidFill>
+                <a:schemeClr val="tx1"/>
+              </a:solidFill>
+            </a:endParaRPr>
+          </a:p>
+        </p:txBody>
+      </p:sp>
+      <p:sp>
+        <p:nvSpPr>
+          <p:cNvPr id="52" name="TextBox 51"/>
+          <p:cNvSpPr txBox="1"/>
+          <p:nvPr/>
+        </p:nvSpPr>
+        <p:spPr>
+          <a:xfrm>
+            <a:off x="7447280" y="524510"/>
+            <a:ext cx="493395" cy="501015"/>
+          </a:xfrm>
+          <a:prstGeom prst="rect">
+            <a:avLst/>
+          </a:prstGeom>
+          <a:noFill/>
+          <a:ln w="28575">
+            <a:noFill/>
+          </a:ln>
+        </p:spPr>
+        <p:txBody>
+          <a:bodyPr wrap="square" rtlCol="0">
+            <a:spAutoFit/>
+          </a:bodyPr>
+          <a:p>
+            <a:r>
+              <a:rPr lang="x-none" altLang="en-IN" sz="1600" b="1" i="1">
+                <a:solidFill>
+                  <a:schemeClr val="tx1"/>
+                </a:solidFill>
+              </a:rPr>
+              <a:t>Y</a:t>
+            </a:r>
+            <a:r>
+              <a:rPr lang="x-none" altLang="en-IN" sz="1600" b="1" i="1" baseline="30000">
+                <a:solidFill>
+                  <a:schemeClr val="tx1"/>
+                </a:solidFill>
+              </a:rPr>
+              <a:t>0</a:t>
+            </a:r>
+            <a:endParaRPr lang="x-none" altLang="en-IN" sz="1600" b="1" i="1" baseline="30000">
+              <a:solidFill>
+                <a:schemeClr val="tx1"/>
+              </a:solidFill>
+            </a:endParaRPr>
+          </a:p>
+        </p:txBody>
+      </p:sp>
+      <p:sp>
+        <p:nvSpPr>
+          <p:cNvPr id="13" name="Right Arrow 12"/>
+          <p:cNvSpPr/>
+          <p:nvPr/>
+        </p:nvSpPr>
+        <p:spPr>
+          <a:xfrm>
+            <a:off x="8663305" y="915670"/>
+            <a:ext cx="425450" cy="200660"/>
+          </a:xfrm>
+          <a:prstGeom prst="rightArrow">
+            <a:avLst/>
+          </a:prstGeom>
+          <a:noFill/>
+          <a:ln w="28575">
+            <a:solidFill>
+              <a:schemeClr val="tx1"/>
+            </a:solidFill>
+          </a:ln>
+          <a:extLst>
+            <a:ext uri="{909E8E84-426E-40DD-AFC4-6F175D3DCCD1}">
+              <a14:hiddenFill xmlns:a14="http://schemas.microsoft.com/office/drawing/2010/main">
+                <a:solidFill>
+                  <a:schemeClr val="accent1"/>
+                </a:solidFill>
+              </a14:hiddenFill>
+            </a:ext>
+          </a:extLst>
+        </p:spPr>
+        <p:style>
+          <a:lnRef idx="2">
+            <a:schemeClr val="accent1">
+              <a:shade val="50000"/>
+            </a:schemeClr>
+          </a:lnRef>
+          <a:fillRef idx="1">
+            <a:schemeClr val="accent1"/>
+          </a:fillRef>
+          <a:effectRef idx="0">
+            <a:schemeClr val="accent1"/>
+          </a:effectRef>
+          <a:fontRef idx="minor">
+            <a:schemeClr val="lt1"/>
+          </a:fontRef>
+        </p:style>
+        <p:txBody>
+          <a:bodyPr rtlCol="0" anchor="ctr"/>
+          <a:p>
+            <a:pPr algn="ctr"/>
+            <a:endParaRPr lang="en-IN" altLang="en-US" sz="1200">
+              <a:solidFill>
+                <a:schemeClr val="tx1"/>
+              </a:solidFill>
+            </a:endParaRPr>
+          </a:p>
+        </p:txBody>
+      </p:sp>
+      <p:grpSp>
+        <p:nvGrpSpPr>
+          <p:cNvPr id="213" name="Group 212"/>
+          <p:cNvGrpSpPr/>
+          <p:nvPr/>
+        </p:nvGrpSpPr>
+        <p:grpSpPr>
+          <a:xfrm>
+            <a:off x="1391285" y="5681345"/>
+            <a:ext cx="504190" cy="1012190"/>
+            <a:chOff x="16968" y="8420"/>
+            <a:chExt cx="794" cy="1594"/>
+          </a:xfrm>
+        </p:grpSpPr>
+        <p:sp>
+          <p:nvSpPr>
+            <p:cNvPr id="12" name="TextBox 11"/>
+            <p:cNvSpPr txBox="1"/>
+            <p:nvPr/>
+          </p:nvSpPr>
+          <p:spPr>
+            <a:xfrm>
+              <a:off x="16968" y="8420"/>
+              <a:ext cx="336" cy="1595"/>
+            </a:xfrm>
+            <a:prstGeom prst="rect">
+              <a:avLst/>
+            </a:prstGeom>
+            <a:noFill/>
+            <a:ln w="28575">
+              <a:noFill/>
+            </a:ln>
+          </p:spPr>
+          <p:txBody>
+            <a:bodyPr wrap="square" rtlCol="0">
+              <a:spAutoFit/>
+            </a:bodyPr>
+            <a:p>
+              <a:r>
+                <a:rPr lang="x-none" altLang="en-IN" sz="3600" b="1">
+                  <a:solidFill>
+                    <a:schemeClr val="tx1"/>
+                  </a:solidFill>
+                </a:rPr>
+                <a:t>^</a:t>
+              </a:r>
+              <a:endParaRPr lang="x-none" altLang="en-IN" sz="3600" b="1">
+                <a:solidFill>
+                  <a:schemeClr val="tx1"/>
+                </a:solidFill>
+              </a:endParaRPr>
+            </a:p>
+          </p:txBody>
+        </p:sp>
+        <p:sp>
+          <p:nvSpPr>
+            <p:cNvPr id="21" name="TextBox 20"/>
+            <p:cNvSpPr txBox="1"/>
+            <p:nvPr/>
+          </p:nvSpPr>
+          <p:spPr>
+            <a:xfrm>
+              <a:off x="16986" y="8778"/>
+              <a:ext cx="777" cy="789"/>
+            </a:xfrm>
+            <a:prstGeom prst="rect">
+              <a:avLst/>
+            </a:prstGeom>
+            <a:noFill/>
+            <a:ln w="28575">
+              <a:noFill/>
+            </a:ln>
+          </p:spPr>
+          <p:txBody>
+            <a:bodyPr wrap="square" rtlCol="0">
+              <a:spAutoFit/>
+            </a:bodyPr>
+            <a:p>
+              <a:r>
+                <a:rPr lang="x-none" altLang="en-IN" sz="1600" b="1" i="1">
+                  <a:solidFill>
+                    <a:schemeClr val="tx1"/>
+                  </a:solidFill>
+                </a:rPr>
+                <a:t>X</a:t>
+              </a:r>
+              <a:endParaRPr lang="x-none" altLang="en-IN" sz="1600" b="1" i="1" baseline="30000">
+                <a:solidFill>
+                  <a:schemeClr val="tx1"/>
+                </a:solidFill>
+              </a:endParaRPr>
+            </a:p>
+          </p:txBody>
+        </p:sp>
+      </p:grpSp>
+      <p:cxnSp>
+        <p:nvCxnSpPr>
+          <p:cNvPr id="30" name="Straight Connector 29"/>
+          <p:cNvCxnSpPr/>
+          <p:nvPr/>
+        </p:nvCxnSpPr>
+        <p:spPr>
+          <a:xfrm flipH="1">
+            <a:off x="5619750" y="1576705"/>
+            <a:ext cx="60960" cy="132080"/>
+          </a:xfrm>
+          <a:prstGeom prst="line">
+            <a:avLst/>
+          </a:prstGeom>
+          <a:ln w="28575">
+            <a:solidFill>
+              <a:schemeClr val="tx1"/>
+            </a:solidFill>
+          </a:ln>
+        </p:spPr>
+        <p:style>
+          <a:lnRef idx="1">
+            <a:schemeClr val="accent1"/>
+          </a:lnRef>
+          <a:fillRef idx="0">
+            <a:schemeClr val="accent1"/>
+          </a:fillRef>
+          <a:effectRef idx="0">
+            <a:schemeClr val="accent1"/>
+          </a:effectRef>
+          <a:fontRef idx="minor">
+            <a:schemeClr val="tx1"/>
+          </a:fontRef>
+        </p:style>
+      </p:cxnSp>
+      <p:cxnSp>
+        <p:nvCxnSpPr>
+          <p:cNvPr id="42" name="Straight Connector 41"/>
+          <p:cNvCxnSpPr/>
+          <p:nvPr/>
+        </p:nvCxnSpPr>
+        <p:spPr>
+          <a:xfrm flipH="1">
+            <a:off x="5607685" y="1772285"/>
+            <a:ext cx="60960" cy="132080"/>
+          </a:xfrm>
+          <a:prstGeom prst="line">
+            <a:avLst/>
+          </a:prstGeom>
+          <a:ln w="28575">
+            <a:solidFill>
+              <a:schemeClr val="tx1"/>
+            </a:solidFill>
+          </a:ln>
+        </p:spPr>
+        <p:style>
+          <a:lnRef idx="1">
+            <a:schemeClr val="accent1"/>
+          </a:lnRef>
+          <a:fillRef idx="0">
+            <a:schemeClr val="accent1"/>
+          </a:fillRef>
+          <a:effectRef idx="0">
+            <a:schemeClr val="accent1"/>
+          </a:effectRef>
+          <a:fontRef idx="minor">
+            <a:schemeClr val="tx1"/>
+          </a:fontRef>
+        </p:style>
+      </p:cxnSp>
+      <p:cxnSp>
+        <p:nvCxnSpPr>
+          <p:cNvPr id="45" name="Elbow Connector 44"/>
+          <p:cNvCxnSpPr>
+            <a:endCxn id="5" idx="2"/>
+          </p:cNvCxnSpPr>
+          <p:nvPr/>
+        </p:nvCxnSpPr>
+        <p:spPr>
+          <a:xfrm flipV="1">
+            <a:off x="5646420" y="1852295"/>
+            <a:ext cx="2555875" cy="243205"/>
+          </a:xfrm>
+          <a:prstGeom prst="bentConnector2">
+            <a:avLst/>
+          </a:prstGeom>
+          <a:ln w="28575">
+            <a:solidFill>
+              <a:schemeClr val="tx1"/>
+            </a:solidFill>
+            <a:prstDash val="sysDash"/>
+            <a:headEnd type="none" w="med" len="med"/>
+            <a:tailEnd type="triangle" w="med" len="med"/>
+          </a:ln>
+        </p:spPr>
+        <p:style>
+          <a:lnRef idx="1">
+            <a:schemeClr val="accent1"/>
+          </a:lnRef>
+          <a:fillRef idx="0">
+            <a:schemeClr val="accent1"/>
+          </a:fillRef>
+          <a:effectRef idx="0">
+            <a:schemeClr val="accent1"/>
+          </a:effectRef>
+          <a:fontRef idx="minor">
+            <a:schemeClr val="tx1"/>
+          </a:fontRef>
+        </p:style>
+      </p:cxnSp>
+      <p:cxnSp>
+        <p:nvCxnSpPr>
+          <p:cNvPr id="46" name="Straight Connector 45"/>
+          <p:cNvCxnSpPr/>
+          <p:nvPr/>
+        </p:nvCxnSpPr>
+        <p:spPr>
+          <a:xfrm>
+            <a:off x="5668645" y="1925955"/>
+            <a:ext cx="0" cy="179705"/>
+          </a:xfrm>
+          <a:prstGeom prst="line">
+            <a:avLst/>
+          </a:prstGeom>
+          <a:ln w="28575">
+            <a:solidFill>
+              <a:schemeClr val="tx1"/>
+            </a:solidFill>
+            <a:prstDash val="sysDash"/>
+            <a:headEnd type="none" w="med" len="med"/>
+            <a:tailEnd type="none" w="med" len="med"/>
+          </a:ln>
+        </p:spPr>
+        <p:style>
+          <a:lnRef idx="1">
+            <a:schemeClr val="accent1"/>
+          </a:lnRef>
+          <a:fillRef idx="0">
+            <a:schemeClr val="accent1"/>
+          </a:fillRef>
+          <a:effectRef idx="0">
+            <a:schemeClr val="accent1"/>
+          </a:effectRef>
+          <a:fontRef idx="minor">
+            <a:schemeClr val="tx1"/>
+          </a:fontRef>
+        </p:style>
+      </p:cxnSp>
+      <p:sp>
+        <p:nvSpPr>
+          <p:cNvPr id="56" name="TextBox 55"/>
+          <p:cNvSpPr txBox="1"/>
+          <p:nvPr/>
+        </p:nvSpPr>
+        <p:spPr>
+          <a:xfrm rot="10800000">
+            <a:off x="5146675" y="1212215"/>
+            <a:ext cx="412115" cy="565150"/>
+          </a:xfrm>
+          <a:prstGeom prst="rect">
+            <a:avLst/>
+          </a:prstGeom>
+          <a:noFill/>
+          <a:ln w="28575">
+            <a:noFill/>
+          </a:ln>
+        </p:spPr>
+        <p:txBody>
+          <a:bodyPr vert="vert" wrap="square" rtlCol="0">
+            <a:spAutoFit/>
+          </a:bodyPr>
+          <a:p>
+            <a:r>
+              <a:rPr lang="x-none" altLang="en-IN" sz="900">
+                <a:solidFill>
+                  <a:schemeClr val="tx1"/>
+                </a:solidFill>
+              </a:rPr>
+              <a:t>FROZEN</a:t>
+            </a:r>
+            <a:endParaRPr lang="x-none" altLang="en-IN" sz="900">
+              <a:solidFill>
+                <a:schemeClr val="tx1"/>
+              </a:solidFill>
+            </a:endParaRPr>
+          </a:p>
+        </p:txBody>
+      </p:sp>
+      <p:graphicFrame>
+        <p:nvGraphicFramePr>
+          <p:cNvPr id="51" name="Table 50"/>
+          <p:cNvGraphicFramePr/>
+          <p:nvPr/>
+        </p:nvGraphicFramePr>
+        <p:xfrm>
+          <a:off x="434975" y="721360"/>
+          <a:ext cx="4290060" cy="595630"/>
+        </p:xfrm>
+        <a:graphic>
+          <a:graphicData uri="http://schemas.openxmlformats.org/drawingml/2006/table">
+            <a:tbl>
+              <a:tblPr firstRow="1" bandRow="1">
+                <a:tableStyleId>{5C22544A-7EE6-4342-B048-85BDC9FD1C3A}</a:tableStyleId>
+              </a:tblPr>
+              <a:tblGrid>
+                <a:gridCol w="536575"/>
+                <a:gridCol w="536575"/>
+                <a:gridCol w="535305"/>
+                <a:gridCol w="536575"/>
+                <a:gridCol w="536575"/>
+                <a:gridCol w="536575"/>
+                <a:gridCol w="535305"/>
+                <a:gridCol w="536575"/>
+              </a:tblGrid>
+              <a:tr h="595630">
+                <a:tc>
+                  <a:txBody>
+                    <a:bodyPr/>
+                    <a:p>
+                      <a:pPr>
+                        <a:buNone/>
+                      </a:pPr>
+                      <a:r>
+                        <a:rPr lang="x-none" b="0" i="1">
+                          <a:solidFill>
+                            <a:schemeClr val="tx1"/>
+                          </a:solidFill>
+                          <a:latin typeface="+mj-lt"/>
+                        </a:rPr>
+                        <a:t>u</a:t>
+                      </a:r>
+                      <a:r>
+                        <a:rPr lang="x-none" b="0" i="1" baseline="-25000">
+                          <a:solidFill>
+                            <a:schemeClr val="tx1"/>
+                          </a:solidFill>
+                          <a:latin typeface="+mj-lt"/>
+                        </a:rPr>
+                        <a:t>0</a:t>
+                      </a:r>
+                      <a:endParaRPr lang="x-none" b="0" i="1" baseline="-25000">
+                        <a:solidFill>
+                          <a:schemeClr val="tx1"/>
+                        </a:solidFill>
+                        <a:latin typeface="+mj-lt"/>
+                      </a:endParaRPr>
+                    </a:p>
+                  </a:txBody>
+                  <a:tcPr>
+                    <a:lnL w="12700">
+                      <a:solidFill>
+                        <a:schemeClr val="tx1"/>
+                      </a:solidFill>
+                      <a:prstDash val="solid"/>
+                    </a:lnL>
+                    <a:lnR w="12700">
+                      <a:solidFill>
+                        <a:schemeClr val="tx1"/>
+                      </a:solidFill>
+                      <a:prstDash val="solid"/>
+                    </a:lnR>
+                    <a:lnT w="12700">
+                      <a:solidFill>
+                        <a:schemeClr val="tx1"/>
+                      </a:solidFill>
+                      <a:prstDash val="solid"/>
+                    </a:lnT>
+                    <a:lnB w="12700">
+                      <a:solidFill>
+                        <a:schemeClr val="tx1"/>
+                      </a:solidFill>
+                      <a:prstDash val="solid"/>
+                    </a:lnB>
+                    <a:noFill/>
+                  </a:tcPr>
+                </a:tc>
+                <a:tc>
+                  <a:txBody>
+                    <a:bodyPr/>
+                    <a:p>
+                      <a:pPr>
+                        <a:buNone/>
+                      </a:pPr>
+                      <a:r>
+                        <a:rPr lang="x-none" b="0" i="1">
+                          <a:solidFill>
+                            <a:schemeClr val="tx1"/>
+                          </a:solidFill>
+                        </a:rPr>
+                        <a:t>u</a:t>
+                      </a:r>
+                      <a:r>
+                        <a:rPr lang="x-none" b="0" i="1" baseline="-25000">
+                          <a:solidFill>
+                            <a:schemeClr val="tx1"/>
+                          </a:solidFill>
+                        </a:rPr>
+                        <a:t>1</a:t>
+                      </a:r>
+                      <a:endParaRPr lang="x-none" b="0" i="1" baseline="-25000">
+                        <a:solidFill>
+                          <a:schemeClr val="tx1"/>
+                        </a:solidFill>
+                      </a:endParaRPr>
+                    </a:p>
+                  </a:txBody>
+                  <a:tcPr>
+                    <a:lnL w="12700">
+                      <a:solidFill>
+                        <a:schemeClr val="tx1"/>
+                      </a:solidFill>
+                      <a:prstDash val="solid"/>
+                    </a:lnL>
+                    <a:lnR w="12700">
+                      <a:solidFill>
+                        <a:schemeClr val="tx1"/>
+                      </a:solidFill>
+                      <a:prstDash val="solid"/>
+                    </a:lnR>
+                    <a:lnT w="12700">
+                      <a:solidFill>
+                        <a:schemeClr val="tx1"/>
+                      </a:solidFill>
+                      <a:prstDash val="solid"/>
+                    </a:lnT>
+                    <a:lnB w="12700">
+                      <a:solidFill>
+                        <a:schemeClr val="tx1"/>
+                      </a:solidFill>
+                      <a:prstDash val="solid"/>
+                    </a:lnB>
+                    <a:noFill/>
+                  </a:tcPr>
+                </a:tc>
+                <a:tc>
+                  <a:txBody>
+                    <a:bodyPr/>
+                    <a:p>
+                      <a:pPr>
+                        <a:buNone/>
+                      </a:pPr>
+                      <a:r>
+                        <a:rPr lang="x-none" b="0" i="1">
+                          <a:solidFill>
+                            <a:schemeClr val="tx1"/>
+                          </a:solidFill>
+                        </a:rPr>
+                        <a:t>u</a:t>
+                      </a:r>
+                      <a:r>
+                        <a:rPr lang="x-none" b="0" i="1" baseline="-25000">
+                          <a:solidFill>
+                            <a:schemeClr val="tx1"/>
+                          </a:solidFill>
+                        </a:rPr>
+                        <a:t>2</a:t>
+                      </a:r>
+                      <a:endParaRPr lang="x-none" b="0" i="1" baseline="-25000">
+                        <a:solidFill>
+                          <a:schemeClr val="tx1"/>
+                        </a:solidFill>
+                      </a:endParaRPr>
+                    </a:p>
+                  </a:txBody>
+                  <a:tcPr>
+                    <a:lnL w="12700">
+                      <a:solidFill>
+                        <a:schemeClr val="tx1"/>
+                      </a:solidFill>
+                      <a:prstDash val="solid"/>
+                    </a:lnL>
+                    <a:lnR w="12700">
+                      <a:solidFill>
+                        <a:schemeClr val="tx1"/>
+                      </a:solidFill>
+                      <a:prstDash val="solid"/>
+                    </a:lnR>
+                    <a:lnT w="12700">
+                      <a:solidFill>
+                        <a:schemeClr val="tx1"/>
+                      </a:solidFill>
+                      <a:prstDash val="solid"/>
+                    </a:lnT>
+                    <a:lnB w="12700">
+                      <a:solidFill>
+                        <a:schemeClr val="tx1"/>
+                      </a:solidFill>
+                      <a:prstDash val="solid"/>
+                    </a:lnB>
+                    <a:noFill/>
+                  </a:tcPr>
+                </a:tc>
+                <a:tc>
+                  <a:txBody>
+                    <a:bodyPr/>
+                    <a:p>
+                      <a:pPr>
+                        <a:buNone/>
+                      </a:pPr>
+                      <a:r>
+                        <a:rPr lang="x-none" b="0" i="1">
+                          <a:solidFill>
+                            <a:schemeClr val="tx1"/>
+                          </a:solidFill>
+                        </a:rPr>
+                        <a:t>u</a:t>
+                      </a:r>
+                      <a:r>
+                        <a:rPr lang="x-none" b="0" i="1" baseline="-25000">
+                          <a:solidFill>
+                            <a:schemeClr val="tx1"/>
+                          </a:solidFill>
+                        </a:rPr>
+                        <a:t>3</a:t>
+                      </a:r>
+                      <a:endParaRPr lang="x-none" b="0" i="1" baseline="-25000">
+                        <a:solidFill>
+                          <a:schemeClr val="tx1"/>
+                        </a:solidFill>
+                      </a:endParaRPr>
+                    </a:p>
+                  </a:txBody>
+                  <a:tcPr>
+                    <a:lnL w="12700">
+                      <a:solidFill>
+                        <a:schemeClr val="tx1"/>
+                      </a:solidFill>
+                      <a:prstDash val="solid"/>
+                    </a:lnL>
+                    <a:lnR w="12700">
+                      <a:solidFill>
+                        <a:schemeClr val="tx1"/>
+                      </a:solidFill>
+                      <a:prstDash val="solid"/>
+                    </a:lnR>
+                    <a:lnT w="12700">
+                      <a:solidFill>
+                        <a:schemeClr val="tx1"/>
+                      </a:solidFill>
+                      <a:prstDash val="solid"/>
+                    </a:lnT>
+                    <a:lnB w="12700">
+                      <a:solidFill>
+                        <a:schemeClr val="tx1"/>
+                      </a:solidFill>
+                      <a:prstDash val="solid"/>
+                    </a:lnB>
+                    <a:noFill/>
+                  </a:tcPr>
+                </a:tc>
+                <a:tc>
+                  <a:txBody>
+                    <a:bodyPr/>
+                    <a:p>
+                      <a:pPr>
+                        <a:buNone/>
+                      </a:pPr>
+                      <a:r>
+                        <a:rPr lang="x-none" b="0" i="1">
+                          <a:solidFill>
+                            <a:schemeClr val="tx1"/>
+                          </a:solidFill>
+                        </a:rPr>
+                        <a:t>u</a:t>
+                      </a:r>
+                      <a:r>
+                        <a:rPr lang="x-none" b="0" i="1" baseline="-25000">
+                          <a:solidFill>
+                            <a:schemeClr val="tx1"/>
+                          </a:solidFill>
+                        </a:rPr>
+                        <a:t>4</a:t>
+                      </a:r>
+                      <a:endParaRPr lang="x-none" b="0" i="1" baseline="-25000">
+                        <a:solidFill>
+                          <a:schemeClr val="tx1"/>
+                        </a:solidFill>
+                      </a:endParaRPr>
+                    </a:p>
+                  </a:txBody>
+                  <a:tcPr>
+                    <a:lnL w="12700">
+                      <a:solidFill>
+                        <a:schemeClr val="tx1"/>
+                      </a:solidFill>
+                      <a:prstDash val="solid"/>
+                    </a:lnL>
+                    <a:lnR w="12700">
+                      <a:solidFill>
+                        <a:schemeClr val="tx1"/>
+                      </a:solidFill>
+                      <a:prstDash val="solid"/>
+                    </a:lnR>
+                    <a:lnT w="12700">
+                      <a:solidFill>
+                        <a:schemeClr val="tx1"/>
+                      </a:solidFill>
+                      <a:prstDash val="solid"/>
+                    </a:lnT>
+                    <a:lnB w="12700">
+                      <a:solidFill>
+                        <a:schemeClr val="tx1"/>
+                      </a:solidFill>
+                      <a:prstDash val="solid"/>
+                    </a:lnB>
+                    <a:noFill/>
+                  </a:tcPr>
+                </a:tc>
+                <a:tc>
+                  <a:txBody>
+                    <a:bodyPr/>
+                    <a:p>
+                      <a:pPr>
+                        <a:buNone/>
+                      </a:pPr>
+                      <a:r>
+                        <a:rPr lang="x-none" b="0" i="1">
+                          <a:solidFill>
+                            <a:schemeClr val="tx1"/>
+                          </a:solidFill>
+                        </a:rPr>
+                        <a:t>u</a:t>
+                      </a:r>
+                      <a:r>
+                        <a:rPr lang="x-none" b="0" i="1" baseline="-25000">
+                          <a:solidFill>
+                            <a:schemeClr val="tx1"/>
+                          </a:solidFill>
+                        </a:rPr>
+                        <a:t>5</a:t>
+                      </a:r>
+                      <a:endParaRPr lang="x-none" b="0" i="1" baseline="-25000">
+                        <a:solidFill>
+                          <a:schemeClr val="tx1"/>
+                        </a:solidFill>
+                      </a:endParaRPr>
+                    </a:p>
+                  </a:txBody>
+                  <a:tcPr>
+                    <a:lnL w="12700">
+                      <a:solidFill>
+                        <a:schemeClr val="tx1"/>
+                      </a:solidFill>
+                      <a:prstDash val="solid"/>
+                    </a:lnL>
+                    <a:lnR w="12700">
+                      <a:solidFill>
+                        <a:schemeClr val="tx1"/>
+                      </a:solidFill>
+                      <a:prstDash val="solid"/>
+                    </a:lnR>
+                    <a:lnT w="12700">
+                      <a:solidFill>
+                        <a:schemeClr val="tx1"/>
+                      </a:solidFill>
+                      <a:prstDash val="solid"/>
+                    </a:lnT>
+                    <a:lnB w="12700">
+                      <a:solidFill>
+                        <a:schemeClr val="tx1"/>
+                      </a:solidFill>
+                      <a:prstDash val="solid"/>
+                    </a:lnB>
+                    <a:noFill/>
+                  </a:tcPr>
+                </a:tc>
+                <a:tc>
+                  <a:txBody>
+                    <a:bodyPr/>
+                    <a:p>
+                      <a:pPr>
+                        <a:buNone/>
+                      </a:pPr>
+                      <a:r>
+                        <a:rPr lang="x-none" b="0" i="1">
+                          <a:solidFill>
+                            <a:schemeClr val="tx1"/>
+                          </a:solidFill>
+                        </a:rPr>
+                        <a:t>u</a:t>
+                      </a:r>
+                      <a:r>
+                        <a:rPr lang="x-none" b="0" i="1" baseline="-25000">
+                          <a:solidFill>
+                            <a:schemeClr val="tx1"/>
+                          </a:solidFill>
+                        </a:rPr>
+                        <a:t>6</a:t>
+                      </a:r>
+                      <a:endParaRPr lang="x-none" b="0" i="1" baseline="-25000">
+                        <a:solidFill>
+                          <a:schemeClr val="tx1"/>
+                        </a:solidFill>
+                      </a:endParaRPr>
+                    </a:p>
+                  </a:txBody>
+                  <a:tcPr>
+                    <a:lnL w="12700">
+                      <a:solidFill>
+                        <a:schemeClr val="tx1"/>
+                      </a:solidFill>
+                      <a:prstDash val="solid"/>
+                    </a:lnL>
+                    <a:lnR w="12700">
+                      <a:solidFill>
+                        <a:schemeClr val="tx1"/>
+                      </a:solidFill>
+                      <a:prstDash val="solid"/>
+                    </a:lnR>
+                    <a:lnT w="12700">
+                      <a:solidFill>
+                        <a:schemeClr val="tx1"/>
+                      </a:solidFill>
+                      <a:prstDash val="solid"/>
+                    </a:lnT>
+                    <a:lnB w="12700">
+                      <a:solidFill>
+                        <a:schemeClr val="tx1"/>
+                      </a:solidFill>
+                      <a:prstDash val="solid"/>
+                    </a:lnB>
+                    <a:solidFill>
+                      <a:schemeClr val="bg1">
+                        <a:lumMod val="75000"/>
+                      </a:schemeClr>
+                    </a:solidFill>
+                  </a:tcPr>
+                </a:tc>
+                <a:tc>
+                  <a:txBody>
+                    <a:bodyPr/>
+                    <a:p>
+                      <a:pPr>
+                        <a:buNone/>
+                      </a:pPr>
+                      <a:r>
+                        <a:rPr lang="x-none" b="0" i="1">
+                          <a:solidFill>
+                            <a:schemeClr val="tx1"/>
+                          </a:solidFill>
+                        </a:rPr>
+                        <a:t>u</a:t>
+                      </a:r>
+                      <a:r>
+                        <a:rPr lang="x-none" b="0" i="1" baseline="-25000">
+                          <a:solidFill>
+                            <a:schemeClr val="tx1"/>
+                          </a:solidFill>
+                        </a:rPr>
+                        <a:t>7</a:t>
+                      </a:r>
+                      <a:endParaRPr lang="x-none" b="0" i="1" baseline="-25000">
+                        <a:solidFill>
+                          <a:schemeClr val="tx1"/>
+                        </a:solidFill>
+                      </a:endParaRPr>
+                    </a:p>
+                  </a:txBody>
+                  <a:tcPr>
+                    <a:lnL w="12700">
+                      <a:solidFill>
+                        <a:schemeClr val="tx1"/>
+                      </a:solidFill>
+                      <a:prstDash val="solid"/>
+                    </a:lnL>
+                    <a:lnR w="12700">
+                      <a:solidFill>
+                        <a:schemeClr val="tx1"/>
+                      </a:solidFill>
+                      <a:prstDash val="solid"/>
+                    </a:lnR>
+                    <a:lnT w="12700">
+                      <a:solidFill>
+                        <a:schemeClr val="tx1"/>
+                      </a:solidFill>
+                      <a:prstDash val="solid"/>
+                    </a:lnT>
+                    <a:lnB w="12700">
+                      <a:solidFill>
+                        <a:schemeClr val="tx1"/>
+                      </a:solidFill>
+                      <a:prstDash val="solid"/>
+                    </a:lnB>
+                    <a:solidFill>
+                      <a:schemeClr val="bg1">
+                        <a:lumMod val="75000"/>
+                      </a:schemeClr>
+                    </a:solidFill>
+                  </a:tcPr>
+                </a:tc>
+              </a:tr>
+            </a:tbl>
+          </a:graphicData>
+        </a:graphic>
+      </p:graphicFrame>
+      <p:sp>
+        <p:nvSpPr>
+          <p:cNvPr id="54" name="Left Brace 53"/>
+          <p:cNvSpPr/>
+          <p:nvPr/>
+        </p:nvSpPr>
+        <p:spPr>
+          <a:xfrm rot="16260000">
+            <a:off x="4071620" y="1159510"/>
+            <a:ext cx="238125" cy="720725"/>
+          </a:xfrm>
+          <a:prstGeom prst="leftBrace">
+            <a:avLst/>
+          </a:prstGeom>
+        </p:spPr>
+        <p:style>
+          <a:lnRef idx="1">
+            <a:schemeClr val="accent1"/>
+          </a:lnRef>
+          <a:fillRef idx="0">
+            <a:schemeClr val="accent1"/>
+          </a:fillRef>
+          <a:effectRef idx="0">
+            <a:schemeClr val="accent1"/>
+          </a:effectRef>
+          <a:fontRef idx="minor">
+            <a:schemeClr val="tx1"/>
+          </a:fontRef>
+        </p:style>
+        <p:txBody>
+          <a:bodyPr rtlCol="0" anchor="ctr"/>
+          <a:p>
+            <a:pPr algn="ctr"/>
+            <a:endParaRPr lang="en-IN" altLang="en-US"/>
+          </a:p>
+        </p:txBody>
+      </p:sp>
+      <p:cxnSp>
+        <p:nvCxnSpPr>
+          <p:cNvPr id="55" name="Elbow Connector 54"/>
+          <p:cNvCxnSpPr>
+            <a:stCxn id="54" idx="1"/>
+          </p:cNvCxnSpPr>
+          <p:nvPr/>
+        </p:nvCxnSpPr>
+        <p:spPr>
+          <a:xfrm rot="5400000" flipV="1">
+            <a:off x="4613910" y="1202690"/>
+            <a:ext cx="459105" cy="1330960"/>
+          </a:xfrm>
+          <a:prstGeom prst="bentConnector2">
+            <a:avLst/>
+          </a:prstGeom>
+          <a:ln>
+            <a:tailEnd type="arrow"/>
+          </a:ln>
+        </p:spPr>
+        <p:style>
+          <a:lnRef idx="1">
+            <a:schemeClr val="accent1"/>
+          </a:lnRef>
+          <a:fillRef idx="0">
+            <a:schemeClr val="accent1"/>
+          </a:fillRef>
+          <a:effectRef idx="0">
+            <a:schemeClr val="accent1"/>
+          </a:effectRef>
+          <a:fontRef idx="minor">
+            <a:schemeClr val="tx1"/>
+          </a:fontRef>
+        </p:style>
+      </p:cxnSp>
+      <p:graphicFrame>
+        <p:nvGraphicFramePr>
+          <p:cNvPr id="84" name="Table 83"/>
+          <p:cNvGraphicFramePr/>
+          <p:nvPr/>
+        </p:nvGraphicFramePr>
+        <p:xfrm>
+          <a:off x="439420" y="2650490"/>
+          <a:ext cx="4290060" cy="595630"/>
+        </p:xfrm>
+        <a:graphic>
+          <a:graphicData uri="http://schemas.openxmlformats.org/drawingml/2006/table">
+            <a:tbl>
+              <a:tblPr firstRow="1" bandRow="1">
+                <a:tableStyleId>{5C22544A-7EE6-4342-B048-85BDC9FD1C3A}</a:tableStyleId>
+              </a:tblPr>
+              <a:tblGrid>
+                <a:gridCol w="536575"/>
+                <a:gridCol w="536575"/>
+                <a:gridCol w="535305"/>
+                <a:gridCol w="536575"/>
+                <a:gridCol w="536575"/>
+                <a:gridCol w="536575"/>
+                <a:gridCol w="535305"/>
+                <a:gridCol w="536575"/>
+              </a:tblGrid>
+              <a:tr h="595630">
+                <a:tc>
+                  <a:txBody>
+                    <a:bodyPr/>
+                    <a:p>
+                      <a:pPr>
+                        <a:buNone/>
+                      </a:pPr>
+                      <a:r>
+                        <a:rPr lang="x-none" b="0" i="1">
+                          <a:solidFill>
+                            <a:schemeClr val="tx1"/>
+                          </a:solidFill>
+                          <a:latin typeface="+mj-lt"/>
+                        </a:rPr>
+                        <a:t>u</a:t>
+                      </a:r>
+                      <a:r>
+                        <a:rPr lang="x-none" b="0" i="1" baseline="-25000">
+                          <a:solidFill>
+                            <a:schemeClr val="tx1"/>
+                          </a:solidFill>
+                          <a:latin typeface="+mj-lt"/>
+                        </a:rPr>
+                        <a:t>3</a:t>
+                      </a:r>
+                      <a:endParaRPr lang="x-none" b="0" i="1" baseline="-25000">
+                        <a:solidFill>
+                          <a:schemeClr val="tx1"/>
+                        </a:solidFill>
+                        <a:latin typeface="+mj-lt"/>
+                      </a:endParaRPr>
+                    </a:p>
+                  </a:txBody>
+                  <a:tcPr>
+                    <a:lnL w="12700">
+                      <a:solidFill>
+                        <a:schemeClr val="tx1"/>
+                      </a:solidFill>
+                      <a:prstDash val="solid"/>
+                    </a:lnL>
+                    <a:lnR w="12700">
+                      <a:solidFill>
+                        <a:schemeClr val="tx1"/>
+                      </a:solidFill>
+                      <a:prstDash val="solid"/>
+                    </a:lnR>
+                    <a:lnT w="12700">
+                      <a:solidFill>
+                        <a:schemeClr val="tx1"/>
+                      </a:solidFill>
+                      <a:prstDash val="solid"/>
+                    </a:lnT>
+                    <a:lnB w="12700">
+                      <a:solidFill>
+                        <a:schemeClr val="tx1"/>
+                      </a:solidFill>
+                      <a:prstDash val="solid"/>
+                    </a:lnB>
+                    <a:noFill/>
+                  </a:tcPr>
+                </a:tc>
+                <a:tc>
+                  <a:txBody>
+                    <a:bodyPr/>
+                    <a:p>
+                      <a:pPr>
+                        <a:buNone/>
+                      </a:pPr>
+                      <a:r>
+                        <a:rPr lang="x-none" b="0" i="1">
+                          <a:solidFill>
+                            <a:schemeClr val="tx1"/>
+                          </a:solidFill>
+                        </a:rPr>
+                        <a:t>u</a:t>
+                      </a:r>
+                      <a:r>
+                        <a:rPr lang="x-none" b="0" i="1" baseline="-25000">
+                          <a:solidFill>
+                            <a:schemeClr val="tx1"/>
+                          </a:solidFill>
+                        </a:rPr>
+                        <a:t>4</a:t>
+                      </a:r>
+                      <a:endParaRPr lang="x-none" b="0" i="1" baseline="-25000">
+                        <a:solidFill>
+                          <a:schemeClr val="tx1"/>
+                        </a:solidFill>
+                      </a:endParaRPr>
+                    </a:p>
+                  </a:txBody>
+                  <a:tcPr>
+                    <a:lnL w="12700">
+                      <a:solidFill>
+                        <a:schemeClr val="tx1"/>
+                      </a:solidFill>
+                      <a:prstDash val="solid"/>
+                    </a:lnL>
+                    <a:lnR w="12700">
+                      <a:solidFill>
+                        <a:schemeClr val="tx1"/>
+                      </a:solidFill>
+                      <a:prstDash val="solid"/>
+                    </a:lnR>
+                    <a:lnT w="12700">
+                      <a:solidFill>
+                        <a:schemeClr val="tx1"/>
+                      </a:solidFill>
+                      <a:prstDash val="solid"/>
+                    </a:lnT>
+                    <a:lnB w="12700">
+                      <a:solidFill>
+                        <a:schemeClr val="tx1"/>
+                      </a:solidFill>
+                      <a:prstDash val="solid"/>
+                    </a:lnB>
+                    <a:noFill/>
+                  </a:tcPr>
+                </a:tc>
+                <a:tc>
+                  <a:txBody>
+                    <a:bodyPr/>
+                    <a:p>
+                      <a:pPr>
+                        <a:buNone/>
+                      </a:pPr>
+                      <a:r>
+                        <a:rPr lang="x-none" b="0" i="1">
+                          <a:solidFill>
+                            <a:schemeClr val="tx1"/>
+                          </a:solidFill>
+                        </a:rPr>
+                        <a:t>u</a:t>
+                      </a:r>
+                      <a:r>
+                        <a:rPr lang="x-none" b="0" i="1" baseline="-25000">
+                          <a:solidFill>
+                            <a:schemeClr val="tx1"/>
+                          </a:solidFill>
+                        </a:rPr>
+                        <a:t>5</a:t>
+                      </a:r>
+                      <a:endParaRPr lang="x-none" b="0" i="1" baseline="-25000">
+                        <a:solidFill>
+                          <a:schemeClr val="tx1"/>
+                        </a:solidFill>
+                      </a:endParaRPr>
+                    </a:p>
+                  </a:txBody>
+                  <a:tcPr>
+                    <a:lnL w="12700">
+                      <a:solidFill>
+                        <a:schemeClr val="tx1"/>
+                      </a:solidFill>
+                      <a:prstDash val="solid"/>
+                    </a:lnL>
+                    <a:lnR w="12700">
+                      <a:solidFill>
+                        <a:schemeClr val="tx1"/>
+                      </a:solidFill>
+                      <a:prstDash val="solid"/>
+                    </a:lnR>
+                    <a:lnT w="12700">
+                      <a:solidFill>
+                        <a:schemeClr val="tx1"/>
+                      </a:solidFill>
+                      <a:prstDash val="solid"/>
+                    </a:lnT>
+                    <a:lnB w="12700">
+                      <a:solidFill>
+                        <a:schemeClr val="tx1"/>
+                      </a:solidFill>
+                      <a:prstDash val="solid"/>
+                    </a:lnB>
+                    <a:noFill/>
+                  </a:tcPr>
+                </a:tc>
+                <a:tc>
+                  <a:txBody>
+                    <a:bodyPr/>
+                    <a:p>
+                      <a:pPr>
+                        <a:buNone/>
+                      </a:pPr>
+                      <a:r>
+                        <a:rPr lang="x-none" b="0" i="1">
+                          <a:solidFill>
+                            <a:schemeClr val="tx1"/>
+                          </a:solidFill>
+                        </a:rPr>
+                        <a:t>0</a:t>
+                      </a:r>
+                      <a:endParaRPr lang="x-none" b="0" i="1" baseline="-25000">
+                        <a:solidFill>
+                          <a:schemeClr val="tx1"/>
+                        </a:solidFill>
+                      </a:endParaRPr>
+                    </a:p>
+                  </a:txBody>
+                  <a:tcPr>
+                    <a:lnL w="12700">
+                      <a:solidFill>
+                        <a:schemeClr val="tx1"/>
+                      </a:solidFill>
+                      <a:prstDash val="solid"/>
+                    </a:lnL>
+                    <a:lnR w="12700">
+                      <a:solidFill>
+                        <a:schemeClr val="tx1"/>
+                      </a:solidFill>
+                      <a:prstDash val="solid"/>
+                    </a:lnR>
+                    <a:lnT w="12700">
+                      <a:solidFill>
+                        <a:schemeClr val="tx1"/>
+                      </a:solidFill>
+                      <a:prstDash val="solid"/>
+                    </a:lnT>
+                    <a:lnB w="12700">
+                      <a:solidFill>
+                        <a:schemeClr val="tx1"/>
+                      </a:solidFill>
+                      <a:prstDash val="solid"/>
+                    </a:lnB>
+                    <a:solidFill>
+                      <a:schemeClr val="bg1">
+                        <a:lumMod val="75000"/>
+                      </a:schemeClr>
+                    </a:solidFill>
+                  </a:tcPr>
+                </a:tc>
+                <a:tc>
+                  <a:txBody>
+                    <a:bodyPr/>
+                    <a:p>
+                      <a:pPr>
+                        <a:buNone/>
+                      </a:pPr>
+                      <a:r>
+                        <a:rPr lang="x-none" b="0" i="1">
+                          <a:solidFill>
+                            <a:schemeClr val="tx1"/>
+                          </a:solidFill>
+                        </a:rPr>
+                        <a:t>0</a:t>
+                      </a:r>
+                      <a:endParaRPr lang="x-none" b="0" i="1" baseline="-25000">
+                        <a:solidFill>
+                          <a:schemeClr val="tx1"/>
+                        </a:solidFill>
+                      </a:endParaRPr>
+                    </a:p>
+                  </a:txBody>
+                  <a:tcPr>
+                    <a:lnL w="12700">
+                      <a:solidFill>
+                        <a:schemeClr val="tx1"/>
+                      </a:solidFill>
+                      <a:prstDash val="solid"/>
+                    </a:lnL>
+                    <a:lnR w="12700">
+                      <a:solidFill>
+                        <a:schemeClr val="tx1"/>
+                      </a:solidFill>
+                      <a:prstDash val="solid"/>
+                    </a:lnR>
+                    <a:lnT w="12700">
+                      <a:solidFill>
+                        <a:schemeClr val="tx1"/>
+                      </a:solidFill>
+                      <a:prstDash val="solid"/>
+                    </a:lnT>
+                    <a:lnB w="12700">
+                      <a:solidFill>
+                        <a:schemeClr val="tx1"/>
+                      </a:solidFill>
+                      <a:prstDash val="solid"/>
+                    </a:lnB>
+                    <a:solidFill>
+                      <a:schemeClr val="bg1">
+                        <a:lumMod val="75000"/>
+                      </a:schemeClr>
+                    </a:solidFill>
+                  </a:tcPr>
+                </a:tc>
+                <a:tc>
+                  <a:txBody>
+                    <a:bodyPr/>
+                    <a:p>
+                      <a:pPr>
+                        <a:buNone/>
+                      </a:pPr>
+                      <a:r>
+                        <a:rPr lang="x-none" b="0" i="1">
+                          <a:solidFill>
+                            <a:schemeClr val="tx1"/>
+                          </a:solidFill>
+                        </a:rPr>
+                        <a:t>0</a:t>
+                      </a:r>
+                      <a:endParaRPr lang="x-none" b="0" i="1" baseline="-25000">
+                        <a:solidFill>
+                          <a:schemeClr val="tx1"/>
+                        </a:solidFill>
+                      </a:endParaRPr>
+                    </a:p>
+                  </a:txBody>
+                  <a:tcPr>
+                    <a:lnL w="12700">
+                      <a:solidFill>
+                        <a:schemeClr val="tx1"/>
+                      </a:solidFill>
+                      <a:prstDash val="solid"/>
+                    </a:lnL>
+                    <a:lnR w="12700">
+                      <a:solidFill>
+                        <a:schemeClr val="tx1"/>
+                      </a:solidFill>
+                      <a:prstDash val="solid"/>
+                    </a:lnR>
+                    <a:lnT w="12700">
+                      <a:solidFill>
+                        <a:schemeClr val="tx1"/>
+                      </a:solidFill>
+                      <a:prstDash val="solid"/>
+                    </a:lnT>
+                    <a:lnB w="12700">
+                      <a:solidFill>
+                        <a:schemeClr val="tx1"/>
+                      </a:solidFill>
+                      <a:prstDash val="solid"/>
+                    </a:lnB>
+                    <a:solidFill>
+                      <a:schemeClr val="bg1">
+                        <a:lumMod val="75000"/>
+                      </a:schemeClr>
+                    </a:solidFill>
+                  </a:tcPr>
+                </a:tc>
+                <a:tc>
+                  <a:txBody>
+                    <a:bodyPr/>
+                    <a:p>
+                      <a:pPr>
+                        <a:buNone/>
+                      </a:pPr>
+                      <a:r>
+                        <a:rPr lang="x-none" b="0" i="1">
+                          <a:solidFill>
+                            <a:schemeClr val="tx1"/>
+                          </a:solidFill>
+                        </a:rPr>
+                        <a:t>0</a:t>
+                      </a:r>
+                      <a:endParaRPr lang="x-none" b="0" i="1" baseline="-25000">
+                        <a:solidFill>
+                          <a:schemeClr val="tx1"/>
+                        </a:solidFill>
+                      </a:endParaRPr>
+                    </a:p>
+                  </a:txBody>
+                  <a:tcPr>
+                    <a:lnL w="12700">
+                      <a:solidFill>
+                        <a:schemeClr val="tx1"/>
+                      </a:solidFill>
+                      <a:prstDash val="solid"/>
+                    </a:lnL>
+                    <a:lnR w="12700">
+                      <a:solidFill>
+                        <a:schemeClr val="tx1"/>
+                      </a:solidFill>
+                      <a:prstDash val="solid"/>
+                    </a:lnR>
+                    <a:lnT w="12700">
+                      <a:solidFill>
+                        <a:schemeClr val="tx1"/>
+                      </a:solidFill>
+                      <a:prstDash val="solid"/>
+                    </a:lnT>
+                    <a:lnB w="12700">
+                      <a:solidFill>
+                        <a:schemeClr val="tx1"/>
+                      </a:solidFill>
+                      <a:prstDash val="solid"/>
+                    </a:lnB>
+                    <a:solidFill>
+                      <a:schemeClr val="bg1">
+                        <a:lumMod val="75000"/>
+                      </a:schemeClr>
+                    </a:solidFill>
+                  </a:tcPr>
+                </a:tc>
+                <a:tc>
+                  <a:txBody>
+                    <a:bodyPr/>
+                    <a:p>
+                      <a:pPr>
+                        <a:buNone/>
+                      </a:pPr>
+                      <a:r>
+                        <a:rPr lang="x-none" b="0" i="1">
+                          <a:solidFill>
+                            <a:schemeClr val="tx1"/>
+                          </a:solidFill>
+                        </a:rPr>
+                        <a:t>0</a:t>
+                      </a:r>
+                      <a:endParaRPr lang="x-none" b="0" i="1" baseline="-25000">
+                        <a:solidFill>
+                          <a:schemeClr val="tx1"/>
+                        </a:solidFill>
+                      </a:endParaRPr>
+                    </a:p>
+                  </a:txBody>
+                  <a:tcPr>
+                    <a:lnL w="12700">
+                      <a:solidFill>
+                        <a:schemeClr val="tx1"/>
+                      </a:solidFill>
+                      <a:prstDash val="solid"/>
+                    </a:lnL>
+                    <a:lnR w="12700">
+                      <a:solidFill>
+                        <a:schemeClr val="tx1"/>
+                      </a:solidFill>
+                      <a:prstDash val="solid"/>
+                    </a:lnR>
+                    <a:lnT w="12700">
+                      <a:solidFill>
+                        <a:schemeClr val="tx1"/>
+                      </a:solidFill>
+                      <a:prstDash val="solid"/>
+                    </a:lnT>
+                    <a:lnB w="12700">
+                      <a:solidFill>
+                        <a:schemeClr val="tx1"/>
+                      </a:solidFill>
+                      <a:prstDash val="solid"/>
+                    </a:lnB>
+                    <a:solidFill>
+                      <a:schemeClr val="bg1">
+                        <a:lumMod val="75000"/>
+                      </a:schemeClr>
+                    </a:solidFill>
+                  </a:tcPr>
+                </a:tc>
+              </a:tr>
+            </a:tbl>
+          </a:graphicData>
+        </a:graphic>
+      </p:graphicFrame>
+      <p:graphicFrame>
+        <p:nvGraphicFramePr>
+          <p:cNvPr id="178" name="Table 177"/>
+          <p:cNvGraphicFramePr/>
+          <p:nvPr/>
+        </p:nvGraphicFramePr>
+        <p:xfrm>
+          <a:off x="455930" y="4273550"/>
+          <a:ext cx="4290060" cy="595630"/>
+        </p:xfrm>
+        <a:graphic>
+          <a:graphicData uri="http://schemas.openxmlformats.org/drawingml/2006/table">
+            <a:tbl>
+              <a:tblPr firstRow="1" bandRow="1">
+                <a:tableStyleId>{5C22544A-7EE6-4342-B048-85BDC9FD1C3A}</a:tableStyleId>
+              </a:tblPr>
+              <a:tblGrid>
+                <a:gridCol w="536575"/>
+                <a:gridCol w="536575"/>
+                <a:gridCol w="535305"/>
+                <a:gridCol w="536575"/>
+                <a:gridCol w="536575"/>
+                <a:gridCol w="536575"/>
+                <a:gridCol w="535305"/>
+                <a:gridCol w="536575"/>
+              </a:tblGrid>
+              <a:tr h="595630">
+                <a:tc>
+                  <a:txBody>
+                    <a:bodyPr/>
+                    <a:p>
+                      <a:pPr>
+                        <a:buNone/>
+                      </a:pPr>
+                      <a:r>
+                        <a:rPr lang="x-none" b="0" i="1">
+                          <a:solidFill>
+                            <a:schemeClr val="tx1"/>
+                          </a:solidFill>
+                          <a:latin typeface="+mj-lt"/>
+                        </a:rPr>
+                        <a:t>u</a:t>
+                      </a:r>
+                      <a:r>
+                        <a:rPr lang="x-none" b="0" i="1" baseline="-25000">
+                          <a:solidFill>
+                            <a:schemeClr val="tx1"/>
+                          </a:solidFill>
+                          <a:latin typeface="+mj-lt"/>
+                        </a:rPr>
+                        <a:t>2</a:t>
+                      </a:r>
+                      <a:endParaRPr lang="x-none" b="0" i="1" baseline="-25000">
+                        <a:solidFill>
+                          <a:schemeClr val="tx1"/>
+                        </a:solidFill>
+                        <a:latin typeface="+mj-lt"/>
+                      </a:endParaRPr>
+                    </a:p>
+                  </a:txBody>
+                  <a:tcPr>
+                    <a:lnL w="12700">
+                      <a:solidFill>
+                        <a:schemeClr val="tx1"/>
+                      </a:solidFill>
+                      <a:prstDash val="solid"/>
+                    </a:lnL>
+                    <a:lnR w="12700">
+                      <a:solidFill>
+                        <a:schemeClr val="tx1"/>
+                      </a:solidFill>
+                      <a:prstDash val="solid"/>
+                    </a:lnR>
+                    <a:lnT w="12700">
+                      <a:solidFill>
+                        <a:schemeClr val="tx1"/>
+                      </a:solidFill>
+                      <a:prstDash val="solid"/>
+                    </a:lnT>
+                    <a:lnB w="12700">
+                      <a:solidFill>
+                        <a:schemeClr val="tx1"/>
+                      </a:solidFill>
+                      <a:prstDash val="solid"/>
+                    </a:lnB>
+                    <a:noFill/>
+                  </a:tcPr>
+                </a:tc>
+                <a:tc>
+                  <a:txBody>
+                    <a:bodyPr/>
+                    <a:p>
+                      <a:pPr>
+                        <a:buNone/>
+                      </a:pPr>
+                      <a:r>
+                        <a:rPr lang="x-none" b="0" i="1">
+                          <a:solidFill>
+                            <a:schemeClr val="tx1"/>
+                          </a:solidFill>
+                        </a:rPr>
+                        <a:t>u</a:t>
+                      </a:r>
+                      <a:r>
+                        <a:rPr lang="x-none" b="0" i="1" baseline="-25000">
+                          <a:solidFill>
+                            <a:schemeClr val="tx1"/>
+                          </a:solidFill>
+                        </a:rPr>
+                        <a:t>5</a:t>
+                      </a:r>
+                      <a:endParaRPr lang="x-none" b="0" i="1" baseline="-25000">
+                        <a:solidFill>
+                          <a:schemeClr val="tx1"/>
+                        </a:solidFill>
+                      </a:endParaRPr>
+                    </a:p>
+                  </a:txBody>
+                  <a:tcPr>
+                    <a:lnL w="12700">
+                      <a:solidFill>
+                        <a:schemeClr val="tx1"/>
+                      </a:solidFill>
+                      <a:prstDash val="solid"/>
+                    </a:lnL>
+                    <a:lnR w="12700">
+                      <a:solidFill>
+                        <a:schemeClr val="tx1"/>
+                      </a:solidFill>
+                      <a:prstDash val="solid"/>
+                    </a:lnR>
+                    <a:lnT w="12700">
+                      <a:solidFill>
+                        <a:schemeClr val="tx1"/>
+                      </a:solidFill>
+                      <a:prstDash val="solid"/>
+                    </a:lnT>
+                    <a:lnB w="12700">
+                      <a:solidFill>
+                        <a:schemeClr val="tx1"/>
+                      </a:solidFill>
+                      <a:prstDash val="solid"/>
+                    </a:lnB>
+                    <a:noFill/>
+                  </a:tcPr>
+                </a:tc>
+                <a:tc>
+                  <a:txBody>
+                    <a:bodyPr/>
+                    <a:p>
+                      <a:pPr>
+                        <a:buNone/>
+                      </a:pPr>
+                      <a:r>
+                        <a:rPr lang="x-none" sz="1800" b="0" i="1">
+                          <a:solidFill>
+                            <a:schemeClr val="tx1"/>
+                          </a:solidFill>
+                          <a:sym typeface="+mn-ea"/>
+                        </a:rPr>
+                        <a:t>0</a:t>
+                      </a:r>
+                      <a:endParaRPr lang="x-none" b="0" i="1" baseline="-25000">
+                        <a:solidFill>
+                          <a:schemeClr val="tx1"/>
+                        </a:solidFill>
+                      </a:endParaRPr>
+                    </a:p>
+                  </a:txBody>
+                  <a:tcPr>
+                    <a:lnL w="12700">
+                      <a:solidFill>
+                        <a:schemeClr val="tx1"/>
+                      </a:solidFill>
+                      <a:prstDash val="solid"/>
+                    </a:lnL>
+                    <a:lnR w="12700">
+                      <a:solidFill>
+                        <a:schemeClr val="tx1"/>
+                      </a:solidFill>
+                      <a:prstDash val="solid"/>
+                    </a:lnR>
+                    <a:lnT w="12700">
+                      <a:solidFill>
+                        <a:schemeClr val="tx1"/>
+                      </a:solidFill>
+                      <a:prstDash val="solid"/>
+                    </a:lnT>
+                    <a:lnB w="12700">
+                      <a:solidFill>
+                        <a:schemeClr val="tx1"/>
+                      </a:solidFill>
+                      <a:prstDash val="solid"/>
+                    </a:lnB>
+                    <a:solidFill>
+                      <a:schemeClr val="bg1">
+                        <a:lumMod val="75000"/>
+                      </a:schemeClr>
+                    </a:solidFill>
+                  </a:tcPr>
+                </a:tc>
+                <a:tc>
+                  <a:txBody>
+                    <a:bodyPr/>
+                    <a:p>
+                      <a:pPr>
+                        <a:buNone/>
+                      </a:pPr>
+                      <a:r>
+                        <a:rPr lang="x-none" b="0" i="1">
+                          <a:solidFill>
+                            <a:schemeClr val="tx1"/>
+                          </a:solidFill>
+                        </a:rPr>
+                        <a:t>0</a:t>
+                      </a:r>
+                      <a:endParaRPr lang="x-none" b="0" i="1" baseline="-25000">
+                        <a:solidFill>
+                          <a:schemeClr val="tx1"/>
+                        </a:solidFill>
+                      </a:endParaRPr>
+                    </a:p>
+                  </a:txBody>
+                  <a:tcPr>
+                    <a:lnL w="12700">
+                      <a:solidFill>
+                        <a:schemeClr val="tx1"/>
+                      </a:solidFill>
+                      <a:prstDash val="solid"/>
+                    </a:lnL>
+                    <a:lnR w="12700">
+                      <a:solidFill>
+                        <a:schemeClr val="tx1"/>
+                      </a:solidFill>
+                      <a:prstDash val="solid"/>
+                    </a:lnR>
+                    <a:lnT w="12700">
+                      <a:solidFill>
+                        <a:schemeClr val="tx1"/>
+                      </a:solidFill>
+                      <a:prstDash val="solid"/>
+                    </a:lnT>
+                    <a:lnB w="12700">
+                      <a:solidFill>
+                        <a:schemeClr val="tx1"/>
+                      </a:solidFill>
+                      <a:prstDash val="solid"/>
+                    </a:lnB>
+                    <a:solidFill>
+                      <a:schemeClr val="bg1">
+                        <a:lumMod val="75000"/>
+                      </a:schemeClr>
+                    </a:solidFill>
+                  </a:tcPr>
+                </a:tc>
+                <a:tc>
+                  <a:txBody>
+                    <a:bodyPr/>
+                    <a:p>
+                      <a:pPr>
+                        <a:buNone/>
+                      </a:pPr>
+                      <a:r>
+                        <a:rPr lang="x-none" b="0" i="1">
+                          <a:solidFill>
+                            <a:schemeClr val="tx1"/>
+                          </a:solidFill>
+                        </a:rPr>
+                        <a:t>0</a:t>
+                      </a:r>
+                      <a:endParaRPr lang="x-none" b="0" i="1" baseline="-25000">
+                        <a:solidFill>
+                          <a:schemeClr val="tx1"/>
+                        </a:solidFill>
+                      </a:endParaRPr>
+                    </a:p>
+                  </a:txBody>
+                  <a:tcPr>
+                    <a:lnL w="12700">
+                      <a:solidFill>
+                        <a:schemeClr val="tx1"/>
+                      </a:solidFill>
+                      <a:prstDash val="solid"/>
+                    </a:lnL>
+                    <a:lnR w="12700">
+                      <a:solidFill>
+                        <a:schemeClr val="tx1"/>
+                      </a:solidFill>
+                      <a:prstDash val="solid"/>
+                    </a:lnR>
+                    <a:lnT w="12700">
+                      <a:solidFill>
+                        <a:schemeClr val="tx1"/>
+                      </a:solidFill>
+                      <a:prstDash val="solid"/>
+                    </a:lnT>
+                    <a:lnB w="12700">
+                      <a:solidFill>
+                        <a:schemeClr val="tx1"/>
+                      </a:solidFill>
+                      <a:prstDash val="solid"/>
+                    </a:lnB>
+                    <a:solidFill>
+                      <a:schemeClr val="bg1">
+                        <a:lumMod val="75000"/>
+                      </a:schemeClr>
+                    </a:solidFill>
+                  </a:tcPr>
+                </a:tc>
+                <a:tc>
+                  <a:txBody>
+                    <a:bodyPr/>
+                    <a:p>
+                      <a:pPr>
+                        <a:buNone/>
+                      </a:pPr>
+                      <a:r>
+                        <a:rPr lang="x-none" b="0" i="1">
+                          <a:solidFill>
+                            <a:schemeClr val="tx1"/>
+                          </a:solidFill>
+                        </a:rPr>
+                        <a:t>0</a:t>
+                      </a:r>
+                      <a:endParaRPr lang="x-none" b="0" i="1" baseline="-25000">
+                        <a:solidFill>
+                          <a:schemeClr val="tx1"/>
+                        </a:solidFill>
+                      </a:endParaRPr>
+                    </a:p>
+                  </a:txBody>
+                  <a:tcPr>
+                    <a:lnL w="12700">
+                      <a:solidFill>
+                        <a:schemeClr val="tx1"/>
+                      </a:solidFill>
+                      <a:prstDash val="solid"/>
+                    </a:lnL>
+                    <a:lnR w="12700">
+                      <a:solidFill>
+                        <a:schemeClr val="tx1"/>
+                      </a:solidFill>
+                      <a:prstDash val="solid"/>
+                    </a:lnR>
+                    <a:lnT w="12700">
+                      <a:solidFill>
+                        <a:schemeClr val="tx1"/>
+                      </a:solidFill>
+                      <a:prstDash val="solid"/>
+                    </a:lnT>
+                    <a:lnB w="12700">
+                      <a:solidFill>
+                        <a:schemeClr val="tx1"/>
+                      </a:solidFill>
+                      <a:prstDash val="solid"/>
+                    </a:lnB>
+                    <a:solidFill>
+                      <a:schemeClr val="bg1">
+                        <a:lumMod val="75000"/>
+                      </a:schemeClr>
+                    </a:solidFill>
+                  </a:tcPr>
+                </a:tc>
+                <a:tc>
+                  <a:txBody>
+                    <a:bodyPr/>
+                    <a:p>
+                      <a:pPr>
+                        <a:buNone/>
+                      </a:pPr>
+                      <a:r>
+                        <a:rPr lang="x-none" b="0" i="1">
+                          <a:solidFill>
+                            <a:schemeClr val="tx1"/>
+                          </a:solidFill>
+                        </a:rPr>
+                        <a:t>0</a:t>
+                      </a:r>
+                      <a:endParaRPr lang="x-none" b="0" i="1" baseline="-25000">
+                        <a:solidFill>
+                          <a:schemeClr val="tx1"/>
+                        </a:solidFill>
+                      </a:endParaRPr>
+                    </a:p>
+                  </a:txBody>
+                  <a:tcPr>
+                    <a:lnL w="12700">
+                      <a:solidFill>
+                        <a:schemeClr val="tx1"/>
+                      </a:solidFill>
+                      <a:prstDash val="solid"/>
+                    </a:lnL>
+                    <a:lnR w="12700">
+                      <a:solidFill>
+                        <a:schemeClr val="tx1"/>
+                      </a:solidFill>
+                      <a:prstDash val="solid"/>
+                    </a:lnR>
+                    <a:lnT w="12700">
+                      <a:solidFill>
+                        <a:schemeClr val="tx1"/>
+                      </a:solidFill>
+                      <a:prstDash val="solid"/>
+                    </a:lnT>
+                    <a:lnB w="12700">
+                      <a:solidFill>
+                        <a:schemeClr val="tx1"/>
+                      </a:solidFill>
+                      <a:prstDash val="solid"/>
+                    </a:lnB>
+                    <a:solidFill>
+                      <a:schemeClr val="bg1">
+                        <a:lumMod val="75000"/>
+                      </a:schemeClr>
+                    </a:solidFill>
+                  </a:tcPr>
+                </a:tc>
+                <a:tc>
+                  <a:txBody>
+                    <a:bodyPr/>
+                    <a:p>
+                      <a:pPr>
+                        <a:buNone/>
+                      </a:pPr>
+                      <a:r>
+                        <a:rPr lang="x-none" b="0" i="1">
+                          <a:solidFill>
+                            <a:schemeClr val="tx1"/>
+                          </a:solidFill>
+                        </a:rPr>
+                        <a:t>0</a:t>
+                      </a:r>
+                      <a:endParaRPr lang="x-none" b="0" i="1" baseline="-25000">
+                        <a:solidFill>
+                          <a:schemeClr val="tx1"/>
+                        </a:solidFill>
+                      </a:endParaRPr>
+                    </a:p>
+                  </a:txBody>
+                  <a:tcPr>
+                    <a:lnL w="12700">
+                      <a:solidFill>
+                        <a:schemeClr val="tx1"/>
+                      </a:solidFill>
+                      <a:prstDash val="solid"/>
+                    </a:lnL>
+                    <a:lnR w="12700">
+                      <a:solidFill>
+                        <a:schemeClr val="tx1"/>
+                      </a:solidFill>
+                      <a:prstDash val="solid"/>
+                    </a:lnR>
+                    <a:lnT w="12700">
+                      <a:solidFill>
+                        <a:schemeClr val="tx1"/>
+                      </a:solidFill>
+                      <a:prstDash val="solid"/>
+                    </a:lnT>
+                    <a:lnB w="12700">
+                      <a:solidFill>
+                        <a:schemeClr val="tx1"/>
+                      </a:solidFill>
+                      <a:prstDash val="solid"/>
+                    </a:lnB>
+                    <a:solidFill>
+                      <a:schemeClr val="bg1">
+                        <a:lumMod val="75000"/>
+                      </a:schemeClr>
+                    </a:solidFill>
+                  </a:tcPr>
+                </a:tc>
+              </a:tr>
+            </a:tbl>
+          </a:graphicData>
+        </a:graphic>
+      </p:graphicFrame>
+      <p:sp>
+        <p:nvSpPr>
+          <p:cNvPr id="179" name="Rectangle 178"/>
+          <p:cNvSpPr/>
+          <p:nvPr/>
+        </p:nvSpPr>
+        <p:spPr>
+          <a:xfrm>
+            <a:off x="5231765" y="4175125"/>
+            <a:ext cx="1560830" cy="857250"/>
+          </a:xfrm>
+          <a:prstGeom prst="rect">
+            <a:avLst/>
+          </a:prstGeom>
+          <a:noFill/>
+          <a:ln w="28575">
+            <a:solidFill>
+              <a:schemeClr val="tx1"/>
+            </a:solidFill>
+          </a:ln>
+          <a:extLst>
+            <a:ext uri="{909E8E84-426E-40DD-AFC4-6F175D3DCCD1}">
+              <a14:hiddenFill xmlns:a14="http://schemas.microsoft.com/office/drawing/2010/main">
+                <a:solidFill>
+                  <a:schemeClr val="accent1"/>
+                </a:solidFill>
+              </a14:hiddenFill>
+            </a:ext>
+          </a:extLst>
+        </p:spPr>
+        <p:style>
+          <a:lnRef idx="2">
+            <a:schemeClr val="accent1">
+              <a:shade val="50000"/>
+            </a:schemeClr>
+          </a:lnRef>
+          <a:fillRef idx="1">
+            <a:schemeClr val="accent1"/>
+          </a:fillRef>
+          <a:effectRef idx="0">
+            <a:schemeClr val="accent1"/>
+          </a:effectRef>
+          <a:fontRef idx="minor">
+            <a:schemeClr val="lt1"/>
+          </a:fontRef>
+        </p:style>
+        <p:txBody>
+          <a:bodyPr rtlCol="0" anchor="ctr"/>
+          <a:p>
+            <a:pPr algn="ctr"/>
+            <a:r>
+              <a:rPr lang="x-none" altLang="en-IN" b="1">
+                <a:solidFill>
+                  <a:schemeClr val="tx1"/>
+                </a:solidFill>
+              </a:rPr>
+              <a:t>Polar Encoder </a:t>
+            </a:r>
+            <a:endParaRPr lang="x-none" altLang="en-IN" b="1">
+              <a:solidFill>
+                <a:schemeClr val="tx1"/>
+              </a:solidFill>
+            </a:endParaRPr>
+          </a:p>
+        </p:txBody>
+      </p:sp>
+      <p:sp>
+        <p:nvSpPr>
+          <p:cNvPr id="180" name="Rectangle 179"/>
+          <p:cNvSpPr/>
+          <p:nvPr/>
+        </p:nvSpPr>
+        <p:spPr>
+          <a:xfrm>
+            <a:off x="7155180" y="4175125"/>
+            <a:ext cx="1560830" cy="857250"/>
+          </a:xfrm>
+          <a:prstGeom prst="rect">
+            <a:avLst/>
+          </a:prstGeom>
+          <a:noFill/>
+          <a:ln w="28575">
+            <a:solidFill>
+              <a:schemeClr val="tx1"/>
+            </a:solidFill>
+          </a:ln>
+          <a:extLst>
+            <a:ext uri="{909E8E84-426E-40DD-AFC4-6F175D3DCCD1}">
+              <a14:hiddenFill xmlns:a14="http://schemas.microsoft.com/office/drawing/2010/main">
+                <a:solidFill>
+                  <a:schemeClr val="accent1"/>
+                </a:solidFill>
+              </a14:hiddenFill>
+            </a:ext>
+          </a:extLst>
+        </p:spPr>
+        <p:style>
+          <a:lnRef idx="2">
+            <a:schemeClr val="accent1">
+              <a:shade val="50000"/>
+            </a:schemeClr>
+          </a:lnRef>
+          <a:fillRef idx="1">
+            <a:schemeClr val="accent1"/>
+          </a:fillRef>
+          <a:effectRef idx="0">
+            <a:schemeClr val="accent1"/>
+          </a:effectRef>
+          <a:fontRef idx="minor">
+            <a:schemeClr val="lt1"/>
+          </a:fontRef>
+        </p:style>
+        <p:txBody>
+          <a:bodyPr rtlCol="0" anchor="ctr"/>
+          <a:p>
+            <a:pPr algn="ctr"/>
+            <a:r>
+              <a:rPr lang="x-none" altLang="en-IN" b="1">
+                <a:solidFill>
+                  <a:schemeClr val="tx1"/>
+                </a:solidFill>
+              </a:rPr>
+              <a:t>BSC(p</a:t>
+            </a:r>
+            <a:r>
+              <a:rPr lang="x-none" altLang="en-IN" b="1" baseline="-25000">
+                <a:solidFill>
+                  <a:schemeClr val="tx1"/>
+                </a:solidFill>
+              </a:rPr>
+              <a:t>3</a:t>
+            </a:r>
+            <a:r>
+              <a:rPr lang="x-none" altLang="en-IN" b="1">
+                <a:solidFill>
+                  <a:schemeClr val="tx1"/>
+                </a:solidFill>
+              </a:rPr>
+              <a:t>)</a:t>
+            </a:r>
+            <a:endParaRPr lang="x-none" altLang="en-IN" b="1">
+              <a:solidFill>
+                <a:schemeClr val="tx1"/>
+              </a:solidFill>
+            </a:endParaRPr>
+          </a:p>
+        </p:txBody>
+      </p:sp>
+      <p:sp>
+        <p:nvSpPr>
+          <p:cNvPr id="181" name="Rectangle 180"/>
+          <p:cNvSpPr/>
+          <p:nvPr/>
+        </p:nvSpPr>
+        <p:spPr>
+          <a:xfrm>
+            <a:off x="9046210" y="4197350"/>
+            <a:ext cx="1560830" cy="857250"/>
+          </a:xfrm>
+          <a:prstGeom prst="rect">
+            <a:avLst/>
+          </a:prstGeom>
+          <a:noFill/>
+          <a:ln w="28575">
+            <a:solidFill>
+              <a:schemeClr val="tx1"/>
+            </a:solidFill>
+          </a:ln>
+          <a:extLst>
+            <a:ext uri="{909E8E84-426E-40DD-AFC4-6F175D3DCCD1}">
+              <a14:hiddenFill xmlns:a14="http://schemas.microsoft.com/office/drawing/2010/main">
+                <a:solidFill>
+                  <a:schemeClr val="accent1"/>
+                </a:solidFill>
+              </a14:hiddenFill>
+            </a:ext>
+          </a:extLst>
+        </p:spPr>
+        <p:style>
+          <a:lnRef idx="2">
+            <a:schemeClr val="accent1">
+              <a:shade val="50000"/>
+            </a:schemeClr>
+          </a:lnRef>
+          <a:fillRef idx="1">
+            <a:schemeClr val="accent1"/>
+          </a:fillRef>
+          <a:effectRef idx="0">
+            <a:schemeClr val="accent1"/>
+          </a:effectRef>
+          <a:fontRef idx="minor">
+            <a:schemeClr val="lt1"/>
+          </a:fontRef>
+        </p:style>
+        <p:txBody>
+          <a:bodyPr rtlCol="0" anchor="ctr"/>
+          <a:p>
+            <a:pPr algn="ctr"/>
+            <a:r>
+              <a:rPr lang="x-none" altLang="en-IN" b="1">
+                <a:solidFill>
+                  <a:schemeClr val="tx1"/>
+                </a:solidFill>
+              </a:rPr>
+              <a:t>Decoder</a:t>
+            </a:r>
+            <a:endParaRPr lang="x-none" altLang="en-IN" b="1">
+              <a:solidFill>
+                <a:schemeClr val="tx1"/>
+              </a:solidFill>
+            </a:endParaRPr>
+          </a:p>
+          <a:p>
+            <a:pPr algn="ctr"/>
+            <a:r>
+              <a:rPr lang="x-none" altLang="en-IN" b="1">
+                <a:solidFill>
+                  <a:schemeClr val="tx1"/>
+                </a:solidFill>
+              </a:rPr>
+              <a:t>using p</a:t>
+            </a:r>
+            <a:r>
+              <a:rPr lang="x-none" altLang="en-IN" b="1" baseline="-25000">
+                <a:solidFill>
+                  <a:schemeClr val="tx1"/>
+                </a:solidFill>
+              </a:rPr>
+              <a:t>3</a:t>
+            </a:r>
+            <a:r>
+              <a:rPr lang="x-none" altLang="en-IN" b="1">
+                <a:solidFill>
+                  <a:schemeClr val="tx1"/>
+                </a:solidFill>
+              </a:rPr>
+              <a:t> </a:t>
+            </a:r>
+            <a:endParaRPr lang="x-none" altLang="en-IN" b="1">
+              <a:solidFill>
+                <a:schemeClr val="tx1"/>
+              </a:solidFill>
+            </a:endParaRPr>
+          </a:p>
+        </p:txBody>
+      </p:sp>
+      <p:sp>
+        <p:nvSpPr>
+          <p:cNvPr id="182" name="Rectangle 181"/>
+          <p:cNvSpPr/>
+          <p:nvPr/>
+        </p:nvSpPr>
+        <p:spPr>
+          <a:xfrm>
+            <a:off x="5210175" y="2513965"/>
+            <a:ext cx="1560830" cy="857250"/>
+          </a:xfrm>
+          <a:prstGeom prst="rect">
+            <a:avLst/>
+          </a:prstGeom>
+          <a:noFill/>
+          <a:ln w="28575">
+            <a:solidFill>
+              <a:schemeClr val="tx1"/>
+            </a:solidFill>
+          </a:ln>
+          <a:extLst>
+            <a:ext uri="{909E8E84-426E-40DD-AFC4-6F175D3DCCD1}">
+              <a14:hiddenFill xmlns:a14="http://schemas.microsoft.com/office/drawing/2010/main">
+                <a:solidFill>
+                  <a:schemeClr val="accent1"/>
+                </a:solidFill>
+              </a14:hiddenFill>
+            </a:ext>
+          </a:extLst>
+        </p:spPr>
+        <p:style>
+          <a:lnRef idx="2">
+            <a:schemeClr val="accent1">
+              <a:shade val="50000"/>
+            </a:schemeClr>
+          </a:lnRef>
+          <a:fillRef idx="1">
+            <a:schemeClr val="accent1"/>
+          </a:fillRef>
+          <a:effectRef idx="0">
+            <a:schemeClr val="accent1"/>
+          </a:effectRef>
+          <a:fontRef idx="minor">
+            <a:schemeClr val="lt1"/>
+          </a:fontRef>
+        </p:style>
+        <p:txBody>
+          <a:bodyPr rtlCol="0" anchor="ctr"/>
+          <a:p>
+            <a:pPr algn="ctr"/>
+            <a:r>
+              <a:rPr lang="x-none" altLang="en-IN" b="1">
+                <a:solidFill>
+                  <a:schemeClr val="tx1"/>
+                </a:solidFill>
+              </a:rPr>
+              <a:t>Polar Encoder </a:t>
+            </a:r>
+            <a:endParaRPr lang="x-none" altLang="en-IN" b="1">
+              <a:solidFill>
+                <a:schemeClr val="tx1"/>
+              </a:solidFill>
+            </a:endParaRPr>
+          </a:p>
+        </p:txBody>
+      </p:sp>
+      <p:sp>
+        <p:nvSpPr>
+          <p:cNvPr id="183" name="Rectangle 182"/>
+          <p:cNvSpPr/>
+          <p:nvPr/>
+        </p:nvSpPr>
+        <p:spPr>
+          <a:xfrm>
+            <a:off x="7133590" y="2513965"/>
+            <a:ext cx="1560830" cy="857250"/>
+          </a:xfrm>
+          <a:prstGeom prst="rect">
+            <a:avLst/>
+          </a:prstGeom>
+          <a:noFill/>
+          <a:ln w="28575">
+            <a:solidFill>
+              <a:schemeClr val="tx1"/>
+            </a:solidFill>
+          </a:ln>
+          <a:extLst>
+            <a:ext uri="{909E8E84-426E-40DD-AFC4-6F175D3DCCD1}">
+              <a14:hiddenFill xmlns:a14="http://schemas.microsoft.com/office/drawing/2010/main">
+                <a:solidFill>
+                  <a:schemeClr val="accent1"/>
+                </a:solidFill>
+              </a14:hiddenFill>
+            </a:ext>
+          </a:extLst>
+        </p:spPr>
+        <p:style>
+          <a:lnRef idx="2">
+            <a:schemeClr val="accent1">
+              <a:shade val="50000"/>
+            </a:schemeClr>
+          </a:lnRef>
+          <a:fillRef idx="1">
+            <a:schemeClr val="accent1"/>
+          </a:fillRef>
+          <a:effectRef idx="0">
+            <a:schemeClr val="accent1"/>
+          </a:effectRef>
+          <a:fontRef idx="minor">
+            <a:schemeClr val="lt1"/>
+          </a:fontRef>
+        </p:style>
+        <p:txBody>
+          <a:bodyPr rtlCol="0" anchor="ctr"/>
+          <a:p>
+            <a:pPr algn="ctr"/>
+            <a:r>
+              <a:rPr lang="x-none" altLang="en-IN" b="1">
+                <a:solidFill>
+                  <a:schemeClr val="tx1"/>
+                </a:solidFill>
+              </a:rPr>
+              <a:t>BSC(p</a:t>
+            </a:r>
+            <a:r>
+              <a:rPr lang="x-none" altLang="en-IN" b="1" baseline="-25000">
+                <a:solidFill>
+                  <a:schemeClr val="tx1"/>
+                </a:solidFill>
+              </a:rPr>
+              <a:t>3</a:t>
+            </a:r>
+            <a:r>
+              <a:rPr lang="x-none" altLang="en-IN" b="1">
+                <a:solidFill>
+                  <a:schemeClr val="tx1"/>
+                </a:solidFill>
+              </a:rPr>
+              <a:t>)</a:t>
+            </a:r>
+            <a:endParaRPr lang="x-none" altLang="en-IN" b="1">
+              <a:solidFill>
+                <a:schemeClr val="tx1"/>
+              </a:solidFill>
+            </a:endParaRPr>
+          </a:p>
+        </p:txBody>
+      </p:sp>
+      <p:sp>
+        <p:nvSpPr>
+          <p:cNvPr id="184" name="Rectangle 183"/>
+          <p:cNvSpPr/>
+          <p:nvPr/>
+        </p:nvSpPr>
+        <p:spPr>
+          <a:xfrm>
+            <a:off x="9024620" y="2536190"/>
+            <a:ext cx="1560830" cy="857250"/>
+          </a:xfrm>
+          <a:prstGeom prst="rect">
+            <a:avLst/>
+          </a:prstGeom>
+          <a:noFill/>
+          <a:ln w="28575">
+            <a:solidFill>
+              <a:schemeClr val="tx1"/>
+            </a:solidFill>
+          </a:ln>
+          <a:extLst>
+            <a:ext uri="{909E8E84-426E-40DD-AFC4-6F175D3DCCD1}">
+              <a14:hiddenFill xmlns:a14="http://schemas.microsoft.com/office/drawing/2010/main">
+                <a:solidFill>
+                  <a:schemeClr val="accent1"/>
+                </a:solidFill>
+              </a14:hiddenFill>
+            </a:ext>
+          </a:extLst>
+        </p:spPr>
+        <p:style>
+          <a:lnRef idx="2">
+            <a:schemeClr val="accent1">
+              <a:shade val="50000"/>
+            </a:schemeClr>
+          </a:lnRef>
+          <a:fillRef idx="1">
+            <a:schemeClr val="accent1"/>
+          </a:fillRef>
+          <a:effectRef idx="0">
+            <a:schemeClr val="accent1"/>
+          </a:effectRef>
+          <a:fontRef idx="minor">
+            <a:schemeClr val="lt1"/>
+          </a:fontRef>
+        </p:style>
+        <p:txBody>
+          <a:bodyPr rtlCol="0" anchor="ctr"/>
+          <a:p>
+            <a:pPr algn="ctr"/>
+            <a:r>
+              <a:rPr lang="x-none" altLang="en-IN" b="1">
+                <a:solidFill>
+                  <a:schemeClr val="tx1"/>
+                </a:solidFill>
+              </a:rPr>
+              <a:t>Decoder</a:t>
+            </a:r>
+            <a:endParaRPr lang="x-none" altLang="en-IN" b="1">
+              <a:solidFill>
+                <a:schemeClr val="tx1"/>
+              </a:solidFill>
+            </a:endParaRPr>
+          </a:p>
+          <a:p>
+            <a:pPr algn="ctr"/>
+            <a:r>
+              <a:rPr lang="x-none" altLang="en-IN" b="1">
+                <a:solidFill>
+                  <a:schemeClr val="tx1"/>
+                </a:solidFill>
+              </a:rPr>
+              <a:t>using p</a:t>
+            </a:r>
+            <a:r>
+              <a:rPr lang="x-none" altLang="en-IN" b="1" baseline="-25000">
+                <a:solidFill>
+                  <a:schemeClr val="tx1"/>
+                </a:solidFill>
+              </a:rPr>
+              <a:t>2 </a:t>
+            </a:r>
+            <a:endParaRPr lang="x-none" altLang="en-IN" b="1" baseline="-25000">
+              <a:solidFill>
+                <a:schemeClr val="tx1"/>
+              </a:solidFill>
+            </a:endParaRPr>
+          </a:p>
+        </p:txBody>
+      </p:sp>
+      <p:sp>
+        <p:nvSpPr>
+          <p:cNvPr id="185" name="Right Arrow 184"/>
+          <p:cNvSpPr/>
+          <p:nvPr/>
+        </p:nvSpPr>
+        <p:spPr>
+          <a:xfrm>
+            <a:off x="4803140" y="2846070"/>
+            <a:ext cx="330835" cy="175895"/>
+          </a:xfrm>
+          <a:prstGeom prst="rightArrow">
+            <a:avLst/>
+          </a:prstGeom>
+          <a:noFill/>
+          <a:ln>
+            <a:solidFill>
+              <a:schemeClr val="tx1"/>
+            </a:solidFill>
+          </a:ln>
+          <a:extLst>
+            <a:ext uri="{909E8E84-426E-40DD-AFC4-6F175D3DCCD1}">
+              <a14:hiddenFill xmlns:a14="http://schemas.microsoft.com/office/drawing/2010/main">
+                <a:solidFill>
+                  <a:schemeClr val="accent1"/>
+                </a:solidFill>
+              </a14:hiddenFill>
+            </a:ext>
+          </a:extLst>
+        </p:spPr>
+        <p:style>
+          <a:lnRef idx="2">
+            <a:schemeClr val="accent1">
+              <a:shade val="50000"/>
+            </a:schemeClr>
+          </a:lnRef>
+          <a:fillRef idx="1">
+            <a:schemeClr val="accent1"/>
+          </a:fillRef>
+          <a:effectRef idx="0">
+            <a:schemeClr val="accent1"/>
+          </a:effectRef>
+          <a:fontRef idx="minor">
+            <a:schemeClr val="lt1"/>
+          </a:fontRef>
+        </p:style>
+        <p:txBody>
+          <a:bodyPr rtlCol="0" anchor="ctr"/>
+          <a:p>
+            <a:pPr algn="ctr"/>
+            <a:endParaRPr lang="en-IN" altLang="en-US"/>
+          </a:p>
+        </p:txBody>
+      </p:sp>
+      <p:sp>
+        <p:nvSpPr>
+          <p:cNvPr id="186" name="Right Arrow 185"/>
+          <p:cNvSpPr/>
+          <p:nvPr/>
+        </p:nvSpPr>
+        <p:spPr>
+          <a:xfrm>
+            <a:off x="6847840" y="2846705"/>
+            <a:ext cx="243205" cy="175895"/>
+          </a:xfrm>
+          <a:prstGeom prst="rightArrow">
+            <a:avLst/>
+          </a:prstGeom>
+          <a:noFill/>
+          <a:ln>
+            <a:solidFill>
+              <a:schemeClr val="tx1"/>
+            </a:solidFill>
+          </a:ln>
+          <a:extLst>
+            <a:ext uri="{909E8E84-426E-40DD-AFC4-6F175D3DCCD1}">
+              <a14:hiddenFill xmlns:a14="http://schemas.microsoft.com/office/drawing/2010/main">
+                <a:solidFill>
+                  <a:schemeClr val="accent1"/>
+                </a:solidFill>
+              </a14:hiddenFill>
+            </a:ext>
+          </a:extLst>
+        </p:spPr>
+        <p:style>
+          <a:lnRef idx="2">
+            <a:schemeClr val="accent1">
+              <a:shade val="50000"/>
+            </a:schemeClr>
+          </a:lnRef>
+          <a:fillRef idx="1">
+            <a:schemeClr val="accent1"/>
+          </a:fillRef>
+          <a:effectRef idx="0">
+            <a:schemeClr val="accent1"/>
+          </a:effectRef>
+          <a:fontRef idx="minor">
+            <a:schemeClr val="lt1"/>
+          </a:fontRef>
+        </p:style>
+        <p:txBody>
+          <a:bodyPr rtlCol="0" anchor="ctr"/>
+          <a:p>
+            <a:pPr algn="ctr"/>
+            <a:endParaRPr lang="en-IN" altLang="en-US"/>
+          </a:p>
+        </p:txBody>
+      </p:sp>
+      <p:sp>
+        <p:nvSpPr>
+          <p:cNvPr id="189" name="Right Arrow 188"/>
+          <p:cNvSpPr/>
+          <p:nvPr/>
+        </p:nvSpPr>
+        <p:spPr>
+          <a:xfrm>
+            <a:off x="8760460" y="2868930"/>
+            <a:ext cx="243205" cy="175895"/>
+          </a:xfrm>
+          <a:prstGeom prst="rightArrow">
+            <a:avLst/>
+          </a:prstGeom>
+          <a:noFill/>
+          <a:ln>
+            <a:solidFill>
+              <a:schemeClr val="tx1"/>
+            </a:solidFill>
+          </a:ln>
+          <a:extLst>
+            <a:ext uri="{909E8E84-426E-40DD-AFC4-6F175D3DCCD1}">
+              <a14:hiddenFill xmlns:a14="http://schemas.microsoft.com/office/drawing/2010/main">
+                <a:solidFill>
+                  <a:schemeClr val="accent1"/>
+                </a:solidFill>
+              </a14:hiddenFill>
+            </a:ext>
+          </a:extLst>
+        </p:spPr>
+        <p:style>
+          <a:lnRef idx="2">
+            <a:schemeClr val="accent1">
+              <a:shade val="50000"/>
+            </a:schemeClr>
+          </a:lnRef>
+          <a:fillRef idx="1">
+            <a:schemeClr val="accent1"/>
+          </a:fillRef>
+          <a:effectRef idx="0">
+            <a:schemeClr val="accent1"/>
+          </a:effectRef>
+          <a:fontRef idx="minor">
+            <a:schemeClr val="lt1"/>
+          </a:fontRef>
+        </p:style>
+        <p:txBody>
+          <a:bodyPr rtlCol="0" anchor="ctr"/>
+          <a:p>
+            <a:pPr algn="ctr"/>
+            <a:endParaRPr lang="en-IN" altLang="en-US"/>
+          </a:p>
+        </p:txBody>
+      </p:sp>
+      <p:sp>
+        <p:nvSpPr>
+          <p:cNvPr id="190" name="Right Arrow 189"/>
+          <p:cNvSpPr/>
+          <p:nvPr/>
+        </p:nvSpPr>
+        <p:spPr>
+          <a:xfrm>
+            <a:off x="10640695" y="2857500"/>
+            <a:ext cx="243205" cy="175895"/>
+          </a:xfrm>
+          <a:prstGeom prst="rightArrow">
+            <a:avLst/>
+          </a:prstGeom>
+          <a:noFill/>
+          <a:ln>
+            <a:solidFill>
+              <a:schemeClr val="tx1"/>
+            </a:solidFill>
+          </a:ln>
+          <a:extLst>
+            <a:ext uri="{909E8E84-426E-40DD-AFC4-6F175D3DCCD1}">
+              <a14:hiddenFill xmlns:a14="http://schemas.microsoft.com/office/drawing/2010/main">
+                <a:solidFill>
+                  <a:schemeClr val="accent1"/>
+                </a:solidFill>
+              </a14:hiddenFill>
+            </a:ext>
+          </a:extLst>
+        </p:spPr>
+        <p:style>
+          <a:lnRef idx="2">
+            <a:schemeClr val="accent1">
+              <a:shade val="50000"/>
+            </a:schemeClr>
+          </a:lnRef>
+          <a:fillRef idx="1">
+            <a:schemeClr val="accent1"/>
+          </a:fillRef>
+          <a:effectRef idx="0">
+            <a:schemeClr val="accent1"/>
+          </a:effectRef>
+          <a:fontRef idx="minor">
+            <a:schemeClr val="lt1"/>
+          </a:fontRef>
+        </p:style>
+        <p:txBody>
+          <a:bodyPr rtlCol="0" anchor="ctr"/>
+          <a:p>
+            <a:pPr algn="ctr"/>
+            <a:endParaRPr lang="en-IN" altLang="en-US"/>
+          </a:p>
+        </p:txBody>
+      </p:sp>
+      <p:sp>
+        <p:nvSpPr>
+          <p:cNvPr id="193" name="Right Arrow 192"/>
+          <p:cNvSpPr/>
+          <p:nvPr/>
+        </p:nvSpPr>
+        <p:spPr>
+          <a:xfrm>
+            <a:off x="4791710" y="4474210"/>
+            <a:ext cx="330835" cy="175895"/>
+          </a:xfrm>
+          <a:prstGeom prst="rightArrow">
+            <a:avLst/>
+          </a:prstGeom>
+          <a:noFill/>
+          <a:ln>
+            <a:solidFill>
+              <a:schemeClr val="tx1"/>
+            </a:solidFill>
+          </a:ln>
+          <a:extLst>
+            <a:ext uri="{909E8E84-426E-40DD-AFC4-6F175D3DCCD1}">
+              <a14:hiddenFill xmlns:a14="http://schemas.microsoft.com/office/drawing/2010/main">
+                <a:solidFill>
+                  <a:schemeClr val="accent1"/>
+                </a:solidFill>
+              </a14:hiddenFill>
+            </a:ext>
+          </a:extLst>
+        </p:spPr>
+        <p:style>
+          <a:lnRef idx="2">
+            <a:schemeClr val="accent1">
+              <a:shade val="50000"/>
+            </a:schemeClr>
+          </a:lnRef>
+          <a:fillRef idx="1">
+            <a:schemeClr val="accent1"/>
+          </a:fillRef>
+          <a:effectRef idx="0">
+            <a:schemeClr val="accent1"/>
+          </a:effectRef>
+          <a:fontRef idx="minor">
+            <a:schemeClr val="lt1"/>
+          </a:fontRef>
+        </p:style>
+        <p:txBody>
+          <a:bodyPr rtlCol="0" anchor="ctr"/>
+          <a:p>
+            <a:pPr algn="ctr"/>
+            <a:endParaRPr lang="en-IN" altLang="en-US"/>
+          </a:p>
+        </p:txBody>
+      </p:sp>
+      <p:sp>
+        <p:nvSpPr>
+          <p:cNvPr id="194" name="Right Arrow 193"/>
+          <p:cNvSpPr/>
+          <p:nvPr/>
+        </p:nvSpPr>
+        <p:spPr>
+          <a:xfrm>
+            <a:off x="6836410" y="4474845"/>
+            <a:ext cx="243205" cy="175895"/>
+          </a:xfrm>
+          <a:prstGeom prst="rightArrow">
+            <a:avLst/>
+          </a:prstGeom>
+          <a:noFill/>
+          <a:ln>
+            <a:solidFill>
+              <a:schemeClr val="tx1"/>
+            </a:solidFill>
+          </a:ln>
+          <a:extLst>
+            <a:ext uri="{909E8E84-426E-40DD-AFC4-6F175D3DCCD1}">
+              <a14:hiddenFill xmlns:a14="http://schemas.microsoft.com/office/drawing/2010/main">
+                <a:solidFill>
+                  <a:schemeClr val="accent1"/>
+                </a:solidFill>
+              </a14:hiddenFill>
+            </a:ext>
+          </a:extLst>
+        </p:spPr>
+        <p:style>
+          <a:lnRef idx="2">
+            <a:schemeClr val="accent1">
+              <a:shade val="50000"/>
+            </a:schemeClr>
+          </a:lnRef>
+          <a:fillRef idx="1">
+            <a:schemeClr val="accent1"/>
+          </a:fillRef>
+          <a:effectRef idx="0">
+            <a:schemeClr val="accent1"/>
+          </a:effectRef>
+          <a:fontRef idx="minor">
+            <a:schemeClr val="lt1"/>
+          </a:fontRef>
+        </p:style>
+        <p:txBody>
+          <a:bodyPr rtlCol="0" anchor="ctr"/>
+          <a:p>
+            <a:pPr algn="ctr"/>
+            <a:endParaRPr lang="en-IN" altLang="en-US"/>
+          </a:p>
+        </p:txBody>
+      </p:sp>
+      <p:sp>
+        <p:nvSpPr>
+          <p:cNvPr id="195" name="Right Arrow 194"/>
+          <p:cNvSpPr/>
+          <p:nvPr/>
+        </p:nvSpPr>
+        <p:spPr>
+          <a:xfrm>
+            <a:off x="8749030" y="4497070"/>
+            <a:ext cx="243205" cy="175895"/>
+          </a:xfrm>
+          <a:prstGeom prst="rightArrow">
+            <a:avLst/>
+          </a:prstGeom>
+          <a:noFill/>
+          <a:ln>
+            <a:solidFill>
+              <a:schemeClr val="tx1"/>
+            </a:solidFill>
+          </a:ln>
+          <a:extLst>
+            <a:ext uri="{909E8E84-426E-40DD-AFC4-6F175D3DCCD1}">
+              <a14:hiddenFill xmlns:a14="http://schemas.microsoft.com/office/drawing/2010/main">
+                <a:solidFill>
+                  <a:schemeClr val="accent1"/>
+                </a:solidFill>
+              </a14:hiddenFill>
+            </a:ext>
+          </a:extLst>
+        </p:spPr>
+        <p:style>
+          <a:lnRef idx="2">
+            <a:schemeClr val="accent1">
+              <a:shade val="50000"/>
+            </a:schemeClr>
+          </a:lnRef>
+          <a:fillRef idx="1">
+            <a:schemeClr val="accent1"/>
+          </a:fillRef>
+          <a:effectRef idx="0">
+            <a:schemeClr val="accent1"/>
+          </a:effectRef>
+          <a:fontRef idx="minor">
+            <a:schemeClr val="lt1"/>
+          </a:fontRef>
+        </p:style>
+        <p:txBody>
+          <a:bodyPr rtlCol="0" anchor="ctr"/>
+          <a:p>
+            <a:pPr algn="ctr"/>
+            <a:endParaRPr lang="en-IN" altLang="en-US"/>
+          </a:p>
+        </p:txBody>
+      </p:sp>
+      <p:sp>
+        <p:nvSpPr>
+          <p:cNvPr id="196" name="Right Arrow 195"/>
+          <p:cNvSpPr/>
+          <p:nvPr/>
+        </p:nvSpPr>
+        <p:spPr>
+          <a:xfrm>
+            <a:off x="10629265" y="4485640"/>
+            <a:ext cx="243205" cy="175895"/>
+          </a:xfrm>
+          <a:prstGeom prst="rightArrow">
+            <a:avLst/>
+          </a:prstGeom>
+          <a:noFill/>
+          <a:ln>
+            <a:solidFill>
+              <a:schemeClr val="tx1"/>
+            </a:solidFill>
+          </a:ln>
+          <a:extLst>
+            <a:ext uri="{909E8E84-426E-40DD-AFC4-6F175D3DCCD1}">
+              <a14:hiddenFill xmlns:a14="http://schemas.microsoft.com/office/drawing/2010/main">
+                <a:solidFill>
+                  <a:schemeClr val="accent1"/>
+                </a:solidFill>
+              </a14:hiddenFill>
+            </a:ext>
+          </a:extLst>
+        </p:spPr>
+        <p:style>
+          <a:lnRef idx="2">
+            <a:schemeClr val="accent1">
+              <a:shade val="50000"/>
+            </a:schemeClr>
+          </a:lnRef>
+          <a:fillRef idx="1">
+            <a:schemeClr val="accent1"/>
+          </a:fillRef>
+          <a:effectRef idx="0">
+            <a:schemeClr val="accent1"/>
+          </a:effectRef>
+          <a:fontRef idx="minor">
+            <a:schemeClr val="lt1"/>
+          </a:fontRef>
+        </p:style>
+        <p:txBody>
+          <a:bodyPr rtlCol="0" anchor="ctr"/>
+          <a:p>
+            <a:pPr algn="ctr"/>
+            <a:endParaRPr lang="en-IN" altLang="en-US"/>
+          </a:p>
+        </p:txBody>
+      </p:sp>
+      <p:sp>
+        <p:nvSpPr>
+          <p:cNvPr id="197" name="TextBox 196"/>
+          <p:cNvSpPr txBox="1"/>
+          <p:nvPr/>
+        </p:nvSpPr>
+        <p:spPr>
+          <a:xfrm>
+            <a:off x="339725" y="306070"/>
+            <a:ext cx="1341120" cy="550545"/>
+          </a:xfrm>
+          <a:prstGeom prst="rect">
+            <a:avLst/>
+          </a:prstGeom>
+          <a:noFill/>
+        </p:spPr>
+        <p:txBody>
+          <a:bodyPr wrap="square" rtlCol="0">
+            <a:spAutoFit/>
+          </a:bodyPr>
+          <a:p>
+            <a:r>
+              <a:rPr lang="x-none" altLang="en-IN"/>
+              <a:t>Iteration 0</a:t>
+            </a:r>
+            <a:endParaRPr lang="x-none" altLang="en-IN"/>
+          </a:p>
+        </p:txBody>
+      </p:sp>
+      <p:sp>
+        <p:nvSpPr>
+          <p:cNvPr id="198" name="TextBox 197"/>
+          <p:cNvSpPr txBox="1"/>
+          <p:nvPr/>
+        </p:nvSpPr>
+        <p:spPr>
+          <a:xfrm>
+            <a:off x="405765" y="2213610"/>
+            <a:ext cx="1341120" cy="550545"/>
+          </a:xfrm>
+          <a:prstGeom prst="rect">
+            <a:avLst/>
+          </a:prstGeom>
+          <a:noFill/>
+        </p:spPr>
+        <p:txBody>
+          <a:bodyPr wrap="square" rtlCol="0">
+            <a:spAutoFit/>
+          </a:bodyPr>
+          <a:p>
+            <a:r>
+              <a:rPr lang="x-none" altLang="en-IN"/>
+              <a:t>Iteration 1</a:t>
+            </a:r>
+            <a:endParaRPr lang="x-none" altLang="en-IN"/>
+          </a:p>
+        </p:txBody>
+      </p:sp>
+      <p:sp>
+        <p:nvSpPr>
+          <p:cNvPr id="199" name="TextBox 198"/>
+          <p:cNvSpPr txBox="1"/>
+          <p:nvPr/>
+        </p:nvSpPr>
+        <p:spPr>
+          <a:xfrm>
+            <a:off x="427990" y="3851910"/>
+            <a:ext cx="1341120" cy="550545"/>
+          </a:xfrm>
+          <a:prstGeom prst="rect">
+            <a:avLst/>
+          </a:prstGeom>
+          <a:noFill/>
+        </p:spPr>
+        <p:txBody>
+          <a:bodyPr wrap="square" rtlCol="0">
+            <a:spAutoFit/>
+          </a:bodyPr>
+          <a:p>
+            <a:r>
+              <a:rPr lang="x-none" altLang="en-IN"/>
+              <a:t>Iteration 2</a:t>
+            </a:r>
+            <a:endParaRPr lang="x-none" altLang="en-IN"/>
+          </a:p>
+        </p:txBody>
+      </p:sp>
+      <p:sp>
+        <p:nvSpPr>
+          <p:cNvPr id="200" name="TextBox 199"/>
+          <p:cNvSpPr txBox="1"/>
+          <p:nvPr/>
+        </p:nvSpPr>
+        <p:spPr>
+          <a:xfrm>
+            <a:off x="8699500" y="2467610"/>
+            <a:ext cx="493395" cy="501015"/>
+          </a:xfrm>
+          <a:prstGeom prst="rect">
+            <a:avLst/>
+          </a:prstGeom>
+          <a:noFill/>
+          <a:ln w="28575">
+            <a:noFill/>
+          </a:ln>
+        </p:spPr>
+        <p:txBody>
+          <a:bodyPr wrap="square" rtlCol="0">
+            <a:spAutoFit/>
+          </a:bodyPr>
+          <a:p>
+            <a:r>
+              <a:rPr lang="x-none" altLang="en-IN" sz="1600" b="1" i="1">
+                <a:solidFill>
+                  <a:schemeClr val="tx1"/>
+                </a:solidFill>
+              </a:rPr>
+              <a:t>Y</a:t>
+            </a:r>
+            <a:r>
+              <a:rPr lang="x-none" altLang="en-IN" sz="1600" b="1" i="1" baseline="30000">
+                <a:solidFill>
+                  <a:schemeClr val="tx1"/>
+                </a:solidFill>
+              </a:rPr>
+              <a:t>1</a:t>
+            </a:r>
+            <a:endParaRPr lang="x-none" altLang="en-IN" sz="1600" b="1" i="1" baseline="30000">
+              <a:solidFill>
+                <a:schemeClr val="tx1"/>
+              </a:solidFill>
+            </a:endParaRPr>
+          </a:p>
+        </p:txBody>
+      </p:sp>
+      <p:sp>
+        <p:nvSpPr>
+          <p:cNvPr id="201" name="TextBox 200"/>
+          <p:cNvSpPr txBox="1"/>
+          <p:nvPr/>
+        </p:nvSpPr>
+        <p:spPr>
+          <a:xfrm>
+            <a:off x="8688705" y="3996055"/>
+            <a:ext cx="493395" cy="501015"/>
+          </a:xfrm>
+          <a:prstGeom prst="rect">
+            <a:avLst/>
+          </a:prstGeom>
+          <a:noFill/>
+          <a:ln w="28575">
+            <a:noFill/>
+          </a:ln>
+        </p:spPr>
+        <p:txBody>
+          <a:bodyPr wrap="square" rtlCol="0">
+            <a:spAutoFit/>
+          </a:bodyPr>
+          <a:p>
+            <a:r>
+              <a:rPr lang="x-none" altLang="en-IN" sz="1600" b="1" i="1">
+                <a:solidFill>
+                  <a:schemeClr val="tx1"/>
+                </a:solidFill>
+              </a:rPr>
+              <a:t>Y</a:t>
+            </a:r>
+            <a:r>
+              <a:rPr lang="x-none" altLang="en-IN" sz="1600" b="1" i="1" baseline="30000">
+                <a:solidFill>
+                  <a:schemeClr val="tx1"/>
+                </a:solidFill>
+              </a:rPr>
+              <a:t>2</a:t>
+            </a:r>
+            <a:endParaRPr lang="x-none" altLang="en-IN" sz="1600" b="1" i="1" baseline="30000">
+              <a:solidFill>
+                <a:schemeClr val="tx1"/>
+              </a:solidFill>
+            </a:endParaRPr>
+          </a:p>
+        </p:txBody>
+      </p:sp>
+      <p:sp>
+        <p:nvSpPr>
+          <p:cNvPr id="202" name="TextBox 201"/>
+          <p:cNvSpPr txBox="1"/>
+          <p:nvPr/>
+        </p:nvSpPr>
+        <p:spPr>
+          <a:xfrm>
+            <a:off x="9225280" y="601345"/>
+            <a:ext cx="1483360" cy="826770"/>
+          </a:xfrm>
+          <a:prstGeom prst="rect">
+            <a:avLst/>
+          </a:prstGeom>
+          <a:noFill/>
+          <a:ln w="28575">
+            <a:solidFill>
+              <a:schemeClr val="tx1"/>
+            </a:solidFill>
+          </a:ln>
+        </p:spPr>
+        <p:txBody>
+          <a:bodyPr wrap="square" rtlCol="0">
+            <a:spAutoFit/>
+          </a:bodyPr>
+          <a:p>
+            <a:pPr algn="ctr"/>
+            <a:r>
+              <a:rPr lang="x-none" altLang="en-IN" b="1"/>
+              <a:t>Error Detection</a:t>
+            </a:r>
+            <a:endParaRPr lang="x-none" altLang="en-IN" b="1"/>
+          </a:p>
+        </p:txBody>
+      </p:sp>
+      <p:sp>
+        <p:nvSpPr>
+          <p:cNvPr id="203" name="TextBox 202"/>
+          <p:cNvSpPr txBox="1"/>
+          <p:nvPr/>
+        </p:nvSpPr>
+        <p:spPr>
+          <a:xfrm>
+            <a:off x="8564880" y="1142365"/>
+            <a:ext cx="1032510" cy="550545"/>
+          </a:xfrm>
+          <a:prstGeom prst="rect">
+            <a:avLst/>
+          </a:prstGeom>
+          <a:noFill/>
+        </p:spPr>
+        <p:txBody>
+          <a:bodyPr wrap="square" rtlCol="0">
+            <a:spAutoFit/>
+          </a:bodyPr>
+          <a:p>
+            <a:r>
+              <a:rPr lang="x-none" altLang="en-IN"/>
+              <a:t>LLR</a:t>
+            </a:r>
+            <a:endParaRPr lang="x-none" altLang="en-IN"/>
+          </a:p>
+        </p:txBody>
+      </p:sp>
+      <p:sp>
+        <p:nvSpPr>
+          <p:cNvPr id="205" name="TextBox 204"/>
+          <p:cNvSpPr txBox="1"/>
+          <p:nvPr/>
+        </p:nvSpPr>
+        <p:spPr>
+          <a:xfrm>
+            <a:off x="10942955" y="2683510"/>
+            <a:ext cx="835660" cy="552450"/>
+          </a:xfrm>
+          <a:prstGeom prst="rect">
+            <a:avLst/>
+          </a:prstGeom>
+          <a:noFill/>
+          <a:ln w="28575">
+            <a:solidFill>
+              <a:schemeClr val="tx1"/>
+            </a:solidFill>
+          </a:ln>
+        </p:spPr>
+        <p:txBody>
+          <a:bodyPr wrap="square" rtlCol="0">
+            <a:spAutoFit/>
+          </a:bodyPr>
+          <a:p>
+            <a:pPr algn="ctr"/>
+            <a:r>
+              <a:rPr lang="x-none" altLang="en-IN" b="1"/>
+              <a:t>ED</a:t>
+            </a:r>
+            <a:endParaRPr lang="x-none" altLang="en-IN" b="1"/>
+          </a:p>
+        </p:txBody>
+      </p:sp>
+      <p:sp>
+        <p:nvSpPr>
+          <p:cNvPr id="206" name="TextBox 205"/>
+          <p:cNvSpPr txBox="1"/>
+          <p:nvPr/>
+        </p:nvSpPr>
+        <p:spPr>
+          <a:xfrm>
+            <a:off x="11212830" y="614680"/>
+            <a:ext cx="857250" cy="1099185"/>
+          </a:xfrm>
+          <a:prstGeom prst="rect">
+            <a:avLst/>
+          </a:prstGeom>
+          <a:noFill/>
+        </p:spPr>
+        <p:txBody>
+          <a:bodyPr wrap="square" rtlCol="0">
+            <a:spAutoFit/>
+          </a:bodyPr>
+          <a:p>
+            <a:r>
+              <a:rPr lang="x-none" altLang="en-IN" i="1"/>
+              <a:t>Error</a:t>
+            </a:r>
+            <a:endParaRPr lang="x-none" altLang="en-IN" i="1"/>
+          </a:p>
+          <a:p>
+            <a:r>
+              <a:rPr lang="x-none" altLang="en-IN" i="1"/>
+              <a:t>present </a:t>
+            </a:r>
+            <a:endParaRPr lang="x-none" altLang="en-IN" i="1"/>
+          </a:p>
+          <a:p>
+            <a:endParaRPr lang="x-none" altLang="en-IN" i="1"/>
+          </a:p>
+        </p:txBody>
+      </p:sp>
+      <p:sp>
+        <p:nvSpPr>
+          <p:cNvPr id="207" name="Right Arrow 206"/>
+          <p:cNvSpPr/>
+          <p:nvPr/>
+        </p:nvSpPr>
+        <p:spPr>
+          <a:xfrm>
+            <a:off x="10768965" y="844550"/>
+            <a:ext cx="425450" cy="200660"/>
+          </a:xfrm>
+          <a:prstGeom prst="rightArrow">
+            <a:avLst/>
+          </a:prstGeom>
+          <a:noFill/>
+          <a:ln w="28575">
+            <a:solidFill>
+              <a:schemeClr val="tx1"/>
+            </a:solidFill>
+          </a:ln>
+          <a:extLst>
+            <a:ext uri="{909E8E84-426E-40DD-AFC4-6F175D3DCCD1}">
+              <a14:hiddenFill xmlns:a14="http://schemas.microsoft.com/office/drawing/2010/main">
+                <a:solidFill>
+                  <a:schemeClr val="accent1"/>
+                </a:solidFill>
+              </a14:hiddenFill>
+            </a:ext>
+          </a:extLst>
+        </p:spPr>
+        <p:style>
+          <a:lnRef idx="2">
+            <a:schemeClr val="accent1">
+              <a:shade val="50000"/>
+            </a:schemeClr>
+          </a:lnRef>
+          <a:fillRef idx="1">
+            <a:schemeClr val="accent1"/>
+          </a:fillRef>
+          <a:effectRef idx="0">
+            <a:schemeClr val="accent1"/>
+          </a:effectRef>
+          <a:fontRef idx="minor">
+            <a:schemeClr val="lt1"/>
+          </a:fontRef>
+        </p:style>
+        <p:txBody>
+          <a:bodyPr rtlCol="0" anchor="ctr"/>
+          <a:p>
+            <a:pPr algn="ctr"/>
+            <a:endParaRPr lang="en-IN" altLang="en-US" sz="1200">
+              <a:solidFill>
+                <a:schemeClr val="tx1"/>
+              </a:solidFill>
+            </a:endParaRPr>
+          </a:p>
+        </p:txBody>
+      </p:sp>
+      <p:sp>
+        <p:nvSpPr>
+          <p:cNvPr id="208" name="TextBox 207"/>
+          <p:cNvSpPr txBox="1"/>
+          <p:nvPr/>
+        </p:nvSpPr>
+        <p:spPr>
+          <a:xfrm>
+            <a:off x="10768330" y="3600450"/>
+            <a:ext cx="1462405" cy="742950"/>
+          </a:xfrm>
+          <a:prstGeom prst="rect">
+            <a:avLst/>
+          </a:prstGeom>
+          <a:noFill/>
+        </p:spPr>
+        <p:txBody>
+          <a:bodyPr wrap="square" rtlCol="0">
+            <a:spAutoFit/>
+          </a:bodyPr>
+          <a:p>
+            <a:r>
+              <a:rPr lang="x-none" altLang="en-IN" sz="1600" i="1"/>
+              <a:t>Error present </a:t>
+            </a:r>
+            <a:endParaRPr lang="x-none" altLang="en-IN" sz="1600" i="1"/>
+          </a:p>
+          <a:p>
+            <a:endParaRPr lang="x-none" altLang="en-IN" sz="1600" i="1"/>
+          </a:p>
+        </p:txBody>
+      </p:sp>
+      <p:sp>
+        <p:nvSpPr>
+          <p:cNvPr id="209" name="Right Arrow 208"/>
+          <p:cNvSpPr/>
+          <p:nvPr/>
+        </p:nvSpPr>
+        <p:spPr>
+          <a:xfrm rot="5400000">
+            <a:off x="11200130" y="3328670"/>
+            <a:ext cx="315595" cy="254635"/>
+          </a:xfrm>
+          <a:prstGeom prst="rightArrow">
+            <a:avLst/>
+          </a:prstGeom>
+          <a:noFill/>
+          <a:ln w="19050">
+            <a:solidFill>
+              <a:schemeClr val="tx1"/>
+            </a:solidFill>
+          </a:ln>
+          <a:extLst>
+            <a:ext uri="{909E8E84-426E-40DD-AFC4-6F175D3DCCD1}">
+              <a14:hiddenFill xmlns:a14="http://schemas.microsoft.com/office/drawing/2010/main">
+                <a:solidFill>
+                  <a:schemeClr val="accent1"/>
+                </a:solidFill>
+              </a14:hiddenFill>
+            </a:ext>
+          </a:extLst>
+        </p:spPr>
+        <p:style>
+          <a:lnRef idx="2">
+            <a:schemeClr val="accent1">
+              <a:shade val="50000"/>
+            </a:schemeClr>
+          </a:lnRef>
+          <a:fillRef idx="1">
+            <a:schemeClr val="accent1"/>
+          </a:fillRef>
+          <a:effectRef idx="0">
+            <a:schemeClr val="accent1"/>
+          </a:effectRef>
+          <a:fontRef idx="minor">
+            <a:schemeClr val="lt1"/>
+          </a:fontRef>
+        </p:style>
+        <p:txBody>
+          <a:bodyPr rtlCol="0" anchor="ctr"/>
+          <a:p>
+            <a:pPr algn="ctr"/>
+            <a:endParaRPr lang="en-IN" altLang="en-US" sz="1200">
+              <a:solidFill>
+                <a:schemeClr val="tx1"/>
+              </a:solidFill>
+            </a:endParaRPr>
+          </a:p>
+        </p:txBody>
+      </p:sp>
+      <p:sp>
+        <p:nvSpPr>
+          <p:cNvPr id="210" name="TextBox 209"/>
+          <p:cNvSpPr txBox="1"/>
+          <p:nvPr/>
+        </p:nvSpPr>
+        <p:spPr>
+          <a:xfrm>
+            <a:off x="10964545" y="4222750"/>
+            <a:ext cx="835660" cy="552450"/>
+          </a:xfrm>
+          <a:prstGeom prst="rect">
+            <a:avLst/>
+          </a:prstGeom>
+          <a:noFill/>
+          <a:ln w="28575">
+            <a:solidFill>
+              <a:schemeClr val="tx1"/>
+            </a:solidFill>
+          </a:ln>
+        </p:spPr>
+        <p:txBody>
+          <a:bodyPr wrap="square" rtlCol="0">
+            <a:spAutoFit/>
+          </a:bodyPr>
+          <a:p>
+            <a:pPr algn="ctr"/>
+            <a:r>
+              <a:rPr lang="x-none" altLang="en-IN" b="1"/>
+              <a:t>ED</a:t>
+            </a:r>
+            <a:endParaRPr lang="x-none" altLang="en-IN" b="1"/>
+          </a:p>
+        </p:txBody>
+      </p:sp>
+      <p:sp>
+        <p:nvSpPr>
+          <p:cNvPr id="211" name="Right Arrow 210"/>
+          <p:cNvSpPr/>
+          <p:nvPr/>
+        </p:nvSpPr>
+        <p:spPr>
+          <a:xfrm rot="5400000">
+            <a:off x="11221720" y="4867910"/>
+            <a:ext cx="315595" cy="254635"/>
+          </a:xfrm>
+          <a:prstGeom prst="rightArrow">
+            <a:avLst/>
+          </a:prstGeom>
+          <a:noFill/>
+          <a:ln w="19050">
+            <a:solidFill>
+              <a:schemeClr val="tx1"/>
+            </a:solidFill>
+          </a:ln>
+          <a:extLst>
+            <a:ext uri="{909E8E84-426E-40DD-AFC4-6F175D3DCCD1}">
+              <a14:hiddenFill xmlns:a14="http://schemas.microsoft.com/office/drawing/2010/main">
+                <a:solidFill>
+                  <a:schemeClr val="accent1"/>
+                </a:solidFill>
+              </a14:hiddenFill>
+            </a:ext>
+          </a:extLst>
+        </p:spPr>
+        <p:style>
+          <a:lnRef idx="2">
+            <a:schemeClr val="accent1">
+              <a:shade val="50000"/>
+            </a:schemeClr>
+          </a:lnRef>
+          <a:fillRef idx="1">
+            <a:schemeClr val="accent1"/>
+          </a:fillRef>
+          <a:effectRef idx="0">
+            <a:schemeClr val="accent1"/>
+          </a:effectRef>
+          <a:fontRef idx="minor">
+            <a:schemeClr val="lt1"/>
+          </a:fontRef>
+        </p:style>
+        <p:txBody>
+          <a:bodyPr rtlCol="0" anchor="ctr"/>
+          <a:p>
+            <a:pPr algn="ctr"/>
+            <a:endParaRPr lang="en-IN" altLang="en-US" sz="1200">
+              <a:solidFill>
+                <a:schemeClr val="tx1"/>
+              </a:solidFill>
+            </a:endParaRPr>
+          </a:p>
+        </p:txBody>
+      </p:sp>
+      <p:sp>
+        <p:nvSpPr>
+          <p:cNvPr id="212" name="TextBox 211"/>
+          <p:cNvSpPr txBox="1"/>
+          <p:nvPr/>
+        </p:nvSpPr>
+        <p:spPr>
+          <a:xfrm>
+            <a:off x="10976610" y="5092065"/>
+            <a:ext cx="1462405" cy="499110"/>
+          </a:xfrm>
+          <a:prstGeom prst="rect">
+            <a:avLst/>
+          </a:prstGeom>
+          <a:noFill/>
+        </p:spPr>
+        <p:txBody>
+          <a:bodyPr wrap="square" rtlCol="0">
+            <a:spAutoFit/>
+          </a:bodyPr>
+          <a:p>
+            <a:r>
+              <a:rPr lang="x-none" altLang="en-IN" sz="1600" i="1"/>
+              <a:t>No Error </a:t>
+            </a:r>
+            <a:endParaRPr lang="x-none" altLang="en-IN" sz="1600" i="1"/>
+          </a:p>
+        </p:txBody>
+      </p:sp>
+      <p:sp>
+        <p:nvSpPr>
+          <p:cNvPr id="214" name="TextBox 213"/>
+          <p:cNvSpPr txBox="1"/>
+          <p:nvPr/>
+        </p:nvSpPr>
+        <p:spPr>
+          <a:xfrm>
+            <a:off x="368935" y="5342255"/>
+            <a:ext cx="4022725" cy="550545"/>
+          </a:xfrm>
+          <a:prstGeom prst="rect">
+            <a:avLst/>
+          </a:prstGeom>
+          <a:noFill/>
+        </p:spPr>
+        <p:txBody>
+          <a:bodyPr wrap="square" rtlCol="0">
+            <a:spAutoFit/>
+          </a:bodyPr>
+          <a:p>
+            <a:r>
+              <a:rPr lang="x-none" altLang="en-IN"/>
+              <a:t>Final decoding (all decoders use p</a:t>
+            </a:r>
+            <a:r>
+              <a:rPr lang="x-none" altLang="en-IN" baseline="-25000"/>
+              <a:t>3</a:t>
+            </a:r>
+            <a:r>
+              <a:rPr lang="x-none" altLang="en-IN"/>
+              <a:t>)</a:t>
+            </a:r>
+            <a:endParaRPr lang="x-none" altLang="en-IN"/>
+          </a:p>
+        </p:txBody>
+      </p:sp>
+      <p:sp>
+        <p:nvSpPr>
+          <p:cNvPr id="215" name="TextBox 214"/>
+          <p:cNvSpPr txBox="1"/>
+          <p:nvPr/>
+        </p:nvSpPr>
+        <p:spPr>
+          <a:xfrm>
+            <a:off x="7684135" y="5721350"/>
+            <a:ext cx="2353310" cy="824865"/>
+          </a:xfrm>
+          <a:prstGeom prst="rect">
+            <a:avLst/>
+          </a:prstGeom>
+          <a:noFill/>
+          <a:ln w="28575">
+            <a:solidFill>
+              <a:schemeClr val="tx1"/>
+            </a:solidFill>
+          </a:ln>
+        </p:spPr>
+        <p:txBody>
+          <a:bodyPr wrap="square" rtlCol="0">
+            <a:spAutoFit/>
+          </a:bodyPr>
+          <a:p>
+            <a:r>
+              <a:rPr lang="x-none" altLang="en-IN"/>
+              <a:t>use </a:t>
+            </a:r>
+            <a:r>
+              <a:rPr lang="x-none" altLang="en-IN" i="1"/>
+              <a:t>u</a:t>
+            </a:r>
+            <a:r>
+              <a:rPr lang="x-none" altLang="en-IN" i="1" baseline="-25000"/>
+              <a:t>5</a:t>
+            </a:r>
+            <a:r>
+              <a:rPr lang="x-none" altLang="en-IN"/>
+              <a:t> </a:t>
+            </a:r>
+            <a:endParaRPr lang="x-none" altLang="en-IN"/>
+          </a:p>
+          <a:p>
+            <a:r>
+              <a:rPr lang="x-none" altLang="en-IN"/>
+              <a:t>decode </a:t>
+            </a:r>
+            <a:r>
+              <a:rPr lang="x-none" altLang="en-IN" i="1"/>
+              <a:t>u</a:t>
+            </a:r>
+            <a:r>
+              <a:rPr lang="x-none" altLang="en-IN" i="1" baseline="-25000"/>
+              <a:t>3</a:t>
+            </a:r>
+            <a:r>
+              <a:rPr lang="x-none" altLang="en-IN" i="1"/>
+              <a:t>,u</a:t>
+            </a:r>
+            <a:r>
+              <a:rPr lang="x-none" altLang="en-IN" i="1" baseline="-25000"/>
+              <a:t>4</a:t>
+            </a:r>
+            <a:r>
+              <a:rPr lang="x-none" altLang="en-IN"/>
+              <a:t> from </a:t>
+            </a:r>
+            <a:r>
+              <a:rPr lang="x-none" altLang="en-IN" i="1"/>
+              <a:t>Y</a:t>
+            </a:r>
+            <a:r>
+              <a:rPr lang="x-none" altLang="en-IN" baseline="30000"/>
+              <a:t>1</a:t>
+            </a:r>
+            <a:r>
+              <a:rPr lang="x-none" altLang="en-IN"/>
+              <a:t> </a:t>
+            </a:r>
+            <a:endParaRPr lang="x-none" altLang="en-IN"/>
+          </a:p>
+        </p:txBody>
+      </p:sp>
+      <p:sp>
+        <p:nvSpPr>
+          <p:cNvPr id="216" name="TextBox 215"/>
+          <p:cNvSpPr txBox="1"/>
+          <p:nvPr/>
+        </p:nvSpPr>
+        <p:spPr>
+          <a:xfrm>
+            <a:off x="4989830" y="5721350"/>
+            <a:ext cx="2243455" cy="824865"/>
+          </a:xfrm>
+          <a:prstGeom prst="rect">
+            <a:avLst/>
+          </a:prstGeom>
+          <a:noFill/>
+          <a:ln w="28575">
+            <a:solidFill>
+              <a:schemeClr val="tx1"/>
+            </a:solidFill>
+          </a:ln>
+        </p:spPr>
+        <p:txBody>
+          <a:bodyPr wrap="square" rtlCol="0">
+            <a:spAutoFit/>
+          </a:bodyPr>
+          <a:p>
+            <a:r>
+              <a:rPr lang="x-none" altLang="en-IN"/>
+              <a:t>use</a:t>
+            </a:r>
+            <a:r>
+              <a:rPr lang="x-none" altLang="en-IN" i="1"/>
+              <a:t> u</a:t>
+            </a:r>
+            <a:r>
+              <a:rPr lang="x-none" altLang="en-IN" i="1" baseline="-25000"/>
+              <a:t>2</a:t>
+            </a:r>
+            <a:r>
+              <a:rPr lang="x-none" altLang="en-IN" i="1"/>
+              <a:t>,u</a:t>
+            </a:r>
+            <a:r>
+              <a:rPr lang="x-none" altLang="en-IN" i="1" baseline="-25000"/>
+              <a:t>3</a:t>
+            </a:r>
+            <a:r>
+              <a:rPr lang="x-none" altLang="en-IN" i="1"/>
+              <a:t>,u</a:t>
+            </a:r>
+            <a:r>
+              <a:rPr lang="x-none" altLang="en-IN" i="1" baseline="-25000"/>
+              <a:t>4</a:t>
+            </a:r>
+            <a:r>
+              <a:rPr lang="x-none" altLang="en-IN" i="1"/>
+              <a:t>,u</a:t>
+            </a:r>
+            <a:r>
+              <a:rPr lang="x-none" altLang="en-IN" i="1" baseline="-25000"/>
+              <a:t>5</a:t>
+            </a:r>
+            <a:r>
+              <a:rPr lang="x-none" altLang="en-IN" i="1"/>
+              <a:t> </a:t>
+            </a:r>
+            <a:endParaRPr lang="x-none" altLang="en-IN" i="1"/>
+          </a:p>
+          <a:p>
+            <a:r>
+              <a:rPr lang="x-none" altLang="en-IN"/>
+              <a:t>decode </a:t>
+            </a:r>
+            <a:r>
+              <a:rPr lang="x-none" altLang="en-IN" i="1"/>
+              <a:t>u</a:t>
+            </a:r>
+            <a:r>
+              <a:rPr lang="x-none" altLang="en-IN" i="1" baseline="-25000"/>
+              <a:t>0</a:t>
+            </a:r>
+            <a:r>
+              <a:rPr lang="x-none" altLang="en-IN" i="1"/>
+              <a:t>,u</a:t>
+            </a:r>
+            <a:r>
+              <a:rPr lang="x-none" altLang="en-IN" i="1" baseline="-25000"/>
+              <a:t>1</a:t>
+            </a:r>
+            <a:r>
+              <a:rPr lang="x-none" altLang="en-IN"/>
+              <a:t> from </a:t>
+            </a:r>
+            <a:r>
+              <a:rPr lang="x-none" altLang="en-IN" i="1"/>
+              <a:t>Y</a:t>
+            </a:r>
+            <a:r>
+              <a:rPr lang="x-none" altLang="en-IN" i="1" baseline="30000"/>
+              <a:t>0</a:t>
+            </a:r>
+            <a:endParaRPr lang="x-none" altLang="en-IN" i="1" baseline="30000"/>
+          </a:p>
+        </p:txBody>
+      </p:sp>
+      <p:sp>
+        <p:nvSpPr>
+          <p:cNvPr id="217" name="Bent-Up Arrow 216"/>
+          <p:cNvSpPr/>
+          <p:nvPr/>
+        </p:nvSpPr>
+        <p:spPr>
+          <a:xfrm rot="16260000" flipH="1">
+            <a:off x="9738360" y="5474335"/>
+            <a:ext cx="1148715" cy="416560"/>
+          </a:xfrm>
+          <a:prstGeom prst="bentUpArrow">
+            <a:avLst/>
+          </a:prstGeom>
+          <a:noFill/>
+          <a:ln>
+            <a:solidFill>
+              <a:schemeClr val="tx1"/>
+            </a:solidFill>
+          </a:ln>
+          <a:extLst>
+            <a:ext uri="{909E8E84-426E-40DD-AFC4-6F175D3DCCD1}">
+              <a14:hiddenFill xmlns:a14="http://schemas.microsoft.com/office/drawing/2010/main">
+                <a:solidFill>
+                  <a:schemeClr val="accent1"/>
+                </a:solidFill>
+              </a14:hiddenFill>
+            </a:ext>
+          </a:extLst>
+        </p:spPr>
+        <p:style>
+          <a:lnRef idx="2">
+            <a:schemeClr val="accent1">
+              <a:shade val="50000"/>
+            </a:schemeClr>
+          </a:lnRef>
+          <a:fillRef idx="1">
+            <a:schemeClr val="accent1"/>
+          </a:fillRef>
+          <a:effectRef idx="0">
+            <a:schemeClr val="accent1"/>
+          </a:effectRef>
+          <a:fontRef idx="minor">
+            <a:schemeClr val="lt1"/>
+          </a:fontRef>
+        </p:style>
+        <p:txBody>
+          <a:bodyPr rtlCol="0" anchor="ctr"/>
+          <a:p>
+            <a:pPr algn="ctr"/>
+            <a:endParaRPr lang="en-IN" altLang="en-US"/>
+          </a:p>
+        </p:txBody>
+      </p:sp>
+      <p:cxnSp>
+        <p:nvCxnSpPr>
+          <p:cNvPr id="218" name="Straight Connector 217"/>
+          <p:cNvCxnSpPr/>
+          <p:nvPr/>
+        </p:nvCxnSpPr>
+        <p:spPr>
+          <a:xfrm>
+            <a:off x="163195" y="5386070"/>
+            <a:ext cx="11917045" cy="21590"/>
+          </a:xfrm>
+          <a:prstGeom prst="line">
+            <a:avLst/>
+          </a:prstGeom>
+          <a:ln>
+            <a:solidFill>
+              <a:schemeClr val="bg1">
+                <a:lumMod val="50000"/>
+              </a:schemeClr>
+            </a:solidFill>
+            <a:prstDash val="dashDot"/>
+          </a:ln>
+        </p:spPr>
+        <p:style>
+          <a:lnRef idx="1">
+            <a:schemeClr val="accent1"/>
+          </a:lnRef>
+          <a:fillRef idx="0">
+            <a:schemeClr val="accent1"/>
+          </a:fillRef>
+          <a:effectRef idx="0">
+            <a:schemeClr val="accent1"/>
+          </a:effectRef>
+          <a:fontRef idx="minor">
+            <a:schemeClr val="tx1"/>
+          </a:fontRef>
+        </p:style>
+      </p:cxnSp>
+      <p:sp>
+        <p:nvSpPr>
+          <p:cNvPr id="220" name="Right Arrow 219"/>
+          <p:cNvSpPr/>
+          <p:nvPr/>
+        </p:nvSpPr>
+        <p:spPr>
+          <a:xfrm rot="10980000">
+            <a:off x="7295515" y="6043295"/>
+            <a:ext cx="326390" cy="235585"/>
+          </a:xfrm>
+          <a:prstGeom prst="rightArrow">
+            <a:avLst/>
+          </a:prstGeom>
+          <a:noFill/>
+          <a:ln>
+            <a:solidFill>
+              <a:schemeClr val="tx1"/>
+            </a:solidFill>
+          </a:ln>
+          <a:extLst>
+            <a:ext uri="{909E8E84-426E-40DD-AFC4-6F175D3DCCD1}">
+              <a14:hiddenFill xmlns:a14="http://schemas.microsoft.com/office/drawing/2010/main">
+                <a:solidFill>
+                  <a:schemeClr val="accent1"/>
+                </a:solidFill>
+              </a14:hiddenFill>
+            </a:ext>
+          </a:extLst>
+        </p:spPr>
+        <p:style>
+          <a:lnRef idx="2">
+            <a:schemeClr val="accent1">
+              <a:shade val="50000"/>
+            </a:schemeClr>
+          </a:lnRef>
+          <a:fillRef idx="1">
+            <a:schemeClr val="accent1"/>
+          </a:fillRef>
+          <a:effectRef idx="0">
+            <a:schemeClr val="accent1"/>
+          </a:effectRef>
+          <a:fontRef idx="minor">
+            <a:schemeClr val="lt1"/>
+          </a:fontRef>
+        </p:style>
+        <p:txBody>
+          <a:bodyPr rtlCol="0" anchor="ctr"/>
+          <a:p>
+            <a:pPr algn="ctr"/>
+            <a:endParaRPr lang="en-IN" altLang="en-US"/>
+          </a:p>
+        </p:txBody>
+      </p:sp>
+      <p:sp>
+        <p:nvSpPr>
+          <p:cNvPr id="221" name="Right Arrow 220"/>
+          <p:cNvSpPr/>
+          <p:nvPr/>
+        </p:nvSpPr>
+        <p:spPr>
+          <a:xfrm rot="10980000">
+            <a:off x="4596765" y="6038215"/>
+            <a:ext cx="326390" cy="235585"/>
+          </a:xfrm>
+          <a:prstGeom prst="rightArrow">
+            <a:avLst/>
+          </a:prstGeom>
+          <a:noFill/>
+          <a:ln>
+            <a:solidFill>
+              <a:schemeClr val="tx1"/>
+            </a:solidFill>
+          </a:ln>
+          <a:extLst>
+            <a:ext uri="{909E8E84-426E-40DD-AFC4-6F175D3DCCD1}">
+              <a14:hiddenFill xmlns:a14="http://schemas.microsoft.com/office/drawing/2010/main">
+                <a:solidFill>
+                  <a:schemeClr val="accent1"/>
+                </a:solidFill>
+              </a14:hiddenFill>
+            </a:ext>
+          </a:extLst>
+        </p:spPr>
+        <p:style>
+          <a:lnRef idx="2">
+            <a:schemeClr val="accent1">
+              <a:shade val="50000"/>
+            </a:schemeClr>
+          </a:lnRef>
+          <a:fillRef idx="1">
+            <a:schemeClr val="accent1"/>
+          </a:fillRef>
+          <a:effectRef idx="0">
+            <a:schemeClr val="accent1"/>
+          </a:effectRef>
+          <a:fontRef idx="minor">
+            <a:schemeClr val="lt1"/>
+          </a:fontRef>
+        </p:style>
+        <p:txBody>
+          <a:bodyPr rtlCol="0" anchor="ctr"/>
+          <a:p>
+            <a:pPr algn="ctr"/>
+            <a:r>
+              <a:rPr lang="x-none" altLang="en-IN"/>
+              <a:t> </a:t>
+            </a:r>
+            <a:endParaRPr lang="x-none" altLang="en-IN"/>
+          </a:p>
+        </p:txBody>
+      </p:sp>
+      <p:sp>
+        <p:nvSpPr>
+          <p:cNvPr id="225" name="TextBox 224"/>
+          <p:cNvSpPr txBox="1"/>
+          <p:nvPr/>
+        </p:nvSpPr>
+        <p:spPr>
+          <a:xfrm>
+            <a:off x="3140075" y="5872480"/>
+            <a:ext cx="1438275" cy="550545"/>
+          </a:xfrm>
+          <a:prstGeom prst="rect">
+            <a:avLst/>
+          </a:prstGeom>
+          <a:noFill/>
+          <a:ln w="28575">
+            <a:solidFill>
+              <a:schemeClr val="tx1"/>
+            </a:solidFill>
+          </a:ln>
+        </p:spPr>
+        <p:txBody>
+          <a:bodyPr wrap="square" rtlCol="0">
+            <a:spAutoFit/>
+          </a:bodyPr>
+          <a:p>
+            <a:r>
+              <a:rPr lang="x-none" altLang="en-IN" i="1">
+                <a:solidFill>
+                  <a:schemeClr val="tx1"/>
+                </a:solidFill>
+              </a:rPr>
+              <a:t> </a:t>
+            </a:r>
+            <a:r>
+              <a:rPr lang="x-none" altLang="en-IN">
+                <a:solidFill>
+                  <a:schemeClr val="tx1"/>
+                </a:solidFill>
+              </a:rPr>
+              <a:t>Estimate</a:t>
+            </a:r>
+            <a:r>
+              <a:rPr lang="x-none" altLang="en-IN" i="1">
+                <a:solidFill>
+                  <a:schemeClr val="tx1"/>
+                </a:solidFill>
+              </a:rPr>
+              <a:t> U</a:t>
+            </a:r>
+            <a:r>
+              <a:rPr lang="x-none" altLang="en-IN" i="1" baseline="30000">
+                <a:solidFill>
+                  <a:schemeClr val="tx1"/>
+                </a:solidFill>
+              </a:rPr>
+              <a:t>0</a:t>
+            </a:r>
+            <a:endParaRPr lang="x-none" altLang="en-IN" i="1" baseline="30000">
+              <a:solidFill>
+                <a:schemeClr val="tx1"/>
+              </a:solidFill>
+            </a:endParaRPr>
+          </a:p>
+        </p:txBody>
+      </p:sp>
+      <p:sp>
+        <p:nvSpPr>
+          <p:cNvPr id="226" name="TextBox 225"/>
+          <p:cNvSpPr txBox="1"/>
+          <p:nvPr/>
+        </p:nvSpPr>
+        <p:spPr>
+          <a:xfrm>
+            <a:off x="2178685" y="5864225"/>
+            <a:ext cx="506095" cy="550545"/>
+          </a:xfrm>
+          <a:prstGeom prst="rect">
+            <a:avLst/>
+          </a:prstGeom>
+          <a:noFill/>
+          <a:ln w="28575">
+            <a:solidFill>
+              <a:schemeClr val="tx1"/>
+            </a:solidFill>
+          </a:ln>
+        </p:spPr>
+        <p:txBody>
+          <a:bodyPr wrap="square" rtlCol="0">
+            <a:spAutoFit/>
+          </a:bodyPr>
+          <a:p>
+            <a:pPr algn="ctr"/>
+            <a:r>
+              <a:rPr lang="x-none" altLang="en-IN"/>
+              <a:t>T</a:t>
+            </a:r>
+            <a:endParaRPr lang="x-none" altLang="en-IN"/>
+          </a:p>
+        </p:txBody>
+      </p:sp>
+      <p:sp>
+        <p:nvSpPr>
+          <p:cNvPr id="228" name="Right Arrow 227"/>
+          <p:cNvSpPr/>
+          <p:nvPr/>
+        </p:nvSpPr>
+        <p:spPr>
+          <a:xfrm rot="10980000">
+            <a:off x="2782570" y="5994400"/>
+            <a:ext cx="326390" cy="235585"/>
+          </a:xfrm>
+          <a:prstGeom prst="rightArrow">
+            <a:avLst/>
+          </a:prstGeom>
+          <a:noFill/>
+          <a:ln>
+            <a:solidFill>
+              <a:schemeClr val="tx1"/>
+            </a:solidFill>
+          </a:ln>
+          <a:extLst>
+            <a:ext uri="{909E8E84-426E-40DD-AFC4-6F175D3DCCD1}">
+              <a14:hiddenFill xmlns:a14="http://schemas.microsoft.com/office/drawing/2010/main">
+                <a:solidFill>
+                  <a:schemeClr val="accent1"/>
+                </a:solidFill>
+              </a14:hiddenFill>
+            </a:ext>
+          </a:extLst>
+        </p:spPr>
+        <p:style>
+          <a:lnRef idx="2">
+            <a:schemeClr val="accent1">
+              <a:shade val="50000"/>
+            </a:schemeClr>
+          </a:lnRef>
+          <a:fillRef idx="1">
+            <a:schemeClr val="accent1"/>
+          </a:fillRef>
+          <a:effectRef idx="0">
+            <a:schemeClr val="accent1"/>
+          </a:effectRef>
+          <a:fontRef idx="minor">
+            <a:schemeClr val="lt1"/>
+          </a:fontRef>
+        </p:style>
+        <p:txBody>
+          <a:bodyPr rtlCol="0" anchor="ctr"/>
+          <a:p>
+            <a:pPr algn="ctr"/>
+            <a:r>
+              <a:rPr lang="x-none" altLang="en-IN"/>
+              <a:t> </a:t>
+            </a:r>
+            <a:endParaRPr lang="x-none" altLang="en-IN"/>
+          </a:p>
+        </p:txBody>
+      </p:sp>
+      <p:sp>
+        <p:nvSpPr>
+          <p:cNvPr id="229" name="Right Arrow 228"/>
+          <p:cNvSpPr/>
+          <p:nvPr/>
+        </p:nvSpPr>
+        <p:spPr>
+          <a:xfrm rot="10980000">
+            <a:off x="1761490" y="5994400"/>
+            <a:ext cx="326390" cy="235585"/>
+          </a:xfrm>
+          <a:prstGeom prst="rightArrow">
+            <a:avLst/>
+          </a:prstGeom>
+          <a:noFill/>
+          <a:ln>
+            <a:solidFill>
+              <a:schemeClr val="tx1"/>
+            </a:solidFill>
+          </a:ln>
+          <a:extLst>
+            <a:ext uri="{909E8E84-426E-40DD-AFC4-6F175D3DCCD1}">
+              <a14:hiddenFill xmlns:a14="http://schemas.microsoft.com/office/drawing/2010/main">
+                <a:solidFill>
+                  <a:schemeClr val="accent1"/>
+                </a:solidFill>
+              </a14:hiddenFill>
+            </a:ext>
+          </a:extLst>
+        </p:spPr>
+        <p:style>
+          <a:lnRef idx="2">
+            <a:schemeClr val="accent1">
+              <a:shade val="50000"/>
+            </a:schemeClr>
+          </a:lnRef>
+          <a:fillRef idx="1">
+            <a:schemeClr val="accent1"/>
+          </a:fillRef>
+          <a:effectRef idx="0">
+            <a:schemeClr val="accent1"/>
+          </a:effectRef>
+          <a:fontRef idx="minor">
+            <a:schemeClr val="lt1"/>
+          </a:fontRef>
+        </p:style>
+        <p:txBody>
+          <a:bodyPr rtlCol="0" anchor="ctr"/>
+          <a:p>
+            <a:pPr algn="ctr"/>
+            <a:r>
+              <a:rPr lang="x-none" altLang="en-IN"/>
+              <a:t> </a:t>
+            </a:r>
+            <a:endParaRPr lang="x-none" altLang="en-IN"/>
+          </a:p>
+        </p:txBody>
+      </p:sp>
+    </p:spTree>
+  </p:cSld>
+  <p:clrMapOvr>
+    <a:masterClrMapping/>
+  </p:clrMapOvr>
+</p:sld>
+</file>
+
+<file path=ppt/slides/slide8.xml><?xml version="1.0" encoding="utf-8"?>
 <p:sld xmlns:a="http://schemas.openxmlformats.org/drawingml/2006/main" xmlns:r="http://schemas.openxmlformats.org/officeDocument/2006/relationships" xmlns:p="http://schemas.openxmlformats.org/presentationml/2006/main">
   <p:cSld>
     <p:bg>
@@ -11438,7 +19169,7 @@
 </p:sld>
 </file>
 
-<file path=ppt/slides/slide7.xml><?xml version="1.0" encoding="utf-8"?>
+<file path=ppt/slides/slide9.xml><?xml version="1.0" encoding="utf-8"?>
 <p:sld xmlns:a="http://schemas.openxmlformats.org/drawingml/2006/main" xmlns:r="http://schemas.openxmlformats.org/officeDocument/2006/relationships" xmlns:p="http://schemas.openxmlformats.org/presentationml/2006/main">
   <p:cSld>
     <p:spTree>
@@ -12072,1656 +19803,6 @@
           </a:fontRef>
         </p:style>
       </p:cxnSp>
-    </p:spTree>
-  </p:cSld>
-  <p:clrMapOvr>
-    <a:masterClrMapping/>
-  </p:clrMapOvr>
-</p:sld>
-</file>
-
-<file path=ppt/slides/slide8.xml><?xml version="1.0" encoding="utf-8"?>
-<p:sld xmlns:a="http://schemas.openxmlformats.org/drawingml/2006/main" xmlns:r="http://schemas.openxmlformats.org/officeDocument/2006/relationships" xmlns:p="http://schemas.openxmlformats.org/presentationml/2006/main">
-  <p:cSld>
-    <p:spTree>
-      <p:nvGrpSpPr>
-        <p:cNvPr id="1" name=""/>
-        <p:cNvGrpSpPr/>
-        <p:nvPr/>
-      </p:nvGrpSpPr>
-      <p:grpSpPr/>
-      <p:graphicFrame>
-        <p:nvGraphicFramePr>
-          <p:cNvPr id="4" name="Table 3"/>
-          <p:cNvGraphicFramePr/>
-          <p:nvPr/>
-        </p:nvGraphicFramePr>
-        <p:xfrm>
-          <a:off x="1812925" y="782955"/>
-          <a:ext cx="506095" cy="3219450"/>
-        </p:xfrm>
-        <a:graphic>
-          <a:graphicData uri="http://schemas.openxmlformats.org/drawingml/2006/table">
-            <a:tbl>
-              <a:tblPr firstRow="1" bandRow="1">
-                <a:tableStyleId>{FABFCF23-3B69-468F-B69F-88F6DE6A72F2}</a:tableStyleId>
-              </a:tblPr>
-              <a:tblGrid>
-                <a:gridCol w="506095"/>
-              </a:tblGrid>
-              <a:tr h="381000">
-                <a:tc>
-                  <a:txBody>
-                    <a:bodyPr/>
-                    <a:p>
-                      <a:pPr algn="ctr">
-                        <a:buNone/>
-                      </a:pPr>
-                      <a:r>
-                        <a:rPr lang="x-none">
-                          <a:solidFill>
-                            <a:schemeClr val="tx1"/>
-                          </a:solidFill>
-                        </a:rPr>
-                        <a:t>7</a:t>
-                      </a:r>
-                      <a:endParaRPr lang="x-none">
-                        <a:solidFill>
-                          <a:schemeClr val="tx1"/>
-                        </a:solidFill>
-                      </a:endParaRPr>
-                    </a:p>
-                  </a:txBody>
-                  <a:tcPr>
-                    <a:lnL w="12700">
-                      <a:solidFill>
-                        <a:schemeClr val="tx1"/>
-                      </a:solidFill>
-                      <a:prstDash val="solid"/>
-                    </a:lnL>
-                    <a:lnR w="12700">
-                      <a:solidFill>
-                        <a:schemeClr val="tx1"/>
-                      </a:solidFill>
-                      <a:prstDash val="solid"/>
-                    </a:lnR>
-                    <a:lnT w="12700">
-                      <a:solidFill>
-                        <a:schemeClr val="tx1"/>
-                      </a:solidFill>
-                      <a:prstDash val="solid"/>
-                    </a:lnT>
-                    <a:lnB w="12700">
-                      <a:solidFill>
-                        <a:schemeClr val="tx1"/>
-                      </a:solidFill>
-                      <a:prstDash val="solid"/>
-                    </a:lnB>
-                    <a:noFill/>
-                  </a:tcPr>
-                </a:tc>
-              </a:tr>
-              <a:tr h="381000">
-                <a:tc>
-                  <a:txBody>
-                    <a:bodyPr/>
-                    <a:p>
-                      <a:pPr algn="ctr">
-                        <a:buNone/>
-                      </a:pPr>
-                      <a:r>
-                        <a:rPr lang="x-none">
-                          <a:solidFill>
-                            <a:schemeClr val="tx1"/>
-                          </a:solidFill>
-                        </a:rPr>
-                        <a:t>6</a:t>
-                      </a:r>
-                      <a:endParaRPr lang="x-none">
-                        <a:solidFill>
-                          <a:schemeClr val="tx1"/>
-                        </a:solidFill>
-                      </a:endParaRPr>
-                    </a:p>
-                  </a:txBody>
-                  <a:tcPr>
-                    <a:lnL w="12700">
-                      <a:solidFill>
-                        <a:schemeClr val="tx1"/>
-                      </a:solidFill>
-                      <a:prstDash val="solid"/>
-                    </a:lnL>
-                    <a:lnR w="12700">
-                      <a:solidFill>
-                        <a:schemeClr val="tx1"/>
-                      </a:solidFill>
-                      <a:prstDash val="solid"/>
-                    </a:lnR>
-                    <a:lnT w="12700">
-                      <a:solidFill>
-                        <a:schemeClr val="tx1"/>
-                      </a:solidFill>
-                      <a:prstDash val="solid"/>
-                    </a:lnT>
-                    <a:lnB w="12700">
-                      <a:solidFill>
-                        <a:schemeClr val="tx1"/>
-                      </a:solidFill>
-                      <a:prstDash val="solid"/>
-                    </a:lnB>
-                    <a:noFill/>
-                  </a:tcPr>
-                </a:tc>
-              </a:tr>
-              <a:tr h="381000">
-                <a:tc>
-                  <a:txBody>
-                    <a:bodyPr/>
-                    <a:p>
-                      <a:pPr algn="ctr">
-                        <a:buNone/>
-                      </a:pPr>
-                      <a:r>
-                        <a:rPr lang="x-none">
-                          <a:solidFill>
-                            <a:schemeClr val="tx1"/>
-                          </a:solidFill>
-                        </a:rPr>
-                        <a:t>5</a:t>
-                      </a:r>
-                      <a:endParaRPr lang="x-none">
-                        <a:solidFill>
-                          <a:schemeClr val="tx1"/>
-                        </a:solidFill>
-                      </a:endParaRPr>
-                    </a:p>
-                  </a:txBody>
-                  <a:tcPr>
-                    <a:lnL w="12700">
-                      <a:solidFill>
-                        <a:schemeClr val="tx1"/>
-                      </a:solidFill>
-                      <a:prstDash val="solid"/>
-                    </a:lnL>
-                    <a:lnR w="12700">
-                      <a:solidFill>
-                        <a:schemeClr val="tx1"/>
-                      </a:solidFill>
-                      <a:prstDash val="solid"/>
-                    </a:lnR>
-                    <a:lnT w="12700">
-                      <a:solidFill>
-                        <a:schemeClr val="tx1"/>
-                      </a:solidFill>
-                      <a:prstDash val="solid"/>
-                    </a:lnT>
-                    <a:lnB w="12700">
-                      <a:solidFill>
-                        <a:schemeClr val="tx1"/>
-                      </a:solidFill>
-                      <a:prstDash val="solid"/>
-                    </a:lnB>
-                    <a:noFill/>
-                  </a:tcPr>
-                </a:tc>
-              </a:tr>
-              <a:tr h="381000">
-                <a:tc>
-                  <a:txBody>
-                    <a:bodyPr/>
-                    <a:p>
-                      <a:pPr algn="ctr">
-                        <a:buNone/>
-                      </a:pPr>
-                      <a:r>
-                        <a:rPr lang="x-none">
-                          <a:solidFill>
-                            <a:schemeClr val="tx1"/>
-                          </a:solidFill>
-                        </a:rPr>
-                        <a:t>3</a:t>
-                      </a:r>
-                      <a:endParaRPr lang="x-none">
-                        <a:solidFill>
-                          <a:schemeClr val="tx1"/>
-                        </a:solidFill>
-                      </a:endParaRPr>
-                    </a:p>
-                  </a:txBody>
-                  <a:tcPr>
-                    <a:lnL w="12700">
-                      <a:solidFill>
-                        <a:schemeClr val="tx1"/>
-                      </a:solidFill>
-                      <a:prstDash val="solid"/>
-                    </a:lnL>
-                    <a:lnR w="12700">
-                      <a:solidFill>
-                        <a:schemeClr val="tx1"/>
-                      </a:solidFill>
-                      <a:prstDash val="solid"/>
-                    </a:lnR>
-                    <a:lnT w="12700">
-                      <a:solidFill>
-                        <a:schemeClr val="tx1"/>
-                      </a:solidFill>
-                      <a:prstDash val="solid"/>
-                    </a:lnT>
-                    <a:lnB w="12700">
-                      <a:solidFill>
-                        <a:schemeClr val="tx1"/>
-                      </a:solidFill>
-                      <a:prstDash val="solid"/>
-                    </a:lnB>
-                    <a:noFill/>
-                  </a:tcPr>
-                </a:tc>
-              </a:tr>
-              <a:tr h="381000">
-                <a:tc>
-                  <a:txBody>
-                    <a:bodyPr/>
-                    <a:p>
-                      <a:pPr algn="ctr">
-                        <a:buNone/>
-                      </a:pPr>
-                      <a:r>
-                        <a:rPr lang="x-none" b="0" i="1">
-                          <a:solidFill>
-                            <a:schemeClr val="bg1">
-                              <a:lumMod val="75000"/>
-                            </a:schemeClr>
-                          </a:solidFill>
-                          <a:latin typeface="+mj-lt"/>
-                        </a:rPr>
-                        <a:t>4</a:t>
-                      </a:r>
-                      <a:endParaRPr lang="x-none" b="0" i="1">
-                        <a:solidFill>
-                          <a:schemeClr val="bg1">
-                            <a:lumMod val="75000"/>
-                          </a:schemeClr>
-                        </a:solidFill>
-                        <a:latin typeface="+mj-lt"/>
-                      </a:endParaRPr>
-                    </a:p>
-                  </a:txBody>
-                  <a:tcPr>
-                    <a:lnL w="12700">
-                      <a:solidFill>
-                        <a:schemeClr val="tx1"/>
-                      </a:solidFill>
-                      <a:prstDash val="solid"/>
-                    </a:lnL>
-                    <a:lnR w="12700">
-                      <a:solidFill>
-                        <a:schemeClr val="tx1"/>
-                      </a:solidFill>
-                      <a:prstDash val="solid"/>
-                    </a:lnR>
-                    <a:lnT w="12700">
-                      <a:solidFill>
-                        <a:schemeClr val="tx1"/>
-                      </a:solidFill>
-                      <a:prstDash val="solid"/>
-                    </a:lnT>
-                    <a:lnB w="12700">
-                      <a:solidFill>
-                        <a:schemeClr val="tx1"/>
-                      </a:solidFill>
-                      <a:prstDash val="solid"/>
-                    </a:lnB>
-                    <a:noFill/>
-                  </a:tcPr>
-                </a:tc>
-              </a:tr>
-              <a:tr h="381000">
-                <a:tc>
-                  <a:txBody>
-                    <a:bodyPr/>
-                    <a:p>
-                      <a:pPr algn="ctr">
-                        <a:buNone/>
-                      </a:pPr>
-                      <a:r>
-                        <a:rPr lang="x-none" b="0" i="1">
-                          <a:solidFill>
-                            <a:schemeClr val="bg1">
-                              <a:lumMod val="75000"/>
-                            </a:schemeClr>
-                          </a:solidFill>
-                          <a:latin typeface="+mj-lt"/>
-                        </a:rPr>
-                        <a:t>2</a:t>
-                      </a:r>
-                      <a:endParaRPr lang="x-none" b="0" i="1">
-                        <a:solidFill>
-                          <a:schemeClr val="bg1">
-                            <a:lumMod val="75000"/>
-                          </a:schemeClr>
-                        </a:solidFill>
-                        <a:latin typeface="+mj-lt"/>
-                      </a:endParaRPr>
-                    </a:p>
-                  </a:txBody>
-                  <a:tcPr>
-                    <a:lnL w="12700">
-                      <a:solidFill>
-                        <a:schemeClr val="tx1"/>
-                      </a:solidFill>
-                      <a:prstDash val="solid"/>
-                    </a:lnL>
-                    <a:lnR w="12700">
-                      <a:solidFill>
-                        <a:schemeClr val="tx1"/>
-                      </a:solidFill>
-                      <a:prstDash val="solid"/>
-                    </a:lnR>
-                    <a:lnT w="12700">
-                      <a:solidFill>
-                        <a:schemeClr val="tx1"/>
-                      </a:solidFill>
-                      <a:prstDash val="solid"/>
-                    </a:lnT>
-                    <a:lnB w="12700">
-                      <a:solidFill>
-                        <a:schemeClr val="tx1"/>
-                      </a:solidFill>
-                      <a:prstDash val="solid"/>
-                    </a:lnB>
-                    <a:noFill/>
-                  </a:tcPr>
-                </a:tc>
-              </a:tr>
-              <a:tr h="381000">
-                <a:tc>
-                  <a:txBody>
-                    <a:bodyPr/>
-                    <a:p>
-                      <a:pPr algn="ctr">
-                        <a:buNone/>
-                      </a:pPr>
-                      <a:r>
-                        <a:rPr lang="x-none" b="0" i="1">
-                          <a:solidFill>
-                            <a:schemeClr val="bg1">
-                              <a:lumMod val="75000"/>
-                            </a:schemeClr>
-                          </a:solidFill>
-                          <a:latin typeface="+mj-lt"/>
-                        </a:rPr>
-                        <a:t>1</a:t>
-                      </a:r>
-                      <a:endParaRPr lang="x-none" b="0" i="1">
-                        <a:solidFill>
-                          <a:schemeClr val="bg1">
-                            <a:lumMod val="75000"/>
-                          </a:schemeClr>
-                        </a:solidFill>
-                        <a:latin typeface="+mj-lt"/>
-                      </a:endParaRPr>
-                    </a:p>
-                  </a:txBody>
-                  <a:tcPr>
-                    <a:lnL w="12700">
-                      <a:solidFill>
-                        <a:schemeClr val="tx1"/>
-                      </a:solidFill>
-                      <a:prstDash val="solid"/>
-                    </a:lnL>
-                    <a:lnR w="12700">
-                      <a:solidFill>
-                        <a:schemeClr val="tx1"/>
-                      </a:solidFill>
-                      <a:prstDash val="solid"/>
-                    </a:lnR>
-                    <a:lnT w="12700">
-                      <a:solidFill>
-                        <a:schemeClr val="tx1"/>
-                      </a:solidFill>
-                      <a:prstDash val="solid"/>
-                    </a:lnT>
-                    <a:lnB w="12700">
-                      <a:solidFill>
-                        <a:schemeClr val="tx1"/>
-                      </a:solidFill>
-                      <a:prstDash val="solid"/>
-                    </a:lnB>
-                    <a:noFill/>
-                  </a:tcPr>
-                </a:tc>
-              </a:tr>
-              <a:tr h="381000">
-                <a:tc>
-                  <a:txBody>
-                    <a:bodyPr/>
-                    <a:p>
-                      <a:pPr algn="ctr">
-                        <a:buNone/>
-                      </a:pPr>
-                      <a:r>
-                        <a:rPr lang="x-none" b="0" i="1">
-                          <a:solidFill>
-                            <a:schemeClr val="bg1">
-                              <a:lumMod val="75000"/>
-                            </a:schemeClr>
-                          </a:solidFill>
-                          <a:latin typeface="+mj-lt"/>
-                        </a:rPr>
-                        <a:t>0</a:t>
-                      </a:r>
-                      <a:endParaRPr lang="x-none" b="0" i="1">
-                        <a:solidFill>
-                          <a:schemeClr val="bg1">
-                            <a:lumMod val="75000"/>
-                          </a:schemeClr>
-                        </a:solidFill>
-                        <a:latin typeface="+mj-lt"/>
-                      </a:endParaRPr>
-                    </a:p>
-                  </a:txBody>
-                  <a:tcPr>
-                    <a:lnL w="12700">
-                      <a:solidFill>
-                        <a:schemeClr val="tx1"/>
-                      </a:solidFill>
-                      <a:prstDash val="solid"/>
-                    </a:lnL>
-                    <a:lnR w="12700">
-                      <a:solidFill>
-                        <a:schemeClr val="tx1"/>
-                      </a:solidFill>
-                      <a:prstDash val="solid"/>
-                    </a:lnR>
-                    <a:lnT w="12700">
-                      <a:solidFill>
-                        <a:schemeClr val="tx1"/>
-                      </a:solidFill>
-                      <a:prstDash val="solid"/>
-                    </a:lnT>
-                    <a:lnB w="12700">
-                      <a:solidFill>
-                        <a:schemeClr val="tx1"/>
-                      </a:solidFill>
-                      <a:prstDash val="solid"/>
-                    </a:lnB>
-                    <a:noFill/>
-                  </a:tcPr>
-                </a:tc>
-              </a:tr>
-            </a:tbl>
-          </a:graphicData>
-        </a:graphic>
-      </p:graphicFrame>
-      <p:graphicFrame>
-        <p:nvGraphicFramePr>
-          <p:cNvPr id="2" name="Table 1"/>
-          <p:cNvGraphicFramePr/>
-          <p:nvPr/>
-        </p:nvGraphicFramePr>
-        <p:xfrm>
-          <a:off x="3145155" y="785495"/>
-          <a:ext cx="506095" cy="3219450"/>
-        </p:xfrm>
-        <a:graphic>
-          <a:graphicData uri="http://schemas.openxmlformats.org/drawingml/2006/table">
-            <a:tbl>
-              <a:tblPr firstRow="1" bandRow="1">
-                <a:tableStyleId>{FABFCF23-3B69-468F-B69F-88F6DE6A72F2}</a:tableStyleId>
-              </a:tblPr>
-              <a:tblGrid>
-                <a:gridCol w="506095"/>
-              </a:tblGrid>
-              <a:tr h="552450">
-                <a:tc>
-                  <a:txBody>
-                    <a:bodyPr/>
-                    <a:p>
-                      <a:pPr algn="ctr">
-                        <a:buNone/>
-                      </a:pPr>
-                      <a:r>
-                        <a:rPr lang="x-none">
-                          <a:solidFill>
-                            <a:schemeClr val="tx1"/>
-                          </a:solidFill>
-                        </a:rPr>
-                        <a:t>7</a:t>
-                      </a:r>
-                      <a:endParaRPr lang="x-none">
-                        <a:solidFill>
-                          <a:schemeClr val="tx1"/>
-                        </a:solidFill>
-                      </a:endParaRPr>
-                    </a:p>
-                  </a:txBody>
-                  <a:tcPr>
-                    <a:lnL w="12700">
-                      <a:solidFill>
-                        <a:schemeClr val="tx1"/>
-                      </a:solidFill>
-                      <a:prstDash val="solid"/>
-                    </a:lnL>
-                    <a:lnR w="12700">
-                      <a:solidFill>
-                        <a:schemeClr val="tx1"/>
-                      </a:solidFill>
-                      <a:prstDash val="solid"/>
-                    </a:lnR>
-                    <a:lnT w="12700">
-                      <a:solidFill>
-                        <a:schemeClr val="tx1"/>
-                      </a:solidFill>
-                      <a:prstDash val="solid"/>
-                    </a:lnT>
-                    <a:lnB w="12700">
-                      <a:solidFill>
-                        <a:schemeClr val="tx1"/>
-                      </a:solidFill>
-                      <a:prstDash val="solid"/>
-                    </a:lnB>
-                    <a:noFill/>
-                  </a:tcPr>
-                </a:tc>
-              </a:tr>
-              <a:tr h="381000">
-                <a:tc>
-                  <a:txBody>
-                    <a:bodyPr/>
-                    <a:p>
-                      <a:pPr algn="ctr">
-                        <a:buNone/>
-                      </a:pPr>
-                      <a:r>
-                        <a:rPr lang="x-none">
-                          <a:solidFill>
-                            <a:schemeClr val="tx1"/>
-                          </a:solidFill>
-                        </a:rPr>
-                        <a:t>6</a:t>
-                      </a:r>
-                      <a:endParaRPr lang="x-none">
-                        <a:solidFill>
-                          <a:schemeClr val="tx1"/>
-                        </a:solidFill>
-                      </a:endParaRPr>
-                    </a:p>
-                  </a:txBody>
-                  <a:tcPr>
-                    <a:lnL w="12700">
-                      <a:solidFill>
-                        <a:schemeClr val="tx1"/>
-                      </a:solidFill>
-                      <a:prstDash val="solid"/>
-                    </a:lnL>
-                    <a:lnR w="12700">
-                      <a:solidFill>
-                        <a:schemeClr val="tx1"/>
-                      </a:solidFill>
-                      <a:prstDash val="solid"/>
-                    </a:lnR>
-                    <a:lnT w="12700">
-                      <a:solidFill>
-                        <a:schemeClr val="tx1"/>
-                      </a:solidFill>
-                      <a:prstDash val="solid"/>
-                    </a:lnT>
-                    <a:lnB w="12700">
-                      <a:solidFill>
-                        <a:schemeClr val="tx1"/>
-                      </a:solidFill>
-                      <a:prstDash val="solid"/>
-                    </a:lnB>
-                    <a:noFill/>
-                  </a:tcPr>
-                </a:tc>
-              </a:tr>
-              <a:tr h="381000">
-                <a:tc>
-                  <a:txBody>
-                    <a:bodyPr/>
-                    <a:p>
-                      <a:pPr algn="ctr">
-                        <a:buNone/>
-                      </a:pPr>
-                      <a:r>
-                        <a:rPr lang="x-none">
-                          <a:solidFill>
-                            <a:schemeClr val="tx1"/>
-                          </a:solidFill>
-                        </a:rPr>
-                        <a:t>5</a:t>
-                      </a:r>
-                      <a:endParaRPr lang="x-none">
-                        <a:solidFill>
-                          <a:schemeClr val="tx1"/>
-                        </a:solidFill>
-                      </a:endParaRPr>
-                    </a:p>
-                  </a:txBody>
-                  <a:tcPr>
-                    <a:lnL w="12700">
-                      <a:solidFill>
-                        <a:schemeClr val="tx1"/>
-                      </a:solidFill>
-                      <a:prstDash val="solid"/>
-                    </a:lnL>
-                    <a:lnR w="12700">
-                      <a:solidFill>
-                        <a:schemeClr val="tx1"/>
-                      </a:solidFill>
-                      <a:prstDash val="solid"/>
-                    </a:lnR>
-                    <a:lnT w="12700">
-                      <a:solidFill>
-                        <a:schemeClr val="tx1"/>
-                      </a:solidFill>
-                      <a:prstDash val="solid"/>
-                    </a:lnT>
-                    <a:lnB w="12700">
-                      <a:solidFill>
-                        <a:schemeClr val="tx1"/>
-                      </a:solidFill>
-                      <a:prstDash val="solid"/>
-                    </a:lnB>
-                    <a:noFill/>
-                  </a:tcPr>
-                </a:tc>
-              </a:tr>
-              <a:tr h="381000">
-                <a:tc>
-                  <a:txBody>
-                    <a:bodyPr/>
-                    <a:p>
-                      <a:pPr algn="ctr">
-                        <a:buNone/>
-                      </a:pPr>
-                      <a:r>
-                        <a:rPr lang="x-none">
-                          <a:solidFill>
-                            <a:schemeClr val="bg1">
-                              <a:lumMod val="75000"/>
-                            </a:schemeClr>
-                          </a:solidFill>
-                        </a:rPr>
-                        <a:t>3</a:t>
-                      </a:r>
-                      <a:endParaRPr lang="x-none">
-                        <a:solidFill>
-                          <a:schemeClr val="bg1">
-                            <a:lumMod val="75000"/>
-                          </a:schemeClr>
-                        </a:solidFill>
-                      </a:endParaRPr>
-                    </a:p>
-                  </a:txBody>
-                  <a:tcPr>
-                    <a:lnL w="12700">
-                      <a:solidFill>
-                        <a:schemeClr val="tx1"/>
-                      </a:solidFill>
-                      <a:prstDash val="solid"/>
-                    </a:lnL>
-                    <a:lnR w="12700">
-                      <a:solidFill>
-                        <a:schemeClr val="tx1"/>
-                      </a:solidFill>
-                      <a:prstDash val="solid"/>
-                    </a:lnR>
-                    <a:lnT w="12700">
-                      <a:solidFill>
-                        <a:schemeClr val="tx1"/>
-                      </a:solidFill>
-                      <a:prstDash val="solid"/>
-                    </a:lnT>
-                    <a:lnB w="12700">
-                      <a:solidFill>
-                        <a:schemeClr val="tx1"/>
-                      </a:solidFill>
-                      <a:prstDash val="solid"/>
-                    </a:lnB>
-                    <a:noFill/>
-                  </a:tcPr>
-                </a:tc>
-              </a:tr>
-              <a:tr h="381000">
-                <a:tc>
-                  <a:txBody>
-                    <a:bodyPr/>
-                    <a:p>
-                      <a:pPr algn="ctr">
-                        <a:buNone/>
-                      </a:pPr>
-                      <a:r>
-                        <a:rPr lang="x-none">
-                          <a:solidFill>
-                            <a:schemeClr val="bg1">
-                              <a:lumMod val="75000"/>
-                            </a:schemeClr>
-                          </a:solidFill>
-                        </a:rPr>
-                        <a:t>4</a:t>
-                      </a:r>
-                      <a:endParaRPr lang="x-none">
-                        <a:solidFill>
-                          <a:schemeClr val="bg1">
-                            <a:lumMod val="75000"/>
-                          </a:schemeClr>
-                        </a:solidFill>
-                      </a:endParaRPr>
-                    </a:p>
-                  </a:txBody>
-                  <a:tcPr>
-                    <a:lnL w="12700">
-                      <a:solidFill>
-                        <a:schemeClr val="tx1"/>
-                      </a:solidFill>
-                      <a:prstDash val="solid"/>
-                    </a:lnL>
-                    <a:lnR w="12700">
-                      <a:solidFill>
-                        <a:schemeClr val="tx1"/>
-                      </a:solidFill>
-                      <a:prstDash val="solid"/>
-                    </a:lnR>
-                    <a:lnT w="12700">
-                      <a:solidFill>
-                        <a:schemeClr val="tx1"/>
-                      </a:solidFill>
-                      <a:prstDash val="solid"/>
-                    </a:lnT>
-                    <a:lnB w="12700">
-                      <a:solidFill>
-                        <a:schemeClr val="tx1"/>
-                      </a:solidFill>
-                      <a:prstDash val="solid"/>
-                    </a:lnB>
-                    <a:noFill/>
-                  </a:tcPr>
-                </a:tc>
-              </a:tr>
-              <a:tr h="381000">
-                <a:tc>
-                  <a:txBody>
-                    <a:bodyPr/>
-                    <a:p>
-                      <a:pPr algn="ctr">
-                        <a:buNone/>
-                      </a:pPr>
-                      <a:r>
-                        <a:rPr lang="x-none">
-                          <a:solidFill>
-                            <a:schemeClr val="bg1">
-                              <a:lumMod val="75000"/>
-                            </a:schemeClr>
-                          </a:solidFill>
-                        </a:rPr>
-                        <a:t>2</a:t>
-                      </a:r>
-                      <a:endParaRPr lang="x-none">
-                        <a:solidFill>
-                          <a:schemeClr val="bg1">
-                            <a:lumMod val="75000"/>
-                          </a:schemeClr>
-                        </a:solidFill>
-                      </a:endParaRPr>
-                    </a:p>
-                  </a:txBody>
-                  <a:tcPr>
-                    <a:lnL w="12700">
-                      <a:solidFill>
-                        <a:schemeClr val="tx1"/>
-                      </a:solidFill>
-                      <a:prstDash val="solid"/>
-                    </a:lnL>
-                    <a:lnR w="12700">
-                      <a:solidFill>
-                        <a:schemeClr val="tx1"/>
-                      </a:solidFill>
-                      <a:prstDash val="solid"/>
-                    </a:lnR>
-                    <a:lnT w="12700">
-                      <a:solidFill>
-                        <a:schemeClr val="tx1"/>
-                      </a:solidFill>
-                      <a:prstDash val="solid"/>
-                    </a:lnT>
-                    <a:lnB w="12700">
-                      <a:solidFill>
-                        <a:schemeClr val="tx1"/>
-                      </a:solidFill>
-                      <a:prstDash val="solid"/>
-                    </a:lnB>
-                    <a:noFill/>
-                  </a:tcPr>
-                </a:tc>
-              </a:tr>
-              <a:tr h="381000">
-                <a:tc>
-                  <a:txBody>
-                    <a:bodyPr/>
-                    <a:p>
-                      <a:pPr algn="ctr">
-                        <a:buNone/>
-                      </a:pPr>
-                      <a:r>
-                        <a:rPr lang="x-none">
-                          <a:solidFill>
-                            <a:schemeClr val="bg1">
-                              <a:lumMod val="75000"/>
-                            </a:schemeClr>
-                          </a:solidFill>
-                        </a:rPr>
-                        <a:t>1</a:t>
-                      </a:r>
-                      <a:endParaRPr lang="x-none">
-                        <a:solidFill>
-                          <a:schemeClr val="bg1">
-                            <a:lumMod val="75000"/>
-                          </a:schemeClr>
-                        </a:solidFill>
-                      </a:endParaRPr>
-                    </a:p>
-                  </a:txBody>
-                  <a:tcPr>
-                    <a:lnL w="12700">
-                      <a:solidFill>
-                        <a:schemeClr val="tx1"/>
-                      </a:solidFill>
-                      <a:prstDash val="solid"/>
-                    </a:lnL>
-                    <a:lnR w="12700">
-                      <a:solidFill>
-                        <a:schemeClr val="tx1"/>
-                      </a:solidFill>
-                      <a:prstDash val="solid"/>
-                    </a:lnR>
-                    <a:lnT w="12700">
-                      <a:solidFill>
-                        <a:schemeClr val="tx1"/>
-                      </a:solidFill>
-                      <a:prstDash val="solid"/>
-                    </a:lnT>
-                    <a:lnB w="12700">
-                      <a:solidFill>
-                        <a:schemeClr val="tx1"/>
-                      </a:solidFill>
-                      <a:prstDash val="solid"/>
-                    </a:lnB>
-                    <a:noFill/>
-                  </a:tcPr>
-                </a:tc>
-              </a:tr>
-              <a:tr h="381000">
-                <a:tc>
-                  <a:txBody>
-                    <a:bodyPr/>
-                    <a:p>
-                      <a:pPr algn="ctr">
-                        <a:buNone/>
-                      </a:pPr>
-                      <a:r>
-                        <a:rPr lang="x-none">
-                          <a:solidFill>
-                            <a:schemeClr val="bg1">
-                              <a:lumMod val="75000"/>
-                            </a:schemeClr>
-                          </a:solidFill>
-                        </a:rPr>
-                        <a:t>0</a:t>
-                      </a:r>
-                      <a:endParaRPr lang="x-none">
-                        <a:solidFill>
-                          <a:schemeClr val="bg1">
-                            <a:lumMod val="75000"/>
-                          </a:schemeClr>
-                        </a:solidFill>
-                      </a:endParaRPr>
-                    </a:p>
-                  </a:txBody>
-                  <a:tcPr>
-                    <a:lnL w="12700">
-                      <a:solidFill>
-                        <a:schemeClr val="tx1"/>
-                      </a:solidFill>
-                      <a:prstDash val="solid"/>
-                    </a:lnL>
-                    <a:lnR w="12700">
-                      <a:solidFill>
-                        <a:schemeClr val="tx1"/>
-                      </a:solidFill>
-                      <a:prstDash val="solid"/>
-                    </a:lnR>
-                    <a:lnT w="12700">
-                      <a:solidFill>
-                        <a:schemeClr val="tx1"/>
-                      </a:solidFill>
-                      <a:prstDash val="solid"/>
-                    </a:lnT>
-                    <a:lnB w="12700">
-                      <a:solidFill>
-                        <a:schemeClr val="tx1"/>
-                      </a:solidFill>
-                      <a:prstDash val="solid"/>
-                    </a:lnB>
-                    <a:noFill/>
-                  </a:tcPr>
-                </a:tc>
-              </a:tr>
-            </a:tbl>
-          </a:graphicData>
-        </a:graphic>
-      </p:graphicFrame>
-      <p:graphicFrame>
-        <p:nvGraphicFramePr>
-          <p:cNvPr id="3" name="Table 2"/>
-          <p:cNvGraphicFramePr/>
-          <p:nvPr/>
-        </p:nvGraphicFramePr>
-        <p:xfrm>
-          <a:off x="4319270" y="771525"/>
-          <a:ext cx="506095" cy="3219450"/>
-        </p:xfrm>
-        <a:graphic>
-          <a:graphicData uri="http://schemas.openxmlformats.org/drawingml/2006/table">
-            <a:tbl>
-              <a:tblPr firstRow="1" bandRow="1">
-                <a:tableStyleId>{FABFCF23-3B69-468F-B69F-88F6DE6A72F2}</a:tableStyleId>
-              </a:tblPr>
-              <a:tblGrid>
-                <a:gridCol w="506095"/>
-              </a:tblGrid>
-              <a:tr h="552450">
-                <a:tc>
-                  <a:txBody>
-                    <a:bodyPr/>
-                    <a:p>
-                      <a:pPr algn="ctr">
-                        <a:buNone/>
-                      </a:pPr>
-                      <a:r>
-                        <a:rPr lang="x-none">
-                          <a:solidFill>
-                            <a:schemeClr val="tx1"/>
-                          </a:solidFill>
-                        </a:rPr>
-                        <a:t>7</a:t>
-                      </a:r>
-                      <a:endParaRPr lang="x-none">
-                        <a:solidFill>
-                          <a:schemeClr val="tx1"/>
-                        </a:solidFill>
-                      </a:endParaRPr>
-                    </a:p>
-                  </a:txBody>
-                  <a:tcPr>
-                    <a:lnL w="12700">
-                      <a:solidFill>
-                        <a:schemeClr val="tx1"/>
-                      </a:solidFill>
-                      <a:prstDash val="solid"/>
-                    </a:lnL>
-                    <a:lnR w="12700">
-                      <a:solidFill>
-                        <a:schemeClr val="tx1"/>
-                      </a:solidFill>
-                      <a:prstDash val="solid"/>
-                    </a:lnR>
-                    <a:lnT w="12700">
-                      <a:solidFill>
-                        <a:schemeClr val="tx1"/>
-                      </a:solidFill>
-                      <a:prstDash val="solid"/>
-                    </a:lnT>
-                    <a:lnB w="12700">
-                      <a:solidFill>
-                        <a:schemeClr val="tx1"/>
-                      </a:solidFill>
-                      <a:prstDash val="solid"/>
-                    </a:lnB>
-                    <a:noFill/>
-                  </a:tcPr>
-                </a:tc>
-              </a:tr>
-              <a:tr h="381000">
-                <a:tc>
-                  <a:txBody>
-                    <a:bodyPr/>
-                    <a:p>
-                      <a:pPr algn="ctr">
-                        <a:buNone/>
-                      </a:pPr>
-                      <a:r>
-                        <a:rPr lang="x-none">
-                          <a:solidFill>
-                            <a:schemeClr val="tx1"/>
-                          </a:solidFill>
-                        </a:rPr>
-                        <a:t>6</a:t>
-                      </a:r>
-                      <a:endParaRPr lang="x-none">
-                        <a:solidFill>
-                          <a:schemeClr val="tx1"/>
-                        </a:solidFill>
-                      </a:endParaRPr>
-                    </a:p>
-                  </a:txBody>
-                  <a:tcPr>
-                    <a:lnL w="12700">
-                      <a:solidFill>
-                        <a:schemeClr val="tx1"/>
-                      </a:solidFill>
-                      <a:prstDash val="solid"/>
-                    </a:lnL>
-                    <a:lnR w="12700">
-                      <a:solidFill>
-                        <a:schemeClr val="tx1"/>
-                      </a:solidFill>
-                      <a:prstDash val="solid"/>
-                    </a:lnR>
-                    <a:lnT w="12700">
-                      <a:solidFill>
-                        <a:schemeClr val="tx1"/>
-                      </a:solidFill>
-                      <a:prstDash val="solid"/>
-                    </a:lnT>
-                    <a:lnB w="12700">
-                      <a:solidFill>
-                        <a:schemeClr val="tx1"/>
-                      </a:solidFill>
-                      <a:prstDash val="solid"/>
-                    </a:lnB>
-                    <a:noFill/>
-                  </a:tcPr>
-                </a:tc>
-              </a:tr>
-              <a:tr h="381000">
-                <a:tc>
-                  <a:txBody>
-                    <a:bodyPr/>
-                    <a:p>
-                      <a:pPr algn="ctr">
-                        <a:buNone/>
-                      </a:pPr>
-                      <a:r>
-                        <a:rPr lang="x-none">
-                          <a:solidFill>
-                            <a:schemeClr val="bg1">
-                              <a:lumMod val="75000"/>
-                            </a:schemeClr>
-                          </a:solidFill>
-                        </a:rPr>
-                        <a:t>5</a:t>
-                      </a:r>
-                      <a:endParaRPr lang="x-none">
-                        <a:solidFill>
-                          <a:schemeClr val="bg1">
-                            <a:lumMod val="75000"/>
-                          </a:schemeClr>
-                        </a:solidFill>
-                      </a:endParaRPr>
-                    </a:p>
-                  </a:txBody>
-                  <a:tcPr>
-                    <a:lnL w="12700">
-                      <a:solidFill>
-                        <a:schemeClr val="tx1"/>
-                      </a:solidFill>
-                      <a:prstDash val="solid"/>
-                    </a:lnL>
-                    <a:lnR w="12700">
-                      <a:solidFill>
-                        <a:schemeClr val="tx1"/>
-                      </a:solidFill>
-                      <a:prstDash val="solid"/>
-                    </a:lnR>
-                    <a:lnT w="12700">
-                      <a:solidFill>
-                        <a:schemeClr val="tx1"/>
-                      </a:solidFill>
-                      <a:prstDash val="solid"/>
-                    </a:lnT>
-                    <a:lnB w="12700">
-                      <a:solidFill>
-                        <a:schemeClr val="tx1"/>
-                      </a:solidFill>
-                      <a:prstDash val="solid"/>
-                    </a:lnB>
-                    <a:noFill/>
-                  </a:tcPr>
-                </a:tc>
-              </a:tr>
-              <a:tr h="381000">
-                <a:tc>
-                  <a:txBody>
-                    <a:bodyPr/>
-                    <a:p>
-                      <a:pPr algn="ctr">
-                        <a:buNone/>
-                      </a:pPr>
-                      <a:r>
-                        <a:rPr lang="x-none">
-                          <a:solidFill>
-                            <a:schemeClr val="bg1">
-                              <a:lumMod val="75000"/>
-                            </a:schemeClr>
-                          </a:solidFill>
-                        </a:rPr>
-                        <a:t>3</a:t>
-                      </a:r>
-                      <a:endParaRPr lang="x-none">
-                        <a:solidFill>
-                          <a:schemeClr val="bg1">
-                            <a:lumMod val="75000"/>
-                          </a:schemeClr>
-                        </a:solidFill>
-                      </a:endParaRPr>
-                    </a:p>
-                  </a:txBody>
-                  <a:tcPr>
-                    <a:lnL w="12700">
-                      <a:solidFill>
-                        <a:schemeClr val="tx1"/>
-                      </a:solidFill>
-                      <a:prstDash val="solid"/>
-                    </a:lnL>
-                    <a:lnR w="12700">
-                      <a:solidFill>
-                        <a:schemeClr val="tx1"/>
-                      </a:solidFill>
-                      <a:prstDash val="solid"/>
-                    </a:lnR>
-                    <a:lnT w="12700">
-                      <a:solidFill>
-                        <a:schemeClr val="tx1"/>
-                      </a:solidFill>
-                      <a:prstDash val="solid"/>
-                    </a:lnT>
-                    <a:lnB w="12700">
-                      <a:solidFill>
-                        <a:schemeClr val="tx1"/>
-                      </a:solidFill>
-                      <a:prstDash val="solid"/>
-                    </a:lnB>
-                    <a:noFill/>
-                  </a:tcPr>
-                </a:tc>
-              </a:tr>
-              <a:tr h="381000">
-                <a:tc>
-                  <a:txBody>
-                    <a:bodyPr/>
-                    <a:p>
-                      <a:pPr algn="ctr">
-                        <a:buNone/>
-                      </a:pPr>
-                      <a:r>
-                        <a:rPr lang="x-none">
-                          <a:solidFill>
-                            <a:schemeClr val="bg1">
-                              <a:lumMod val="75000"/>
-                            </a:schemeClr>
-                          </a:solidFill>
-                        </a:rPr>
-                        <a:t>4</a:t>
-                      </a:r>
-                      <a:endParaRPr lang="x-none">
-                        <a:solidFill>
-                          <a:schemeClr val="bg1">
-                            <a:lumMod val="75000"/>
-                          </a:schemeClr>
-                        </a:solidFill>
-                      </a:endParaRPr>
-                    </a:p>
-                  </a:txBody>
-                  <a:tcPr>
-                    <a:lnL w="12700">
-                      <a:solidFill>
-                        <a:schemeClr val="tx1"/>
-                      </a:solidFill>
-                      <a:prstDash val="solid"/>
-                    </a:lnL>
-                    <a:lnR w="12700">
-                      <a:solidFill>
-                        <a:schemeClr val="tx1"/>
-                      </a:solidFill>
-                      <a:prstDash val="solid"/>
-                    </a:lnR>
-                    <a:lnT w="12700">
-                      <a:solidFill>
-                        <a:schemeClr val="tx1"/>
-                      </a:solidFill>
-                      <a:prstDash val="solid"/>
-                    </a:lnT>
-                    <a:lnB w="12700">
-                      <a:solidFill>
-                        <a:schemeClr val="tx1"/>
-                      </a:solidFill>
-                      <a:prstDash val="solid"/>
-                    </a:lnB>
-                    <a:noFill/>
-                  </a:tcPr>
-                </a:tc>
-              </a:tr>
-              <a:tr h="381000">
-                <a:tc>
-                  <a:txBody>
-                    <a:bodyPr/>
-                    <a:p>
-                      <a:pPr algn="ctr">
-                        <a:buNone/>
-                      </a:pPr>
-                      <a:r>
-                        <a:rPr lang="x-none">
-                          <a:solidFill>
-                            <a:schemeClr val="bg1">
-                              <a:lumMod val="75000"/>
-                            </a:schemeClr>
-                          </a:solidFill>
-                        </a:rPr>
-                        <a:t>2</a:t>
-                      </a:r>
-                      <a:endParaRPr lang="x-none">
-                        <a:solidFill>
-                          <a:schemeClr val="bg1">
-                            <a:lumMod val="75000"/>
-                          </a:schemeClr>
-                        </a:solidFill>
-                      </a:endParaRPr>
-                    </a:p>
-                  </a:txBody>
-                  <a:tcPr>
-                    <a:lnL w="12700">
-                      <a:solidFill>
-                        <a:schemeClr val="tx1"/>
-                      </a:solidFill>
-                      <a:prstDash val="solid"/>
-                    </a:lnL>
-                    <a:lnR w="12700">
-                      <a:solidFill>
-                        <a:schemeClr val="tx1"/>
-                      </a:solidFill>
-                      <a:prstDash val="solid"/>
-                    </a:lnR>
-                    <a:lnT w="12700">
-                      <a:solidFill>
-                        <a:schemeClr val="tx1"/>
-                      </a:solidFill>
-                      <a:prstDash val="solid"/>
-                    </a:lnT>
-                    <a:lnB w="12700">
-                      <a:solidFill>
-                        <a:schemeClr val="tx1"/>
-                      </a:solidFill>
-                      <a:prstDash val="solid"/>
-                    </a:lnB>
-                    <a:noFill/>
-                  </a:tcPr>
-                </a:tc>
-              </a:tr>
-              <a:tr h="381000">
-                <a:tc>
-                  <a:txBody>
-                    <a:bodyPr/>
-                    <a:p>
-                      <a:pPr algn="ctr">
-                        <a:buNone/>
-                      </a:pPr>
-                      <a:r>
-                        <a:rPr lang="x-none">
-                          <a:solidFill>
-                            <a:schemeClr val="bg1">
-                              <a:lumMod val="75000"/>
-                            </a:schemeClr>
-                          </a:solidFill>
-                        </a:rPr>
-                        <a:t>1</a:t>
-                      </a:r>
-                      <a:endParaRPr lang="x-none">
-                        <a:solidFill>
-                          <a:schemeClr val="bg1">
-                            <a:lumMod val="75000"/>
-                          </a:schemeClr>
-                        </a:solidFill>
-                      </a:endParaRPr>
-                    </a:p>
-                  </a:txBody>
-                  <a:tcPr>
-                    <a:lnL w="12700">
-                      <a:solidFill>
-                        <a:schemeClr val="tx1"/>
-                      </a:solidFill>
-                      <a:prstDash val="solid"/>
-                    </a:lnL>
-                    <a:lnR w="12700">
-                      <a:solidFill>
-                        <a:schemeClr val="tx1"/>
-                      </a:solidFill>
-                      <a:prstDash val="solid"/>
-                    </a:lnR>
-                    <a:lnT w="12700">
-                      <a:solidFill>
-                        <a:schemeClr val="tx1"/>
-                      </a:solidFill>
-                      <a:prstDash val="solid"/>
-                    </a:lnT>
-                    <a:lnB w="12700">
-                      <a:solidFill>
-                        <a:schemeClr val="tx1"/>
-                      </a:solidFill>
-                      <a:prstDash val="solid"/>
-                    </a:lnB>
-                    <a:noFill/>
-                  </a:tcPr>
-                </a:tc>
-              </a:tr>
-              <a:tr h="381000">
-                <a:tc>
-                  <a:txBody>
-                    <a:bodyPr/>
-                    <a:p>
-                      <a:pPr algn="ctr">
-                        <a:buNone/>
-                      </a:pPr>
-                      <a:r>
-                        <a:rPr lang="x-none">
-                          <a:solidFill>
-                            <a:schemeClr val="bg1">
-                              <a:lumMod val="75000"/>
-                            </a:schemeClr>
-                          </a:solidFill>
-                        </a:rPr>
-                        <a:t>0</a:t>
-                      </a:r>
-                      <a:endParaRPr lang="x-none">
-                        <a:solidFill>
-                          <a:schemeClr val="bg1">
-                            <a:lumMod val="75000"/>
-                          </a:schemeClr>
-                        </a:solidFill>
-                      </a:endParaRPr>
-                    </a:p>
-                  </a:txBody>
-                  <a:tcPr>
-                    <a:lnL w="12700">
-                      <a:solidFill>
-                        <a:schemeClr val="tx1"/>
-                      </a:solidFill>
-                      <a:prstDash val="solid"/>
-                    </a:lnL>
-                    <a:lnR w="12700">
-                      <a:solidFill>
-                        <a:schemeClr val="tx1"/>
-                      </a:solidFill>
-                      <a:prstDash val="solid"/>
-                    </a:lnR>
-                    <a:lnT w="12700">
-                      <a:solidFill>
-                        <a:schemeClr val="tx1"/>
-                      </a:solidFill>
-                      <a:prstDash val="solid"/>
-                    </a:lnT>
-                    <a:lnB w="12700">
-                      <a:solidFill>
-                        <a:schemeClr val="tx1"/>
-                      </a:solidFill>
-                      <a:prstDash val="solid"/>
-                    </a:lnB>
-                    <a:noFill/>
-                  </a:tcPr>
-                </a:tc>
-              </a:tr>
-            </a:tbl>
-          </a:graphicData>
-        </a:graphic>
-      </p:graphicFrame>
-      <p:sp>
-        <p:nvSpPr>
-          <p:cNvPr id="6" name="Left Brace 5"/>
-          <p:cNvSpPr/>
-          <p:nvPr/>
-        </p:nvSpPr>
-        <p:spPr>
-          <a:xfrm>
-            <a:off x="1528445" y="960120"/>
-            <a:ext cx="166370" cy="1944370"/>
-          </a:xfrm>
-          <a:prstGeom prst="leftBrace">
-            <a:avLst/>
-          </a:prstGeom>
-        </p:spPr>
-        <p:style>
-          <a:lnRef idx="1">
-            <a:schemeClr val="accent1"/>
-          </a:lnRef>
-          <a:fillRef idx="0">
-            <a:schemeClr val="accent1"/>
-          </a:fillRef>
-          <a:effectRef idx="0">
-            <a:schemeClr val="accent1"/>
-          </a:effectRef>
-          <a:fontRef idx="minor">
-            <a:schemeClr val="tx1"/>
-          </a:fontRef>
-        </p:style>
-        <p:txBody>
-          <a:bodyPr rtlCol="0" anchor="ctr"/>
-          <a:p>
-            <a:pPr algn="ctr"/>
-            <a:endParaRPr lang="en-IN" altLang="en-US"/>
-          </a:p>
-        </p:txBody>
-      </p:sp>
-      <p:sp>
-        <p:nvSpPr>
-          <p:cNvPr id="7" name="Left Brace 6"/>
-          <p:cNvSpPr/>
-          <p:nvPr/>
-        </p:nvSpPr>
-        <p:spPr>
-          <a:xfrm>
-            <a:off x="2791460" y="843915"/>
-            <a:ext cx="166370" cy="1421130"/>
-          </a:xfrm>
-          <a:prstGeom prst="leftBrace">
-            <a:avLst/>
-          </a:prstGeom>
-        </p:spPr>
-        <p:style>
-          <a:lnRef idx="1">
-            <a:schemeClr val="accent1"/>
-          </a:lnRef>
-          <a:fillRef idx="0">
-            <a:schemeClr val="accent1"/>
-          </a:fillRef>
-          <a:effectRef idx="0">
-            <a:schemeClr val="accent1"/>
-          </a:effectRef>
-          <a:fontRef idx="minor">
-            <a:schemeClr val="tx1"/>
-          </a:fontRef>
-        </p:style>
-        <p:txBody>
-          <a:bodyPr rtlCol="0" anchor="ctr"/>
-          <a:p>
-            <a:pPr algn="ctr"/>
-            <a:endParaRPr lang="en-IN" altLang="en-US"/>
-          </a:p>
-        </p:txBody>
-      </p:sp>
-      <p:sp>
-        <p:nvSpPr>
-          <p:cNvPr id="8" name="Left Brace 7"/>
-          <p:cNvSpPr/>
-          <p:nvPr/>
-        </p:nvSpPr>
-        <p:spPr>
-          <a:xfrm>
-            <a:off x="4038600" y="818515"/>
-            <a:ext cx="166370" cy="998220"/>
-          </a:xfrm>
-          <a:prstGeom prst="leftBrace">
-            <a:avLst/>
-          </a:prstGeom>
-        </p:spPr>
-        <p:style>
-          <a:lnRef idx="1">
-            <a:schemeClr val="accent1"/>
-          </a:lnRef>
-          <a:fillRef idx="0">
-            <a:schemeClr val="accent1"/>
-          </a:fillRef>
-          <a:effectRef idx="0">
-            <a:schemeClr val="accent1"/>
-          </a:effectRef>
-          <a:fontRef idx="minor">
-            <a:schemeClr val="tx1"/>
-          </a:fontRef>
-        </p:style>
-        <p:txBody>
-          <a:bodyPr rtlCol="0" anchor="ctr"/>
-          <a:p>
-            <a:pPr algn="ctr"/>
-            <a:endParaRPr lang="en-IN" altLang="en-US"/>
-          </a:p>
-        </p:txBody>
-      </p:sp>
-      <p:sp>
-        <p:nvSpPr>
-          <p:cNvPr id="9" name="TextBox 8"/>
-          <p:cNvSpPr txBox="1"/>
-          <p:nvPr/>
-        </p:nvSpPr>
-        <p:spPr>
-          <a:xfrm>
-            <a:off x="969010" y="1051560"/>
-            <a:ext cx="641985" cy="1647825"/>
-          </a:xfrm>
-          <a:prstGeom prst="rect">
-            <a:avLst/>
-          </a:prstGeom>
-          <a:noFill/>
-        </p:spPr>
-        <p:txBody>
-          <a:bodyPr vert="vert270" wrap="square" rtlCol="0">
-            <a:spAutoFit/>
-          </a:bodyPr>
-          <a:p>
-            <a:r>
-              <a:rPr lang="x-none" altLang="en-IN"/>
-              <a:t>good channels</a:t>
-            </a:r>
-            <a:endParaRPr lang="x-none" altLang="en-IN"/>
-          </a:p>
-        </p:txBody>
-      </p:sp>
-      <p:sp>
-        <p:nvSpPr>
-          <p:cNvPr id="10" name="TextBox 9"/>
-          <p:cNvSpPr txBox="1"/>
-          <p:nvPr/>
-        </p:nvSpPr>
-        <p:spPr>
-          <a:xfrm>
-            <a:off x="2273300" y="677545"/>
-            <a:ext cx="641985" cy="1647825"/>
-          </a:xfrm>
-          <a:prstGeom prst="rect">
-            <a:avLst/>
-          </a:prstGeom>
-          <a:noFill/>
-        </p:spPr>
-        <p:txBody>
-          <a:bodyPr vert="vert270" wrap="square" rtlCol="0">
-            <a:spAutoFit/>
-          </a:bodyPr>
-          <a:p>
-            <a:r>
-              <a:rPr lang="x-none" altLang="en-IN"/>
-              <a:t>good channels</a:t>
-            </a:r>
-            <a:endParaRPr lang="x-none" altLang="en-IN"/>
-          </a:p>
-        </p:txBody>
-      </p:sp>
-      <p:sp>
-        <p:nvSpPr>
-          <p:cNvPr id="11" name="TextBox 10"/>
-          <p:cNvSpPr txBox="1"/>
-          <p:nvPr/>
-        </p:nvSpPr>
-        <p:spPr>
-          <a:xfrm>
-            <a:off x="3628390" y="477520"/>
-            <a:ext cx="641985" cy="1647825"/>
-          </a:xfrm>
-          <a:prstGeom prst="rect">
-            <a:avLst/>
-          </a:prstGeom>
-          <a:noFill/>
-        </p:spPr>
-        <p:txBody>
-          <a:bodyPr vert="vert270" wrap="square" rtlCol="0">
-            <a:spAutoFit/>
-          </a:bodyPr>
-          <a:p>
-            <a:r>
-              <a:rPr lang="x-none" altLang="en-IN"/>
-              <a:t>good channels</a:t>
-            </a:r>
-            <a:endParaRPr lang="x-none" altLang="en-IN"/>
-          </a:p>
-        </p:txBody>
-      </p:sp>
-      <p:sp>
-        <p:nvSpPr>
-          <p:cNvPr id="12" name="TextBox 11"/>
-          <p:cNvSpPr txBox="1"/>
-          <p:nvPr/>
-        </p:nvSpPr>
-        <p:spPr>
-          <a:xfrm>
-            <a:off x="1894205" y="5148580"/>
-            <a:ext cx="4795520" cy="550545"/>
-          </a:xfrm>
-          <a:prstGeom prst="rect">
-            <a:avLst/>
-          </a:prstGeom>
-          <a:noFill/>
-        </p:spPr>
-        <p:txBody>
-          <a:bodyPr wrap="square" rtlCol="0">
-            <a:spAutoFit/>
-          </a:bodyPr>
-          <a:p>
-            <a:r>
-              <a:rPr lang="x-none" altLang="en-IN"/>
-              <a:t>p</a:t>
-            </a:r>
-            <a:r>
-              <a:rPr lang="x-none" altLang="en-IN" baseline="-25000"/>
-              <a:t>1              </a:t>
-            </a:r>
-            <a:r>
-              <a:rPr lang="x-none" altLang="en-IN"/>
-              <a:t> &lt;     p</a:t>
-            </a:r>
-            <a:r>
-              <a:rPr lang="x-none" altLang="en-IN" baseline="-25000"/>
-              <a:t>2</a:t>
-            </a:r>
-            <a:r>
-              <a:rPr lang="x-none" altLang="en-IN"/>
-              <a:t>        &lt;      p</a:t>
-            </a:r>
-            <a:r>
-              <a:rPr lang="x-none" altLang="en-IN" baseline="-25000"/>
-              <a:t>3</a:t>
-            </a:r>
-            <a:endParaRPr lang="x-none" altLang="en-IN" baseline="-25000"/>
-          </a:p>
-        </p:txBody>
-      </p:sp>
     </p:spTree>
   </p:cSld>
   <p:clrMapOvr>

--- a/Midterm-Exam/report/Presentation1.pptx
+++ b/Midterm-Exam/report/Presentation1.pptx
@@ -12,9 +12,10 @@
     <p:sldId id="272" r:id="rId7"/>
     <p:sldId id="260" r:id="rId8"/>
     <p:sldId id="271" r:id="rId9"/>
-    <p:sldId id="263" r:id="rId10"/>
-    <p:sldId id="264" r:id="rId11"/>
-    <p:sldId id="270" r:id="rId12"/>
+    <p:sldId id="273" r:id="rId10"/>
+    <p:sldId id="263" r:id="rId11"/>
+    <p:sldId id="264" r:id="rId12"/>
+    <p:sldId id="270" r:id="rId13"/>
   </p:sldIdLst>
   <p:sldSz cx="12192000" cy="6858000"/>
   <p:notesSz cx="6858000" cy="9144000"/>
@@ -6050,6 +6051,648 @@
         <p:nvPr/>
       </p:nvGrpSpPr>
       <p:grpSpPr/>
+      <p:sp>
+        <p:nvSpPr>
+          <p:cNvPr id="4" name="Rectangle 3"/>
+          <p:cNvSpPr/>
+          <p:nvPr/>
+        </p:nvSpPr>
+        <p:spPr>
+          <a:xfrm>
+            <a:off x="2204085" y="1904365"/>
+            <a:ext cx="1664335" cy="2183130"/>
+          </a:xfrm>
+          <a:prstGeom prst="rect">
+            <a:avLst/>
+          </a:prstGeom>
+          <a:ln w="57150">
+            <a:solidFill>
+              <a:schemeClr val="tx1"/>
+            </a:solidFill>
+          </a:ln>
+        </p:spPr>
+        <p:style>
+          <a:lnRef idx="2">
+            <a:schemeClr val="dk1"/>
+          </a:lnRef>
+          <a:fillRef idx="1">
+            <a:schemeClr val="lt1"/>
+          </a:fillRef>
+          <a:effectRef idx="0">
+            <a:schemeClr val="dk1"/>
+          </a:effectRef>
+          <a:fontRef idx="minor">
+            <a:schemeClr val="dk1"/>
+          </a:fontRef>
+        </p:style>
+        <p:txBody>
+          <a:bodyPr rtlCol="0" anchor="ctr"/>
+          <a:p>
+            <a:pPr algn="ctr"/>
+            <a:r>
+              <a:rPr lang="x-none" altLang="en-IN" sz="5400"/>
+              <a:t>X</a:t>
+            </a:r>
+            <a:endParaRPr lang="x-none" altLang="en-IN" sz="5400"/>
+          </a:p>
+        </p:txBody>
+      </p:sp>
+      <p:sp>
+        <p:nvSpPr>
+          <p:cNvPr id="6" name="Rectangle 5"/>
+          <p:cNvSpPr/>
+          <p:nvPr/>
+        </p:nvSpPr>
+        <p:spPr>
+          <a:xfrm>
+            <a:off x="6156325" y="1879600"/>
+            <a:ext cx="1664335" cy="2183130"/>
+          </a:xfrm>
+          <a:prstGeom prst="rect">
+            <a:avLst/>
+          </a:prstGeom>
+          <a:ln w="57150">
+            <a:solidFill>
+              <a:schemeClr val="tx1"/>
+            </a:solidFill>
+          </a:ln>
+        </p:spPr>
+        <p:style>
+          <a:lnRef idx="2">
+            <a:schemeClr val="dk1"/>
+          </a:lnRef>
+          <a:fillRef idx="1">
+            <a:schemeClr val="lt1"/>
+          </a:fillRef>
+          <a:effectRef idx="0">
+            <a:schemeClr val="dk1"/>
+          </a:effectRef>
+          <a:fontRef idx="minor">
+            <a:schemeClr val="dk1"/>
+          </a:fontRef>
+        </p:style>
+        <p:txBody>
+          <a:bodyPr rtlCol="0" anchor="ctr"/>
+          <a:p>
+            <a:pPr algn="ctr"/>
+            <a:r>
+              <a:rPr lang="x-none" altLang="en-IN" sz="6000"/>
+              <a:t>Y</a:t>
+            </a:r>
+            <a:endParaRPr lang="x-none" altLang="en-IN" sz="6000"/>
+          </a:p>
+        </p:txBody>
+      </p:sp>
+      <p:grpSp>
+        <p:nvGrpSpPr>
+          <p:cNvPr id="28" name="Group 27"/>
+          <p:cNvGrpSpPr/>
+          <p:nvPr/>
+        </p:nvGrpSpPr>
+        <p:grpSpPr>
+          <a:xfrm rot="0">
+            <a:off x="3897630" y="2349500"/>
+            <a:ext cx="1735455" cy="1224915"/>
+            <a:chOff x="4118" y="3305"/>
+            <a:chExt cx="2502" cy="1634"/>
+          </a:xfrm>
+        </p:grpSpPr>
+        <p:cxnSp>
+          <p:nvCxnSpPr>
+            <p:cNvPr id="8" name="Straight Arrow Connector 7"/>
+            <p:cNvCxnSpPr/>
+            <p:nvPr/>
+          </p:nvCxnSpPr>
+          <p:spPr>
+            <a:xfrm>
+              <a:off x="4118" y="3305"/>
+              <a:ext cx="2485" cy="0"/>
+            </a:xfrm>
+            <a:prstGeom prst="straightConnector1">
+              <a:avLst/>
+            </a:prstGeom>
+            <a:ln w="28575">
+              <a:headEnd type="none" w="med" len="med"/>
+              <a:tailEnd type="triangle" w="med" len="med"/>
+            </a:ln>
+          </p:spPr>
+          <p:style>
+            <a:lnRef idx="2">
+              <a:schemeClr val="dk1"/>
+            </a:lnRef>
+            <a:fillRef idx="0">
+              <a:schemeClr val="dk1"/>
+            </a:fillRef>
+            <a:effectRef idx="1">
+              <a:schemeClr val="dk1"/>
+            </a:effectRef>
+            <a:fontRef idx="minor">
+              <a:schemeClr val="tx1"/>
+            </a:fontRef>
+          </p:style>
+        </p:cxnSp>
+        <p:cxnSp>
+          <p:nvCxnSpPr>
+            <p:cNvPr id="9" name="Straight Arrow Connector 8"/>
+            <p:cNvCxnSpPr/>
+            <p:nvPr/>
+          </p:nvCxnSpPr>
+          <p:spPr>
+            <a:xfrm>
+              <a:off x="4135" y="3799"/>
+              <a:ext cx="2485" cy="0"/>
+            </a:xfrm>
+            <a:prstGeom prst="straightConnector1">
+              <a:avLst/>
+            </a:prstGeom>
+            <a:ln w="28575">
+              <a:headEnd type="none" w="med" len="med"/>
+              <a:tailEnd type="triangle" w="med" len="med"/>
+            </a:ln>
+          </p:spPr>
+          <p:style>
+            <a:lnRef idx="2">
+              <a:schemeClr val="dk1"/>
+            </a:lnRef>
+            <a:fillRef idx="0">
+              <a:schemeClr val="dk1"/>
+            </a:fillRef>
+            <a:effectRef idx="1">
+              <a:schemeClr val="dk1"/>
+            </a:effectRef>
+            <a:fontRef idx="minor">
+              <a:schemeClr val="tx1"/>
+            </a:fontRef>
+          </p:style>
+        </p:cxnSp>
+        <p:cxnSp>
+          <p:nvCxnSpPr>
+            <p:cNvPr id="10" name="Straight Arrow Connector 9"/>
+            <p:cNvCxnSpPr/>
+            <p:nvPr/>
+          </p:nvCxnSpPr>
+          <p:spPr>
+            <a:xfrm>
+              <a:off x="4118" y="4378"/>
+              <a:ext cx="2485" cy="0"/>
+            </a:xfrm>
+            <a:prstGeom prst="straightConnector1">
+              <a:avLst/>
+            </a:prstGeom>
+            <a:ln w="28575">
+              <a:headEnd type="none" w="med" len="med"/>
+              <a:tailEnd type="triangle" w="med" len="med"/>
+            </a:ln>
+          </p:spPr>
+          <p:style>
+            <a:lnRef idx="2">
+              <a:schemeClr val="dk1"/>
+            </a:lnRef>
+            <a:fillRef idx="0">
+              <a:schemeClr val="dk1"/>
+            </a:fillRef>
+            <a:effectRef idx="1">
+              <a:schemeClr val="dk1"/>
+            </a:effectRef>
+            <a:fontRef idx="minor">
+              <a:schemeClr val="tx1"/>
+            </a:fontRef>
+          </p:style>
+        </p:cxnSp>
+        <p:cxnSp>
+          <p:nvCxnSpPr>
+            <p:cNvPr id="11" name="Straight Arrow Connector 10"/>
+            <p:cNvCxnSpPr/>
+            <p:nvPr/>
+          </p:nvCxnSpPr>
+          <p:spPr>
+            <a:xfrm>
+              <a:off x="4135" y="4939"/>
+              <a:ext cx="2485" cy="0"/>
+            </a:xfrm>
+            <a:prstGeom prst="straightConnector1">
+              <a:avLst/>
+            </a:prstGeom>
+            <a:ln w="28575">
+              <a:headEnd type="none" w="med" len="med"/>
+              <a:tailEnd type="triangle" w="med" len="med"/>
+            </a:ln>
+          </p:spPr>
+          <p:style>
+            <a:lnRef idx="2">
+              <a:schemeClr val="dk1"/>
+            </a:lnRef>
+            <a:fillRef idx="0">
+              <a:schemeClr val="dk1"/>
+            </a:fillRef>
+            <a:effectRef idx="1">
+              <a:schemeClr val="dk1"/>
+            </a:effectRef>
+            <a:fontRef idx="minor">
+              <a:schemeClr val="tx1"/>
+            </a:fontRef>
+          </p:style>
+        </p:cxnSp>
+      </p:grpSp>
+      <p:grpSp>
+        <p:nvGrpSpPr>
+          <p:cNvPr id="7" name="Group 6"/>
+          <p:cNvGrpSpPr/>
+          <p:nvPr/>
+        </p:nvGrpSpPr>
+        <p:grpSpPr>
+          <a:xfrm rot="10800000">
+            <a:off x="4348480" y="2497455"/>
+            <a:ext cx="1800225" cy="1224915"/>
+            <a:chOff x="4118" y="3305"/>
+            <a:chExt cx="2502" cy="1634"/>
+          </a:xfrm>
+        </p:grpSpPr>
+        <p:cxnSp>
+          <p:nvCxnSpPr>
+            <p:cNvPr id="12" name="Straight Arrow Connector 11"/>
+            <p:cNvCxnSpPr/>
+            <p:nvPr/>
+          </p:nvCxnSpPr>
+          <p:spPr>
+            <a:xfrm>
+              <a:off x="4118" y="3305"/>
+              <a:ext cx="2485" cy="0"/>
+            </a:xfrm>
+            <a:prstGeom prst="straightConnector1">
+              <a:avLst/>
+            </a:prstGeom>
+            <a:ln w="28575">
+              <a:headEnd type="none" w="med" len="med"/>
+              <a:tailEnd type="triangle" w="med" len="med"/>
+            </a:ln>
+          </p:spPr>
+          <p:style>
+            <a:lnRef idx="2">
+              <a:schemeClr val="dk1"/>
+            </a:lnRef>
+            <a:fillRef idx="0">
+              <a:schemeClr val="dk1"/>
+            </a:fillRef>
+            <a:effectRef idx="1">
+              <a:schemeClr val="dk1"/>
+            </a:effectRef>
+            <a:fontRef idx="minor">
+              <a:schemeClr val="tx1"/>
+            </a:fontRef>
+          </p:style>
+        </p:cxnSp>
+        <p:cxnSp>
+          <p:nvCxnSpPr>
+            <p:cNvPr id="13" name="Straight Arrow Connector 12"/>
+            <p:cNvCxnSpPr/>
+            <p:nvPr/>
+          </p:nvCxnSpPr>
+          <p:spPr>
+            <a:xfrm>
+              <a:off x="4135" y="3799"/>
+              <a:ext cx="2485" cy="0"/>
+            </a:xfrm>
+            <a:prstGeom prst="straightConnector1">
+              <a:avLst/>
+            </a:prstGeom>
+            <a:ln w="28575">
+              <a:headEnd type="none" w="med" len="med"/>
+              <a:tailEnd type="triangle" w="med" len="med"/>
+            </a:ln>
+          </p:spPr>
+          <p:style>
+            <a:lnRef idx="2">
+              <a:schemeClr val="dk1"/>
+            </a:lnRef>
+            <a:fillRef idx="0">
+              <a:schemeClr val="dk1"/>
+            </a:fillRef>
+            <a:effectRef idx="1">
+              <a:schemeClr val="dk1"/>
+            </a:effectRef>
+            <a:fontRef idx="minor">
+              <a:schemeClr val="tx1"/>
+            </a:fontRef>
+          </p:style>
+        </p:cxnSp>
+        <p:cxnSp>
+          <p:nvCxnSpPr>
+            <p:cNvPr id="14" name="Straight Arrow Connector 13"/>
+            <p:cNvCxnSpPr/>
+            <p:nvPr/>
+          </p:nvCxnSpPr>
+          <p:spPr>
+            <a:xfrm>
+              <a:off x="4118" y="4378"/>
+              <a:ext cx="2485" cy="0"/>
+            </a:xfrm>
+            <a:prstGeom prst="straightConnector1">
+              <a:avLst/>
+            </a:prstGeom>
+            <a:ln w="28575">
+              <a:headEnd type="none" w="med" len="med"/>
+              <a:tailEnd type="triangle" w="med" len="med"/>
+            </a:ln>
+          </p:spPr>
+          <p:style>
+            <a:lnRef idx="2">
+              <a:schemeClr val="dk1"/>
+            </a:lnRef>
+            <a:fillRef idx="0">
+              <a:schemeClr val="dk1"/>
+            </a:fillRef>
+            <a:effectRef idx="1">
+              <a:schemeClr val="dk1"/>
+            </a:effectRef>
+            <a:fontRef idx="minor">
+              <a:schemeClr val="tx1"/>
+            </a:fontRef>
+          </p:style>
+        </p:cxnSp>
+        <p:cxnSp>
+          <p:nvCxnSpPr>
+            <p:cNvPr id="15" name="Straight Arrow Connector 14"/>
+            <p:cNvCxnSpPr/>
+            <p:nvPr/>
+          </p:nvCxnSpPr>
+          <p:spPr>
+            <a:xfrm>
+              <a:off x="4135" y="4939"/>
+              <a:ext cx="2485" cy="0"/>
+            </a:xfrm>
+            <a:prstGeom prst="straightConnector1">
+              <a:avLst/>
+            </a:prstGeom>
+            <a:ln w="28575">
+              <a:headEnd type="none" w="med" len="med"/>
+              <a:tailEnd type="triangle" w="med" len="med"/>
+            </a:ln>
+          </p:spPr>
+          <p:style>
+            <a:lnRef idx="2">
+              <a:schemeClr val="dk1"/>
+            </a:lnRef>
+            <a:fillRef idx="0">
+              <a:schemeClr val="dk1"/>
+            </a:fillRef>
+            <a:effectRef idx="1">
+              <a:schemeClr val="dk1"/>
+            </a:effectRef>
+            <a:fontRef idx="minor">
+              <a:schemeClr val="tx1"/>
+            </a:fontRef>
+          </p:style>
+        </p:cxnSp>
+      </p:grpSp>
+      <p:grpSp>
+        <p:nvGrpSpPr>
+          <p:cNvPr id="34" name="Group 33"/>
+          <p:cNvGrpSpPr/>
+          <p:nvPr/>
+        </p:nvGrpSpPr>
+        <p:grpSpPr>
+          <a:xfrm>
+            <a:off x="6776085" y="4163695"/>
+            <a:ext cx="853440" cy="1626870"/>
+            <a:chOff x="11658" y="6932"/>
+            <a:chExt cx="1344" cy="2562"/>
+          </a:xfrm>
+        </p:grpSpPr>
+        <p:sp>
+          <p:nvSpPr>
+            <p:cNvPr id="32" name="TextBox 31"/>
+            <p:cNvSpPr txBox="1"/>
+            <p:nvPr/>
+          </p:nvSpPr>
+          <p:spPr>
+            <a:xfrm>
+              <a:off x="11692" y="6932"/>
+              <a:ext cx="596" cy="2562"/>
+            </a:xfrm>
+            <a:prstGeom prst="rect">
+              <a:avLst/>
+            </a:prstGeom>
+            <a:noFill/>
+          </p:spPr>
+          <p:txBody>
+            <a:bodyPr wrap="square" rtlCol="0">
+              <a:spAutoFit/>
+            </a:bodyPr>
+            <a:p>
+              <a:r>
+                <a:rPr lang="x-none" altLang="en-IN" sz="6000" b="1">
+                  <a:solidFill>
+                    <a:schemeClr val="tx1"/>
+                  </a:solidFill>
+                </a:rPr>
+                <a:t>^</a:t>
+              </a:r>
+              <a:endParaRPr lang="x-none" altLang="en-IN" sz="6000" b="1">
+                <a:solidFill>
+                  <a:schemeClr val="tx1"/>
+                </a:solidFill>
+              </a:endParaRPr>
+            </a:p>
+          </p:txBody>
+        </p:sp>
+        <p:sp>
+          <p:nvSpPr>
+            <p:cNvPr id="33" name="TextBox 32"/>
+            <p:cNvSpPr txBox="1"/>
+            <p:nvPr/>
+          </p:nvSpPr>
+          <p:spPr>
+            <a:xfrm>
+              <a:off x="11658" y="7442"/>
+              <a:ext cx="1345" cy="1595"/>
+            </a:xfrm>
+            <a:prstGeom prst="rect">
+              <a:avLst/>
+            </a:prstGeom>
+            <a:noFill/>
+          </p:spPr>
+          <p:txBody>
+            <a:bodyPr wrap="square" rtlCol="0">
+              <a:spAutoFit/>
+            </a:bodyPr>
+            <a:p>
+              <a:r>
+                <a:rPr lang="x-none" altLang="en-IN" sz="3600" b="1"/>
+                <a:t>X</a:t>
+              </a:r>
+              <a:endParaRPr lang="x-none" altLang="en-IN" sz="3600" b="1"/>
+            </a:p>
+          </p:txBody>
+        </p:sp>
+      </p:grpSp>
+      <p:grpSp>
+        <p:nvGrpSpPr>
+          <p:cNvPr id="35" name="Group 34"/>
+          <p:cNvGrpSpPr/>
+          <p:nvPr/>
+        </p:nvGrpSpPr>
+        <p:grpSpPr>
+          <a:xfrm>
+            <a:off x="2743835" y="4174490"/>
+            <a:ext cx="854075" cy="1626870"/>
+            <a:chOff x="11658" y="6932"/>
+            <a:chExt cx="1345" cy="2562"/>
+          </a:xfrm>
+        </p:grpSpPr>
+        <p:sp>
+          <p:nvSpPr>
+            <p:cNvPr id="36" name="TextBox 35"/>
+            <p:cNvSpPr txBox="1"/>
+            <p:nvPr/>
+          </p:nvSpPr>
+          <p:spPr>
+            <a:xfrm>
+              <a:off x="11692" y="6932"/>
+              <a:ext cx="596" cy="2562"/>
+            </a:xfrm>
+            <a:prstGeom prst="rect">
+              <a:avLst/>
+            </a:prstGeom>
+            <a:noFill/>
+          </p:spPr>
+          <p:txBody>
+            <a:bodyPr wrap="square" rtlCol="0">
+              <a:spAutoFit/>
+            </a:bodyPr>
+            <a:p>
+              <a:r>
+                <a:rPr lang="x-none" altLang="en-IN" sz="6000" b="1">
+                  <a:solidFill>
+                    <a:schemeClr val="tx1"/>
+                  </a:solidFill>
+                </a:rPr>
+                <a:t>^</a:t>
+              </a:r>
+              <a:endParaRPr lang="x-none" altLang="en-IN" sz="6000" b="1">
+                <a:solidFill>
+                  <a:schemeClr val="tx1"/>
+                </a:solidFill>
+              </a:endParaRPr>
+            </a:p>
+          </p:txBody>
+        </p:sp>
+        <p:sp>
+          <p:nvSpPr>
+            <p:cNvPr id="37" name="TextBox 36"/>
+            <p:cNvSpPr txBox="1"/>
+            <p:nvPr/>
+          </p:nvSpPr>
+          <p:spPr>
+            <a:xfrm>
+              <a:off x="11658" y="7442"/>
+              <a:ext cx="1345" cy="1595"/>
+            </a:xfrm>
+            <a:prstGeom prst="rect">
+              <a:avLst/>
+            </a:prstGeom>
+            <a:noFill/>
+          </p:spPr>
+          <p:txBody>
+            <a:bodyPr wrap="square" rtlCol="0">
+              <a:spAutoFit/>
+            </a:bodyPr>
+            <a:p>
+              <a:r>
+                <a:rPr lang="x-none" altLang="en-IN" sz="3600" b="1"/>
+                <a:t>Y</a:t>
+              </a:r>
+              <a:endParaRPr lang="x-none" altLang="en-IN" sz="3600" b="1"/>
+            </a:p>
+          </p:txBody>
+        </p:sp>
+      </p:grpSp>
+      <p:cxnSp>
+        <p:nvCxnSpPr>
+          <p:cNvPr id="41" name="Straight Arrow Connector 40"/>
+          <p:cNvCxnSpPr/>
+          <p:nvPr/>
+        </p:nvCxnSpPr>
+        <p:spPr>
+          <a:xfrm>
+            <a:off x="2982595" y="4087495"/>
+            <a:ext cx="0" cy="356870"/>
+          </a:xfrm>
+          <a:prstGeom prst="straightConnector1">
+            <a:avLst/>
+          </a:prstGeom>
+          <a:ln w="28575">
+            <a:headEnd type="none"/>
+            <a:tailEnd type="triangle" w="med" len="med"/>
+          </a:ln>
+        </p:spPr>
+        <p:style>
+          <a:lnRef idx="1">
+            <a:schemeClr val="dk1"/>
+          </a:lnRef>
+          <a:fillRef idx="0">
+            <a:schemeClr val="dk1"/>
+          </a:fillRef>
+          <a:effectRef idx="0">
+            <a:schemeClr val="dk1"/>
+          </a:effectRef>
+          <a:fontRef idx="minor">
+            <a:schemeClr val="tx1"/>
+          </a:fontRef>
+        </p:style>
+      </p:cxnSp>
+      <p:cxnSp>
+        <p:nvCxnSpPr>
+          <p:cNvPr id="42" name="Straight Arrow Connector 41"/>
+          <p:cNvCxnSpPr/>
+          <p:nvPr/>
+        </p:nvCxnSpPr>
+        <p:spPr>
+          <a:xfrm>
+            <a:off x="7035800" y="4076700"/>
+            <a:ext cx="0" cy="356870"/>
+          </a:xfrm>
+          <a:prstGeom prst="straightConnector1">
+            <a:avLst/>
+          </a:prstGeom>
+          <a:ln w="28575">
+            <a:headEnd type="none"/>
+            <a:tailEnd type="triangle" w="med" len="med"/>
+          </a:ln>
+        </p:spPr>
+        <p:style>
+          <a:lnRef idx="1">
+            <a:schemeClr val="dk1"/>
+          </a:lnRef>
+          <a:fillRef idx="0">
+            <a:schemeClr val="dk1"/>
+          </a:fillRef>
+          <a:effectRef idx="0">
+            <a:schemeClr val="dk1"/>
+          </a:effectRef>
+          <a:fontRef idx="minor">
+            <a:schemeClr val="tx1"/>
+          </a:fontRef>
+        </p:style>
+      </p:cxnSp>
+    </p:spTree>
+  </p:cSld>
+  <p:clrMapOvr>
+    <a:masterClrMapping/>
+  </p:clrMapOvr>
+</p:sld>
+</file>
+
+<file path=ppt/slides/slide11.xml><?xml version="1.0" encoding="utf-8"?>
+<p:sld xmlns:a="http://schemas.openxmlformats.org/drawingml/2006/main" xmlns:r="http://schemas.openxmlformats.org/officeDocument/2006/relationships" xmlns:p="http://schemas.openxmlformats.org/presentationml/2006/main">
+  <p:cSld>
+    <p:spTree>
+      <p:nvGrpSpPr>
+        <p:cNvPr id="1" name=""/>
+        <p:cNvGrpSpPr/>
+        <p:nvPr/>
+      </p:nvGrpSpPr>
+      <p:grpSpPr/>
       <p:graphicFrame>
         <p:nvGraphicFramePr>
           <p:cNvPr id="4" name="Table 3"/>
@@ -12780,7 +13423,7 @@
         </p:nvSpPr>
         <p:spPr>
           <a:xfrm>
-            <a:off x="5862955" y="254635"/>
+            <a:off x="5862955" y="632460"/>
             <a:ext cx="749935" cy="1629410"/>
           </a:xfrm>
           <a:prstGeom prst="rect">
@@ -12854,7 +13497,7 @@
         </p:nvSpPr>
         <p:spPr>
           <a:xfrm>
-            <a:off x="7837805" y="222885"/>
+            <a:off x="7837805" y="600710"/>
             <a:ext cx="749935" cy="1629410"/>
           </a:xfrm>
           <a:prstGeom prst="rect">
@@ -12902,9 +13545,17 @@
                   <a:schemeClr val="tx1"/>
                 </a:solidFill>
               </a:rPr>
-              <a:t>Decoder with p1</a:t>
-            </a:r>
-            <a:endParaRPr lang="x-none" altLang="en-IN" b="1" baseline="30000">
+              <a:t>Decoder with p</a:t>
+            </a:r>
+            <a:r>
+              <a:rPr lang="x-none" altLang="en-IN" b="1" baseline="-25000">
+                <a:solidFill>
+                  <a:schemeClr val="tx1"/>
+                </a:solidFill>
+              </a:rPr>
+              <a:t>1</a:t>
+            </a:r>
+            <a:endParaRPr lang="x-none" altLang="en-IN" b="1" baseline="-25000">
               <a:solidFill>
                 <a:schemeClr val="tx1"/>
               </a:solidFill>
@@ -12920,7 +13571,7 @@
         </p:nvSpPr>
         <p:spPr>
           <a:xfrm>
-            <a:off x="7064375" y="554990"/>
+            <a:off x="7064375" y="932815"/>
             <a:ext cx="384810" cy="964565"/>
           </a:xfrm>
           <a:prstGeom prst="rect">
@@ -13002,7 +13653,7 @@
         </p:nvCxnSpPr>
         <p:spPr>
           <a:xfrm flipH="1">
-            <a:off x="5409565" y="314325"/>
+            <a:off x="5409565" y="692150"/>
             <a:ext cx="434975" cy="0"/>
           </a:xfrm>
           <a:prstGeom prst="straightConnector1">
@@ -13039,7 +13690,7 @@
         </p:nvCxnSpPr>
         <p:spPr>
           <a:xfrm flipH="1">
-            <a:off x="5407025" y="495300"/>
+            <a:off x="5407025" y="873125"/>
             <a:ext cx="434975" cy="0"/>
           </a:xfrm>
           <a:prstGeom prst="straightConnector1">
@@ -13076,7 +13727,7 @@
         </p:nvCxnSpPr>
         <p:spPr>
           <a:xfrm flipH="1">
-            <a:off x="5409565" y="708025"/>
+            <a:off x="5409565" y="1085850"/>
             <a:ext cx="434975" cy="0"/>
           </a:xfrm>
           <a:prstGeom prst="straightConnector1">
@@ -13113,7 +13764,7 @@
         </p:nvCxnSpPr>
         <p:spPr>
           <a:xfrm flipH="1">
-            <a:off x="5407025" y="913765"/>
+            <a:off x="5407025" y="1291590"/>
             <a:ext cx="434975" cy="0"/>
           </a:xfrm>
           <a:prstGeom prst="straightConnector1">
@@ -13150,7 +13801,7 @@
         </p:nvCxnSpPr>
         <p:spPr>
           <a:xfrm flipH="1">
-            <a:off x="5416550" y="1236345"/>
+            <a:off x="5416550" y="1614170"/>
             <a:ext cx="434975" cy="0"/>
           </a:xfrm>
           <a:prstGeom prst="straightConnector1">
@@ -13188,7 +13839,7 @@
         </p:nvCxnSpPr>
         <p:spPr>
           <a:xfrm flipH="1">
-            <a:off x="5413375" y="1417955"/>
+            <a:off x="5413375" y="1795780"/>
             <a:ext cx="434975" cy="0"/>
           </a:xfrm>
           <a:prstGeom prst="straightConnector1">
@@ -13226,7 +13877,7 @@
         </p:nvCxnSpPr>
         <p:spPr>
           <a:xfrm flipH="1">
-            <a:off x="5416550" y="1630045"/>
+            <a:off x="5416550" y="2007870"/>
             <a:ext cx="434975" cy="0"/>
           </a:xfrm>
           <a:prstGeom prst="straightConnector1">
@@ -13264,7 +13915,7 @@
         </p:nvCxnSpPr>
         <p:spPr>
           <a:xfrm flipH="1">
-            <a:off x="5413375" y="1835785"/>
+            <a:off x="5413375" y="2213610"/>
             <a:ext cx="434975" cy="0"/>
           </a:xfrm>
           <a:prstGeom prst="straightConnector1">
@@ -13302,7 +13953,7 @@
         </p:nvSpPr>
         <p:spPr>
           <a:xfrm>
-            <a:off x="6662420" y="942340"/>
+            <a:off x="6662420" y="1320165"/>
             <a:ext cx="372110" cy="200660"/>
           </a:xfrm>
           <a:prstGeom prst="rightArrow">
@@ -13360,7 +14011,7 @@
         </p:nvSpPr>
         <p:spPr>
           <a:xfrm>
-            <a:off x="7492365" y="958215"/>
+            <a:off x="7492365" y="1336040"/>
             <a:ext cx="327660" cy="200660"/>
           </a:xfrm>
           <a:prstGeom prst="rightArrow">
@@ -13418,7 +14069,7 @@
         </p:nvSpPr>
         <p:spPr>
           <a:xfrm>
-            <a:off x="6618605" y="524510"/>
+            <a:off x="6618605" y="902335"/>
             <a:ext cx="493395" cy="501015"/>
           </a:xfrm>
           <a:prstGeom prst="rect">
@@ -13458,7 +14109,7 @@
         </p:nvSpPr>
         <p:spPr>
           <a:xfrm>
-            <a:off x="4968875" y="808990"/>
+            <a:off x="4968875" y="1186815"/>
             <a:ext cx="493395" cy="550545"/>
           </a:xfrm>
           <a:prstGeom prst="rect">
@@ -13506,7 +14157,7 @@
         </p:nvSpPr>
         <p:spPr>
           <a:xfrm>
-            <a:off x="7447280" y="524510"/>
+            <a:off x="7447280" y="924560"/>
             <a:ext cx="493395" cy="501015"/>
           </a:xfrm>
           <a:prstGeom prst="rect">
@@ -13554,7 +14205,7 @@
         </p:nvSpPr>
         <p:spPr>
           <a:xfrm>
-            <a:off x="8663305" y="915670"/>
+            <a:off x="8663305" y="1293495"/>
             <a:ext cx="425450" cy="200660"/>
           </a:xfrm>
           <a:prstGeom prst="rightArrow">
@@ -13604,101 +14255,6 @@
           </a:p>
         </p:txBody>
       </p:sp>
-      <p:grpSp>
-        <p:nvGrpSpPr>
-          <p:cNvPr id="213" name="Group 212"/>
-          <p:cNvGrpSpPr/>
-          <p:nvPr/>
-        </p:nvGrpSpPr>
-        <p:grpSpPr>
-          <a:xfrm>
-            <a:off x="1391285" y="5681345"/>
-            <a:ext cx="504190" cy="1012190"/>
-            <a:chOff x="16968" y="8420"/>
-            <a:chExt cx="794" cy="1594"/>
-          </a:xfrm>
-        </p:grpSpPr>
-        <p:sp>
-          <p:nvSpPr>
-            <p:cNvPr id="12" name="TextBox 11"/>
-            <p:cNvSpPr txBox="1"/>
-            <p:nvPr/>
-          </p:nvSpPr>
-          <p:spPr>
-            <a:xfrm>
-              <a:off x="16968" y="8420"/>
-              <a:ext cx="336" cy="1595"/>
-            </a:xfrm>
-            <a:prstGeom prst="rect">
-              <a:avLst/>
-            </a:prstGeom>
-            <a:noFill/>
-            <a:ln w="28575">
-              <a:noFill/>
-            </a:ln>
-          </p:spPr>
-          <p:txBody>
-            <a:bodyPr wrap="square" rtlCol="0">
-              <a:spAutoFit/>
-            </a:bodyPr>
-            <a:p>
-              <a:r>
-                <a:rPr lang="x-none" altLang="en-IN" sz="3600" b="1">
-                  <a:solidFill>
-                    <a:schemeClr val="tx1"/>
-                  </a:solidFill>
-                </a:rPr>
-                <a:t>^</a:t>
-              </a:r>
-              <a:endParaRPr lang="x-none" altLang="en-IN" sz="3600" b="1">
-                <a:solidFill>
-                  <a:schemeClr val="tx1"/>
-                </a:solidFill>
-              </a:endParaRPr>
-            </a:p>
-          </p:txBody>
-        </p:sp>
-        <p:sp>
-          <p:nvSpPr>
-            <p:cNvPr id="21" name="TextBox 20"/>
-            <p:cNvSpPr txBox="1"/>
-            <p:nvPr/>
-          </p:nvSpPr>
-          <p:spPr>
-            <a:xfrm>
-              <a:off x="16986" y="8778"/>
-              <a:ext cx="777" cy="789"/>
-            </a:xfrm>
-            <a:prstGeom prst="rect">
-              <a:avLst/>
-            </a:prstGeom>
-            <a:noFill/>
-            <a:ln w="28575">
-              <a:noFill/>
-            </a:ln>
-          </p:spPr>
-          <p:txBody>
-            <a:bodyPr wrap="square" rtlCol="0">
-              <a:spAutoFit/>
-            </a:bodyPr>
-            <a:p>
-              <a:r>
-                <a:rPr lang="x-none" altLang="en-IN" sz="1600" b="1" i="1">
-                  <a:solidFill>
-                    <a:schemeClr val="tx1"/>
-                  </a:solidFill>
-                </a:rPr>
-                <a:t>X</a:t>
-              </a:r>
-              <a:endParaRPr lang="x-none" altLang="en-IN" sz="1600" b="1" i="1" baseline="30000">
-                <a:solidFill>
-                  <a:schemeClr val="tx1"/>
-                </a:solidFill>
-              </a:endParaRPr>
-            </a:p>
-          </p:txBody>
-        </p:sp>
-      </p:grpSp>
       <p:cxnSp>
         <p:nvCxnSpPr>
           <p:cNvPr id="30" name="Straight Connector 29"/>
@@ -13707,7 +14263,7 @@
         </p:nvCxnSpPr>
         <p:spPr>
           <a:xfrm flipH="1">
-            <a:off x="5619750" y="1576705"/>
+            <a:off x="5619750" y="1954530"/>
             <a:ext cx="60960" cy="132080"/>
           </a:xfrm>
           <a:prstGeom prst="line">
@@ -13742,7 +14298,7 @@
         </p:nvCxnSpPr>
         <p:spPr>
           <a:xfrm flipH="1">
-            <a:off x="5607685" y="1772285"/>
+            <a:off x="5607685" y="2150110"/>
             <a:ext cx="60960" cy="132080"/>
           </a:xfrm>
           <a:prstGeom prst="line">
@@ -13779,7 +14335,7 @@
         </p:nvCxnSpPr>
         <p:spPr>
           <a:xfrm flipV="1">
-            <a:off x="5646420" y="1852295"/>
+            <a:off x="5657215" y="2240915"/>
             <a:ext cx="2555875" cy="243205"/>
           </a:xfrm>
           <a:prstGeom prst="bentConnector2">
@@ -13817,7 +14373,7 @@
         </p:nvCxnSpPr>
         <p:spPr>
           <a:xfrm>
-            <a:off x="5668645" y="1925955"/>
+            <a:off x="5668645" y="2303780"/>
             <a:ext cx="0" cy="179705"/>
           </a:xfrm>
           <a:prstGeom prst="line">
@@ -13855,7 +14411,7 @@
         </p:nvSpPr>
         <p:spPr>
           <a:xfrm rot="10800000">
-            <a:off x="5146675" y="1212215"/>
+            <a:off x="5146675" y="1590040"/>
             <a:ext cx="412115" cy="565150"/>
           </a:xfrm>
           <a:prstGeom prst="rect">
@@ -13887,6 +14443,3093 @@
           </a:p>
         </p:txBody>
       </p:sp>
+      <p:graphicFrame>
+        <p:nvGraphicFramePr>
+          <p:cNvPr id="51" name="Table 50"/>
+          <p:cNvGraphicFramePr/>
+          <p:nvPr/>
+        </p:nvGraphicFramePr>
+        <p:xfrm>
+          <a:off x="434975" y="991235"/>
+          <a:ext cx="4290060" cy="595630"/>
+        </p:xfrm>
+        <a:graphic>
+          <a:graphicData uri="http://schemas.openxmlformats.org/drawingml/2006/table">
+            <a:tbl>
+              <a:tblPr firstRow="1" bandRow="1">
+                <a:tableStyleId>{5C22544A-7EE6-4342-B048-85BDC9FD1C3A}</a:tableStyleId>
+              </a:tblPr>
+              <a:tblGrid>
+                <a:gridCol w="536575"/>
+                <a:gridCol w="536575"/>
+                <a:gridCol w="535305"/>
+                <a:gridCol w="536575"/>
+                <a:gridCol w="536575"/>
+                <a:gridCol w="536575"/>
+                <a:gridCol w="535305"/>
+                <a:gridCol w="536575"/>
+              </a:tblGrid>
+              <a:tr h="595630">
+                <a:tc>
+                  <a:txBody>
+                    <a:bodyPr/>
+                    <a:p>
+                      <a:pPr>
+                        <a:buNone/>
+                      </a:pPr>
+                      <a:r>
+                        <a:rPr lang="x-none" b="0" i="1">
+                          <a:solidFill>
+                            <a:schemeClr val="tx1"/>
+                          </a:solidFill>
+                          <a:latin typeface="+mj-lt"/>
+                        </a:rPr>
+                        <a:t>u</a:t>
+                      </a:r>
+                      <a:r>
+                        <a:rPr lang="x-none" b="0" i="1" baseline="-25000">
+                          <a:solidFill>
+                            <a:schemeClr val="tx1"/>
+                          </a:solidFill>
+                          <a:latin typeface="+mj-lt"/>
+                        </a:rPr>
+                        <a:t>0</a:t>
+                      </a:r>
+                      <a:endParaRPr lang="x-none" b="0" i="1" baseline="-25000">
+                        <a:solidFill>
+                          <a:schemeClr val="tx1"/>
+                        </a:solidFill>
+                        <a:latin typeface="+mj-lt"/>
+                      </a:endParaRPr>
+                    </a:p>
+                  </a:txBody>
+                  <a:tcPr>
+                    <a:lnL w="12700">
+                      <a:solidFill>
+                        <a:schemeClr val="tx1"/>
+                      </a:solidFill>
+                      <a:prstDash val="solid"/>
+                    </a:lnL>
+                    <a:lnR w="12700">
+                      <a:solidFill>
+                        <a:schemeClr val="tx1"/>
+                      </a:solidFill>
+                      <a:prstDash val="solid"/>
+                    </a:lnR>
+                    <a:lnT w="12700">
+                      <a:solidFill>
+                        <a:schemeClr val="tx1"/>
+                      </a:solidFill>
+                      <a:prstDash val="solid"/>
+                    </a:lnT>
+                    <a:lnB w="12700">
+                      <a:solidFill>
+                        <a:schemeClr val="tx1"/>
+                      </a:solidFill>
+                      <a:prstDash val="solid"/>
+                    </a:lnB>
+                    <a:noFill/>
+                  </a:tcPr>
+                </a:tc>
+                <a:tc>
+                  <a:txBody>
+                    <a:bodyPr/>
+                    <a:p>
+                      <a:pPr>
+                        <a:buNone/>
+                      </a:pPr>
+                      <a:r>
+                        <a:rPr lang="x-none" b="0" i="1">
+                          <a:solidFill>
+                            <a:schemeClr val="tx1"/>
+                          </a:solidFill>
+                        </a:rPr>
+                        <a:t>u</a:t>
+                      </a:r>
+                      <a:r>
+                        <a:rPr lang="x-none" b="0" i="1" baseline="-25000">
+                          <a:solidFill>
+                            <a:schemeClr val="tx1"/>
+                          </a:solidFill>
+                        </a:rPr>
+                        <a:t>1</a:t>
+                      </a:r>
+                      <a:endParaRPr lang="x-none" b="0" i="1" baseline="-25000">
+                        <a:solidFill>
+                          <a:schemeClr val="tx1"/>
+                        </a:solidFill>
+                      </a:endParaRPr>
+                    </a:p>
+                  </a:txBody>
+                  <a:tcPr>
+                    <a:lnL w="12700">
+                      <a:solidFill>
+                        <a:schemeClr val="tx1"/>
+                      </a:solidFill>
+                      <a:prstDash val="solid"/>
+                    </a:lnL>
+                    <a:lnR w="12700">
+                      <a:solidFill>
+                        <a:schemeClr val="tx1"/>
+                      </a:solidFill>
+                      <a:prstDash val="solid"/>
+                    </a:lnR>
+                    <a:lnT w="12700">
+                      <a:solidFill>
+                        <a:schemeClr val="tx1"/>
+                      </a:solidFill>
+                      <a:prstDash val="solid"/>
+                    </a:lnT>
+                    <a:lnB w="12700">
+                      <a:solidFill>
+                        <a:schemeClr val="tx1"/>
+                      </a:solidFill>
+                      <a:prstDash val="solid"/>
+                    </a:lnB>
+                    <a:noFill/>
+                  </a:tcPr>
+                </a:tc>
+                <a:tc>
+                  <a:txBody>
+                    <a:bodyPr/>
+                    <a:p>
+                      <a:pPr>
+                        <a:buNone/>
+                      </a:pPr>
+                      <a:r>
+                        <a:rPr lang="x-none" b="0" i="1">
+                          <a:solidFill>
+                            <a:schemeClr val="tx1"/>
+                          </a:solidFill>
+                        </a:rPr>
+                        <a:t>u</a:t>
+                      </a:r>
+                      <a:r>
+                        <a:rPr lang="x-none" b="0" i="1" baseline="-25000">
+                          <a:solidFill>
+                            <a:schemeClr val="tx1"/>
+                          </a:solidFill>
+                        </a:rPr>
+                        <a:t>2</a:t>
+                      </a:r>
+                      <a:endParaRPr lang="x-none" b="0" i="1" baseline="-25000">
+                        <a:solidFill>
+                          <a:schemeClr val="tx1"/>
+                        </a:solidFill>
+                      </a:endParaRPr>
+                    </a:p>
+                  </a:txBody>
+                  <a:tcPr>
+                    <a:lnL w="12700">
+                      <a:solidFill>
+                        <a:schemeClr val="tx1"/>
+                      </a:solidFill>
+                      <a:prstDash val="solid"/>
+                    </a:lnL>
+                    <a:lnR w="12700">
+                      <a:solidFill>
+                        <a:schemeClr val="tx1"/>
+                      </a:solidFill>
+                      <a:prstDash val="solid"/>
+                    </a:lnR>
+                    <a:lnT w="12700">
+                      <a:solidFill>
+                        <a:schemeClr val="tx1"/>
+                      </a:solidFill>
+                      <a:prstDash val="solid"/>
+                    </a:lnT>
+                    <a:lnB w="12700">
+                      <a:solidFill>
+                        <a:schemeClr val="tx1"/>
+                      </a:solidFill>
+                      <a:prstDash val="solid"/>
+                    </a:lnB>
+                    <a:noFill/>
+                  </a:tcPr>
+                </a:tc>
+                <a:tc>
+                  <a:txBody>
+                    <a:bodyPr/>
+                    <a:p>
+                      <a:pPr>
+                        <a:buNone/>
+                      </a:pPr>
+                      <a:r>
+                        <a:rPr lang="x-none" b="0" i="1">
+                          <a:solidFill>
+                            <a:schemeClr val="tx1"/>
+                          </a:solidFill>
+                        </a:rPr>
+                        <a:t>u</a:t>
+                      </a:r>
+                      <a:r>
+                        <a:rPr lang="x-none" b="0" i="1" baseline="-25000">
+                          <a:solidFill>
+                            <a:schemeClr val="tx1"/>
+                          </a:solidFill>
+                        </a:rPr>
+                        <a:t>3</a:t>
+                      </a:r>
+                      <a:endParaRPr lang="x-none" b="0" i="1" baseline="-25000">
+                        <a:solidFill>
+                          <a:schemeClr val="tx1"/>
+                        </a:solidFill>
+                      </a:endParaRPr>
+                    </a:p>
+                  </a:txBody>
+                  <a:tcPr>
+                    <a:lnL w="12700">
+                      <a:solidFill>
+                        <a:schemeClr val="tx1"/>
+                      </a:solidFill>
+                      <a:prstDash val="solid"/>
+                    </a:lnL>
+                    <a:lnR w="12700">
+                      <a:solidFill>
+                        <a:schemeClr val="tx1"/>
+                      </a:solidFill>
+                      <a:prstDash val="solid"/>
+                    </a:lnR>
+                    <a:lnT w="12700">
+                      <a:solidFill>
+                        <a:schemeClr val="tx1"/>
+                      </a:solidFill>
+                      <a:prstDash val="solid"/>
+                    </a:lnT>
+                    <a:lnB w="12700">
+                      <a:solidFill>
+                        <a:schemeClr val="tx1"/>
+                      </a:solidFill>
+                      <a:prstDash val="solid"/>
+                    </a:lnB>
+                    <a:noFill/>
+                  </a:tcPr>
+                </a:tc>
+                <a:tc>
+                  <a:txBody>
+                    <a:bodyPr/>
+                    <a:p>
+                      <a:pPr>
+                        <a:buNone/>
+                      </a:pPr>
+                      <a:r>
+                        <a:rPr lang="x-none" b="0" i="1">
+                          <a:solidFill>
+                            <a:schemeClr val="tx1"/>
+                          </a:solidFill>
+                        </a:rPr>
+                        <a:t>u</a:t>
+                      </a:r>
+                      <a:r>
+                        <a:rPr lang="x-none" b="0" i="1" baseline="-25000">
+                          <a:solidFill>
+                            <a:schemeClr val="tx1"/>
+                          </a:solidFill>
+                        </a:rPr>
+                        <a:t>4</a:t>
+                      </a:r>
+                      <a:endParaRPr lang="x-none" b="0" i="1" baseline="-25000">
+                        <a:solidFill>
+                          <a:schemeClr val="tx1"/>
+                        </a:solidFill>
+                      </a:endParaRPr>
+                    </a:p>
+                  </a:txBody>
+                  <a:tcPr>
+                    <a:lnL w="12700">
+                      <a:solidFill>
+                        <a:schemeClr val="tx1"/>
+                      </a:solidFill>
+                      <a:prstDash val="solid"/>
+                    </a:lnL>
+                    <a:lnR w="12700">
+                      <a:solidFill>
+                        <a:schemeClr val="tx1"/>
+                      </a:solidFill>
+                      <a:prstDash val="solid"/>
+                    </a:lnR>
+                    <a:lnT w="12700">
+                      <a:solidFill>
+                        <a:schemeClr val="tx1"/>
+                      </a:solidFill>
+                      <a:prstDash val="solid"/>
+                    </a:lnT>
+                    <a:lnB w="12700">
+                      <a:solidFill>
+                        <a:schemeClr val="tx1"/>
+                      </a:solidFill>
+                      <a:prstDash val="solid"/>
+                    </a:lnB>
+                    <a:noFill/>
+                  </a:tcPr>
+                </a:tc>
+                <a:tc>
+                  <a:txBody>
+                    <a:bodyPr/>
+                    <a:p>
+                      <a:pPr>
+                        <a:buNone/>
+                      </a:pPr>
+                      <a:r>
+                        <a:rPr lang="x-none" b="0" i="1">
+                          <a:solidFill>
+                            <a:schemeClr val="tx1"/>
+                          </a:solidFill>
+                        </a:rPr>
+                        <a:t>u</a:t>
+                      </a:r>
+                      <a:r>
+                        <a:rPr lang="x-none" b="0" i="1" baseline="-25000">
+                          <a:solidFill>
+                            <a:schemeClr val="tx1"/>
+                          </a:solidFill>
+                        </a:rPr>
+                        <a:t>5</a:t>
+                      </a:r>
+                      <a:endParaRPr lang="x-none" b="0" i="1" baseline="-25000">
+                        <a:solidFill>
+                          <a:schemeClr val="tx1"/>
+                        </a:solidFill>
+                      </a:endParaRPr>
+                    </a:p>
+                  </a:txBody>
+                  <a:tcPr>
+                    <a:lnL w="12700">
+                      <a:solidFill>
+                        <a:schemeClr val="tx1"/>
+                      </a:solidFill>
+                      <a:prstDash val="solid"/>
+                    </a:lnL>
+                    <a:lnR w="12700">
+                      <a:solidFill>
+                        <a:schemeClr val="tx1"/>
+                      </a:solidFill>
+                      <a:prstDash val="solid"/>
+                    </a:lnR>
+                    <a:lnT w="12700">
+                      <a:solidFill>
+                        <a:schemeClr val="tx1"/>
+                      </a:solidFill>
+                      <a:prstDash val="solid"/>
+                    </a:lnT>
+                    <a:lnB w="12700">
+                      <a:solidFill>
+                        <a:schemeClr val="tx1"/>
+                      </a:solidFill>
+                      <a:prstDash val="solid"/>
+                    </a:lnB>
+                    <a:noFill/>
+                  </a:tcPr>
+                </a:tc>
+                <a:tc>
+                  <a:txBody>
+                    <a:bodyPr/>
+                    <a:p>
+                      <a:pPr>
+                        <a:buNone/>
+                      </a:pPr>
+                      <a:r>
+                        <a:rPr lang="x-none" sz="1800" b="1" i="1">
+                          <a:solidFill>
+                            <a:schemeClr val="tx1"/>
+                          </a:solidFill>
+                        </a:rPr>
+                        <a:t>u</a:t>
+                      </a:r>
+                      <a:r>
+                        <a:rPr lang="x-none" sz="1800" b="1" i="1" baseline="-25000">
+                          <a:solidFill>
+                            <a:schemeClr val="tx1"/>
+                          </a:solidFill>
+                        </a:rPr>
+                        <a:t>6</a:t>
+                      </a:r>
+                      <a:endParaRPr lang="x-none" sz="1800" b="1" i="1" baseline="-25000">
+                        <a:solidFill>
+                          <a:schemeClr val="tx1"/>
+                        </a:solidFill>
+                      </a:endParaRPr>
+                    </a:p>
+                  </a:txBody>
+                  <a:tcPr>
+                    <a:lnL w="12700">
+                      <a:solidFill>
+                        <a:schemeClr val="tx1"/>
+                      </a:solidFill>
+                      <a:prstDash val="solid"/>
+                    </a:lnL>
+                    <a:lnR w="12700">
+                      <a:solidFill>
+                        <a:schemeClr val="tx1"/>
+                      </a:solidFill>
+                      <a:prstDash val="solid"/>
+                    </a:lnR>
+                    <a:lnT w="12700">
+                      <a:solidFill>
+                        <a:schemeClr val="tx1"/>
+                      </a:solidFill>
+                      <a:prstDash val="solid"/>
+                    </a:lnT>
+                    <a:lnB w="12700">
+                      <a:solidFill>
+                        <a:schemeClr val="tx1"/>
+                      </a:solidFill>
+                      <a:prstDash val="solid"/>
+                    </a:lnB>
+                    <a:solidFill>
+                      <a:schemeClr val="bg1">
+                        <a:lumMod val="75000"/>
+                      </a:schemeClr>
+                    </a:solidFill>
+                  </a:tcPr>
+                </a:tc>
+                <a:tc>
+                  <a:txBody>
+                    <a:bodyPr/>
+                    <a:p>
+                      <a:pPr>
+                        <a:buNone/>
+                      </a:pPr>
+                      <a:r>
+                        <a:rPr lang="x-none" sz="1800" b="1" i="1">
+                          <a:solidFill>
+                            <a:schemeClr val="tx1"/>
+                          </a:solidFill>
+                        </a:rPr>
+                        <a:t>u</a:t>
+                      </a:r>
+                      <a:r>
+                        <a:rPr lang="x-none" sz="1800" b="1" i="1" baseline="-25000">
+                          <a:solidFill>
+                            <a:schemeClr val="tx1"/>
+                          </a:solidFill>
+                        </a:rPr>
+                        <a:t>7</a:t>
+                      </a:r>
+                      <a:endParaRPr lang="x-none" sz="1800" b="1" i="1" baseline="-25000">
+                        <a:solidFill>
+                          <a:schemeClr val="tx1"/>
+                        </a:solidFill>
+                      </a:endParaRPr>
+                    </a:p>
+                  </a:txBody>
+                  <a:tcPr>
+                    <a:lnL w="12700">
+                      <a:solidFill>
+                        <a:schemeClr val="tx1"/>
+                      </a:solidFill>
+                      <a:prstDash val="solid"/>
+                    </a:lnL>
+                    <a:lnR w="12700">
+                      <a:solidFill>
+                        <a:schemeClr val="tx1"/>
+                      </a:solidFill>
+                      <a:prstDash val="solid"/>
+                    </a:lnR>
+                    <a:lnT w="12700">
+                      <a:solidFill>
+                        <a:schemeClr val="tx1"/>
+                      </a:solidFill>
+                      <a:prstDash val="solid"/>
+                    </a:lnT>
+                    <a:lnB w="12700">
+                      <a:solidFill>
+                        <a:schemeClr val="tx1"/>
+                      </a:solidFill>
+                      <a:prstDash val="solid"/>
+                    </a:lnB>
+                    <a:solidFill>
+                      <a:schemeClr val="bg1">
+                        <a:lumMod val="75000"/>
+                      </a:schemeClr>
+                    </a:solidFill>
+                  </a:tcPr>
+                </a:tc>
+              </a:tr>
+            </a:tbl>
+          </a:graphicData>
+        </a:graphic>
+      </p:graphicFrame>
+      <p:sp>
+        <p:nvSpPr>
+          <p:cNvPr id="197" name="TextBox 196"/>
+          <p:cNvSpPr txBox="1"/>
+          <p:nvPr/>
+        </p:nvSpPr>
+        <p:spPr>
+          <a:xfrm>
+            <a:off x="363220" y="1664335"/>
+            <a:ext cx="1341120" cy="550545"/>
+          </a:xfrm>
+          <a:prstGeom prst="rect">
+            <a:avLst/>
+          </a:prstGeom>
+          <a:noFill/>
+        </p:spPr>
+        <p:txBody>
+          <a:bodyPr wrap="square" rtlCol="0">
+            <a:spAutoFit/>
+          </a:bodyPr>
+          <a:p>
+            <a:r>
+              <a:rPr lang="x-none" altLang="en-IN"/>
+              <a:t>Iteration 1</a:t>
+            </a:r>
+            <a:endParaRPr lang="x-none" altLang="en-IN"/>
+          </a:p>
+        </p:txBody>
+      </p:sp>
+      <p:sp>
+        <p:nvSpPr>
+          <p:cNvPr id="198" name="TextBox 197"/>
+          <p:cNvSpPr txBox="1"/>
+          <p:nvPr/>
+        </p:nvSpPr>
+        <p:spPr>
+          <a:xfrm>
+            <a:off x="385445" y="4098290"/>
+            <a:ext cx="1341120" cy="550545"/>
+          </a:xfrm>
+          <a:prstGeom prst="rect">
+            <a:avLst/>
+          </a:prstGeom>
+          <a:noFill/>
+        </p:spPr>
+        <p:txBody>
+          <a:bodyPr wrap="square" rtlCol="0">
+            <a:spAutoFit/>
+          </a:bodyPr>
+          <a:p>
+            <a:r>
+              <a:rPr lang="x-none" altLang="en-IN"/>
+              <a:t>Iteration 2</a:t>
+            </a:r>
+            <a:endParaRPr lang="x-none" altLang="en-IN"/>
+          </a:p>
+        </p:txBody>
+      </p:sp>
+      <p:sp>
+        <p:nvSpPr>
+          <p:cNvPr id="199" name="TextBox 198"/>
+          <p:cNvSpPr txBox="1"/>
+          <p:nvPr/>
+        </p:nvSpPr>
+        <p:spPr>
+          <a:xfrm>
+            <a:off x="374015" y="6074410"/>
+            <a:ext cx="1341120" cy="550545"/>
+          </a:xfrm>
+          <a:prstGeom prst="rect">
+            <a:avLst/>
+          </a:prstGeom>
+          <a:noFill/>
+        </p:spPr>
+        <p:txBody>
+          <a:bodyPr wrap="square" rtlCol="0">
+            <a:spAutoFit/>
+          </a:bodyPr>
+          <a:p>
+            <a:r>
+              <a:rPr lang="x-none" altLang="en-IN"/>
+              <a:t>Iteration 3</a:t>
+            </a:r>
+            <a:endParaRPr lang="x-none" altLang="en-IN"/>
+          </a:p>
+        </p:txBody>
+      </p:sp>
+      <p:sp>
+        <p:nvSpPr>
+          <p:cNvPr id="202" name="TextBox 201"/>
+          <p:cNvSpPr txBox="1"/>
+          <p:nvPr/>
+        </p:nvSpPr>
+        <p:spPr>
+          <a:xfrm>
+            <a:off x="9225280" y="979170"/>
+            <a:ext cx="1483360" cy="826770"/>
+          </a:xfrm>
+          <a:prstGeom prst="rect">
+            <a:avLst/>
+          </a:prstGeom>
+          <a:noFill/>
+          <a:ln w="28575">
+            <a:solidFill>
+              <a:schemeClr val="tx1"/>
+            </a:solidFill>
+          </a:ln>
+        </p:spPr>
+        <p:txBody>
+          <a:bodyPr wrap="square" rtlCol="0">
+            <a:spAutoFit/>
+          </a:bodyPr>
+          <a:p>
+            <a:pPr algn="ctr"/>
+            <a:r>
+              <a:rPr lang="x-none" altLang="en-IN" b="1"/>
+              <a:t>Error Detection</a:t>
+            </a:r>
+            <a:endParaRPr lang="x-none" altLang="en-IN" b="1"/>
+          </a:p>
+        </p:txBody>
+      </p:sp>
+      <p:sp>
+        <p:nvSpPr>
+          <p:cNvPr id="203" name="TextBox 202"/>
+          <p:cNvSpPr txBox="1"/>
+          <p:nvPr/>
+        </p:nvSpPr>
+        <p:spPr>
+          <a:xfrm>
+            <a:off x="8564880" y="1520190"/>
+            <a:ext cx="1032510" cy="550545"/>
+          </a:xfrm>
+          <a:prstGeom prst="rect">
+            <a:avLst/>
+          </a:prstGeom>
+          <a:noFill/>
+        </p:spPr>
+        <p:txBody>
+          <a:bodyPr wrap="square" rtlCol="0">
+            <a:spAutoFit/>
+          </a:bodyPr>
+          <a:p>
+            <a:r>
+              <a:rPr lang="x-none" altLang="en-IN"/>
+              <a:t>LLR</a:t>
+            </a:r>
+            <a:endParaRPr lang="x-none" altLang="en-IN"/>
+          </a:p>
+        </p:txBody>
+      </p:sp>
+      <p:sp>
+        <p:nvSpPr>
+          <p:cNvPr id="206" name="TextBox 205"/>
+          <p:cNvSpPr txBox="1"/>
+          <p:nvPr/>
+        </p:nvSpPr>
+        <p:spPr>
+          <a:xfrm>
+            <a:off x="11212830" y="895350"/>
+            <a:ext cx="857250" cy="1099185"/>
+          </a:xfrm>
+          <a:prstGeom prst="rect">
+            <a:avLst/>
+          </a:prstGeom>
+          <a:noFill/>
+        </p:spPr>
+        <p:txBody>
+          <a:bodyPr wrap="square" rtlCol="0">
+            <a:spAutoFit/>
+          </a:bodyPr>
+          <a:p>
+            <a:r>
+              <a:rPr lang="x-none" altLang="en-IN" i="1"/>
+              <a:t>Error</a:t>
+            </a:r>
+            <a:endParaRPr lang="x-none" altLang="en-IN" i="1"/>
+          </a:p>
+          <a:p>
+            <a:r>
+              <a:rPr lang="x-none" altLang="en-IN" i="1"/>
+              <a:t>present </a:t>
+            </a:r>
+            <a:endParaRPr lang="x-none" altLang="en-IN" i="1"/>
+          </a:p>
+          <a:p>
+            <a:endParaRPr lang="x-none" altLang="en-IN" i="1"/>
+          </a:p>
+        </p:txBody>
+      </p:sp>
+      <p:sp>
+        <p:nvSpPr>
+          <p:cNvPr id="207" name="Right Arrow 206"/>
+          <p:cNvSpPr/>
+          <p:nvPr/>
+        </p:nvSpPr>
+        <p:spPr>
+          <a:xfrm>
+            <a:off x="10768965" y="1222375"/>
+            <a:ext cx="425450" cy="200660"/>
+          </a:xfrm>
+          <a:prstGeom prst="rightArrow">
+            <a:avLst/>
+          </a:prstGeom>
+          <a:noFill/>
+          <a:ln w="28575">
+            <a:solidFill>
+              <a:schemeClr val="tx1"/>
+            </a:solidFill>
+          </a:ln>
+          <a:extLst>
+            <a:ext uri="{909E8E84-426E-40DD-AFC4-6F175D3DCCD1}">
+              <a14:hiddenFill xmlns:a14="http://schemas.microsoft.com/office/drawing/2010/main">
+                <a:solidFill>
+                  <a:schemeClr val="accent1"/>
+                </a:solidFill>
+              </a14:hiddenFill>
+            </a:ext>
+          </a:extLst>
+        </p:spPr>
+        <p:style>
+          <a:lnRef idx="2">
+            <a:schemeClr val="accent1">
+              <a:shade val="50000"/>
+            </a:schemeClr>
+          </a:lnRef>
+          <a:fillRef idx="1">
+            <a:schemeClr val="accent1"/>
+          </a:fillRef>
+          <a:effectRef idx="0">
+            <a:schemeClr val="accent1"/>
+          </a:effectRef>
+          <a:fontRef idx="minor">
+            <a:schemeClr val="lt1"/>
+          </a:fontRef>
+        </p:style>
+        <p:txBody>
+          <a:bodyPr rtlCol="0" anchor="ctr"/>
+          <a:p>
+            <a:pPr algn="ctr"/>
+            <a:endParaRPr lang="en-IN" altLang="en-US" sz="1200">
+              <a:solidFill>
+                <a:schemeClr val="tx1"/>
+              </a:solidFill>
+            </a:endParaRPr>
+          </a:p>
+        </p:txBody>
+      </p:sp>
+      <p:sp>
+        <p:nvSpPr>
+          <p:cNvPr id="212" name="TextBox 211"/>
+          <p:cNvSpPr txBox="1"/>
+          <p:nvPr/>
+        </p:nvSpPr>
+        <p:spPr>
+          <a:xfrm>
+            <a:off x="11241405" y="5092065"/>
+            <a:ext cx="1198245" cy="742950"/>
+          </a:xfrm>
+          <a:prstGeom prst="rect">
+            <a:avLst/>
+          </a:prstGeom>
+          <a:noFill/>
+        </p:spPr>
+        <p:txBody>
+          <a:bodyPr wrap="square" rtlCol="0">
+            <a:spAutoFit/>
+          </a:bodyPr>
+          <a:p>
+            <a:r>
+              <a:rPr lang="x-none" altLang="en-IN" sz="1600" i="1"/>
+              <a:t>No </a:t>
+            </a:r>
+            <a:endParaRPr lang="x-none" altLang="en-IN" sz="1600" i="1"/>
+          </a:p>
+          <a:p>
+            <a:r>
+              <a:rPr lang="x-none" altLang="en-IN" sz="1600" i="1"/>
+              <a:t>Error </a:t>
+            </a:r>
+            <a:endParaRPr lang="x-none" altLang="en-IN" sz="1600" i="1"/>
+          </a:p>
+        </p:txBody>
+      </p:sp>
+      <p:graphicFrame>
+        <p:nvGraphicFramePr>
+          <p:cNvPr id="239" name="Table 238"/>
+          <p:cNvGraphicFramePr/>
+          <p:nvPr/>
+        </p:nvGraphicFramePr>
+        <p:xfrm>
+          <a:off x="451485" y="3409950"/>
+          <a:ext cx="4290060" cy="595630"/>
+        </p:xfrm>
+        <a:graphic>
+          <a:graphicData uri="http://schemas.openxmlformats.org/drawingml/2006/table">
+            <a:tbl>
+              <a:tblPr firstRow="1" bandRow="1">
+                <a:tableStyleId>{5C22544A-7EE6-4342-B048-85BDC9FD1C3A}</a:tableStyleId>
+              </a:tblPr>
+              <a:tblGrid>
+                <a:gridCol w="536575"/>
+                <a:gridCol w="536575"/>
+                <a:gridCol w="535305"/>
+                <a:gridCol w="536575"/>
+                <a:gridCol w="536575"/>
+                <a:gridCol w="536575"/>
+                <a:gridCol w="535305"/>
+                <a:gridCol w="536575"/>
+              </a:tblGrid>
+              <a:tr h="595630">
+                <a:tc>
+                  <a:txBody>
+                    <a:bodyPr/>
+                    <a:p>
+                      <a:pPr>
+                        <a:buNone/>
+                      </a:pPr>
+                      <a:r>
+                        <a:rPr lang="x-none" b="0" i="1">
+                          <a:solidFill>
+                            <a:schemeClr val="tx1"/>
+                          </a:solidFill>
+                          <a:latin typeface="+mj-lt"/>
+                        </a:rPr>
+                        <a:t>u</a:t>
+                      </a:r>
+                      <a:r>
+                        <a:rPr lang="x-none" b="0" i="1" baseline="-25000">
+                          <a:solidFill>
+                            <a:schemeClr val="tx1"/>
+                          </a:solidFill>
+                          <a:latin typeface="+mj-lt"/>
+                        </a:rPr>
+                        <a:t>0</a:t>
+                      </a:r>
+                      <a:endParaRPr lang="x-none" b="0" i="1" baseline="-25000">
+                        <a:solidFill>
+                          <a:schemeClr val="tx1"/>
+                        </a:solidFill>
+                        <a:latin typeface="+mj-lt"/>
+                      </a:endParaRPr>
+                    </a:p>
+                  </a:txBody>
+                  <a:tcPr>
+                    <a:lnL w="12700">
+                      <a:solidFill>
+                        <a:schemeClr val="tx1"/>
+                      </a:solidFill>
+                      <a:prstDash val="solid"/>
+                    </a:lnL>
+                    <a:lnR w="12700">
+                      <a:solidFill>
+                        <a:schemeClr val="tx1"/>
+                      </a:solidFill>
+                      <a:prstDash val="solid"/>
+                    </a:lnR>
+                    <a:lnT w="12700">
+                      <a:solidFill>
+                        <a:schemeClr val="tx1"/>
+                      </a:solidFill>
+                      <a:prstDash val="solid"/>
+                    </a:lnT>
+                    <a:lnB w="12700">
+                      <a:solidFill>
+                        <a:schemeClr val="tx1"/>
+                      </a:solidFill>
+                      <a:prstDash val="solid"/>
+                    </a:lnB>
+                    <a:noFill/>
+                  </a:tcPr>
+                </a:tc>
+                <a:tc>
+                  <a:txBody>
+                    <a:bodyPr/>
+                    <a:p>
+                      <a:pPr>
+                        <a:buNone/>
+                      </a:pPr>
+                      <a:r>
+                        <a:rPr lang="x-none" b="0" i="1">
+                          <a:solidFill>
+                            <a:schemeClr val="tx1"/>
+                          </a:solidFill>
+                        </a:rPr>
+                        <a:t>u</a:t>
+                      </a:r>
+                      <a:r>
+                        <a:rPr lang="x-none" b="0" i="1" baseline="-25000">
+                          <a:solidFill>
+                            <a:schemeClr val="tx1"/>
+                          </a:solidFill>
+                        </a:rPr>
+                        <a:t>1</a:t>
+                      </a:r>
+                      <a:endParaRPr lang="x-none" b="0" i="1" baseline="-25000">
+                        <a:solidFill>
+                          <a:schemeClr val="tx1"/>
+                        </a:solidFill>
+                      </a:endParaRPr>
+                    </a:p>
+                  </a:txBody>
+                  <a:tcPr>
+                    <a:lnL w="12700">
+                      <a:solidFill>
+                        <a:schemeClr val="tx1"/>
+                      </a:solidFill>
+                      <a:prstDash val="solid"/>
+                    </a:lnL>
+                    <a:lnR w="12700">
+                      <a:solidFill>
+                        <a:schemeClr val="tx1"/>
+                      </a:solidFill>
+                      <a:prstDash val="solid"/>
+                    </a:lnR>
+                    <a:lnT w="12700">
+                      <a:solidFill>
+                        <a:schemeClr val="tx1"/>
+                      </a:solidFill>
+                      <a:prstDash val="solid"/>
+                    </a:lnT>
+                    <a:lnB w="12700">
+                      <a:solidFill>
+                        <a:schemeClr val="tx1"/>
+                      </a:solidFill>
+                      <a:prstDash val="solid"/>
+                    </a:lnB>
+                    <a:noFill/>
+                  </a:tcPr>
+                </a:tc>
+                <a:tc>
+                  <a:txBody>
+                    <a:bodyPr/>
+                    <a:p>
+                      <a:pPr>
+                        <a:buNone/>
+                      </a:pPr>
+                      <a:r>
+                        <a:rPr lang="x-none" b="0" i="1">
+                          <a:solidFill>
+                            <a:schemeClr val="tx1"/>
+                          </a:solidFill>
+                        </a:rPr>
+                        <a:t>u</a:t>
+                      </a:r>
+                      <a:r>
+                        <a:rPr lang="x-none" b="0" i="1" baseline="-25000">
+                          <a:solidFill>
+                            <a:schemeClr val="tx1"/>
+                          </a:solidFill>
+                        </a:rPr>
+                        <a:t>2</a:t>
+                      </a:r>
+                      <a:endParaRPr lang="x-none" b="0" i="1" baseline="-25000">
+                        <a:solidFill>
+                          <a:schemeClr val="tx1"/>
+                        </a:solidFill>
+                      </a:endParaRPr>
+                    </a:p>
+                  </a:txBody>
+                  <a:tcPr>
+                    <a:lnL w="12700">
+                      <a:solidFill>
+                        <a:schemeClr val="tx1"/>
+                      </a:solidFill>
+                      <a:prstDash val="solid"/>
+                    </a:lnL>
+                    <a:lnR w="12700">
+                      <a:solidFill>
+                        <a:schemeClr val="tx1"/>
+                      </a:solidFill>
+                      <a:prstDash val="solid"/>
+                    </a:lnR>
+                    <a:lnT w="12700">
+                      <a:solidFill>
+                        <a:schemeClr val="tx1"/>
+                      </a:solidFill>
+                      <a:prstDash val="solid"/>
+                    </a:lnT>
+                    <a:lnB w="12700">
+                      <a:solidFill>
+                        <a:schemeClr val="tx1"/>
+                      </a:solidFill>
+                      <a:prstDash val="solid"/>
+                    </a:lnB>
+                    <a:noFill/>
+                  </a:tcPr>
+                </a:tc>
+                <a:tc>
+                  <a:txBody>
+                    <a:bodyPr/>
+                    <a:p>
+                      <a:pPr>
+                        <a:buNone/>
+                      </a:pPr>
+                      <a:r>
+                        <a:rPr lang="x-none" b="1" i="1">
+                          <a:solidFill>
+                            <a:schemeClr val="tx1"/>
+                          </a:solidFill>
+                        </a:rPr>
+                        <a:t>u</a:t>
+                      </a:r>
+                      <a:r>
+                        <a:rPr lang="x-none" b="1" i="1" baseline="-25000">
+                          <a:solidFill>
+                            <a:schemeClr val="tx1"/>
+                          </a:solidFill>
+                        </a:rPr>
+                        <a:t>3</a:t>
+                      </a:r>
+                      <a:endParaRPr lang="x-none" b="1" i="1" baseline="-25000">
+                        <a:solidFill>
+                          <a:schemeClr val="tx1"/>
+                        </a:solidFill>
+                      </a:endParaRPr>
+                    </a:p>
+                  </a:txBody>
+                  <a:tcPr>
+                    <a:lnL w="12700">
+                      <a:solidFill>
+                        <a:schemeClr val="tx1"/>
+                      </a:solidFill>
+                      <a:prstDash val="solid"/>
+                    </a:lnL>
+                    <a:lnR w="12700">
+                      <a:solidFill>
+                        <a:schemeClr val="tx1"/>
+                      </a:solidFill>
+                      <a:prstDash val="solid"/>
+                    </a:lnR>
+                    <a:lnT w="12700">
+                      <a:solidFill>
+                        <a:schemeClr val="tx1"/>
+                      </a:solidFill>
+                      <a:prstDash val="solid"/>
+                    </a:lnT>
+                    <a:lnB w="12700">
+                      <a:solidFill>
+                        <a:schemeClr val="tx1"/>
+                      </a:solidFill>
+                      <a:prstDash val="solid"/>
+                    </a:lnB>
+                    <a:solidFill>
+                      <a:schemeClr val="bg1">
+                        <a:lumMod val="75000"/>
+                      </a:schemeClr>
+                    </a:solidFill>
+                  </a:tcPr>
+                </a:tc>
+                <a:tc>
+                  <a:txBody>
+                    <a:bodyPr/>
+                    <a:p>
+                      <a:pPr>
+                        <a:buNone/>
+                      </a:pPr>
+                      <a:r>
+                        <a:rPr lang="x-none" b="1" i="1">
+                          <a:solidFill>
+                            <a:schemeClr val="tx1"/>
+                          </a:solidFill>
+                        </a:rPr>
+                        <a:t>u</a:t>
+                      </a:r>
+                      <a:r>
+                        <a:rPr lang="x-none" b="1" i="1" baseline="-25000">
+                          <a:solidFill>
+                            <a:schemeClr val="tx1"/>
+                          </a:solidFill>
+                        </a:rPr>
+                        <a:t>4</a:t>
+                      </a:r>
+                      <a:endParaRPr lang="x-none" b="1" i="1" baseline="-25000">
+                        <a:solidFill>
+                          <a:schemeClr val="tx1"/>
+                        </a:solidFill>
+                      </a:endParaRPr>
+                    </a:p>
+                  </a:txBody>
+                  <a:tcPr>
+                    <a:lnL w="12700">
+                      <a:solidFill>
+                        <a:schemeClr val="tx1"/>
+                      </a:solidFill>
+                      <a:prstDash val="solid"/>
+                    </a:lnL>
+                    <a:lnR w="12700">
+                      <a:solidFill>
+                        <a:schemeClr val="tx1"/>
+                      </a:solidFill>
+                      <a:prstDash val="solid"/>
+                    </a:lnR>
+                    <a:lnT w="12700">
+                      <a:solidFill>
+                        <a:schemeClr val="tx1"/>
+                      </a:solidFill>
+                      <a:prstDash val="solid"/>
+                    </a:lnT>
+                    <a:lnB w="12700">
+                      <a:solidFill>
+                        <a:schemeClr val="tx1"/>
+                      </a:solidFill>
+                      <a:prstDash val="solid"/>
+                    </a:lnB>
+                    <a:solidFill>
+                      <a:schemeClr val="bg1">
+                        <a:lumMod val="75000"/>
+                      </a:schemeClr>
+                    </a:solidFill>
+                  </a:tcPr>
+                </a:tc>
+                <a:tc>
+                  <a:txBody>
+                    <a:bodyPr/>
+                    <a:p>
+                      <a:pPr>
+                        <a:buNone/>
+                      </a:pPr>
+                      <a:r>
+                        <a:rPr lang="x-none" b="1" i="1">
+                          <a:solidFill>
+                            <a:schemeClr val="tx1"/>
+                          </a:solidFill>
+                        </a:rPr>
+                        <a:t>u</a:t>
+                      </a:r>
+                      <a:r>
+                        <a:rPr lang="x-none" b="1" i="1" baseline="-25000">
+                          <a:solidFill>
+                            <a:schemeClr val="tx1"/>
+                          </a:solidFill>
+                        </a:rPr>
+                        <a:t>5</a:t>
+                      </a:r>
+                      <a:endParaRPr lang="x-none" b="1" i="1" baseline="-25000">
+                        <a:solidFill>
+                          <a:schemeClr val="tx1"/>
+                        </a:solidFill>
+                      </a:endParaRPr>
+                    </a:p>
+                  </a:txBody>
+                  <a:tcPr>
+                    <a:lnL w="12700">
+                      <a:solidFill>
+                        <a:schemeClr val="tx1"/>
+                      </a:solidFill>
+                      <a:prstDash val="solid"/>
+                    </a:lnL>
+                    <a:lnR w="12700">
+                      <a:solidFill>
+                        <a:schemeClr val="tx1"/>
+                      </a:solidFill>
+                      <a:prstDash val="solid"/>
+                    </a:lnR>
+                    <a:lnT w="12700">
+                      <a:solidFill>
+                        <a:schemeClr val="tx1"/>
+                      </a:solidFill>
+                      <a:prstDash val="solid"/>
+                    </a:lnT>
+                    <a:lnB w="12700">
+                      <a:solidFill>
+                        <a:schemeClr val="tx1"/>
+                      </a:solidFill>
+                      <a:prstDash val="solid"/>
+                    </a:lnB>
+                    <a:solidFill>
+                      <a:schemeClr val="bg1">
+                        <a:lumMod val="75000"/>
+                      </a:schemeClr>
+                    </a:solidFill>
+                  </a:tcPr>
+                </a:tc>
+                <a:tc>
+                  <a:txBody>
+                    <a:bodyPr/>
+                    <a:p>
+                      <a:pPr>
+                        <a:buNone/>
+                      </a:pPr>
+                      <a:r>
+                        <a:rPr lang="x-none" b="0" i="1">
+                          <a:solidFill>
+                            <a:schemeClr val="tx1"/>
+                          </a:solidFill>
+                        </a:rPr>
+                        <a:t>u</a:t>
+                      </a:r>
+                      <a:r>
+                        <a:rPr lang="x-none" b="0" i="1" baseline="-25000">
+                          <a:solidFill>
+                            <a:schemeClr val="tx1"/>
+                          </a:solidFill>
+                        </a:rPr>
+                        <a:t>6</a:t>
+                      </a:r>
+                      <a:endParaRPr lang="x-none" b="0" i="1" baseline="-25000">
+                        <a:solidFill>
+                          <a:schemeClr val="tx1"/>
+                        </a:solidFill>
+                      </a:endParaRPr>
+                    </a:p>
+                  </a:txBody>
+                  <a:tcPr>
+                    <a:lnL w="12700">
+                      <a:solidFill>
+                        <a:schemeClr val="tx1"/>
+                      </a:solidFill>
+                      <a:prstDash val="solid"/>
+                    </a:lnL>
+                    <a:lnR w="12700">
+                      <a:solidFill>
+                        <a:schemeClr val="tx1"/>
+                      </a:solidFill>
+                      <a:prstDash val="solid"/>
+                    </a:lnR>
+                    <a:lnT w="12700">
+                      <a:solidFill>
+                        <a:schemeClr val="tx1"/>
+                      </a:solidFill>
+                      <a:prstDash val="solid"/>
+                    </a:lnT>
+                    <a:lnB w="12700">
+                      <a:solidFill>
+                        <a:schemeClr val="tx1"/>
+                      </a:solidFill>
+                      <a:prstDash val="solid"/>
+                    </a:lnB>
+                    <a:solidFill>
+                      <a:schemeClr val="bg1">
+                        <a:lumMod val="85000"/>
+                      </a:schemeClr>
+                    </a:solidFill>
+                  </a:tcPr>
+                </a:tc>
+                <a:tc>
+                  <a:txBody>
+                    <a:bodyPr/>
+                    <a:p>
+                      <a:pPr>
+                        <a:buNone/>
+                      </a:pPr>
+                      <a:r>
+                        <a:rPr lang="x-none" b="0" i="1">
+                          <a:solidFill>
+                            <a:schemeClr val="tx1"/>
+                          </a:solidFill>
+                        </a:rPr>
+                        <a:t>u</a:t>
+                      </a:r>
+                      <a:r>
+                        <a:rPr lang="x-none" b="0" i="1" baseline="-25000">
+                          <a:solidFill>
+                            <a:schemeClr val="tx1"/>
+                          </a:solidFill>
+                        </a:rPr>
+                        <a:t>7</a:t>
+                      </a:r>
+                      <a:endParaRPr lang="x-none" b="0" i="1" baseline="-25000">
+                        <a:solidFill>
+                          <a:schemeClr val="tx1"/>
+                        </a:solidFill>
+                      </a:endParaRPr>
+                    </a:p>
+                  </a:txBody>
+                  <a:tcPr>
+                    <a:lnL w="12700">
+                      <a:solidFill>
+                        <a:schemeClr val="tx1"/>
+                      </a:solidFill>
+                      <a:prstDash val="solid"/>
+                    </a:lnL>
+                    <a:lnR w="12700">
+                      <a:solidFill>
+                        <a:schemeClr val="tx1"/>
+                      </a:solidFill>
+                      <a:prstDash val="solid"/>
+                    </a:lnR>
+                    <a:lnT w="12700">
+                      <a:solidFill>
+                        <a:schemeClr val="tx1"/>
+                      </a:solidFill>
+                      <a:prstDash val="solid"/>
+                    </a:lnT>
+                    <a:lnB w="12700">
+                      <a:solidFill>
+                        <a:schemeClr val="tx1"/>
+                      </a:solidFill>
+                      <a:prstDash val="solid"/>
+                    </a:lnB>
+                    <a:solidFill>
+                      <a:schemeClr val="bg1">
+                        <a:lumMod val="85000"/>
+                      </a:schemeClr>
+                    </a:solidFill>
+                  </a:tcPr>
+                </a:tc>
+              </a:tr>
+            </a:tbl>
+          </a:graphicData>
+        </a:graphic>
+      </p:graphicFrame>
+      <p:graphicFrame>
+        <p:nvGraphicFramePr>
+          <p:cNvPr id="240" name="Table 239"/>
+          <p:cNvGraphicFramePr/>
+          <p:nvPr/>
+        </p:nvGraphicFramePr>
+        <p:xfrm>
+          <a:off x="440690" y="5391150"/>
+          <a:ext cx="4290060" cy="595630"/>
+        </p:xfrm>
+        <a:graphic>
+          <a:graphicData uri="http://schemas.openxmlformats.org/drawingml/2006/table">
+            <a:tbl>
+              <a:tblPr firstRow="1" bandRow="1">
+                <a:tableStyleId>{5C22544A-7EE6-4342-B048-85BDC9FD1C3A}</a:tableStyleId>
+              </a:tblPr>
+              <a:tblGrid>
+                <a:gridCol w="536575"/>
+                <a:gridCol w="536575"/>
+                <a:gridCol w="535305"/>
+                <a:gridCol w="536575"/>
+                <a:gridCol w="536575"/>
+                <a:gridCol w="536575"/>
+                <a:gridCol w="535305"/>
+                <a:gridCol w="536575"/>
+              </a:tblGrid>
+              <a:tr h="595630">
+                <a:tc>
+                  <a:txBody>
+                    <a:bodyPr/>
+                    <a:p>
+                      <a:pPr>
+                        <a:buNone/>
+                      </a:pPr>
+                      <a:r>
+                        <a:rPr lang="x-none" b="0" i="1">
+                          <a:solidFill>
+                            <a:schemeClr val="tx1"/>
+                          </a:solidFill>
+                          <a:latin typeface="+mj-lt"/>
+                        </a:rPr>
+                        <a:t>u</a:t>
+                      </a:r>
+                      <a:r>
+                        <a:rPr lang="x-none" b="0" i="1" baseline="-25000">
+                          <a:solidFill>
+                            <a:schemeClr val="tx1"/>
+                          </a:solidFill>
+                          <a:latin typeface="+mj-lt"/>
+                        </a:rPr>
+                        <a:t>0</a:t>
+                      </a:r>
+                      <a:endParaRPr lang="x-none" b="0" i="1" baseline="-25000">
+                        <a:solidFill>
+                          <a:schemeClr val="tx1"/>
+                        </a:solidFill>
+                        <a:latin typeface="+mj-lt"/>
+                      </a:endParaRPr>
+                    </a:p>
+                  </a:txBody>
+                  <a:tcPr>
+                    <a:lnL w="12700">
+                      <a:solidFill>
+                        <a:schemeClr val="tx1"/>
+                      </a:solidFill>
+                      <a:prstDash val="solid"/>
+                    </a:lnL>
+                    <a:lnR w="12700">
+                      <a:solidFill>
+                        <a:schemeClr val="tx1"/>
+                      </a:solidFill>
+                      <a:prstDash val="solid"/>
+                    </a:lnR>
+                    <a:lnT w="12700">
+                      <a:solidFill>
+                        <a:schemeClr val="tx1"/>
+                      </a:solidFill>
+                      <a:prstDash val="solid"/>
+                    </a:lnT>
+                    <a:lnB w="12700">
+                      <a:solidFill>
+                        <a:schemeClr val="tx1"/>
+                      </a:solidFill>
+                      <a:prstDash val="solid"/>
+                    </a:lnB>
+                    <a:noFill/>
+                  </a:tcPr>
+                </a:tc>
+                <a:tc>
+                  <a:txBody>
+                    <a:bodyPr/>
+                    <a:p>
+                      <a:pPr>
+                        <a:buNone/>
+                      </a:pPr>
+                      <a:r>
+                        <a:rPr lang="x-none" b="0" i="1">
+                          <a:solidFill>
+                            <a:schemeClr val="tx1"/>
+                          </a:solidFill>
+                        </a:rPr>
+                        <a:t>u</a:t>
+                      </a:r>
+                      <a:r>
+                        <a:rPr lang="x-none" b="0" i="1" baseline="-25000">
+                          <a:solidFill>
+                            <a:schemeClr val="tx1"/>
+                          </a:solidFill>
+                        </a:rPr>
+                        <a:t>1</a:t>
+                      </a:r>
+                      <a:endParaRPr lang="x-none" b="0" i="1" baseline="-25000">
+                        <a:solidFill>
+                          <a:schemeClr val="tx1"/>
+                        </a:solidFill>
+                      </a:endParaRPr>
+                    </a:p>
+                  </a:txBody>
+                  <a:tcPr>
+                    <a:lnL w="12700">
+                      <a:solidFill>
+                        <a:schemeClr val="tx1"/>
+                      </a:solidFill>
+                      <a:prstDash val="solid"/>
+                    </a:lnL>
+                    <a:lnR w="12700">
+                      <a:solidFill>
+                        <a:schemeClr val="tx1"/>
+                      </a:solidFill>
+                      <a:prstDash val="solid"/>
+                    </a:lnR>
+                    <a:lnT w="12700">
+                      <a:solidFill>
+                        <a:schemeClr val="tx1"/>
+                      </a:solidFill>
+                      <a:prstDash val="solid"/>
+                    </a:lnT>
+                    <a:lnB w="12700">
+                      <a:solidFill>
+                        <a:schemeClr val="tx1"/>
+                      </a:solidFill>
+                      <a:prstDash val="solid"/>
+                    </a:lnB>
+                    <a:noFill/>
+                  </a:tcPr>
+                </a:tc>
+                <a:tc>
+                  <a:txBody>
+                    <a:bodyPr/>
+                    <a:p>
+                      <a:pPr>
+                        <a:buNone/>
+                      </a:pPr>
+                      <a:r>
+                        <a:rPr lang="x-none" b="1" i="1">
+                          <a:solidFill>
+                            <a:schemeClr val="tx1"/>
+                          </a:solidFill>
+                        </a:rPr>
+                        <a:t>u</a:t>
+                      </a:r>
+                      <a:r>
+                        <a:rPr lang="x-none" b="1" i="1" baseline="-25000">
+                          <a:solidFill>
+                            <a:schemeClr val="tx1"/>
+                          </a:solidFill>
+                        </a:rPr>
+                        <a:t>2</a:t>
+                      </a:r>
+                      <a:endParaRPr lang="x-none" b="1" i="1" baseline="-25000">
+                        <a:solidFill>
+                          <a:schemeClr val="tx1"/>
+                        </a:solidFill>
+                      </a:endParaRPr>
+                    </a:p>
+                  </a:txBody>
+                  <a:tcPr>
+                    <a:lnL w="12700">
+                      <a:solidFill>
+                        <a:schemeClr val="tx1"/>
+                      </a:solidFill>
+                      <a:prstDash val="solid"/>
+                    </a:lnL>
+                    <a:lnR w="12700">
+                      <a:solidFill>
+                        <a:schemeClr val="tx1"/>
+                      </a:solidFill>
+                      <a:prstDash val="solid"/>
+                    </a:lnR>
+                    <a:lnT w="12700">
+                      <a:solidFill>
+                        <a:schemeClr val="tx1"/>
+                      </a:solidFill>
+                      <a:prstDash val="solid"/>
+                    </a:lnT>
+                    <a:lnB w="12700">
+                      <a:solidFill>
+                        <a:schemeClr val="tx1"/>
+                      </a:solidFill>
+                      <a:prstDash val="solid"/>
+                    </a:lnB>
+                    <a:solidFill>
+                      <a:schemeClr val="bg1">
+                        <a:lumMod val="75000"/>
+                      </a:schemeClr>
+                    </a:solidFill>
+                  </a:tcPr>
+                </a:tc>
+                <a:tc>
+                  <a:txBody>
+                    <a:bodyPr/>
+                    <a:p>
+                      <a:pPr>
+                        <a:buNone/>
+                      </a:pPr>
+                      <a:r>
+                        <a:rPr lang="x-none" b="0" i="1">
+                          <a:solidFill>
+                            <a:schemeClr val="tx1"/>
+                          </a:solidFill>
+                        </a:rPr>
+                        <a:t>u</a:t>
+                      </a:r>
+                      <a:r>
+                        <a:rPr lang="x-none" b="0" i="1" baseline="-25000">
+                          <a:solidFill>
+                            <a:schemeClr val="tx1"/>
+                          </a:solidFill>
+                        </a:rPr>
+                        <a:t>3</a:t>
+                      </a:r>
+                      <a:endParaRPr lang="x-none" b="0" i="1" baseline="-25000">
+                        <a:solidFill>
+                          <a:schemeClr val="tx1"/>
+                        </a:solidFill>
+                      </a:endParaRPr>
+                    </a:p>
+                  </a:txBody>
+                  <a:tcPr>
+                    <a:lnL w="12700">
+                      <a:solidFill>
+                        <a:schemeClr val="tx1"/>
+                      </a:solidFill>
+                      <a:prstDash val="solid"/>
+                    </a:lnL>
+                    <a:lnR w="12700">
+                      <a:solidFill>
+                        <a:schemeClr val="tx1"/>
+                      </a:solidFill>
+                      <a:prstDash val="solid"/>
+                    </a:lnR>
+                    <a:lnT w="12700">
+                      <a:solidFill>
+                        <a:schemeClr val="tx1"/>
+                      </a:solidFill>
+                      <a:prstDash val="solid"/>
+                    </a:lnT>
+                    <a:lnB w="12700">
+                      <a:solidFill>
+                        <a:schemeClr val="tx1"/>
+                      </a:solidFill>
+                      <a:prstDash val="solid"/>
+                    </a:lnB>
+                    <a:solidFill>
+                      <a:schemeClr val="bg1">
+                        <a:lumMod val="85000"/>
+                      </a:schemeClr>
+                    </a:solidFill>
+                  </a:tcPr>
+                </a:tc>
+                <a:tc>
+                  <a:txBody>
+                    <a:bodyPr/>
+                    <a:p>
+                      <a:pPr>
+                        <a:buNone/>
+                      </a:pPr>
+                      <a:r>
+                        <a:rPr lang="x-none" b="0" i="1">
+                          <a:solidFill>
+                            <a:schemeClr val="tx1"/>
+                          </a:solidFill>
+                        </a:rPr>
+                        <a:t>u</a:t>
+                      </a:r>
+                      <a:r>
+                        <a:rPr lang="x-none" b="0" i="1" baseline="-25000">
+                          <a:solidFill>
+                            <a:schemeClr val="tx1"/>
+                          </a:solidFill>
+                        </a:rPr>
+                        <a:t>4</a:t>
+                      </a:r>
+                      <a:endParaRPr lang="x-none" b="0" i="1" baseline="-25000">
+                        <a:solidFill>
+                          <a:schemeClr val="tx1"/>
+                        </a:solidFill>
+                      </a:endParaRPr>
+                    </a:p>
+                  </a:txBody>
+                  <a:tcPr>
+                    <a:lnL w="12700">
+                      <a:solidFill>
+                        <a:schemeClr val="tx1"/>
+                      </a:solidFill>
+                      <a:prstDash val="solid"/>
+                    </a:lnL>
+                    <a:lnR w="12700">
+                      <a:solidFill>
+                        <a:schemeClr val="tx1"/>
+                      </a:solidFill>
+                      <a:prstDash val="solid"/>
+                    </a:lnR>
+                    <a:lnT w="12700">
+                      <a:solidFill>
+                        <a:schemeClr val="tx1"/>
+                      </a:solidFill>
+                      <a:prstDash val="solid"/>
+                    </a:lnT>
+                    <a:lnB w="12700">
+                      <a:solidFill>
+                        <a:schemeClr val="tx1"/>
+                      </a:solidFill>
+                      <a:prstDash val="solid"/>
+                    </a:lnB>
+                    <a:solidFill>
+                      <a:schemeClr val="bg1">
+                        <a:lumMod val="85000"/>
+                      </a:schemeClr>
+                    </a:solidFill>
+                  </a:tcPr>
+                </a:tc>
+                <a:tc>
+                  <a:txBody>
+                    <a:bodyPr/>
+                    <a:p>
+                      <a:pPr>
+                        <a:buNone/>
+                      </a:pPr>
+                      <a:r>
+                        <a:rPr lang="x-none" b="0" i="1">
+                          <a:solidFill>
+                            <a:schemeClr val="tx1"/>
+                          </a:solidFill>
+                        </a:rPr>
+                        <a:t>u</a:t>
+                      </a:r>
+                      <a:r>
+                        <a:rPr lang="x-none" b="0" i="1" baseline="-25000">
+                          <a:solidFill>
+                            <a:schemeClr val="tx1"/>
+                          </a:solidFill>
+                        </a:rPr>
+                        <a:t>5</a:t>
+                      </a:r>
+                      <a:endParaRPr lang="x-none" b="0" i="1" baseline="-25000">
+                        <a:solidFill>
+                          <a:schemeClr val="tx1"/>
+                        </a:solidFill>
+                      </a:endParaRPr>
+                    </a:p>
+                  </a:txBody>
+                  <a:tcPr>
+                    <a:lnL w="12700">
+                      <a:solidFill>
+                        <a:schemeClr val="tx1"/>
+                      </a:solidFill>
+                      <a:prstDash val="solid"/>
+                    </a:lnL>
+                    <a:lnR w="12700">
+                      <a:solidFill>
+                        <a:schemeClr val="tx1"/>
+                      </a:solidFill>
+                      <a:prstDash val="solid"/>
+                    </a:lnR>
+                    <a:lnT w="12700">
+                      <a:solidFill>
+                        <a:schemeClr val="tx1"/>
+                      </a:solidFill>
+                      <a:prstDash val="solid"/>
+                    </a:lnT>
+                    <a:lnB w="12700">
+                      <a:solidFill>
+                        <a:schemeClr val="tx1"/>
+                      </a:solidFill>
+                      <a:prstDash val="solid"/>
+                    </a:lnB>
+                    <a:solidFill>
+                      <a:schemeClr val="bg1">
+                        <a:lumMod val="85000"/>
+                      </a:schemeClr>
+                    </a:solidFill>
+                  </a:tcPr>
+                </a:tc>
+                <a:tc>
+                  <a:txBody>
+                    <a:bodyPr/>
+                    <a:p>
+                      <a:pPr>
+                        <a:buNone/>
+                      </a:pPr>
+                      <a:r>
+                        <a:rPr lang="x-none" b="0" i="1">
+                          <a:solidFill>
+                            <a:schemeClr val="tx1"/>
+                          </a:solidFill>
+                        </a:rPr>
+                        <a:t>u</a:t>
+                      </a:r>
+                      <a:r>
+                        <a:rPr lang="x-none" b="0" i="1" baseline="-25000">
+                          <a:solidFill>
+                            <a:schemeClr val="tx1"/>
+                          </a:solidFill>
+                        </a:rPr>
+                        <a:t>6</a:t>
+                      </a:r>
+                      <a:endParaRPr lang="x-none" b="0" i="1" baseline="-25000">
+                        <a:solidFill>
+                          <a:schemeClr val="tx1"/>
+                        </a:solidFill>
+                      </a:endParaRPr>
+                    </a:p>
+                  </a:txBody>
+                  <a:tcPr>
+                    <a:lnL w="12700">
+                      <a:solidFill>
+                        <a:schemeClr val="tx1"/>
+                      </a:solidFill>
+                      <a:prstDash val="solid"/>
+                    </a:lnL>
+                    <a:lnR w="12700">
+                      <a:solidFill>
+                        <a:schemeClr val="tx1"/>
+                      </a:solidFill>
+                      <a:prstDash val="solid"/>
+                    </a:lnR>
+                    <a:lnT w="12700">
+                      <a:solidFill>
+                        <a:schemeClr val="tx1"/>
+                      </a:solidFill>
+                      <a:prstDash val="solid"/>
+                    </a:lnT>
+                    <a:lnB w="12700">
+                      <a:solidFill>
+                        <a:schemeClr val="tx1"/>
+                      </a:solidFill>
+                      <a:prstDash val="solid"/>
+                    </a:lnB>
+                    <a:solidFill>
+                      <a:schemeClr val="bg1">
+                        <a:lumMod val="85000"/>
+                      </a:schemeClr>
+                    </a:solidFill>
+                  </a:tcPr>
+                </a:tc>
+                <a:tc>
+                  <a:txBody>
+                    <a:bodyPr/>
+                    <a:p>
+                      <a:pPr>
+                        <a:buNone/>
+                      </a:pPr>
+                      <a:r>
+                        <a:rPr lang="x-none" b="0" i="1">
+                          <a:solidFill>
+                            <a:schemeClr val="tx1"/>
+                          </a:solidFill>
+                        </a:rPr>
+                        <a:t>u</a:t>
+                      </a:r>
+                      <a:r>
+                        <a:rPr lang="x-none" b="0" i="1" baseline="-25000">
+                          <a:solidFill>
+                            <a:schemeClr val="tx1"/>
+                          </a:solidFill>
+                        </a:rPr>
+                        <a:t>7</a:t>
+                      </a:r>
+                      <a:endParaRPr lang="x-none" b="0" i="1" baseline="-25000">
+                        <a:solidFill>
+                          <a:schemeClr val="tx1"/>
+                        </a:solidFill>
+                      </a:endParaRPr>
+                    </a:p>
+                  </a:txBody>
+                  <a:tcPr>
+                    <a:lnL w="12700">
+                      <a:solidFill>
+                        <a:schemeClr val="tx1"/>
+                      </a:solidFill>
+                      <a:prstDash val="solid"/>
+                    </a:lnL>
+                    <a:lnR w="12700">
+                      <a:solidFill>
+                        <a:schemeClr val="tx1"/>
+                      </a:solidFill>
+                      <a:prstDash val="solid"/>
+                    </a:lnR>
+                    <a:lnT w="12700">
+                      <a:solidFill>
+                        <a:schemeClr val="tx1"/>
+                      </a:solidFill>
+                      <a:prstDash val="solid"/>
+                    </a:lnT>
+                    <a:lnB w="12700">
+                      <a:solidFill>
+                        <a:schemeClr val="tx1"/>
+                      </a:solidFill>
+                      <a:prstDash val="solid"/>
+                    </a:lnB>
+                    <a:solidFill>
+                      <a:schemeClr val="bg1">
+                        <a:lumMod val="85000"/>
+                      </a:schemeClr>
+                    </a:solidFill>
+                  </a:tcPr>
+                </a:tc>
+              </a:tr>
+            </a:tbl>
+          </a:graphicData>
+        </a:graphic>
+      </p:graphicFrame>
+      <p:sp>
+        <p:nvSpPr>
+          <p:cNvPr id="243" name="Left Brace 242"/>
+          <p:cNvSpPr/>
+          <p:nvPr/>
+        </p:nvSpPr>
+        <p:spPr>
+          <a:xfrm rot="16260000">
+            <a:off x="4051935" y="1183005"/>
+            <a:ext cx="245745" cy="1169670"/>
+          </a:xfrm>
+          <a:prstGeom prst="leftBrace">
+            <a:avLst/>
+          </a:prstGeom>
+          <a:ln>
+            <a:solidFill>
+              <a:schemeClr val="tx1"/>
+            </a:solidFill>
+            <a:prstDash val="sysDash"/>
+          </a:ln>
+        </p:spPr>
+        <p:style>
+          <a:lnRef idx="1">
+            <a:schemeClr val="accent1"/>
+          </a:lnRef>
+          <a:fillRef idx="0">
+            <a:schemeClr val="accent1"/>
+          </a:fillRef>
+          <a:effectRef idx="0">
+            <a:schemeClr val="accent1"/>
+          </a:effectRef>
+          <a:fontRef idx="minor">
+            <a:schemeClr val="tx1"/>
+          </a:fontRef>
+        </p:style>
+        <p:txBody>
+          <a:bodyPr rtlCol="0" anchor="ctr"/>
+          <a:p>
+            <a:pPr algn="ctr"/>
+            <a:endParaRPr lang="en-IN" altLang="en-US"/>
+          </a:p>
+        </p:txBody>
+      </p:sp>
+      <p:cxnSp>
+        <p:nvCxnSpPr>
+          <p:cNvPr id="244" name="Elbow Connector 243"/>
+          <p:cNvCxnSpPr>
+            <a:stCxn id="243" idx="1"/>
+          </p:cNvCxnSpPr>
+          <p:nvPr/>
+        </p:nvCxnSpPr>
+        <p:spPr>
+          <a:xfrm rot="5400000" flipV="1">
+            <a:off x="4578985" y="1494155"/>
+            <a:ext cx="135890" cy="949325"/>
+          </a:xfrm>
+          <a:prstGeom prst="bentConnector2">
+            <a:avLst/>
+          </a:prstGeom>
+          <a:ln>
+            <a:solidFill>
+              <a:schemeClr val="tx1"/>
+            </a:solidFill>
+            <a:prstDash val="sysDash"/>
+            <a:tailEnd type="arrow"/>
+          </a:ln>
+        </p:spPr>
+        <p:style>
+          <a:lnRef idx="1">
+            <a:schemeClr val="accent1"/>
+          </a:lnRef>
+          <a:fillRef idx="0">
+            <a:schemeClr val="accent1"/>
+          </a:fillRef>
+          <a:effectRef idx="0">
+            <a:schemeClr val="accent1"/>
+          </a:effectRef>
+          <a:fontRef idx="minor">
+            <a:schemeClr val="tx1"/>
+          </a:fontRef>
+        </p:style>
+      </p:cxnSp>
+      <p:sp>
+        <p:nvSpPr>
+          <p:cNvPr id="245" name="Rectangle 244"/>
+          <p:cNvSpPr/>
+          <p:nvPr/>
+        </p:nvSpPr>
+        <p:spPr>
+          <a:xfrm rot="16200000">
+            <a:off x="7360285" y="2861945"/>
+            <a:ext cx="749935" cy="1629410"/>
+          </a:xfrm>
+          <a:prstGeom prst="rect">
+            <a:avLst/>
+          </a:prstGeom>
+          <a:noFill/>
+          <a:ln w="28575">
+            <a:solidFill>
+              <a:schemeClr val="tx1"/>
+            </a:solidFill>
+          </a:ln>
+          <a:extLst>
+            <a:ext uri="{909E8E84-426E-40DD-AFC4-6F175D3DCCD1}">
+              <a14:hiddenFill xmlns:a14="http://schemas.microsoft.com/office/drawing/2010/main">
+                <a:solidFill>
+                  <a:schemeClr val="accent1"/>
+                </a:solidFill>
+              </a14:hiddenFill>
+            </a:ext>
+          </a:extLst>
+        </p:spPr>
+        <p:style>
+          <a:lnRef idx="2">
+            <a:schemeClr val="accent1">
+              <a:shade val="50000"/>
+            </a:schemeClr>
+          </a:lnRef>
+          <a:fillRef idx="1">
+            <a:schemeClr val="accent1"/>
+          </a:fillRef>
+          <a:effectRef idx="0">
+            <a:schemeClr val="accent1"/>
+          </a:effectRef>
+          <a:fontRef idx="minor">
+            <a:schemeClr val="lt1"/>
+          </a:fontRef>
+        </p:style>
+        <p:txBody>
+          <a:bodyPr vert="vert" rtlCol="0" anchor="ctr"/>
+          <a:p>
+            <a:pPr algn="ctr"/>
+            <a:r>
+              <a:rPr lang="x-none" altLang="en-IN" b="1">
+                <a:solidFill>
+                  <a:schemeClr val="tx1"/>
+                </a:solidFill>
+              </a:rPr>
+              <a:t>Decoder with p</a:t>
+            </a:r>
+            <a:r>
+              <a:rPr lang="x-none" altLang="en-IN" b="1" baseline="-25000">
+                <a:solidFill>
+                  <a:schemeClr val="tx1"/>
+                </a:solidFill>
+              </a:rPr>
+              <a:t>2</a:t>
+            </a:r>
+            <a:endParaRPr lang="x-none" altLang="en-IN" b="1" baseline="-25000">
+              <a:solidFill>
+                <a:schemeClr val="tx1"/>
+              </a:solidFill>
+            </a:endParaRPr>
+          </a:p>
+        </p:txBody>
+      </p:sp>
+      <p:sp>
+        <p:nvSpPr>
+          <p:cNvPr id="246" name="Rectangle 245"/>
+          <p:cNvSpPr/>
+          <p:nvPr/>
+        </p:nvSpPr>
+        <p:spPr>
+          <a:xfrm rot="16200000">
+            <a:off x="7371080" y="4737100"/>
+            <a:ext cx="749935" cy="1629410"/>
+          </a:xfrm>
+          <a:prstGeom prst="rect">
+            <a:avLst/>
+          </a:prstGeom>
+          <a:noFill/>
+          <a:ln w="28575">
+            <a:solidFill>
+              <a:schemeClr val="tx1"/>
+            </a:solidFill>
+          </a:ln>
+          <a:extLst>
+            <a:ext uri="{909E8E84-426E-40DD-AFC4-6F175D3DCCD1}">
+              <a14:hiddenFill xmlns:a14="http://schemas.microsoft.com/office/drawing/2010/main">
+                <a:solidFill>
+                  <a:schemeClr val="accent1"/>
+                </a:solidFill>
+              </a14:hiddenFill>
+            </a:ext>
+          </a:extLst>
+        </p:spPr>
+        <p:style>
+          <a:lnRef idx="2">
+            <a:schemeClr val="accent1">
+              <a:shade val="50000"/>
+            </a:schemeClr>
+          </a:lnRef>
+          <a:fillRef idx="1">
+            <a:schemeClr val="accent1"/>
+          </a:fillRef>
+          <a:effectRef idx="0">
+            <a:schemeClr val="accent1"/>
+          </a:effectRef>
+          <a:fontRef idx="minor">
+            <a:schemeClr val="lt1"/>
+          </a:fontRef>
+        </p:style>
+        <p:txBody>
+          <a:bodyPr vert="vert" rtlCol="0" anchor="ctr"/>
+          <a:p>
+            <a:pPr algn="ctr"/>
+            <a:r>
+              <a:rPr lang="x-none" altLang="en-IN" b="1">
+                <a:solidFill>
+                  <a:schemeClr val="tx1"/>
+                </a:solidFill>
+              </a:rPr>
+              <a:t>Decoder with p</a:t>
+            </a:r>
+            <a:r>
+              <a:rPr lang="x-none" altLang="en-IN" b="1" baseline="-25000">
+                <a:solidFill>
+                  <a:schemeClr val="tx1"/>
+                </a:solidFill>
+              </a:rPr>
+              <a:t>3</a:t>
+            </a:r>
+            <a:endParaRPr lang="x-none" altLang="en-IN" b="1" baseline="-25000">
+              <a:solidFill>
+                <a:schemeClr val="tx1"/>
+              </a:solidFill>
+            </a:endParaRPr>
+          </a:p>
+        </p:txBody>
+      </p:sp>
+      <p:sp>
+        <p:nvSpPr>
+          <p:cNvPr id="247" name="Right Arrow 246"/>
+          <p:cNvSpPr/>
+          <p:nvPr/>
+        </p:nvSpPr>
+        <p:spPr>
+          <a:xfrm>
+            <a:off x="8597265" y="3559175"/>
+            <a:ext cx="425450" cy="200660"/>
+          </a:xfrm>
+          <a:prstGeom prst="rightArrow">
+            <a:avLst/>
+          </a:prstGeom>
+          <a:noFill/>
+          <a:ln w="28575">
+            <a:solidFill>
+              <a:schemeClr val="tx1"/>
+            </a:solidFill>
+          </a:ln>
+          <a:extLst>
+            <a:ext uri="{909E8E84-426E-40DD-AFC4-6F175D3DCCD1}">
+              <a14:hiddenFill xmlns:a14="http://schemas.microsoft.com/office/drawing/2010/main">
+                <a:solidFill>
+                  <a:schemeClr val="accent1"/>
+                </a:solidFill>
+              </a14:hiddenFill>
+            </a:ext>
+          </a:extLst>
+        </p:spPr>
+        <p:style>
+          <a:lnRef idx="2">
+            <a:schemeClr val="accent1">
+              <a:shade val="50000"/>
+            </a:schemeClr>
+          </a:lnRef>
+          <a:fillRef idx="1">
+            <a:schemeClr val="accent1"/>
+          </a:fillRef>
+          <a:effectRef idx="0">
+            <a:schemeClr val="accent1"/>
+          </a:effectRef>
+          <a:fontRef idx="minor">
+            <a:schemeClr val="lt1"/>
+          </a:fontRef>
+        </p:style>
+        <p:txBody>
+          <a:bodyPr rtlCol="0" anchor="ctr"/>
+          <a:p>
+            <a:pPr algn="ctr"/>
+            <a:endParaRPr lang="en-IN" altLang="en-US" sz="1200">
+              <a:solidFill>
+                <a:schemeClr val="tx1"/>
+              </a:solidFill>
+            </a:endParaRPr>
+          </a:p>
+        </p:txBody>
+      </p:sp>
+      <p:sp>
+        <p:nvSpPr>
+          <p:cNvPr id="248" name="TextBox 247"/>
+          <p:cNvSpPr txBox="1"/>
+          <p:nvPr/>
+        </p:nvSpPr>
+        <p:spPr>
+          <a:xfrm>
+            <a:off x="9159240" y="3244850"/>
+            <a:ext cx="1483360" cy="826770"/>
+          </a:xfrm>
+          <a:prstGeom prst="rect">
+            <a:avLst/>
+          </a:prstGeom>
+          <a:noFill/>
+          <a:ln w="28575">
+            <a:solidFill>
+              <a:schemeClr val="tx1"/>
+            </a:solidFill>
+          </a:ln>
+        </p:spPr>
+        <p:txBody>
+          <a:bodyPr wrap="square" rtlCol="0">
+            <a:spAutoFit/>
+          </a:bodyPr>
+          <a:p>
+            <a:pPr algn="ctr"/>
+            <a:r>
+              <a:rPr lang="x-none" altLang="en-IN" b="1"/>
+              <a:t>Error Detection</a:t>
+            </a:r>
+            <a:endParaRPr lang="x-none" altLang="en-IN" b="1"/>
+          </a:p>
+        </p:txBody>
+      </p:sp>
+      <p:sp>
+        <p:nvSpPr>
+          <p:cNvPr id="249" name="TextBox 248"/>
+          <p:cNvSpPr txBox="1"/>
+          <p:nvPr/>
+        </p:nvSpPr>
+        <p:spPr>
+          <a:xfrm>
+            <a:off x="8552815" y="3785870"/>
+            <a:ext cx="1032510" cy="550545"/>
+          </a:xfrm>
+          <a:prstGeom prst="rect">
+            <a:avLst/>
+          </a:prstGeom>
+          <a:noFill/>
+        </p:spPr>
+        <p:txBody>
+          <a:bodyPr wrap="square" rtlCol="0">
+            <a:spAutoFit/>
+          </a:bodyPr>
+          <a:p>
+            <a:r>
+              <a:rPr lang="x-none" altLang="en-IN"/>
+              <a:t>LLR</a:t>
+            </a:r>
+            <a:endParaRPr lang="x-none" altLang="en-IN"/>
+          </a:p>
+        </p:txBody>
+      </p:sp>
+      <p:sp>
+        <p:nvSpPr>
+          <p:cNvPr id="250" name="Right Arrow 249"/>
+          <p:cNvSpPr/>
+          <p:nvPr/>
+        </p:nvSpPr>
+        <p:spPr>
+          <a:xfrm>
+            <a:off x="10702925" y="3488055"/>
+            <a:ext cx="425450" cy="200660"/>
+          </a:xfrm>
+          <a:prstGeom prst="rightArrow">
+            <a:avLst/>
+          </a:prstGeom>
+          <a:noFill/>
+          <a:ln w="28575">
+            <a:solidFill>
+              <a:schemeClr val="tx1"/>
+            </a:solidFill>
+          </a:ln>
+          <a:extLst>
+            <a:ext uri="{909E8E84-426E-40DD-AFC4-6F175D3DCCD1}">
+              <a14:hiddenFill xmlns:a14="http://schemas.microsoft.com/office/drawing/2010/main">
+                <a:solidFill>
+                  <a:schemeClr val="accent1"/>
+                </a:solidFill>
+              </a14:hiddenFill>
+            </a:ext>
+          </a:extLst>
+        </p:spPr>
+        <p:style>
+          <a:lnRef idx="2">
+            <a:schemeClr val="accent1">
+              <a:shade val="50000"/>
+            </a:schemeClr>
+          </a:lnRef>
+          <a:fillRef idx="1">
+            <a:schemeClr val="accent1"/>
+          </a:fillRef>
+          <a:effectRef idx="0">
+            <a:schemeClr val="accent1"/>
+          </a:effectRef>
+          <a:fontRef idx="minor">
+            <a:schemeClr val="lt1"/>
+          </a:fontRef>
+        </p:style>
+        <p:txBody>
+          <a:bodyPr rtlCol="0" anchor="ctr"/>
+          <a:p>
+            <a:pPr algn="ctr"/>
+            <a:endParaRPr lang="en-IN" altLang="en-US" sz="1200">
+              <a:solidFill>
+                <a:schemeClr val="tx1"/>
+              </a:solidFill>
+            </a:endParaRPr>
+          </a:p>
+        </p:txBody>
+      </p:sp>
+      <p:sp>
+        <p:nvSpPr>
+          <p:cNvPr id="251" name="Right Arrow 250"/>
+          <p:cNvSpPr/>
+          <p:nvPr/>
+        </p:nvSpPr>
+        <p:spPr>
+          <a:xfrm>
+            <a:off x="8608060" y="5445125"/>
+            <a:ext cx="425450" cy="200660"/>
+          </a:xfrm>
+          <a:prstGeom prst="rightArrow">
+            <a:avLst/>
+          </a:prstGeom>
+          <a:noFill/>
+          <a:ln w="28575">
+            <a:solidFill>
+              <a:schemeClr val="tx1"/>
+            </a:solidFill>
+          </a:ln>
+          <a:extLst>
+            <a:ext uri="{909E8E84-426E-40DD-AFC4-6F175D3DCCD1}">
+              <a14:hiddenFill xmlns:a14="http://schemas.microsoft.com/office/drawing/2010/main">
+                <a:solidFill>
+                  <a:schemeClr val="accent1"/>
+                </a:solidFill>
+              </a14:hiddenFill>
+            </a:ext>
+          </a:extLst>
+        </p:spPr>
+        <p:style>
+          <a:lnRef idx="2">
+            <a:schemeClr val="accent1">
+              <a:shade val="50000"/>
+            </a:schemeClr>
+          </a:lnRef>
+          <a:fillRef idx="1">
+            <a:schemeClr val="accent1"/>
+          </a:fillRef>
+          <a:effectRef idx="0">
+            <a:schemeClr val="accent1"/>
+          </a:effectRef>
+          <a:fontRef idx="minor">
+            <a:schemeClr val="lt1"/>
+          </a:fontRef>
+        </p:style>
+        <p:txBody>
+          <a:bodyPr rtlCol="0" anchor="ctr"/>
+          <a:p>
+            <a:pPr algn="ctr"/>
+            <a:endParaRPr lang="en-IN" altLang="en-US" sz="1200">
+              <a:solidFill>
+                <a:schemeClr val="tx1"/>
+              </a:solidFill>
+            </a:endParaRPr>
+          </a:p>
+        </p:txBody>
+      </p:sp>
+      <p:sp>
+        <p:nvSpPr>
+          <p:cNvPr id="252" name="TextBox 251"/>
+          <p:cNvSpPr txBox="1"/>
+          <p:nvPr/>
+        </p:nvSpPr>
+        <p:spPr>
+          <a:xfrm>
+            <a:off x="9170035" y="5130800"/>
+            <a:ext cx="1483360" cy="826770"/>
+          </a:xfrm>
+          <a:prstGeom prst="rect">
+            <a:avLst/>
+          </a:prstGeom>
+          <a:noFill/>
+          <a:ln w="28575">
+            <a:solidFill>
+              <a:schemeClr val="tx1"/>
+            </a:solidFill>
+          </a:ln>
+        </p:spPr>
+        <p:txBody>
+          <a:bodyPr wrap="square" rtlCol="0">
+            <a:spAutoFit/>
+          </a:bodyPr>
+          <a:p>
+            <a:pPr algn="ctr"/>
+            <a:r>
+              <a:rPr lang="x-none" altLang="en-IN" b="1"/>
+              <a:t>Error Detection</a:t>
+            </a:r>
+            <a:endParaRPr lang="x-none" altLang="en-IN" b="1"/>
+          </a:p>
+        </p:txBody>
+      </p:sp>
+      <p:sp>
+        <p:nvSpPr>
+          <p:cNvPr id="253" name="TextBox 252"/>
+          <p:cNvSpPr txBox="1"/>
+          <p:nvPr/>
+        </p:nvSpPr>
+        <p:spPr>
+          <a:xfrm>
+            <a:off x="8552815" y="5671820"/>
+            <a:ext cx="1032510" cy="550545"/>
+          </a:xfrm>
+          <a:prstGeom prst="rect">
+            <a:avLst/>
+          </a:prstGeom>
+          <a:noFill/>
+        </p:spPr>
+        <p:txBody>
+          <a:bodyPr wrap="square" rtlCol="0">
+            <a:spAutoFit/>
+          </a:bodyPr>
+          <a:p>
+            <a:r>
+              <a:rPr lang="x-none" altLang="en-IN"/>
+              <a:t>LLR</a:t>
+            </a:r>
+            <a:endParaRPr lang="x-none" altLang="en-IN"/>
+          </a:p>
+        </p:txBody>
+      </p:sp>
+      <p:sp>
+        <p:nvSpPr>
+          <p:cNvPr id="254" name="Right Arrow 253"/>
+          <p:cNvSpPr/>
+          <p:nvPr/>
+        </p:nvSpPr>
+        <p:spPr>
+          <a:xfrm>
+            <a:off x="10713720" y="5374005"/>
+            <a:ext cx="425450" cy="200660"/>
+          </a:xfrm>
+          <a:prstGeom prst="rightArrow">
+            <a:avLst/>
+          </a:prstGeom>
+          <a:noFill/>
+          <a:ln w="28575">
+            <a:solidFill>
+              <a:schemeClr val="tx1"/>
+            </a:solidFill>
+          </a:ln>
+          <a:extLst>
+            <a:ext uri="{909E8E84-426E-40DD-AFC4-6F175D3DCCD1}">
+              <a14:hiddenFill xmlns:a14="http://schemas.microsoft.com/office/drawing/2010/main">
+                <a:solidFill>
+                  <a:schemeClr val="accent1"/>
+                </a:solidFill>
+              </a14:hiddenFill>
+            </a:ext>
+          </a:extLst>
+        </p:spPr>
+        <p:style>
+          <a:lnRef idx="2">
+            <a:schemeClr val="accent1">
+              <a:shade val="50000"/>
+            </a:schemeClr>
+          </a:lnRef>
+          <a:fillRef idx="1">
+            <a:schemeClr val="accent1"/>
+          </a:fillRef>
+          <a:effectRef idx="0">
+            <a:schemeClr val="accent1"/>
+          </a:effectRef>
+          <a:fontRef idx="minor">
+            <a:schemeClr val="lt1"/>
+          </a:fontRef>
+        </p:style>
+        <p:txBody>
+          <a:bodyPr rtlCol="0" anchor="ctr"/>
+          <a:p>
+            <a:pPr algn="ctr"/>
+            <a:endParaRPr lang="en-IN" altLang="en-US" sz="1200">
+              <a:solidFill>
+                <a:schemeClr val="tx1"/>
+              </a:solidFill>
+            </a:endParaRPr>
+          </a:p>
+        </p:txBody>
+      </p:sp>
+      <p:sp>
+        <p:nvSpPr>
+          <p:cNvPr id="255" name="TextBox 254"/>
+          <p:cNvSpPr txBox="1"/>
+          <p:nvPr/>
+        </p:nvSpPr>
+        <p:spPr>
+          <a:xfrm>
+            <a:off x="11179810" y="3071495"/>
+            <a:ext cx="857250" cy="1099185"/>
+          </a:xfrm>
+          <a:prstGeom prst="rect">
+            <a:avLst/>
+          </a:prstGeom>
+          <a:noFill/>
+        </p:spPr>
+        <p:txBody>
+          <a:bodyPr wrap="square" rtlCol="0">
+            <a:spAutoFit/>
+          </a:bodyPr>
+          <a:p>
+            <a:r>
+              <a:rPr lang="x-none" altLang="en-IN" i="1"/>
+              <a:t>Error</a:t>
+            </a:r>
+            <a:endParaRPr lang="x-none" altLang="en-IN" i="1"/>
+          </a:p>
+          <a:p>
+            <a:r>
+              <a:rPr lang="x-none" altLang="en-IN" i="1"/>
+              <a:t>present </a:t>
+            </a:r>
+            <a:endParaRPr lang="x-none" altLang="en-IN" i="1"/>
+          </a:p>
+          <a:p>
+            <a:endParaRPr lang="x-none" altLang="en-IN" i="1"/>
+          </a:p>
+        </p:txBody>
+      </p:sp>
+      <p:sp>
+        <p:nvSpPr>
+          <p:cNvPr id="257" name="TextBox 256"/>
+          <p:cNvSpPr txBox="1"/>
+          <p:nvPr/>
+        </p:nvSpPr>
+        <p:spPr>
+          <a:xfrm>
+            <a:off x="7638415" y="6045200"/>
+            <a:ext cx="378460" cy="910590"/>
+          </a:xfrm>
+          <a:prstGeom prst="rect">
+            <a:avLst/>
+          </a:prstGeom>
+          <a:noFill/>
+        </p:spPr>
+        <p:txBody>
+          <a:bodyPr wrap="square" rtlCol="0">
+            <a:spAutoFit/>
+          </a:bodyPr>
+          <a:p>
+            <a:r>
+              <a:rPr lang="x-none" altLang="en-IN" sz="3200" b="1">
+                <a:solidFill>
+                  <a:schemeClr val="tx1"/>
+                </a:solidFill>
+              </a:rPr>
+              <a:t>^</a:t>
+            </a:r>
+            <a:endParaRPr lang="x-none" altLang="en-IN" sz="3200" b="1">
+              <a:solidFill>
+                <a:schemeClr val="tx1"/>
+              </a:solidFill>
+            </a:endParaRPr>
+          </a:p>
+        </p:txBody>
+      </p:sp>
+      <p:sp>
+        <p:nvSpPr>
+          <p:cNvPr id="258" name="TextBox 257"/>
+          <p:cNvSpPr txBox="1"/>
+          <p:nvPr/>
+        </p:nvSpPr>
+        <p:spPr>
+          <a:xfrm>
+            <a:off x="7637780" y="6256655"/>
+            <a:ext cx="854075" cy="603250"/>
+          </a:xfrm>
+          <a:prstGeom prst="rect">
+            <a:avLst/>
+          </a:prstGeom>
+          <a:noFill/>
+        </p:spPr>
+        <p:txBody>
+          <a:bodyPr wrap="square" rtlCol="0">
+            <a:spAutoFit/>
+          </a:bodyPr>
+          <a:p>
+            <a:r>
+              <a:rPr lang="x-none" altLang="en-IN" sz="2000" b="1"/>
+              <a:t>X</a:t>
+            </a:r>
+            <a:endParaRPr lang="x-none" altLang="en-IN" sz="1600" b="1"/>
+          </a:p>
+        </p:txBody>
+      </p:sp>
+      <p:cxnSp>
+        <p:nvCxnSpPr>
+          <p:cNvPr id="259" name="Straight Arrow Connector 258"/>
+          <p:cNvCxnSpPr/>
+          <p:nvPr/>
+        </p:nvCxnSpPr>
+        <p:spPr>
+          <a:xfrm>
+            <a:off x="7790180" y="5923280"/>
+            <a:ext cx="9525" cy="252095"/>
+          </a:xfrm>
+          <a:prstGeom prst="straightConnector1">
+            <a:avLst/>
+          </a:prstGeom>
+          <a:ln w="28575">
+            <a:headEnd type="none"/>
+            <a:tailEnd type="triangle" w="med" len="med"/>
+          </a:ln>
+        </p:spPr>
+        <p:style>
+          <a:lnRef idx="1">
+            <a:schemeClr val="dk1"/>
+          </a:lnRef>
+          <a:fillRef idx="0">
+            <a:schemeClr val="dk1"/>
+          </a:fillRef>
+          <a:effectRef idx="0">
+            <a:schemeClr val="dk1"/>
+          </a:effectRef>
+          <a:fontRef idx="minor">
+            <a:schemeClr val="tx1"/>
+          </a:fontRef>
+        </p:style>
+      </p:cxnSp>
+      <p:cxnSp>
+        <p:nvCxnSpPr>
+          <p:cNvPr id="260" name="Elbow Connector 259"/>
+          <p:cNvCxnSpPr>
+            <a:stCxn id="267" idx="1"/>
+            <a:endCxn id="245" idx="1"/>
+          </p:cNvCxnSpPr>
+          <p:nvPr/>
+        </p:nvCxnSpPr>
+        <p:spPr>
+          <a:xfrm rot="5400000" flipH="1" flipV="1">
+            <a:off x="5419725" y="2043430"/>
+            <a:ext cx="307340" cy="4324350"/>
+          </a:xfrm>
+          <a:prstGeom prst="bentConnector3">
+            <a:avLst>
+              <a:gd name="adj1" fmla="val -84091"/>
+            </a:avLst>
+          </a:prstGeom>
+          <a:ln w="28575">
+            <a:solidFill>
+              <a:schemeClr val="tx1"/>
+            </a:solidFill>
+            <a:prstDash val="sysDash"/>
+            <a:headEnd type="none" w="med" len="med"/>
+            <a:tailEnd type="triangle" w="med" len="med"/>
+          </a:ln>
+        </p:spPr>
+        <p:style>
+          <a:lnRef idx="1">
+            <a:schemeClr val="accent1"/>
+          </a:lnRef>
+          <a:fillRef idx="0">
+            <a:schemeClr val="accent1"/>
+          </a:fillRef>
+          <a:effectRef idx="0">
+            <a:schemeClr val="accent1"/>
+          </a:effectRef>
+          <a:fontRef idx="minor">
+            <a:schemeClr val="tx1"/>
+          </a:fontRef>
+        </p:style>
+      </p:cxnSp>
+      <p:sp>
+        <p:nvSpPr>
+          <p:cNvPr id="261" name="Right Arrow 260"/>
+          <p:cNvSpPr/>
+          <p:nvPr/>
+        </p:nvSpPr>
+        <p:spPr>
+          <a:xfrm>
+            <a:off x="6476365" y="3531235"/>
+            <a:ext cx="327660" cy="200660"/>
+          </a:xfrm>
+          <a:prstGeom prst="rightArrow">
+            <a:avLst/>
+          </a:prstGeom>
+          <a:noFill/>
+          <a:ln w="28575">
+            <a:solidFill>
+              <a:schemeClr val="tx1"/>
+            </a:solidFill>
+          </a:ln>
+          <a:extLst>
+            <a:ext uri="{909E8E84-426E-40DD-AFC4-6F175D3DCCD1}">
+              <a14:hiddenFill xmlns:a14="http://schemas.microsoft.com/office/drawing/2010/main">
+                <a:solidFill>
+                  <a:schemeClr val="accent1"/>
+                </a:solidFill>
+              </a14:hiddenFill>
+            </a:ext>
+          </a:extLst>
+        </p:spPr>
+        <p:style>
+          <a:lnRef idx="2">
+            <a:schemeClr val="accent1">
+              <a:shade val="50000"/>
+            </a:schemeClr>
+          </a:lnRef>
+          <a:fillRef idx="1">
+            <a:schemeClr val="accent1"/>
+          </a:fillRef>
+          <a:effectRef idx="0">
+            <a:schemeClr val="accent1"/>
+          </a:effectRef>
+          <a:fontRef idx="minor">
+            <a:schemeClr val="lt1"/>
+          </a:fontRef>
+        </p:style>
+        <p:txBody>
+          <a:bodyPr rtlCol="0" anchor="ctr"/>
+          <a:p>
+            <a:pPr algn="ctr"/>
+            <a:endParaRPr lang="en-IN" altLang="en-US" sz="1200">
+              <a:solidFill>
+                <a:schemeClr val="tx1"/>
+              </a:solidFill>
+            </a:endParaRPr>
+          </a:p>
+        </p:txBody>
+      </p:sp>
+      <p:sp>
+        <p:nvSpPr>
+          <p:cNvPr id="262" name="TextBox 261"/>
+          <p:cNvSpPr txBox="1"/>
+          <p:nvPr/>
+        </p:nvSpPr>
+        <p:spPr>
+          <a:xfrm>
+            <a:off x="6076315" y="3361690"/>
+            <a:ext cx="493395" cy="603250"/>
+          </a:xfrm>
+          <a:prstGeom prst="rect">
+            <a:avLst/>
+          </a:prstGeom>
+          <a:noFill/>
+          <a:ln w="28575">
+            <a:noFill/>
+          </a:ln>
+        </p:spPr>
+        <p:txBody>
+          <a:bodyPr wrap="square" rtlCol="0">
+            <a:spAutoFit/>
+          </a:bodyPr>
+          <a:p>
+            <a:r>
+              <a:rPr lang="x-none" altLang="en-IN" sz="2000" b="1" i="1">
+                <a:solidFill>
+                  <a:schemeClr val="tx1"/>
+                </a:solidFill>
+              </a:rPr>
+              <a:t>Y</a:t>
+            </a:r>
+            <a:r>
+              <a:rPr lang="x-none" altLang="en-IN" sz="2000" b="1" i="1" baseline="30000">
+                <a:solidFill>
+                  <a:schemeClr val="tx1"/>
+                </a:solidFill>
+              </a:rPr>
+              <a:t>0</a:t>
+            </a:r>
+            <a:endParaRPr lang="x-none" altLang="en-IN" sz="2000" b="1" i="1" baseline="30000">
+              <a:solidFill>
+                <a:schemeClr val="tx1"/>
+              </a:solidFill>
+            </a:endParaRPr>
+          </a:p>
+        </p:txBody>
+      </p:sp>
+      <p:sp>
+        <p:nvSpPr>
+          <p:cNvPr id="263" name="Right Arrow 262"/>
+          <p:cNvSpPr/>
+          <p:nvPr/>
+        </p:nvSpPr>
+        <p:spPr>
+          <a:xfrm>
+            <a:off x="6531610" y="5417185"/>
+            <a:ext cx="327660" cy="200660"/>
+          </a:xfrm>
+          <a:prstGeom prst="rightArrow">
+            <a:avLst/>
+          </a:prstGeom>
+          <a:noFill/>
+          <a:ln w="28575">
+            <a:solidFill>
+              <a:schemeClr val="tx1"/>
+            </a:solidFill>
+          </a:ln>
+          <a:extLst>
+            <a:ext uri="{909E8E84-426E-40DD-AFC4-6F175D3DCCD1}">
+              <a14:hiddenFill xmlns:a14="http://schemas.microsoft.com/office/drawing/2010/main">
+                <a:solidFill>
+                  <a:schemeClr val="accent1"/>
+                </a:solidFill>
+              </a14:hiddenFill>
+            </a:ext>
+          </a:extLst>
+        </p:spPr>
+        <p:style>
+          <a:lnRef idx="2">
+            <a:schemeClr val="accent1">
+              <a:shade val="50000"/>
+            </a:schemeClr>
+          </a:lnRef>
+          <a:fillRef idx="1">
+            <a:schemeClr val="accent1"/>
+          </a:fillRef>
+          <a:effectRef idx="0">
+            <a:schemeClr val="accent1"/>
+          </a:effectRef>
+          <a:fontRef idx="minor">
+            <a:schemeClr val="lt1"/>
+          </a:fontRef>
+        </p:style>
+        <p:txBody>
+          <a:bodyPr rtlCol="0" anchor="ctr"/>
+          <a:p>
+            <a:pPr algn="ctr"/>
+            <a:endParaRPr lang="en-IN" altLang="en-US" sz="1200">
+              <a:solidFill>
+                <a:schemeClr val="tx1"/>
+              </a:solidFill>
+            </a:endParaRPr>
+          </a:p>
+        </p:txBody>
+      </p:sp>
+      <p:sp>
+        <p:nvSpPr>
+          <p:cNvPr id="264" name="TextBox 263"/>
+          <p:cNvSpPr txBox="1"/>
+          <p:nvPr/>
+        </p:nvSpPr>
+        <p:spPr>
+          <a:xfrm>
+            <a:off x="6131560" y="5247640"/>
+            <a:ext cx="493395" cy="603250"/>
+          </a:xfrm>
+          <a:prstGeom prst="rect">
+            <a:avLst/>
+          </a:prstGeom>
+          <a:noFill/>
+          <a:ln w="28575">
+            <a:noFill/>
+          </a:ln>
+        </p:spPr>
+        <p:txBody>
+          <a:bodyPr wrap="square" rtlCol="0">
+            <a:spAutoFit/>
+          </a:bodyPr>
+          <a:p>
+            <a:r>
+              <a:rPr lang="x-none" altLang="en-IN" sz="2000" b="1" i="1">
+                <a:solidFill>
+                  <a:schemeClr val="tx1"/>
+                </a:solidFill>
+              </a:rPr>
+              <a:t>Y</a:t>
+            </a:r>
+            <a:r>
+              <a:rPr lang="x-none" altLang="en-IN" sz="2000" b="1" i="1" baseline="30000">
+                <a:solidFill>
+                  <a:schemeClr val="tx1"/>
+                </a:solidFill>
+              </a:rPr>
+              <a:t>0</a:t>
+            </a:r>
+            <a:endParaRPr lang="x-none" altLang="en-IN" sz="2000" b="1" i="1" baseline="30000">
+              <a:solidFill>
+                <a:schemeClr val="tx1"/>
+              </a:solidFill>
+            </a:endParaRPr>
+          </a:p>
+        </p:txBody>
+      </p:sp>
+      <p:cxnSp>
+        <p:nvCxnSpPr>
+          <p:cNvPr id="266" name="Elbow Connector 265"/>
+          <p:cNvCxnSpPr>
+            <a:stCxn id="268" idx="1"/>
+          </p:cNvCxnSpPr>
+          <p:nvPr/>
+        </p:nvCxnSpPr>
+        <p:spPr>
+          <a:xfrm rot="5400000" flipH="1" flipV="1">
+            <a:off x="5045075" y="4083050"/>
+            <a:ext cx="363220" cy="4138930"/>
+          </a:xfrm>
+          <a:prstGeom prst="bentConnector4">
+            <a:avLst>
+              <a:gd name="adj1" fmla="val -72378"/>
+              <a:gd name="adj2" fmla="val 99969"/>
+            </a:avLst>
+          </a:prstGeom>
+          <a:ln w="28575">
+            <a:solidFill>
+              <a:schemeClr val="tx1"/>
+            </a:solidFill>
+            <a:prstDash val="sysDash"/>
+            <a:headEnd type="none" w="med" len="med"/>
+            <a:tailEnd type="triangle" w="med" len="med"/>
+          </a:ln>
+        </p:spPr>
+        <p:style>
+          <a:lnRef idx="1">
+            <a:schemeClr val="accent1"/>
+          </a:lnRef>
+          <a:fillRef idx="0">
+            <a:schemeClr val="accent1"/>
+          </a:fillRef>
+          <a:effectRef idx="0">
+            <a:schemeClr val="accent1"/>
+          </a:effectRef>
+          <a:fontRef idx="minor">
+            <a:schemeClr val="tx1"/>
+          </a:fontRef>
+        </p:style>
+      </p:cxnSp>
+      <p:sp>
+        <p:nvSpPr>
+          <p:cNvPr id="267" name="Left Brace 266"/>
+          <p:cNvSpPr/>
+          <p:nvPr/>
+        </p:nvSpPr>
+        <p:spPr>
+          <a:xfrm rot="16260000">
+            <a:off x="3294380" y="3100705"/>
+            <a:ext cx="236855" cy="2280285"/>
+          </a:xfrm>
+          <a:prstGeom prst="leftBrace">
+            <a:avLst/>
+          </a:prstGeom>
+          <a:ln>
+            <a:solidFill>
+              <a:schemeClr val="tx1"/>
+            </a:solidFill>
+            <a:prstDash val="sysDash"/>
+          </a:ln>
+        </p:spPr>
+        <p:style>
+          <a:lnRef idx="1">
+            <a:schemeClr val="accent1"/>
+          </a:lnRef>
+          <a:fillRef idx="0">
+            <a:schemeClr val="accent1"/>
+          </a:fillRef>
+          <a:effectRef idx="0">
+            <a:schemeClr val="accent1"/>
+          </a:effectRef>
+          <a:fontRef idx="minor">
+            <a:schemeClr val="tx1"/>
+          </a:fontRef>
+        </p:style>
+        <p:txBody>
+          <a:bodyPr rtlCol="0" anchor="ctr"/>
+          <a:p>
+            <a:pPr algn="ctr"/>
+            <a:endParaRPr lang="en-IN" altLang="en-US"/>
+          </a:p>
+        </p:txBody>
+      </p:sp>
+      <p:sp>
+        <p:nvSpPr>
+          <p:cNvPr id="268" name="Left Brace 267"/>
+          <p:cNvSpPr/>
+          <p:nvPr/>
+        </p:nvSpPr>
+        <p:spPr>
+          <a:xfrm rot="16260000">
+            <a:off x="3004185" y="4772025"/>
+            <a:ext cx="311150" cy="2813685"/>
+          </a:xfrm>
+          <a:prstGeom prst="leftBrace">
+            <a:avLst/>
+          </a:prstGeom>
+          <a:ln>
+            <a:solidFill>
+              <a:schemeClr val="tx1"/>
+            </a:solidFill>
+            <a:prstDash val="sysDash"/>
+          </a:ln>
+        </p:spPr>
+        <p:style>
+          <a:lnRef idx="1">
+            <a:schemeClr val="accent1"/>
+          </a:lnRef>
+          <a:fillRef idx="0">
+            <a:schemeClr val="accent1"/>
+          </a:fillRef>
+          <a:effectRef idx="0">
+            <a:schemeClr val="accent1"/>
+          </a:effectRef>
+          <a:fontRef idx="minor">
+            <a:schemeClr val="tx1"/>
+          </a:fontRef>
+        </p:style>
+        <p:txBody>
+          <a:bodyPr rtlCol="0" anchor="ctr"/>
+          <a:p>
+            <a:pPr algn="ctr"/>
+            <a:endParaRPr lang="en-IN" altLang="en-US"/>
+          </a:p>
+        </p:txBody>
+      </p:sp>
+      <p:cxnSp>
+        <p:nvCxnSpPr>
+          <p:cNvPr id="269" name="Straight Arrow Connector 268"/>
+          <p:cNvCxnSpPr/>
+          <p:nvPr/>
+        </p:nvCxnSpPr>
+        <p:spPr>
+          <a:xfrm>
+            <a:off x="454025" y="781050"/>
+            <a:ext cx="4189095" cy="0"/>
+          </a:xfrm>
+          <a:prstGeom prst="straightConnector1">
+            <a:avLst/>
+          </a:prstGeom>
+          <a:ln w="28575">
+            <a:solidFill>
+              <a:schemeClr val="tx1"/>
+            </a:solidFill>
+            <a:tailEnd type="arrow" w="med" len="med"/>
+          </a:ln>
+        </p:spPr>
+        <p:style>
+          <a:lnRef idx="1">
+            <a:schemeClr val="dk1"/>
+          </a:lnRef>
+          <a:fillRef idx="0">
+            <a:schemeClr val="dk1"/>
+          </a:fillRef>
+          <a:effectRef idx="0">
+            <a:schemeClr val="dk1"/>
+          </a:effectRef>
+          <a:fontRef idx="minor">
+            <a:schemeClr val="tx1"/>
+          </a:fontRef>
+        </p:style>
+      </p:cxnSp>
+      <p:sp>
+        <p:nvSpPr>
+          <p:cNvPr id="270" name="TextBox 269"/>
+          <p:cNvSpPr txBox="1"/>
+          <p:nvPr/>
+        </p:nvSpPr>
+        <p:spPr>
+          <a:xfrm>
+            <a:off x="384175" y="425450"/>
+            <a:ext cx="1438910" cy="499110"/>
+          </a:xfrm>
+          <a:prstGeom prst="rect">
+            <a:avLst/>
+          </a:prstGeom>
+          <a:noFill/>
+        </p:spPr>
+        <p:txBody>
+          <a:bodyPr wrap="square" rtlCol="0">
+            <a:spAutoFit/>
+          </a:bodyPr>
+          <a:p>
+            <a:r>
+              <a:rPr lang="x-none" altLang="en-IN" sz="1600"/>
+              <a:t>Most Reliable</a:t>
+            </a:r>
+            <a:endParaRPr lang="x-none" altLang="en-IN" sz="1600"/>
+          </a:p>
+        </p:txBody>
+      </p:sp>
+      <p:sp>
+        <p:nvSpPr>
+          <p:cNvPr id="271" name="TextBox 270"/>
+          <p:cNvSpPr txBox="1"/>
+          <p:nvPr/>
+        </p:nvSpPr>
+        <p:spPr>
+          <a:xfrm>
+            <a:off x="3477895" y="423545"/>
+            <a:ext cx="1438910" cy="499110"/>
+          </a:xfrm>
+          <a:prstGeom prst="rect">
+            <a:avLst/>
+          </a:prstGeom>
+          <a:noFill/>
+        </p:spPr>
+        <p:txBody>
+          <a:bodyPr wrap="square" rtlCol="0">
+            <a:spAutoFit/>
+          </a:bodyPr>
+          <a:p>
+            <a:r>
+              <a:rPr lang="x-none" altLang="en-IN" sz="1600"/>
+              <a:t>Least Reliable</a:t>
+            </a:r>
+            <a:endParaRPr lang="x-none" altLang="en-IN" sz="1600"/>
+          </a:p>
+        </p:txBody>
+      </p:sp>
+      <p:sp>
+        <p:nvSpPr>
+          <p:cNvPr id="272" name="TextBox 271"/>
+          <p:cNvSpPr txBox="1"/>
+          <p:nvPr/>
+        </p:nvSpPr>
+        <p:spPr>
+          <a:xfrm>
+            <a:off x="1351280" y="43815"/>
+            <a:ext cx="2495550" cy="550545"/>
+          </a:xfrm>
+          <a:prstGeom prst="rect">
+            <a:avLst/>
+          </a:prstGeom>
+          <a:noFill/>
+        </p:spPr>
+        <p:txBody>
+          <a:bodyPr wrap="square" rtlCol="0">
+            <a:spAutoFit/>
+          </a:bodyPr>
+          <a:p>
+            <a:r>
+              <a:rPr lang="x-none" altLang="en-IN" i="1"/>
+              <a:t>Mapping to bit-channels</a:t>
+            </a:r>
+            <a:endParaRPr lang="x-none" altLang="en-IN" i="1"/>
+          </a:p>
+        </p:txBody>
+      </p:sp>
+    </p:spTree>
+  </p:cSld>
+  <p:clrMapOvr>
+    <a:masterClrMapping/>
+  </p:clrMapOvr>
+</p:sld>
+</file>
+
+<file path=ppt/slides/slide8.xml><?xml version="1.0" encoding="utf-8"?>
+<p:sld xmlns:a="http://schemas.openxmlformats.org/drawingml/2006/main" xmlns:r="http://schemas.openxmlformats.org/officeDocument/2006/relationships" xmlns:p="http://schemas.openxmlformats.org/presentationml/2006/main">
+  <p:cSld>
+    <p:spTree>
+      <p:nvGrpSpPr>
+        <p:cNvPr id="1" name=""/>
+        <p:cNvGrpSpPr/>
+        <p:nvPr/>
+      </p:nvGrpSpPr>
+      <p:grpSpPr/>
       <p:graphicFrame>
         <p:nvGraphicFramePr>
           <p:cNvPr id="51" name="Table 50"/>
@@ -14278,15 +17921,7 @@
                             <a:schemeClr val="tx1"/>
                           </a:solidFill>
                         </a:rPr>
-                        <a:t>u</a:t>
-                      </a:r>
-                      <a:r>
-                        <a:rPr lang="x-none" b="0" i="1" baseline="-25000">
-                          <a:solidFill>
-                            <a:schemeClr val="tx1"/>
-                          </a:solidFill>
-                        </a:rPr>
-                        <a:t>6</a:t>
+                        <a:t>0</a:t>
                       </a:r>
                       <a:endParaRPr lang="x-none" b="0" i="1" baseline="-25000">
                         <a:solidFill>
@@ -14340,15 +17975,7 @@
                             <a:schemeClr val="tx1"/>
                           </a:solidFill>
                         </a:rPr>
-                        <a:t>u</a:t>
-                      </a:r>
-                      <a:r>
-                        <a:rPr lang="x-none" b="0" i="1" baseline="-25000">
-                          <a:solidFill>
-                            <a:schemeClr val="tx1"/>
-                          </a:solidFill>
-                        </a:rPr>
-                        <a:t>7</a:t>
+                        <a:t>0</a:t>
                       </a:r>
                       <a:endParaRPr lang="x-none" b="0" i="1" baseline="-25000">
                         <a:solidFill>
@@ -14394,78 +18021,6 @@
           </a:graphicData>
         </a:graphic>
       </p:graphicFrame>
-      <p:sp>
-        <p:nvSpPr>
-          <p:cNvPr id="54" name="Left Brace 53"/>
-          <p:cNvSpPr/>
-          <p:nvPr/>
-        </p:nvSpPr>
-        <p:spPr>
-          <a:xfrm rot="16260000">
-            <a:off x="4071620" y="1159510"/>
-            <a:ext cx="238125" cy="720725"/>
-          </a:xfrm>
-          <a:prstGeom prst="leftBrace">
-            <a:avLst/>
-          </a:prstGeom>
-        </p:spPr>
-        <p:style>
-          <a:lnRef idx="1">
-            <a:schemeClr val="accent1"/>
-          </a:lnRef>
-          <a:fillRef idx="0">
-            <a:schemeClr val="accent1"/>
-          </a:fillRef>
-          <a:effectRef idx="0">
-            <a:schemeClr val="accent1"/>
-          </a:effectRef>
-          <a:fontRef idx="minor">
-            <a:schemeClr val="tx1"/>
-          </a:fontRef>
-        </p:style>
-        <p:txBody>
-          <a:bodyPr rtlCol="0" anchor="ctr"/>
-          <a:p>
-            <a:pPr algn="ctr"/>
-            <a:endParaRPr lang="en-IN" altLang="en-US"/>
-          </a:p>
-        </p:txBody>
-      </p:sp>
-      <p:cxnSp>
-        <p:nvCxnSpPr>
-          <p:cNvPr id="55" name="Elbow Connector 54"/>
-          <p:cNvCxnSpPr>
-            <a:stCxn id="54" idx="1"/>
-          </p:cNvCxnSpPr>
-          <p:nvPr/>
-        </p:nvCxnSpPr>
-        <p:spPr>
-          <a:xfrm rot="5400000" flipV="1">
-            <a:off x="4613910" y="1202690"/>
-            <a:ext cx="459105" cy="1330960"/>
-          </a:xfrm>
-          <a:prstGeom prst="bentConnector2">
-            <a:avLst/>
-          </a:prstGeom>
-          <a:ln>
-            <a:tailEnd type="arrow"/>
-          </a:ln>
-        </p:spPr>
-        <p:style>
-          <a:lnRef idx="1">
-            <a:schemeClr val="accent1"/>
-          </a:lnRef>
-          <a:fillRef idx="0">
-            <a:schemeClr val="accent1"/>
-          </a:fillRef>
-          <a:effectRef idx="0">
-            <a:schemeClr val="accent1"/>
-          </a:effectRef>
-          <a:fontRef idx="minor">
-            <a:schemeClr val="tx1"/>
-          </a:fontRef>
-        </p:style>
-      </p:cxnSp>
       <p:graphicFrame>
         <p:nvGraphicFramePr>
           <p:cNvPr id="84" name="Table 83"/>
@@ -16345,7 +19900,7 @@
         </p:nvSpPr>
         <p:spPr>
           <a:xfrm>
-            <a:off x="339725" y="306070"/>
+            <a:off x="339725" y="1310005"/>
             <a:ext cx="1341120" cy="550545"/>
           </a:xfrm>
           <a:prstGeom prst="rect">
@@ -16360,7 +19915,7 @@
           <a:p>
             <a:r>
               <a:rPr lang="x-none" altLang="en-IN"/>
-              <a:t>Iteration 0</a:t>
+              <a:t>Iteration 1</a:t>
             </a:r>
             <a:endParaRPr lang="x-none" altLang="en-IN"/>
           </a:p>
@@ -16374,7 +19929,7 @@
         </p:nvSpPr>
         <p:spPr>
           <a:xfrm>
-            <a:off x="405765" y="2213610"/>
+            <a:off x="351790" y="3217545"/>
             <a:ext cx="1341120" cy="550545"/>
           </a:xfrm>
           <a:prstGeom prst="rect">
@@ -16389,7 +19944,7 @@
           <a:p>
             <a:r>
               <a:rPr lang="x-none" altLang="en-IN"/>
-              <a:t>Iteration 1</a:t>
+              <a:t>Iteration 2</a:t>
             </a:r>
             <a:endParaRPr lang="x-none" altLang="en-IN"/>
           </a:p>
@@ -16403,7 +19958,7 @@
         </p:nvSpPr>
         <p:spPr>
           <a:xfrm>
-            <a:off x="427990" y="3851910"/>
+            <a:off x="384810" y="4845050"/>
             <a:ext cx="1341120" cy="550545"/>
           </a:xfrm>
           <a:prstGeom prst="rect">
@@ -16418,7 +19973,7 @@
           <a:p>
             <a:r>
               <a:rPr lang="x-none" altLang="en-IN"/>
-              <a:t>Iteration 2</a:t>
+              <a:t>Iteration 3</a:t>
             </a:r>
             <a:endParaRPr lang="x-none" altLang="en-IN"/>
           </a:p>
@@ -16522,14 +20077,14 @@
       </p:sp>
       <p:sp>
         <p:nvSpPr>
-          <p:cNvPr id="202" name="TextBox 201"/>
+          <p:cNvPr id="205" name="TextBox 204"/>
           <p:cNvSpPr txBox="1"/>
           <p:nvPr/>
         </p:nvSpPr>
         <p:spPr>
           <a:xfrm>
-            <a:off x="9225280" y="601345"/>
-            <a:ext cx="1483360" cy="826770"/>
+            <a:off x="10942955" y="2683510"/>
+            <a:ext cx="835660" cy="552450"/>
           </a:xfrm>
           <a:prstGeom prst="rect">
             <a:avLst/>
@@ -16549,170 +20104,9 @@
             <a:pPr algn="ctr"/>
             <a:r>
               <a:rPr lang="x-none" altLang="en-IN" b="1"/>
-              <a:t>Error Detection</a:t>
+              <a:t>ED</a:t>
             </a:r>
             <a:endParaRPr lang="x-none" altLang="en-IN" b="1"/>
-          </a:p>
-        </p:txBody>
-      </p:sp>
-      <p:sp>
-        <p:nvSpPr>
-          <p:cNvPr id="203" name="TextBox 202"/>
-          <p:cNvSpPr txBox="1"/>
-          <p:nvPr/>
-        </p:nvSpPr>
-        <p:spPr>
-          <a:xfrm>
-            <a:off x="8564880" y="1142365"/>
-            <a:ext cx="1032510" cy="550545"/>
-          </a:xfrm>
-          <a:prstGeom prst="rect">
-            <a:avLst/>
-          </a:prstGeom>
-          <a:noFill/>
-        </p:spPr>
-        <p:txBody>
-          <a:bodyPr wrap="square" rtlCol="0">
-            <a:spAutoFit/>
-          </a:bodyPr>
-          <a:p>
-            <a:r>
-              <a:rPr lang="x-none" altLang="en-IN"/>
-              <a:t>LLR</a:t>
-            </a:r>
-            <a:endParaRPr lang="x-none" altLang="en-IN"/>
-          </a:p>
-        </p:txBody>
-      </p:sp>
-      <p:sp>
-        <p:nvSpPr>
-          <p:cNvPr id="205" name="TextBox 204"/>
-          <p:cNvSpPr txBox="1"/>
-          <p:nvPr/>
-        </p:nvSpPr>
-        <p:spPr>
-          <a:xfrm>
-            <a:off x="10942955" y="2683510"/>
-            <a:ext cx="835660" cy="552450"/>
-          </a:xfrm>
-          <a:prstGeom prst="rect">
-            <a:avLst/>
-          </a:prstGeom>
-          <a:noFill/>
-          <a:ln w="28575">
-            <a:solidFill>
-              <a:schemeClr val="tx1"/>
-            </a:solidFill>
-          </a:ln>
-        </p:spPr>
-        <p:txBody>
-          <a:bodyPr wrap="square" rtlCol="0">
-            <a:spAutoFit/>
-          </a:bodyPr>
-          <a:p>
-            <a:pPr algn="ctr"/>
-            <a:r>
-              <a:rPr lang="x-none" altLang="en-IN" b="1"/>
-              <a:t>ED</a:t>
-            </a:r>
-            <a:endParaRPr lang="x-none" altLang="en-IN" b="1"/>
-          </a:p>
-        </p:txBody>
-      </p:sp>
-      <p:sp>
-        <p:nvSpPr>
-          <p:cNvPr id="206" name="TextBox 205"/>
-          <p:cNvSpPr txBox="1"/>
-          <p:nvPr/>
-        </p:nvSpPr>
-        <p:spPr>
-          <a:xfrm>
-            <a:off x="11212830" y="614680"/>
-            <a:ext cx="857250" cy="1099185"/>
-          </a:xfrm>
-          <a:prstGeom prst="rect">
-            <a:avLst/>
-          </a:prstGeom>
-          <a:noFill/>
-        </p:spPr>
-        <p:txBody>
-          <a:bodyPr wrap="square" rtlCol="0">
-            <a:spAutoFit/>
-          </a:bodyPr>
-          <a:p>
-            <a:r>
-              <a:rPr lang="x-none" altLang="en-IN" i="1"/>
-              <a:t>Error</a:t>
-            </a:r>
-            <a:endParaRPr lang="x-none" altLang="en-IN" i="1"/>
-          </a:p>
-          <a:p>
-            <a:r>
-              <a:rPr lang="x-none" altLang="en-IN" i="1"/>
-              <a:t>present </a:t>
-            </a:r>
-            <a:endParaRPr lang="x-none" altLang="en-IN" i="1"/>
-          </a:p>
-          <a:p>
-            <a:endParaRPr lang="x-none" altLang="en-IN" i="1"/>
-          </a:p>
-        </p:txBody>
-      </p:sp>
-      <p:sp>
-        <p:nvSpPr>
-          <p:cNvPr id="207" name="Right Arrow 206"/>
-          <p:cNvSpPr/>
-          <p:nvPr/>
-        </p:nvSpPr>
-        <p:spPr>
-          <a:xfrm>
-            <a:off x="10768965" y="844550"/>
-            <a:ext cx="425450" cy="200660"/>
-          </a:xfrm>
-          <a:prstGeom prst="rightArrow">
-            <a:avLst/>
-          </a:prstGeom>
-          <a:noFill/>
-          <a:ln w="28575">
-            <a:solidFill>
-              <a:schemeClr val="tx1"/>
-            </a:solidFill>
-          </a:ln>
-          <a:extLst>
-            <a:ext uri="{909E8E84-426E-40DD-AFC4-6F175D3DCCD1}">
-              <a14:hiddenFill xmlns:a14="http://schemas.microsoft.com/office/drawing/2010/main">
-                <a:solidFill>
-                  <a:schemeClr val="accent1"/>
-                </a:solidFill>
-              </a14:hiddenFill>
-            </a:ext>
-          </a:extLst>
-        </p:spPr>
-        <p:style>
-          <a:lnRef idx="2">
-            <a:schemeClr val="accent1">
-              <a:shade val="50000"/>
-            </a:schemeClr>
-          </a:lnRef>
-          <a:fillRef idx="1">
-            <a:schemeClr val="accent1"/>
-          </a:fillRef>
-          <a:effectRef idx="0">
-            <a:schemeClr val="accent1"/>
-          </a:effectRef>
-          <a:fontRef idx="minor">
-            <a:schemeClr val="lt1"/>
-          </a:fontRef>
-        </p:style>
-        <p:txBody>
-          <a:bodyPr rtlCol="0" anchor="ctr"/>
-          <a:p>
-            <a:pPr algn="ctr"/>
-            <a:endParaRPr lang="en-IN" altLang="en-US" sz="1200">
-              <a:solidFill>
-                <a:schemeClr val="tx1"/>
-              </a:solidFill>
-            </a:endParaRPr>
           </a:p>
         </p:txBody>
       </p:sp>
@@ -17361,14 +20755,14 @@
       </p:sp>
       <p:sp>
         <p:nvSpPr>
-          <p:cNvPr id="225" name="TextBox 224"/>
-          <p:cNvSpPr txBox="1"/>
+          <p:cNvPr id="59" name="Rectangle 58"/>
+          <p:cNvSpPr/>
           <p:nvPr/>
         </p:nvSpPr>
         <p:spPr>
           <a:xfrm>
-            <a:off x="3140075" y="5872480"/>
-            <a:ext cx="1438275" cy="550545"/>
+            <a:off x="5238115" y="617855"/>
+            <a:ext cx="1560830" cy="857250"/>
           </a:xfrm>
           <a:prstGeom prst="rect">
             <a:avLst/>
@@ -17379,45 +20773,45 @@
               <a:schemeClr val="tx1"/>
             </a:solidFill>
           </a:ln>
-        </p:spPr>
+          <a:extLst>
+            <a:ext uri="{909E8E84-426E-40DD-AFC4-6F175D3DCCD1}">
+              <a14:hiddenFill xmlns:a14="http://schemas.microsoft.com/office/drawing/2010/main">
+                <a:solidFill>
+                  <a:schemeClr val="accent1"/>
+                </a:solidFill>
+              </a14:hiddenFill>
+            </a:ext>
+          </a:extLst>
+        </p:spPr>
+        <p:style>
+          <a:lnRef idx="2">
+            <a:schemeClr val="accent1">
+              <a:shade val="50000"/>
+            </a:schemeClr>
+          </a:lnRef>
+          <a:fillRef idx="1">
+            <a:schemeClr val="accent1"/>
+          </a:fillRef>
+          <a:effectRef idx="0">
+            <a:schemeClr val="accent1"/>
+          </a:effectRef>
+          <a:fontRef idx="minor">
+            <a:schemeClr val="lt1"/>
+          </a:fontRef>
+        </p:style>
         <p:txBody>
-          <a:bodyPr wrap="square" rtlCol="0">
-            <a:spAutoFit/>
-          </a:bodyPr>
-          <a:p>
-            <a:r>
-              <a:rPr lang="x-none" altLang="en-IN" i="1">
+          <a:bodyPr rtlCol="0" anchor="ctr"/>
+          <a:p>
+            <a:pPr algn="ctr"/>
+            <a:r>
+              <a:rPr lang="x-none" altLang="en-IN" b="1">
                 <a:solidFill>
                   <a:schemeClr val="tx1"/>
                 </a:solidFill>
               </a:rPr>
-              <a:t> </a:t>
-            </a:r>
-            <a:r>
-              <a:rPr lang="x-none" altLang="en-IN">
-                <a:solidFill>
-                  <a:schemeClr val="tx1"/>
-                </a:solidFill>
-              </a:rPr>
-              <a:t>Estimate</a:t>
-            </a:r>
-            <a:r>
-              <a:rPr lang="x-none" altLang="en-IN" i="1">
-                <a:solidFill>
-                  <a:schemeClr val="tx1"/>
-                </a:solidFill>
-              </a:rPr>
-              <a:t> U</a:t>
-            </a:r>
-            <a:r>
-              <a:rPr lang="x-none" altLang="en-IN" i="1" baseline="30000">
-                <a:solidFill>
-                  <a:schemeClr val="tx1"/>
-                </a:solidFill>
-              </a:rPr>
-              <a:t>0</a:t>
-            </a:r>
-            <a:endParaRPr lang="x-none" altLang="en-IN" i="1" baseline="30000">
+              <a:t>Polar Encoder </a:t>
+            </a:r>
+            <a:endParaRPr lang="x-none" altLang="en-IN" b="1">
               <a:solidFill>
                 <a:schemeClr val="tx1"/>
               </a:solidFill>
@@ -17427,14 +20821,14 @@
       </p:sp>
       <p:sp>
         <p:nvSpPr>
-          <p:cNvPr id="226" name="TextBox 225"/>
-          <p:cNvSpPr txBox="1"/>
+          <p:cNvPr id="60" name="Rectangle 59"/>
+          <p:cNvSpPr/>
           <p:nvPr/>
         </p:nvSpPr>
         <p:spPr>
           <a:xfrm>
-            <a:off x="2178685" y="5864225"/>
-            <a:ext cx="506095" cy="550545"/>
+            <a:off x="7161530" y="617855"/>
+            <a:ext cx="1560830" cy="857250"/>
           </a:xfrm>
           <a:prstGeom prst="rect">
             <a:avLst/>
@@ -17445,31 +20839,176 @@
               <a:schemeClr val="tx1"/>
             </a:solidFill>
           </a:ln>
-        </p:spPr>
+          <a:extLst>
+            <a:ext uri="{909E8E84-426E-40DD-AFC4-6F175D3DCCD1}">
+              <a14:hiddenFill xmlns:a14="http://schemas.microsoft.com/office/drawing/2010/main">
+                <a:solidFill>
+                  <a:schemeClr val="accent1"/>
+                </a:solidFill>
+              </a14:hiddenFill>
+            </a:ext>
+          </a:extLst>
+        </p:spPr>
+        <p:style>
+          <a:lnRef idx="2">
+            <a:schemeClr val="accent1">
+              <a:shade val="50000"/>
+            </a:schemeClr>
+          </a:lnRef>
+          <a:fillRef idx="1">
+            <a:schemeClr val="accent1"/>
+          </a:fillRef>
+          <a:effectRef idx="0">
+            <a:schemeClr val="accent1"/>
+          </a:effectRef>
+          <a:fontRef idx="minor">
+            <a:schemeClr val="lt1"/>
+          </a:fontRef>
+        </p:style>
         <p:txBody>
-          <a:bodyPr wrap="square" rtlCol="0">
-            <a:spAutoFit/>
-          </a:bodyPr>
+          <a:bodyPr rtlCol="0" anchor="ctr"/>
           <a:p>
             <a:pPr algn="ctr"/>
             <a:r>
-              <a:rPr lang="x-none" altLang="en-IN"/>
-              <a:t>T</a:t>
-            </a:r>
-            <a:endParaRPr lang="x-none" altLang="en-IN"/>
+              <a:rPr lang="x-none" altLang="en-IN" b="1">
+                <a:solidFill>
+                  <a:schemeClr val="tx1"/>
+                </a:solidFill>
+              </a:rPr>
+              <a:t>BSC(p</a:t>
+            </a:r>
+            <a:r>
+              <a:rPr lang="x-none" altLang="en-IN" b="1" baseline="-25000">
+                <a:solidFill>
+                  <a:schemeClr val="tx1"/>
+                </a:solidFill>
+              </a:rPr>
+              <a:t>3</a:t>
+            </a:r>
+            <a:r>
+              <a:rPr lang="x-none" altLang="en-IN" b="1">
+                <a:solidFill>
+                  <a:schemeClr val="tx1"/>
+                </a:solidFill>
+              </a:rPr>
+              <a:t>)</a:t>
+            </a:r>
+            <a:endParaRPr lang="x-none" altLang="en-IN" b="1">
+              <a:solidFill>
+                <a:schemeClr val="tx1"/>
+              </a:solidFill>
+            </a:endParaRPr>
           </a:p>
         </p:txBody>
       </p:sp>
       <p:sp>
         <p:nvSpPr>
-          <p:cNvPr id="228" name="Right Arrow 227"/>
+          <p:cNvPr id="61" name="Rectangle 60"/>
           <p:cNvSpPr/>
           <p:nvPr/>
         </p:nvSpPr>
         <p:spPr>
-          <a:xfrm rot="10980000">
-            <a:off x="2782570" y="5994400"/>
-            <a:ext cx="326390" cy="235585"/>
+          <a:xfrm>
+            <a:off x="9052560" y="640080"/>
+            <a:ext cx="1560830" cy="857250"/>
+          </a:xfrm>
+          <a:prstGeom prst="rect">
+            <a:avLst/>
+          </a:prstGeom>
+          <a:noFill/>
+          <a:ln w="28575">
+            <a:solidFill>
+              <a:schemeClr val="tx1"/>
+            </a:solidFill>
+          </a:ln>
+          <a:extLst>
+            <a:ext uri="{909E8E84-426E-40DD-AFC4-6F175D3DCCD1}">
+              <a14:hiddenFill xmlns:a14="http://schemas.microsoft.com/office/drawing/2010/main">
+                <a:solidFill>
+                  <a:schemeClr val="accent1"/>
+                </a:solidFill>
+              </a14:hiddenFill>
+            </a:ext>
+          </a:extLst>
+        </p:spPr>
+        <p:style>
+          <a:lnRef idx="2">
+            <a:schemeClr val="accent1">
+              <a:shade val="50000"/>
+            </a:schemeClr>
+          </a:lnRef>
+          <a:fillRef idx="1">
+            <a:schemeClr val="accent1"/>
+          </a:fillRef>
+          <a:effectRef idx="0">
+            <a:schemeClr val="accent1"/>
+          </a:effectRef>
+          <a:fontRef idx="minor">
+            <a:schemeClr val="lt1"/>
+          </a:fontRef>
+        </p:style>
+        <p:txBody>
+          <a:bodyPr rtlCol="0" anchor="ctr"/>
+          <a:p>
+            <a:pPr algn="ctr"/>
+            <a:r>
+              <a:rPr lang="x-none" altLang="en-IN" b="1">
+                <a:solidFill>
+                  <a:schemeClr val="tx1"/>
+                </a:solidFill>
+              </a:rPr>
+              <a:t>Decoder</a:t>
+            </a:r>
+            <a:endParaRPr lang="x-none" altLang="en-IN" b="1">
+              <a:solidFill>
+                <a:schemeClr val="tx1"/>
+              </a:solidFill>
+            </a:endParaRPr>
+          </a:p>
+          <a:p>
+            <a:pPr algn="ctr"/>
+            <a:r>
+              <a:rPr lang="x-none" altLang="en-IN" b="1">
+                <a:solidFill>
+                  <a:schemeClr val="tx1"/>
+                </a:solidFill>
+              </a:rPr>
+              <a:t>using p</a:t>
+            </a:r>
+            <a:r>
+              <a:rPr lang="x-none" altLang="en-IN" b="1" baseline="-25000">
+                <a:solidFill>
+                  <a:schemeClr val="tx1"/>
+                </a:solidFill>
+              </a:rPr>
+              <a:t>1</a:t>
+            </a:r>
+            <a:r>
+              <a:rPr lang="x-none" altLang="en-IN" b="1" baseline="-25000">
+                <a:solidFill>
+                  <a:schemeClr val="tx1"/>
+                </a:solidFill>
+              </a:rPr>
+              <a:t> </a:t>
+            </a:r>
+            <a:endParaRPr lang="x-none" altLang="en-IN" b="1" baseline="-25000">
+              <a:solidFill>
+                <a:schemeClr val="tx1"/>
+              </a:solidFill>
+            </a:endParaRPr>
+          </a:p>
+        </p:txBody>
+      </p:sp>
+      <p:sp>
+        <p:nvSpPr>
+          <p:cNvPr id="62" name="Right Arrow 61"/>
+          <p:cNvSpPr/>
+          <p:nvPr/>
+        </p:nvSpPr>
+        <p:spPr>
+          <a:xfrm>
+            <a:off x="4831080" y="949960"/>
+            <a:ext cx="330835" cy="175895"/>
           </a:xfrm>
           <a:prstGeom prst="rightArrow">
             <a:avLst/>
@@ -17510,24 +21049,20 @@
           <a:bodyPr rtlCol="0" anchor="ctr"/>
           <a:p>
             <a:pPr algn="ctr"/>
-            <a:r>
-              <a:rPr lang="x-none" altLang="en-IN"/>
-              <a:t> </a:t>
-            </a:r>
-            <a:endParaRPr lang="x-none" altLang="en-IN"/>
+            <a:endParaRPr lang="en-IN" altLang="en-US"/>
           </a:p>
         </p:txBody>
       </p:sp>
       <p:sp>
         <p:nvSpPr>
-          <p:cNvPr id="229" name="Right Arrow 228"/>
+          <p:cNvPr id="63" name="Right Arrow 62"/>
           <p:cNvSpPr/>
           <p:nvPr/>
         </p:nvSpPr>
         <p:spPr>
-          <a:xfrm rot="10980000">
-            <a:off x="1761490" y="5994400"/>
-            <a:ext cx="326390" cy="235585"/>
+          <a:xfrm>
+            <a:off x="6875780" y="950595"/>
+            <a:ext cx="243205" cy="175895"/>
           </a:xfrm>
           <a:prstGeom prst="rightArrow">
             <a:avLst/>
@@ -17568,11 +21103,557 @@
           <a:bodyPr rtlCol="0" anchor="ctr"/>
           <a:p>
             <a:pPr algn="ctr"/>
+            <a:endParaRPr lang="en-IN" altLang="en-US"/>
+          </a:p>
+        </p:txBody>
+      </p:sp>
+      <p:sp>
+        <p:nvSpPr>
+          <p:cNvPr id="64" name="Right Arrow 63"/>
+          <p:cNvSpPr/>
+          <p:nvPr/>
+        </p:nvSpPr>
+        <p:spPr>
+          <a:xfrm>
+            <a:off x="8788400" y="972820"/>
+            <a:ext cx="243205" cy="175895"/>
+          </a:xfrm>
+          <a:prstGeom prst="rightArrow">
+            <a:avLst/>
+          </a:prstGeom>
+          <a:noFill/>
+          <a:ln>
+            <a:solidFill>
+              <a:schemeClr val="tx1"/>
+            </a:solidFill>
+          </a:ln>
+          <a:extLst>
+            <a:ext uri="{909E8E84-426E-40DD-AFC4-6F175D3DCCD1}">
+              <a14:hiddenFill xmlns:a14="http://schemas.microsoft.com/office/drawing/2010/main">
+                <a:solidFill>
+                  <a:schemeClr val="accent1"/>
+                </a:solidFill>
+              </a14:hiddenFill>
+            </a:ext>
+          </a:extLst>
+        </p:spPr>
+        <p:style>
+          <a:lnRef idx="2">
+            <a:schemeClr val="accent1">
+              <a:shade val="50000"/>
+            </a:schemeClr>
+          </a:lnRef>
+          <a:fillRef idx="1">
+            <a:schemeClr val="accent1"/>
+          </a:fillRef>
+          <a:effectRef idx="0">
+            <a:schemeClr val="accent1"/>
+          </a:effectRef>
+          <a:fontRef idx="minor">
+            <a:schemeClr val="lt1"/>
+          </a:fontRef>
+        </p:style>
+        <p:txBody>
+          <a:bodyPr rtlCol="0" anchor="ctr"/>
+          <a:p>
+            <a:pPr algn="ctr"/>
+            <a:endParaRPr lang="en-IN" altLang="en-US"/>
+          </a:p>
+        </p:txBody>
+      </p:sp>
+      <p:sp>
+        <p:nvSpPr>
+          <p:cNvPr id="65" name="Right Arrow 64"/>
+          <p:cNvSpPr/>
+          <p:nvPr/>
+        </p:nvSpPr>
+        <p:spPr>
+          <a:xfrm>
+            <a:off x="10668635" y="961390"/>
+            <a:ext cx="243205" cy="175895"/>
+          </a:xfrm>
+          <a:prstGeom prst="rightArrow">
+            <a:avLst/>
+          </a:prstGeom>
+          <a:noFill/>
+          <a:ln>
+            <a:solidFill>
+              <a:schemeClr val="tx1"/>
+            </a:solidFill>
+          </a:ln>
+          <a:extLst>
+            <a:ext uri="{909E8E84-426E-40DD-AFC4-6F175D3DCCD1}">
+              <a14:hiddenFill xmlns:a14="http://schemas.microsoft.com/office/drawing/2010/main">
+                <a:solidFill>
+                  <a:schemeClr val="accent1"/>
+                </a:solidFill>
+              </a14:hiddenFill>
+            </a:ext>
+          </a:extLst>
+        </p:spPr>
+        <p:style>
+          <a:lnRef idx="2">
+            <a:schemeClr val="accent1">
+              <a:shade val="50000"/>
+            </a:schemeClr>
+          </a:lnRef>
+          <a:fillRef idx="1">
+            <a:schemeClr val="accent1"/>
+          </a:fillRef>
+          <a:effectRef idx="0">
+            <a:schemeClr val="accent1"/>
+          </a:effectRef>
+          <a:fontRef idx="minor">
+            <a:schemeClr val="lt1"/>
+          </a:fontRef>
+        </p:style>
+        <p:txBody>
+          <a:bodyPr rtlCol="0" anchor="ctr"/>
+          <a:p>
+            <a:pPr algn="ctr"/>
+            <a:endParaRPr lang="en-IN" altLang="en-US"/>
+          </a:p>
+        </p:txBody>
+      </p:sp>
+      <p:sp>
+        <p:nvSpPr>
+          <p:cNvPr id="66" name="TextBox 65"/>
+          <p:cNvSpPr txBox="1"/>
+          <p:nvPr/>
+        </p:nvSpPr>
+        <p:spPr>
+          <a:xfrm>
+            <a:off x="8727440" y="571500"/>
+            <a:ext cx="493395" cy="501015"/>
+          </a:xfrm>
+          <a:prstGeom prst="rect">
+            <a:avLst/>
+          </a:prstGeom>
+          <a:noFill/>
+          <a:ln w="28575">
+            <a:noFill/>
+          </a:ln>
+        </p:spPr>
+        <p:txBody>
+          <a:bodyPr wrap="square" rtlCol="0">
+            <a:spAutoFit/>
+          </a:bodyPr>
+          <a:p>
+            <a:r>
+              <a:rPr lang="x-none" altLang="en-IN" sz="1600" b="1" i="1">
+                <a:solidFill>
+                  <a:schemeClr val="tx1"/>
+                </a:solidFill>
+              </a:rPr>
+              <a:t>Y</a:t>
+            </a:r>
+            <a:r>
+              <a:rPr lang="x-none" altLang="en-IN" sz="1600" b="1" i="1" baseline="30000">
+                <a:solidFill>
+                  <a:schemeClr val="tx1"/>
+                </a:solidFill>
+              </a:rPr>
+              <a:t>0</a:t>
+            </a:r>
+            <a:endParaRPr lang="x-none" altLang="en-IN" sz="1600" b="1" i="1" baseline="30000">
+              <a:solidFill>
+                <a:schemeClr val="tx1"/>
+              </a:solidFill>
+            </a:endParaRPr>
+          </a:p>
+        </p:txBody>
+      </p:sp>
+      <p:sp>
+        <p:nvSpPr>
+          <p:cNvPr id="67" name="TextBox 66"/>
+          <p:cNvSpPr txBox="1"/>
+          <p:nvPr/>
+        </p:nvSpPr>
+        <p:spPr>
+          <a:xfrm>
+            <a:off x="10970895" y="787400"/>
+            <a:ext cx="835660" cy="552450"/>
+          </a:xfrm>
+          <a:prstGeom prst="rect">
+            <a:avLst/>
+          </a:prstGeom>
+          <a:noFill/>
+          <a:ln w="28575">
+            <a:solidFill>
+              <a:schemeClr val="tx1"/>
+            </a:solidFill>
+          </a:ln>
+        </p:spPr>
+        <p:txBody>
+          <a:bodyPr wrap="square" rtlCol="0">
+            <a:spAutoFit/>
+          </a:bodyPr>
+          <a:p>
+            <a:pPr algn="ctr"/>
+            <a:r>
+              <a:rPr lang="x-none" altLang="en-IN" b="1"/>
+              <a:t>ED</a:t>
+            </a:r>
+            <a:endParaRPr lang="x-none" altLang="en-IN" b="1"/>
+          </a:p>
+        </p:txBody>
+      </p:sp>
+      <p:sp>
+        <p:nvSpPr>
+          <p:cNvPr id="68" name="Right Arrow 67"/>
+          <p:cNvSpPr/>
+          <p:nvPr/>
+        </p:nvSpPr>
+        <p:spPr>
+          <a:xfrm rot="5400000">
+            <a:off x="11228070" y="1432560"/>
+            <a:ext cx="315595" cy="254635"/>
+          </a:xfrm>
+          <a:prstGeom prst="rightArrow">
+            <a:avLst/>
+          </a:prstGeom>
+          <a:noFill/>
+          <a:ln w="19050">
+            <a:solidFill>
+              <a:schemeClr val="tx1"/>
+            </a:solidFill>
+          </a:ln>
+          <a:extLst>
+            <a:ext uri="{909E8E84-426E-40DD-AFC4-6F175D3DCCD1}">
+              <a14:hiddenFill xmlns:a14="http://schemas.microsoft.com/office/drawing/2010/main">
+                <a:solidFill>
+                  <a:schemeClr val="accent1"/>
+                </a:solidFill>
+              </a14:hiddenFill>
+            </a:ext>
+          </a:extLst>
+        </p:spPr>
+        <p:style>
+          <a:lnRef idx="2">
+            <a:schemeClr val="accent1">
+              <a:shade val="50000"/>
+            </a:schemeClr>
+          </a:lnRef>
+          <a:fillRef idx="1">
+            <a:schemeClr val="accent1"/>
+          </a:fillRef>
+          <a:effectRef idx="0">
+            <a:schemeClr val="accent1"/>
+          </a:effectRef>
+          <a:fontRef idx="minor">
+            <a:schemeClr val="lt1"/>
+          </a:fontRef>
+        </p:style>
+        <p:txBody>
+          <a:bodyPr rtlCol="0" anchor="ctr"/>
+          <a:p>
+            <a:pPr algn="ctr"/>
+            <a:endParaRPr lang="en-IN" altLang="en-US" sz="1200">
+              <a:solidFill>
+                <a:schemeClr val="tx1"/>
+              </a:solidFill>
+            </a:endParaRPr>
+          </a:p>
+        </p:txBody>
+      </p:sp>
+      <p:sp>
+        <p:nvSpPr>
+          <p:cNvPr id="69" name="TextBox 68"/>
+          <p:cNvSpPr txBox="1"/>
+          <p:nvPr/>
+        </p:nvSpPr>
+        <p:spPr>
+          <a:xfrm>
+            <a:off x="10752455" y="1791970"/>
+            <a:ext cx="1462405" cy="742950"/>
+          </a:xfrm>
+          <a:prstGeom prst="rect">
+            <a:avLst/>
+          </a:prstGeom>
+          <a:noFill/>
+        </p:spPr>
+        <p:txBody>
+          <a:bodyPr wrap="square" rtlCol="0">
+            <a:spAutoFit/>
+          </a:bodyPr>
+          <a:p>
+            <a:r>
+              <a:rPr lang="x-none" altLang="en-IN" sz="1600" i="1"/>
+              <a:t>Error present </a:t>
+            </a:r>
+            <a:endParaRPr lang="x-none" altLang="en-IN" sz="1600" i="1"/>
+          </a:p>
+          <a:p>
+            <a:endParaRPr lang="x-none" altLang="en-IN" sz="1600" i="1"/>
+          </a:p>
+        </p:txBody>
+      </p:sp>
+      <p:sp>
+        <p:nvSpPr>
+          <p:cNvPr id="70" name="TextBox 69"/>
+          <p:cNvSpPr txBox="1"/>
+          <p:nvPr/>
+        </p:nvSpPr>
+        <p:spPr>
+          <a:xfrm>
+            <a:off x="10609580" y="396240"/>
+            <a:ext cx="725170" cy="550545"/>
+          </a:xfrm>
+          <a:prstGeom prst="rect">
+            <a:avLst/>
+          </a:prstGeom>
+          <a:noFill/>
+        </p:spPr>
+        <p:txBody>
+          <a:bodyPr wrap="square" rtlCol="0">
+            <a:spAutoFit/>
+          </a:bodyPr>
+          <a:p>
             <a:r>
               <a:rPr lang="x-none" altLang="en-IN"/>
-              <a:t> </a:t>
+              <a:t>LLR</a:t>
             </a:r>
             <a:endParaRPr lang="x-none" altLang="en-IN"/>
+          </a:p>
+        </p:txBody>
+      </p:sp>
+      <p:sp>
+        <p:nvSpPr>
+          <p:cNvPr id="71" name="TextBox 70"/>
+          <p:cNvSpPr txBox="1"/>
+          <p:nvPr/>
+        </p:nvSpPr>
+        <p:spPr>
+          <a:xfrm>
+            <a:off x="4792345" y="555625"/>
+            <a:ext cx="493395" cy="550545"/>
+          </a:xfrm>
+          <a:prstGeom prst="rect">
+            <a:avLst/>
+          </a:prstGeom>
+          <a:noFill/>
+          <a:ln w="28575">
+            <a:noFill/>
+          </a:ln>
+        </p:spPr>
+        <p:txBody>
+          <a:bodyPr wrap="square" rtlCol="0">
+            <a:spAutoFit/>
+          </a:bodyPr>
+          <a:p>
+            <a:r>
+              <a:rPr lang="x-none" altLang="en-IN" i="1">
+                <a:solidFill>
+                  <a:schemeClr val="tx1"/>
+                </a:solidFill>
+              </a:rPr>
+              <a:t>U</a:t>
+            </a:r>
+            <a:endParaRPr lang="x-none" altLang="en-IN" i="1" baseline="30000">
+              <a:solidFill>
+                <a:schemeClr val="tx1"/>
+              </a:solidFill>
+            </a:endParaRPr>
+          </a:p>
+        </p:txBody>
+      </p:sp>
+      <p:sp>
+        <p:nvSpPr>
+          <p:cNvPr id="72" name="TextBox 71"/>
+          <p:cNvSpPr txBox="1"/>
+          <p:nvPr/>
+        </p:nvSpPr>
+        <p:spPr>
+          <a:xfrm>
+            <a:off x="4260850" y="5941695"/>
+            <a:ext cx="493395" cy="550545"/>
+          </a:xfrm>
+          <a:prstGeom prst="rect">
+            <a:avLst/>
+          </a:prstGeom>
+          <a:noFill/>
+          <a:ln w="28575">
+            <a:noFill/>
+          </a:ln>
+        </p:spPr>
+        <p:txBody>
+          <a:bodyPr wrap="square" rtlCol="0">
+            <a:spAutoFit/>
+          </a:bodyPr>
+          <a:p>
+            <a:r>
+              <a:rPr lang="x-none" altLang="en-IN" i="1">
+                <a:solidFill>
+                  <a:schemeClr val="tx1"/>
+                </a:solidFill>
+              </a:rPr>
+              <a:t>U</a:t>
+            </a:r>
+            <a:endParaRPr lang="x-none" altLang="en-IN" i="1" baseline="30000">
+              <a:solidFill>
+                <a:schemeClr val="tx1"/>
+              </a:solidFill>
+            </a:endParaRPr>
+          </a:p>
+        </p:txBody>
+      </p:sp>
+      <p:sp>
+        <p:nvSpPr>
+          <p:cNvPr id="257" name="TextBox 256"/>
+          <p:cNvSpPr txBox="1"/>
+          <p:nvPr/>
+        </p:nvSpPr>
+        <p:spPr>
+          <a:xfrm>
+            <a:off x="4284345" y="5737860"/>
+            <a:ext cx="378460" cy="910590"/>
+          </a:xfrm>
+          <a:prstGeom prst="rect">
+            <a:avLst/>
+          </a:prstGeom>
+          <a:noFill/>
+        </p:spPr>
+        <p:txBody>
+          <a:bodyPr wrap="square" rtlCol="0">
+            <a:spAutoFit/>
+          </a:bodyPr>
+          <a:p>
+            <a:r>
+              <a:rPr lang="x-none" altLang="en-IN" sz="3200" b="1">
+                <a:solidFill>
+                  <a:schemeClr val="tx1"/>
+                </a:solidFill>
+              </a:rPr>
+              <a:t>^</a:t>
+            </a:r>
+            <a:endParaRPr lang="x-none" altLang="en-IN" sz="3200" b="1">
+              <a:solidFill>
+                <a:schemeClr val="tx1"/>
+              </a:solidFill>
+            </a:endParaRPr>
+          </a:p>
+        </p:txBody>
+      </p:sp>
+      <p:cxnSp>
+        <p:nvCxnSpPr>
+          <p:cNvPr id="269" name="Straight Arrow Connector 268"/>
+          <p:cNvCxnSpPr/>
+          <p:nvPr/>
+        </p:nvCxnSpPr>
+        <p:spPr>
+          <a:xfrm>
+            <a:off x="454025" y="629920"/>
+            <a:ext cx="4189095" cy="0"/>
+          </a:xfrm>
+          <a:prstGeom prst="straightConnector1">
+            <a:avLst/>
+          </a:prstGeom>
+          <a:ln w="28575">
+            <a:solidFill>
+              <a:schemeClr val="tx1"/>
+            </a:solidFill>
+            <a:tailEnd type="arrow" w="med" len="med"/>
+          </a:ln>
+        </p:spPr>
+        <p:style>
+          <a:lnRef idx="1">
+            <a:schemeClr val="dk1"/>
+          </a:lnRef>
+          <a:fillRef idx="0">
+            <a:schemeClr val="dk1"/>
+          </a:fillRef>
+          <a:effectRef idx="0">
+            <a:schemeClr val="dk1"/>
+          </a:effectRef>
+          <a:fontRef idx="minor">
+            <a:schemeClr val="tx1"/>
+          </a:fontRef>
+        </p:style>
+      </p:cxnSp>
+      <p:sp>
+        <p:nvSpPr>
+          <p:cNvPr id="270" name="TextBox 269"/>
+          <p:cNvSpPr txBox="1"/>
+          <p:nvPr/>
+        </p:nvSpPr>
+        <p:spPr>
+          <a:xfrm>
+            <a:off x="384175" y="306705"/>
+            <a:ext cx="1438910" cy="499110"/>
+          </a:xfrm>
+          <a:prstGeom prst="rect">
+            <a:avLst/>
+          </a:prstGeom>
+          <a:noFill/>
+        </p:spPr>
+        <p:txBody>
+          <a:bodyPr wrap="square" rtlCol="0">
+            <a:spAutoFit/>
+          </a:bodyPr>
+          <a:p>
+            <a:r>
+              <a:rPr lang="x-none" altLang="en-IN" sz="1600"/>
+              <a:t>Most Reliable</a:t>
+            </a:r>
+            <a:endParaRPr lang="x-none" altLang="en-IN" sz="1600"/>
+          </a:p>
+        </p:txBody>
+      </p:sp>
+      <p:sp>
+        <p:nvSpPr>
+          <p:cNvPr id="271" name="TextBox 270"/>
+          <p:cNvSpPr txBox="1"/>
+          <p:nvPr/>
+        </p:nvSpPr>
+        <p:spPr>
+          <a:xfrm>
+            <a:off x="3477895" y="294005"/>
+            <a:ext cx="1438910" cy="499110"/>
+          </a:xfrm>
+          <a:prstGeom prst="rect">
+            <a:avLst/>
+          </a:prstGeom>
+          <a:noFill/>
+        </p:spPr>
+        <p:txBody>
+          <a:bodyPr wrap="square" rtlCol="0">
+            <a:spAutoFit/>
+          </a:bodyPr>
+          <a:p>
+            <a:r>
+              <a:rPr lang="x-none" altLang="en-IN" sz="1600"/>
+              <a:t>Least Reliable</a:t>
+            </a:r>
+            <a:endParaRPr lang="x-none" altLang="en-IN" sz="1600"/>
+          </a:p>
+        </p:txBody>
+      </p:sp>
+      <p:sp>
+        <p:nvSpPr>
+          <p:cNvPr id="272" name="TextBox 271"/>
+          <p:cNvSpPr txBox="1"/>
+          <p:nvPr/>
+        </p:nvSpPr>
+        <p:spPr>
+          <a:xfrm>
+            <a:off x="1351280" y="43815"/>
+            <a:ext cx="2495550" cy="550545"/>
+          </a:xfrm>
+          <a:prstGeom prst="rect">
+            <a:avLst/>
+          </a:prstGeom>
+          <a:noFill/>
+        </p:spPr>
+        <p:txBody>
+          <a:bodyPr wrap="square" rtlCol="0">
+            <a:spAutoFit/>
+          </a:bodyPr>
+          <a:p>
+            <a:r>
+              <a:rPr lang="x-none" altLang="en-IN" i="1"/>
+              <a:t>Mapping to bit-channels</a:t>
+            </a:r>
+            <a:endParaRPr lang="x-none" altLang="en-IN" i="1"/>
           </a:p>
         </p:txBody>
       </p:sp>
@@ -17584,7 +21665,7 @@
 </p:sld>
 </file>
 
-<file path=ppt/slides/slide8.xml><?xml version="1.0" encoding="utf-8"?>
+<file path=ppt/slides/slide9.xml><?xml version="1.0" encoding="utf-8"?>
 <p:sld xmlns:a="http://schemas.openxmlformats.org/drawingml/2006/main" xmlns:r="http://schemas.openxmlformats.org/officeDocument/2006/relationships" xmlns:p="http://schemas.openxmlformats.org/presentationml/2006/main">
   <p:cSld>
     <p:bg>
@@ -19169,648 +23250,6 @@
 </p:sld>
 </file>
 
-<file path=ppt/slides/slide9.xml><?xml version="1.0" encoding="utf-8"?>
-<p:sld xmlns:a="http://schemas.openxmlformats.org/drawingml/2006/main" xmlns:r="http://schemas.openxmlformats.org/officeDocument/2006/relationships" xmlns:p="http://schemas.openxmlformats.org/presentationml/2006/main">
-  <p:cSld>
-    <p:spTree>
-      <p:nvGrpSpPr>
-        <p:cNvPr id="1" name=""/>
-        <p:cNvGrpSpPr/>
-        <p:nvPr/>
-      </p:nvGrpSpPr>
-      <p:grpSpPr/>
-      <p:sp>
-        <p:nvSpPr>
-          <p:cNvPr id="4" name="Rectangle 3"/>
-          <p:cNvSpPr/>
-          <p:nvPr/>
-        </p:nvSpPr>
-        <p:spPr>
-          <a:xfrm>
-            <a:off x="2204085" y="1904365"/>
-            <a:ext cx="1664335" cy="2183130"/>
-          </a:xfrm>
-          <a:prstGeom prst="rect">
-            <a:avLst/>
-          </a:prstGeom>
-          <a:ln w="57150">
-            <a:solidFill>
-              <a:schemeClr val="tx1"/>
-            </a:solidFill>
-          </a:ln>
-        </p:spPr>
-        <p:style>
-          <a:lnRef idx="2">
-            <a:schemeClr val="dk1"/>
-          </a:lnRef>
-          <a:fillRef idx="1">
-            <a:schemeClr val="lt1"/>
-          </a:fillRef>
-          <a:effectRef idx="0">
-            <a:schemeClr val="dk1"/>
-          </a:effectRef>
-          <a:fontRef idx="minor">
-            <a:schemeClr val="dk1"/>
-          </a:fontRef>
-        </p:style>
-        <p:txBody>
-          <a:bodyPr rtlCol="0" anchor="ctr"/>
-          <a:p>
-            <a:pPr algn="ctr"/>
-            <a:r>
-              <a:rPr lang="x-none" altLang="en-IN" sz="5400"/>
-              <a:t>X</a:t>
-            </a:r>
-            <a:endParaRPr lang="x-none" altLang="en-IN" sz="5400"/>
-          </a:p>
-        </p:txBody>
-      </p:sp>
-      <p:sp>
-        <p:nvSpPr>
-          <p:cNvPr id="6" name="Rectangle 5"/>
-          <p:cNvSpPr/>
-          <p:nvPr/>
-        </p:nvSpPr>
-        <p:spPr>
-          <a:xfrm>
-            <a:off x="6156325" y="1879600"/>
-            <a:ext cx="1664335" cy="2183130"/>
-          </a:xfrm>
-          <a:prstGeom prst="rect">
-            <a:avLst/>
-          </a:prstGeom>
-          <a:ln w="57150">
-            <a:solidFill>
-              <a:schemeClr val="tx1"/>
-            </a:solidFill>
-          </a:ln>
-        </p:spPr>
-        <p:style>
-          <a:lnRef idx="2">
-            <a:schemeClr val="dk1"/>
-          </a:lnRef>
-          <a:fillRef idx="1">
-            <a:schemeClr val="lt1"/>
-          </a:fillRef>
-          <a:effectRef idx="0">
-            <a:schemeClr val="dk1"/>
-          </a:effectRef>
-          <a:fontRef idx="minor">
-            <a:schemeClr val="dk1"/>
-          </a:fontRef>
-        </p:style>
-        <p:txBody>
-          <a:bodyPr rtlCol="0" anchor="ctr"/>
-          <a:p>
-            <a:pPr algn="ctr"/>
-            <a:r>
-              <a:rPr lang="x-none" altLang="en-IN" sz="6000"/>
-              <a:t>Y</a:t>
-            </a:r>
-            <a:endParaRPr lang="x-none" altLang="en-IN" sz="6000"/>
-          </a:p>
-        </p:txBody>
-      </p:sp>
-      <p:grpSp>
-        <p:nvGrpSpPr>
-          <p:cNvPr id="28" name="Group 27"/>
-          <p:cNvGrpSpPr/>
-          <p:nvPr/>
-        </p:nvGrpSpPr>
-        <p:grpSpPr>
-          <a:xfrm rot="0">
-            <a:off x="3897630" y="2349500"/>
-            <a:ext cx="1735455" cy="1224915"/>
-            <a:chOff x="4118" y="3305"/>
-            <a:chExt cx="2502" cy="1634"/>
-          </a:xfrm>
-        </p:grpSpPr>
-        <p:cxnSp>
-          <p:nvCxnSpPr>
-            <p:cNvPr id="8" name="Straight Arrow Connector 7"/>
-            <p:cNvCxnSpPr/>
-            <p:nvPr/>
-          </p:nvCxnSpPr>
-          <p:spPr>
-            <a:xfrm>
-              <a:off x="4118" y="3305"/>
-              <a:ext cx="2485" cy="0"/>
-            </a:xfrm>
-            <a:prstGeom prst="straightConnector1">
-              <a:avLst/>
-            </a:prstGeom>
-            <a:ln w="28575">
-              <a:headEnd type="none" w="med" len="med"/>
-              <a:tailEnd type="triangle" w="med" len="med"/>
-            </a:ln>
-          </p:spPr>
-          <p:style>
-            <a:lnRef idx="2">
-              <a:schemeClr val="dk1"/>
-            </a:lnRef>
-            <a:fillRef idx="0">
-              <a:schemeClr val="dk1"/>
-            </a:fillRef>
-            <a:effectRef idx="1">
-              <a:schemeClr val="dk1"/>
-            </a:effectRef>
-            <a:fontRef idx="minor">
-              <a:schemeClr val="tx1"/>
-            </a:fontRef>
-          </p:style>
-        </p:cxnSp>
-        <p:cxnSp>
-          <p:nvCxnSpPr>
-            <p:cNvPr id="9" name="Straight Arrow Connector 8"/>
-            <p:cNvCxnSpPr/>
-            <p:nvPr/>
-          </p:nvCxnSpPr>
-          <p:spPr>
-            <a:xfrm>
-              <a:off x="4135" y="3799"/>
-              <a:ext cx="2485" cy="0"/>
-            </a:xfrm>
-            <a:prstGeom prst="straightConnector1">
-              <a:avLst/>
-            </a:prstGeom>
-            <a:ln w="28575">
-              <a:headEnd type="none" w="med" len="med"/>
-              <a:tailEnd type="triangle" w="med" len="med"/>
-            </a:ln>
-          </p:spPr>
-          <p:style>
-            <a:lnRef idx="2">
-              <a:schemeClr val="dk1"/>
-            </a:lnRef>
-            <a:fillRef idx="0">
-              <a:schemeClr val="dk1"/>
-            </a:fillRef>
-            <a:effectRef idx="1">
-              <a:schemeClr val="dk1"/>
-            </a:effectRef>
-            <a:fontRef idx="minor">
-              <a:schemeClr val="tx1"/>
-            </a:fontRef>
-          </p:style>
-        </p:cxnSp>
-        <p:cxnSp>
-          <p:nvCxnSpPr>
-            <p:cNvPr id="10" name="Straight Arrow Connector 9"/>
-            <p:cNvCxnSpPr/>
-            <p:nvPr/>
-          </p:nvCxnSpPr>
-          <p:spPr>
-            <a:xfrm>
-              <a:off x="4118" y="4378"/>
-              <a:ext cx="2485" cy="0"/>
-            </a:xfrm>
-            <a:prstGeom prst="straightConnector1">
-              <a:avLst/>
-            </a:prstGeom>
-            <a:ln w="28575">
-              <a:headEnd type="none" w="med" len="med"/>
-              <a:tailEnd type="triangle" w="med" len="med"/>
-            </a:ln>
-          </p:spPr>
-          <p:style>
-            <a:lnRef idx="2">
-              <a:schemeClr val="dk1"/>
-            </a:lnRef>
-            <a:fillRef idx="0">
-              <a:schemeClr val="dk1"/>
-            </a:fillRef>
-            <a:effectRef idx="1">
-              <a:schemeClr val="dk1"/>
-            </a:effectRef>
-            <a:fontRef idx="minor">
-              <a:schemeClr val="tx1"/>
-            </a:fontRef>
-          </p:style>
-        </p:cxnSp>
-        <p:cxnSp>
-          <p:nvCxnSpPr>
-            <p:cNvPr id="11" name="Straight Arrow Connector 10"/>
-            <p:cNvCxnSpPr/>
-            <p:nvPr/>
-          </p:nvCxnSpPr>
-          <p:spPr>
-            <a:xfrm>
-              <a:off x="4135" y="4939"/>
-              <a:ext cx="2485" cy="0"/>
-            </a:xfrm>
-            <a:prstGeom prst="straightConnector1">
-              <a:avLst/>
-            </a:prstGeom>
-            <a:ln w="28575">
-              <a:headEnd type="none" w="med" len="med"/>
-              <a:tailEnd type="triangle" w="med" len="med"/>
-            </a:ln>
-          </p:spPr>
-          <p:style>
-            <a:lnRef idx="2">
-              <a:schemeClr val="dk1"/>
-            </a:lnRef>
-            <a:fillRef idx="0">
-              <a:schemeClr val="dk1"/>
-            </a:fillRef>
-            <a:effectRef idx="1">
-              <a:schemeClr val="dk1"/>
-            </a:effectRef>
-            <a:fontRef idx="minor">
-              <a:schemeClr val="tx1"/>
-            </a:fontRef>
-          </p:style>
-        </p:cxnSp>
-      </p:grpSp>
-      <p:grpSp>
-        <p:nvGrpSpPr>
-          <p:cNvPr id="7" name="Group 6"/>
-          <p:cNvGrpSpPr/>
-          <p:nvPr/>
-        </p:nvGrpSpPr>
-        <p:grpSpPr>
-          <a:xfrm rot="10800000">
-            <a:off x="4348480" y="2497455"/>
-            <a:ext cx="1800225" cy="1224915"/>
-            <a:chOff x="4118" y="3305"/>
-            <a:chExt cx="2502" cy="1634"/>
-          </a:xfrm>
-        </p:grpSpPr>
-        <p:cxnSp>
-          <p:nvCxnSpPr>
-            <p:cNvPr id="12" name="Straight Arrow Connector 11"/>
-            <p:cNvCxnSpPr/>
-            <p:nvPr/>
-          </p:nvCxnSpPr>
-          <p:spPr>
-            <a:xfrm>
-              <a:off x="4118" y="3305"/>
-              <a:ext cx="2485" cy="0"/>
-            </a:xfrm>
-            <a:prstGeom prst="straightConnector1">
-              <a:avLst/>
-            </a:prstGeom>
-            <a:ln w="28575">
-              <a:headEnd type="none" w="med" len="med"/>
-              <a:tailEnd type="triangle" w="med" len="med"/>
-            </a:ln>
-          </p:spPr>
-          <p:style>
-            <a:lnRef idx="2">
-              <a:schemeClr val="dk1"/>
-            </a:lnRef>
-            <a:fillRef idx="0">
-              <a:schemeClr val="dk1"/>
-            </a:fillRef>
-            <a:effectRef idx="1">
-              <a:schemeClr val="dk1"/>
-            </a:effectRef>
-            <a:fontRef idx="minor">
-              <a:schemeClr val="tx1"/>
-            </a:fontRef>
-          </p:style>
-        </p:cxnSp>
-        <p:cxnSp>
-          <p:nvCxnSpPr>
-            <p:cNvPr id="13" name="Straight Arrow Connector 12"/>
-            <p:cNvCxnSpPr/>
-            <p:nvPr/>
-          </p:nvCxnSpPr>
-          <p:spPr>
-            <a:xfrm>
-              <a:off x="4135" y="3799"/>
-              <a:ext cx="2485" cy="0"/>
-            </a:xfrm>
-            <a:prstGeom prst="straightConnector1">
-              <a:avLst/>
-            </a:prstGeom>
-            <a:ln w="28575">
-              <a:headEnd type="none" w="med" len="med"/>
-              <a:tailEnd type="triangle" w="med" len="med"/>
-            </a:ln>
-          </p:spPr>
-          <p:style>
-            <a:lnRef idx="2">
-              <a:schemeClr val="dk1"/>
-            </a:lnRef>
-            <a:fillRef idx="0">
-              <a:schemeClr val="dk1"/>
-            </a:fillRef>
-            <a:effectRef idx="1">
-              <a:schemeClr val="dk1"/>
-            </a:effectRef>
-            <a:fontRef idx="minor">
-              <a:schemeClr val="tx1"/>
-            </a:fontRef>
-          </p:style>
-        </p:cxnSp>
-        <p:cxnSp>
-          <p:nvCxnSpPr>
-            <p:cNvPr id="14" name="Straight Arrow Connector 13"/>
-            <p:cNvCxnSpPr/>
-            <p:nvPr/>
-          </p:nvCxnSpPr>
-          <p:spPr>
-            <a:xfrm>
-              <a:off x="4118" y="4378"/>
-              <a:ext cx="2485" cy="0"/>
-            </a:xfrm>
-            <a:prstGeom prst="straightConnector1">
-              <a:avLst/>
-            </a:prstGeom>
-            <a:ln w="28575">
-              <a:headEnd type="none" w="med" len="med"/>
-              <a:tailEnd type="triangle" w="med" len="med"/>
-            </a:ln>
-          </p:spPr>
-          <p:style>
-            <a:lnRef idx="2">
-              <a:schemeClr val="dk1"/>
-            </a:lnRef>
-            <a:fillRef idx="0">
-              <a:schemeClr val="dk1"/>
-            </a:fillRef>
-            <a:effectRef idx="1">
-              <a:schemeClr val="dk1"/>
-            </a:effectRef>
-            <a:fontRef idx="minor">
-              <a:schemeClr val="tx1"/>
-            </a:fontRef>
-          </p:style>
-        </p:cxnSp>
-        <p:cxnSp>
-          <p:nvCxnSpPr>
-            <p:cNvPr id="15" name="Straight Arrow Connector 14"/>
-            <p:cNvCxnSpPr/>
-            <p:nvPr/>
-          </p:nvCxnSpPr>
-          <p:spPr>
-            <a:xfrm>
-              <a:off x="4135" y="4939"/>
-              <a:ext cx="2485" cy="0"/>
-            </a:xfrm>
-            <a:prstGeom prst="straightConnector1">
-              <a:avLst/>
-            </a:prstGeom>
-            <a:ln w="28575">
-              <a:headEnd type="none" w="med" len="med"/>
-              <a:tailEnd type="triangle" w="med" len="med"/>
-            </a:ln>
-          </p:spPr>
-          <p:style>
-            <a:lnRef idx="2">
-              <a:schemeClr val="dk1"/>
-            </a:lnRef>
-            <a:fillRef idx="0">
-              <a:schemeClr val="dk1"/>
-            </a:fillRef>
-            <a:effectRef idx="1">
-              <a:schemeClr val="dk1"/>
-            </a:effectRef>
-            <a:fontRef idx="minor">
-              <a:schemeClr val="tx1"/>
-            </a:fontRef>
-          </p:style>
-        </p:cxnSp>
-      </p:grpSp>
-      <p:grpSp>
-        <p:nvGrpSpPr>
-          <p:cNvPr id="34" name="Group 33"/>
-          <p:cNvGrpSpPr/>
-          <p:nvPr/>
-        </p:nvGrpSpPr>
-        <p:grpSpPr>
-          <a:xfrm>
-            <a:off x="6776085" y="4163695"/>
-            <a:ext cx="853440" cy="1626870"/>
-            <a:chOff x="11658" y="6932"/>
-            <a:chExt cx="1344" cy="2562"/>
-          </a:xfrm>
-        </p:grpSpPr>
-        <p:sp>
-          <p:nvSpPr>
-            <p:cNvPr id="32" name="TextBox 31"/>
-            <p:cNvSpPr txBox="1"/>
-            <p:nvPr/>
-          </p:nvSpPr>
-          <p:spPr>
-            <a:xfrm>
-              <a:off x="11692" y="6932"/>
-              <a:ext cx="596" cy="2562"/>
-            </a:xfrm>
-            <a:prstGeom prst="rect">
-              <a:avLst/>
-            </a:prstGeom>
-            <a:noFill/>
-          </p:spPr>
-          <p:txBody>
-            <a:bodyPr wrap="square" rtlCol="0">
-              <a:spAutoFit/>
-            </a:bodyPr>
-            <a:p>
-              <a:r>
-                <a:rPr lang="x-none" altLang="en-IN" sz="6000" b="1">
-                  <a:solidFill>
-                    <a:schemeClr val="tx1"/>
-                  </a:solidFill>
-                </a:rPr>
-                <a:t>^</a:t>
-              </a:r>
-              <a:endParaRPr lang="x-none" altLang="en-IN" sz="6000" b="1">
-                <a:solidFill>
-                  <a:schemeClr val="tx1"/>
-                </a:solidFill>
-              </a:endParaRPr>
-            </a:p>
-          </p:txBody>
-        </p:sp>
-        <p:sp>
-          <p:nvSpPr>
-            <p:cNvPr id="33" name="TextBox 32"/>
-            <p:cNvSpPr txBox="1"/>
-            <p:nvPr/>
-          </p:nvSpPr>
-          <p:spPr>
-            <a:xfrm>
-              <a:off x="11658" y="7442"/>
-              <a:ext cx="1345" cy="1595"/>
-            </a:xfrm>
-            <a:prstGeom prst="rect">
-              <a:avLst/>
-            </a:prstGeom>
-            <a:noFill/>
-          </p:spPr>
-          <p:txBody>
-            <a:bodyPr wrap="square" rtlCol="0">
-              <a:spAutoFit/>
-            </a:bodyPr>
-            <a:p>
-              <a:r>
-                <a:rPr lang="x-none" altLang="en-IN" sz="3600" b="1"/>
-                <a:t>X</a:t>
-              </a:r>
-              <a:endParaRPr lang="x-none" altLang="en-IN" sz="3600" b="1"/>
-            </a:p>
-          </p:txBody>
-        </p:sp>
-      </p:grpSp>
-      <p:grpSp>
-        <p:nvGrpSpPr>
-          <p:cNvPr id="35" name="Group 34"/>
-          <p:cNvGrpSpPr/>
-          <p:nvPr/>
-        </p:nvGrpSpPr>
-        <p:grpSpPr>
-          <a:xfrm>
-            <a:off x="2743835" y="4174490"/>
-            <a:ext cx="854075" cy="1626870"/>
-            <a:chOff x="11658" y="6932"/>
-            <a:chExt cx="1345" cy="2562"/>
-          </a:xfrm>
-        </p:grpSpPr>
-        <p:sp>
-          <p:nvSpPr>
-            <p:cNvPr id="36" name="TextBox 35"/>
-            <p:cNvSpPr txBox="1"/>
-            <p:nvPr/>
-          </p:nvSpPr>
-          <p:spPr>
-            <a:xfrm>
-              <a:off x="11692" y="6932"/>
-              <a:ext cx="596" cy="2562"/>
-            </a:xfrm>
-            <a:prstGeom prst="rect">
-              <a:avLst/>
-            </a:prstGeom>
-            <a:noFill/>
-          </p:spPr>
-          <p:txBody>
-            <a:bodyPr wrap="square" rtlCol="0">
-              <a:spAutoFit/>
-            </a:bodyPr>
-            <a:p>
-              <a:r>
-                <a:rPr lang="x-none" altLang="en-IN" sz="6000" b="1">
-                  <a:solidFill>
-                    <a:schemeClr val="tx1"/>
-                  </a:solidFill>
-                </a:rPr>
-                <a:t>^</a:t>
-              </a:r>
-              <a:endParaRPr lang="x-none" altLang="en-IN" sz="6000" b="1">
-                <a:solidFill>
-                  <a:schemeClr val="tx1"/>
-                </a:solidFill>
-              </a:endParaRPr>
-            </a:p>
-          </p:txBody>
-        </p:sp>
-        <p:sp>
-          <p:nvSpPr>
-            <p:cNvPr id="37" name="TextBox 36"/>
-            <p:cNvSpPr txBox="1"/>
-            <p:nvPr/>
-          </p:nvSpPr>
-          <p:spPr>
-            <a:xfrm>
-              <a:off x="11658" y="7442"/>
-              <a:ext cx="1345" cy="1595"/>
-            </a:xfrm>
-            <a:prstGeom prst="rect">
-              <a:avLst/>
-            </a:prstGeom>
-            <a:noFill/>
-          </p:spPr>
-          <p:txBody>
-            <a:bodyPr wrap="square" rtlCol="0">
-              <a:spAutoFit/>
-            </a:bodyPr>
-            <a:p>
-              <a:r>
-                <a:rPr lang="x-none" altLang="en-IN" sz="3600" b="1"/>
-                <a:t>Y</a:t>
-              </a:r>
-              <a:endParaRPr lang="x-none" altLang="en-IN" sz="3600" b="1"/>
-            </a:p>
-          </p:txBody>
-        </p:sp>
-      </p:grpSp>
-      <p:cxnSp>
-        <p:nvCxnSpPr>
-          <p:cNvPr id="41" name="Straight Arrow Connector 40"/>
-          <p:cNvCxnSpPr/>
-          <p:nvPr/>
-        </p:nvCxnSpPr>
-        <p:spPr>
-          <a:xfrm>
-            <a:off x="2982595" y="4087495"/>
-            <a:ext cx="0" cy="356870"/>
-          </a:xfrm>
-          <a:prstGeom prst="straightConnector1">
-            <a:avLst/>
-          </a:prstGeom>
-          <a:ln w="28575">
-            <a:headEnd type="none"/>
-            <a:tailEnd type="triangle" w="med" len="med"/>
-          </a:ln>
-        </p:spPr>
-        <p:style>
-          <a:lnRef idx="1">
-            <a:schemeClr val="dk1"/>
-          </a:lnRef>
-          <a:fillRef idx="0">
-            <a:schemeClr val="dk1"/>
-          </a:fillRef>
-          <a:effectRef idx="0">
-            <a:schemeClr val="dk1"/>
-          </a:effectRef>
-          <a:fontRef idx="minor">
-            <a:schemeClr val="tx1"/>
-          </a:fontRef>
-        </p:style>
-      </p:cxnSp>
-      <p:cxnSp>
-        <p:nvCxnSpPr>
-          <p:cNvPr id="42" name="Straight Arrow Connector 41"/>
-          <p:cNvCxnSpPr/>
-          <p:nvPr/>
-        </p:nvCxnSpPr>
-        <p:spPr>
-          <a:xfrm>
-            <a:off x="7035800" y="4076700"/>
-            <a:ext cx="0" cy="356870"/>
-          </a:xfrm>
-          <a:prstGeom prst="straightConnector1">
-            <a:avLst/>
-          </a:prstGeom>
-          <a:ln w="28575">
-            <a:headEnd type="none"/>
-            <a:tailEnd type="triangle" w="med" len="med"/>
-          </a:ln>
-        </p:spPr>
-        <p:style>
-          <a:lnRef idx="1">
-            <a:schemeClr val="dk1"/>
-          </a:lnRef>
-          <a:fillRef idx="0">
-            <a:schemeClr val="dk1"/>
-          </a:fillRef>
-          <a:effectRef idx="0">
-            <a:schemeClr val="dk1"/>
-          </a:effectRef>
-          <a:fontRef idx="minor">
-            <a:schemeClr val="tx1"/>
-          </a:fontRef>
-        </p:style>
-      </p:cxnSp>
-    </p:spTree>
-  </p:cSld>
-  <p:clrMapOvr>
-    <a:masterClrMapping/>
-  </p:clrMapOvr>
-</p:sld>
-</file>
-
 <file path=ppt/theme/theme1.xml><?xml version="1.0" encoding="utf-8"?>
 <a:theme xmlns:a="http://schemas.openxmlformats.org/drawingml/2006/main" name="Office Theme">
   <a:themeElements>
